--- a/Result Kalbe Nutritionals x Rakamin Academy.pptx
+++ b/Result Kalbe Nutritionals x Rakamin Academy.pptx
@@ -8304,7 +8304,7 @@
         <p:spPr>
           <a:xfrm>
             <a:off x="546240" y="1365602"/>
-            <a:ext cx="7744320" cy="2123628"/>
+            <a:ext cx="7744320" cy="1846629"/>
           </a:xfrm>
           <a:prstGeom prst="rect">
             <a:avLst/>
@@ -8320,13 +8320,7 @@
           </a:bodyPr>
           <a:lstStyle/>
           <a:p>
-            <a:pPr marL="285750" lvl="0" indent="-285750" algn="just" rtl="0">
-              <a:spcBef>
-                <a:spcPts val="0"/>
-              </a:spcBef>
-              <a:spcAft>
-                <a:spcPts val="0"/>
-              </a:spcAft>
+            <a:pPr marL="285750" lvl="0" indent="-285750" algn="just">
               <a:buFont typeface="Arial" panose="020B0604020202020204" pitchFamily="34" charset="0"/>
               <a:buChar char="•"/>
             </a:pPr>
@@ -8337,17 +8331,29 @@
                 <a:cs typeface="Rubik"/>
                 <a:sym typeface="Rubik"/>
               </a:rPr>
-              <a:t>Lebih </a:t>
-            </a:r>
-            <a:r>
-              <a:rPr lang="en-US" sz="1800" dirty="0" err="1">
+              <a:t>More male customers than female</a:t>
+            </a:r>
+          </a:p>
+          <a:p>
+            <a:pPr marL="285750" lvl="0" indent="-285750" algn="just">
+              <a:buFont typeface="Arial" panose="020B0604020202020204" pitchFamily="34" charset="0"/>
+              <a:buChar char="•"/>
+            </a:pPr>
+            <a:r>
+              <a:rPr lang="en-US" sz="1800" dirty="0">
                 <a:latin typeface="Rubik"/>
                 <a:ea typeface="Rubik"/>
                 <a:cs typeface="Rubik"/>
                 <a:sym typeface="Rubik"/>
               </a:rPr>
-              <a:t>banyak</a:t>
-            </a:r>
+              <a:t>The age of customers is in the range of 20 - 60 years with some outliers (age below 10 years and above 65 years). The majority are in the age of 25 - 55 years.</a:t>
+            </a:r>
+          </a:p>
+          <a:p>
+            <a:pPr marL="285750" lvl="0" indent="-285750" algn="just">
+              <a:buFont typeface="Arial" panose="020B0604020202020204" pitchFamily="34" charset="0"/>
+              <a:buChar char="•"/>
+            </a:pPr>
             <a:r>
               <a:rPr lang="en-US" sz="1800" dirty="0">
                 <a:latin typeface="Rubik"/>
@@ -8355,353 +8361,8 @@
                 <a:cs typeface="Rubik"/>
                 <a:sym typeface="Rubik"/>
               </a:rPr>
-              <a:t> customer </a:t>
-            </a:r>
-            <a:r>
-              <a:rPr lang="en-US" sz="1800" dirty="0" err="1">
-                <a:latin typeface="Rubik"/>
-                <a:ea typeface="Rubik"/>
-                <a:cs typeface="Rubik"/>
-                <a:sym typeface="Rubik"/>
-              </a:rPr>
-              <a:t>pria</a:t>
-            </a:r>
-            <a:endParaRPr lang="en-US" sz="1800" dirty="0">
-              <a:latin typeface="Rubik"/>
-              <a:ea typeface="Rubik"/>
-              <a:cs typeface="Rubik"/>
-              <a:sym typeface="Rubik"/>
-            </a:endParaRPr>
-          </a:p>
-          <a:p>
-            <a:pPr marL="285750" lvl="0" indent="-285750" algn="just" rtl="0">
-              <a:spcBef>
-                <a:spcPts val="0"/>
-              </a:spcBef>
-              <a:spcAft>
-                <a:spcPts val="0"/>
-              </a:spcAft>
-              <a:buFont typeface="Arial" panose="020B0604020202020204" pitchFamily="34" charset="0"/>
-              <a:buChar char="•"/>
-            </a:pPr>
-            <a:r>
-              <a:rPr lang="en-US" sz="1800" dirty="0" err="1">
-                <a:latin typeface="Rubik"/>
-                <a:ea typeface="Rubik"/>
-                <a:cs typeface="Rubik"/>
-                <a:sym typeface="Rubik"/>
-              </a:rPr>
-              <a:t>Usia</a:t>
-            </a:r>
-            <a:r>
-              <a:rPr lang="en-US" sz="1800" dirty="0">
-                <a:latin typeface="Rubik"/>
-                <a:ea typeface="Rubik"/>
-                <a:cs typeface="Rubik"/>
-                <a:sym typeface="Rubik"/>
-              </a:rPr>
-              <a:t> customer </a:t>
-            </a:r>
-            <a:r>
-              <a:rPr lang="en-US" sz="1800" dirty="0" err="1">
-                <a:latin typeface="Rubik"/>
-                <a:ea typeface="Rubik"/>
-                <a:cs typeface="Rubik"/>
-                <a:sym typeface="Rubik"/>
-              </a:rPr>
-              <a:t>berada</a:t>
-            </a:r>
-            <a:r>
-              <a:rPr lang="en-US" sz="1800" dirty="0">
-                <a:latin typeface="Rubik"/>
-                <a:ea typeface="Rubik"/>
-                <a:cs typeface="Rubik"/>
-                <a:sym typeface="Rubik"/>
-              </a:rPr>
-              <a:t> di range 20 - 60 </a:t>
-            </a:r>
-            <a:r>
-              <a:rPr lang="en-US" sz="1800" dirty="0" err="1">
-                <a:latin typeface="Rubik"/>
-                <a:ea typeface="Rubik"/>
-                <a:cs typeface="Rubik"/>
-                <a:sym typeface="Rubik"/>
-              </a:rPr>
-              <a:t>tahun</a:t>
-            </a:r>
-            <a:r>
-              <a:rPr lang="en-US" sz="1800" dirty="0">
-                <a:latin typeface="Rubik"/>
-                <a:ea typeface="Rubik"/>
-                <a:cs typeface="Rubik"/>
-                <a:sym typeface="Rubik"/>
-              </a:rPr>
-              <a:t> dengan beberapa outlier (</a:t>
-            </a:r>
-            <a:r>
-              <a:rPr lang="en-US" sz="1800" dirty="0" err="1">
-                <a:latin typeface="Rubik"/>
-                <a:ea typeface="Rubik"/>
-                <a:cs typeface="Rubik"/>
-                <a:sym typeface="Rubik"/>
-              </a:rPr>
-              <a:t>usia</a:t>
-            </a:r>
-            <a:r>
-              <a:rPr lang="en-US" sz="1800" dirty="0">
-                <a:latin typeface="Rubik"/>
-                <a:ea typeface="Rubik"/>
-                <a:cs typeface="Rubik"/>
-                <a:sym typeface="Rubik"/>
-              </a:rPr>
-              <a:t> dibawah 10 </a:t>
-            </a:r>
-            <a:r>
-              <a:rPr lang="en-US" sz="1800" dirty="0" err="1">
-                <a:latin typeface="Rubik"/>
-                <a:ea typeface="Rubik"/>
-                <a:cs typeface="Rubik"/>
-                <a:sym typeface="Rubik"/>
-              </a:rPr>
-              <a:t>tahun</a:t>
-            </a:r>
-            <a:r>
-              <a:rPr lang="en-US" sz="1800" dirty="0">
-                <a:latin typeface="Rubik"/>
-                <a:ea typeface="Rubik"/>
-                <a:cs typeface="Rubik"/>
-                <a:sym typeface="Rubik"/>
-              </a:rPr>
-              <a:t> dan </a:t>
-            </a:r>
-            <a:r>
-              <a:rPr lang="en-US" sz="1800" dirty="0" err="1">
-                <a:latin typeface="Rubik"/>
-                <a:ea typeface="Rubik"/>
-                <a:cs typeface="Rubik"/>
-                <a:sym typeface="Rubik"/>
-              </a:rPr>
-              <a:t>diatas</a:t>
-            </a:r>
-            <a:r>
-              <a:rPr lang="en-US" sz="1800" dirty="0">
-                <a:latin typeface="Rubik"/>
-                <a:ea typeface="Rubik"/>
-                <a:cs typeface="Rubik"/>
-                <a:sym typeface="Rubik"/>
-              </a:rPr>
-              <a:t> 65 </a:t>
-            </a:r>
-            <a:r>
-              <a:rPr lang="en-US" sz="1800" dirty="0" err="1">
-                <a:latin typeface="Rubik"/>
-                <a:ea typeface="Rubik"/>
-                <a:cs typeface="Rubik"/>
-                <a:sym typeface="Rubik"/>
-              </a:rPr>
-              <a:t>tahun</a:t>
-            </a:r>
-            <a:r>
-              <a:rPr lang="en-US" sz="1800" dirty="0">
-                <a:latin typeface="Rubik"/>
-                <a:ea typeface="Rubik"/>
-                <a:cs typeface="Rubik"/>
-                <a:sym typeface="Rubik"/>
-              </a:rPr>
-              <a:t>). </a:t>
-            </a:r>
-            <a:r>
-              <a:rPr lang="en-US" sz="1800" dirty="0" err="1">
-                <a:latin typeface="Rubik"/>
-                <a:ea typeface="Rubik"/>
-                <a:cs typeface="Rubik"/>
-                <a:sym typeface="Rubik"/>
-              </a:rPr>
-              <a:t>Mayoritas</a:t>
-            </a:r>
-            <a:r>
-              <a:rPr lang="en-US" sz="1800" dirty="0">
-                <a:latin typeface="Rubik"/>
-                <a:ea typeface="Rubik"/>
-                <a:cs typeface="Rubik"/>
-                <a:sym typeface="Rubik"/>
-              </a:rPr>
-              <a:t> </a:t>
-            </a:r>
-            <a:r>
-              <a:rPr lang="en-US" sz="1800" dirty="0" err="1">
-                <a:latin typeface="Rubik"/>
-                <a:ea typeface="Rubik"/>
-                <a:cs typeface="Rubik"/>
-                <a:sym typeface="Rubik"/>
-              </a:rPr>
-              <a:t>berada</a:t>
-            </a:r>
-            <a:r>
-              <a:rPr lang="en-US" sz="1800" dirty="0">
-                <a:latin typeface="Rubik"/>
-                <a:ea typeface="Rubik"/>
-                <a:cs typeface="Rubik"/>
-                <a:sym typeface="Rubik"/>
-              </a:rPr>
-              <a:t> di </a:t>
-            </a:r>
-            <a:r>
-              <a:rPr lang="en-US" sz="1800" dirty="0" err="1">
-                <a:latin typeface="Rubik"/>
-                <a:ea typeface="Rubik"/>
-                <a:cs typeface="Rubik"/>
-                <a:sym typeface="Rubik"/>
-              </a:rPr>
-              <a:t>usia</a:t>
-            </a:r>
-            <a:r>
-              <a:rPr lang="en-US" sz="1800" dirty="0">
-                <a:latin typeface="Rubik"/>
-                <a:ea typeface="Rubik"/>
-                <a:cs typeface="Rubik"/>
-                <a:sym typeface="Rubik"/>
-              </a:rPr>
-              <a:t> 25 - 55 </a:t>
-            </a:r>
-            <a:r>
-              <a:rPr lang="en-US" sz="1800" dirty="0" err="1">
-                <a:latin typeface="Rubik"/>
-                <a:ea typeface="Rubik"/>
-                <a:cs typeface="Rubik"/>
-                <a:sym typeface="Rubik"/>
-              </a:rPr>
-              <a:t>tahun</a:t>
-            </a:r>
-            <a:r>
-              <a:rPr lang="en-US" sz="1800" dirty="0">
-                <a:latin typeface="Rubik"/>
-                <a:ea typeface="Rubik"/>
-                <a:cs typeface="Rubik"/>
-                <a:sym typeface="Rubik"/>
-              </a:rPr>
-              <a:t>.</a:t>
-            </a:r>
-          </a:p>
-          <a:p>
-            <a:pPr marL="285750" lvl="0" indent="-285750" algn="just" rtl="0">
-              <a:spcBef>
-                <a:spcPts val="0"/>
-              </a:spcBef>
-              <a:spcAft>
-                <a:spcPts val="0"/>
-              </a:spcAft>
-              <a:buFont typeface="Arial" panose="020B0604020202020204" pitchFamily="34" charset="0"/>
-              <a:buChar char="•"/>
-            </a:pPr>
-            <a:r>
-              <a:rPr lang="en-US" sz="1800" dirty="0" err="1">
-                <a:latin typeface="Rubik"/>
-                <a:ea typeface="Rubik"/>
-                <a:cs typeface="Rubik"/>
-                <a:sym typeface="Rubik"/>
-              </a:rPr>
-              <a:t>Pendapatan</a:t>
-            </a:r>
-            <a:r>
-              <a:rPr lang="en-US" sz="1800" dirty="0">
-                <a:latin typeface="Rubik"/>
-                <a:ea typeface="Rubik"/>
-                <a:cs typeface="Rubik"/>
-                <a:sym typeface="Rubik"/>
-              </a:rPr>
-              <a:t> </a:t>
-            </a:r>
-            <a:r>
-              <a:rPr lang="en-US" sz="1800" dirty="0" err="1">
-                <a:latin typeface="Rubik"/>
-                <a:ea typeface="Rubik"/>
-                <a:cs typeface="Rubik"/>
-                <a:sym typeface="Rubik"/>
-              </a:rPr>
-              <a:t>berada</a:t>
-            </a:r>
-            <a:r>
-              <a:rPr lang="en-US" sz="1800" dirty="0">
-                <a:latin typeface="Rubik"/>
-                <a:ea typeface="Rubik"/>
-                <a:cs typeface="Rubik"/>
-                <a:sym typeface="Rubik"/>
-              </a:rPr>
-              <a:t> di range 0 - 20 </a:t>
-            </a:r>
-            <a:r>
-              <a:rPr lang="en-US" sz="1800" dirty="0" err="1">
-                <a:latin typeface="Rubik"/>
-                <a:ea typeface="Rubik"/>
-                <a:cs typeface="Rubik"/>
-                <a:sym typeface="Rubik"/>
-              </a:rPr>
-              <a:t>juta</a:t>
-            </a:r>
-            <a:r>
-              <a:rPr lang="en-US" sz="1800" dirty="0">
-                <a:latin typeface="Rubik"/>
-                <a:ea typeface="Rubik"/>
-                <a:cs typeface="Rubik"/>
-                <a:sym typeface="Rubik"/>
-              </a:rPr>
-              <a:t> rupiah dengan beberapa outlier (</a:t>
-            </a:r>
-            <a:r>
-              <a:rPr lang="en-US" sz="1800" dirty="0" err="1">
-                <a:latin typeface="Rubik"/>
-                <a:ea typeface="Rubik"/>
-                <a:cs typeface="Rubik"/>
-                <a:sym typeface="Rubik"/>
-              </a:rPr>
-              <a:t>pendapatan</a:t>
-            </a:r>
-            <a:r>
-              <a:rPr lang="en-US" sz="1800" dirty="0">
-                <a:latin typeface="Rubik"/>
-                <a:ea typeface="Rubik"/>
-                <a:cs typeface="Rubik"/>
-                <a:sym typeface="Rubik"/>
-              </a:rPr>
-              <a:t> di atas 20 </a:t>
-            </a:r>
-            <a:r>
-              <a:rPr lang="en-US" sz="1800" dirty="0" err="1">
-                <a:latin typeface="Rubik"/>
-                <a:ea typeface="Rubik"/>
-                <a:cs typeface="Rubik"/>
-                <a:sym typeface="Rubik"/>
-              </a:rPr>
-              <a:t>juta</a:t>
-            </a:r>
-            <a:r>
-              <a:rPr lang="en-US" sz="1800" dirty="0">
-                <a:latin typeface="Rubik"/>
-                <a:ea typeface="Rubik"/>
-                <a:cs typeface="Rubik"/>
-                <a:sym typeface="Rubik"/>
-              </a:rPr>
-              <a:t> rupiah)</a:t>
-            </a:r>
-          </a:p>
-          <a:p>
-            <a:pPr marL="285750" lvl="0" indent="-285750" algn="just" rtl="0">
-              <a:spcBef>
-                <a:spcPts val="0"/>
-              </a:spcBef>
-              <a:spcAft>
-                <a:spcPts val="0"/>
-              </a:spcAft>
-              <a:buFont typeface="Arial" panose="020B0604020202020204" pitchFamily="34" charset="0"/>
-              <a:buChar char="•"/>
-            </a:pPr>
-            <a:endParaRPr lang="en-US" sz="1800" dirty="0">
-              <a:latin typeface="Rubik"/>
-              <a:ea typeface="Rubik"/>
-              <a:cs typeface="Rubik"/>
-              <a:sym typeface="Rubik"/>
-            </a:endParaRPr>
+              <a:t>Customer income is in the range of 0 - 20 million rupiah with some outliers (income above 20 million rupiah).</a:t>
+            </a:r>
           </a:p>
         </p:txBody>
       </p:sp>
@@ -8955,26 +8616,7 @@
           </a:bodyPr>
           <a:lstStyle/>
           <a:p>
-            <a:pPr lvl="0" algn="just" rtl="0">
-              <a:spcBef>
-                <a:spcPts val="0"/>
-              </a:spcBef>
-              <a:spcAft>
-                <a:spcPts val="0"/>
-              </a:spcAft>
-            </a:pPr>
-            <a:r>
-              <a:rPr lang="en-US" sz="1800" dirty="0" err="1">
-                <a:solidFill>
-                  <a:schemeClr val="tx1"/>
-                </a:solidFill>
-                <a:latin typeface="Rubik"/>
-                <a:ea typeface="Rubik"/>
-                <a:cs typeface="Rubik"/>
-                <a:sym typeface="Rubik"/>
-              </a:rPr>
-              <a:t>Terdapat</a:t>
-            </a:r>
+            <a:pPr lvl="0" algn="just"/>
             <a:r>
               <a:rPr lang="en-US" sz="1800" dirty="0">
                 <a:solidFill>
@@ -8985,55 +8627,7 @@
                 <a:cs typeface="Rubik"/>
                 <a:sym typeface="Rubik"/>
               </a:rPr>
-              <a:t> 4 cluster </a:t>
-            </a:r>
-            <a:r>
-              <a:rPr lang="en-US" sz="1800" dirty="0" err="1">
-                <a:solidFill>
-                  <a:schemeClr val="tx1"/>
-                </a:solidFill>
-                <a:latin typeface="Rubik"/>
-                <a:ea typeface="Rubik"/>
-                <a:cs typeface="Rubik"/>
-                <a:sym typeface="Rubik"/>
-              </a:rPr>
-              <a:t>untuk</a:t>
-            </a:r>
-            <a:r>
-              <a:rPr lang="en-US" sz="1800" dirty="0">
-                <a:solidFill>
-                  <a:schemeClr val="tx1"/>
-                </a:solidFill>
-                <a:latin typeface="Rubik"/>
-                <a:ea typeface="Rubik"/>
-                <a:cs typeface="Rubik"/>
-                <a:sym typeface="Rubik"/>
-              </a:rPr>
-              <a:t> </a:t>
-            </a:r>
-            <a:r>
-              <a:rPr lang="en-US" sz="1800" dirty="0" err="1">
-                <a:solidFill>
-                  <a:schemeClr val="tx1"/>
-                </a:solidFill>
-                <a:latin typeface="Rubik"/>
-                <a:ea typeface="Rubik"/>
-                <a:cs typeface="Rubik"/>
-                <a:sym typeface="Rubik"/>
-              </a:rPr>
-              <a:t>segmentasi</a:t>
-            </a:r>
-            <a:r>
-              <a:rPr lang="en-US" sz="1800" dirty="0">
-                <a:solidFill>
-                  <a:schemeClr val="tx1"/>
-                </a:solidFill>
-                <a:latin typeface="Rubik"/>
-                <a:ea typeface="Rubik"/>
-                <a:cs typeface="Rubik"/>
-                <a:sym typeface="Rubik"/>
-              </a:rPr>
-              <a:t> customer:</a:t>
+              <a:t>There are 4 clusters for customer segmentation:</a:t>
             </a:r>
           </a:p>
           <a:p>
@@ -9386,29 +8980,16 @@
           </a:bodyPr>
           <a:lstStyle/>
           <a:p>
-            <a:pPr lvl="0" algn="just" rtl="0">
-              <a:spcBef>
-                <a:spcPts val="0"/>
-              </a:spcBef>
-              <a:spcAft>
-                <a:spcPts val="0"/>
-              </a:spcAft>
-            </a:pPr>
-            <a:r>
-              <a:rPr lang="it-IT" sz="1800" dirty="0">
+            <a:pPr lvl="0" algn="just"/>
+            <a:r>
+              <a:rPr lang="en-US" sz="1800" dirty="0">
                 <a:latin typeface="Rubik"/>
                 <a:ea typeface="Rubik"/>
                 <a:cs typeface="Rubik"/>
                 <a:sym typeface="Rubik"/>
               </a:rPr>
-              <a:t>Banyak customer yang berada di cluster 0 (Moderate Health Shopper), dan paling sedikit di cluster 1 (High-Value Health Enthusiasts).</a:t>
-            </a:r>
-            <a:endParaRPr lang="en-US" sz="1800" dirty="0">
-              <a:latin typeface="Rubik"/>
-              <a:ea typeface="Rubik"/>
-              <a:cs typeface="Rubik"/>
-              <a:sym typeface="Rubik"/>
-            </a:endParaRPr>
+              <a:t>Many customers are in cluster 0 (Moderate Health Shopper), and the least in cluster 1 (High-Value Health Enthusiasts).</a:t>
+            </a:r>
           </a:p>
         </p:txBody>
       </p:sp>
@@ -9611,29 +9192,16 @@
           </a:bodyPr>
           <a:lstStyle/>
           <a:p>
-            <a:pPr lvl="0" algn="just" rtl="0">
-              <a:spcBef>
-                <a:spcPts val="0"/>
-              </a:spcBef>
-              <a:spcAft>
-                <a:spcPts val="0"/>
-              </a:spcAft>
-            </a:pPr>
-            <a:r>
-              <a:rPr lang="it-IT" sz="1800" dirty="0">
+            <a:pPr lvl="0" algn="just"/>
+            <a:r>
+              <a:rPr lang="en-US" sz="1800" dirty="0">
                 <a:latin typeface="Rubik"/>
                 <a:ea typeface="Rubik"/>
                 <a:cs typeface="Rubik"/>
                 <a:sym typeface="Rubik"/>
               </a:rPr>
-              <a:t>Cluster 2 memiliki rata-rata jumlah pembelian paling rendah. Sedangkan Cluster 1 memiliki rata-rata jumlah pembelian tertinggi.</a:t>
-            </a:r>
-            <a:endParaRPr lang="en-US" sz="1800" dirty="0">
-              <a:latin typeface="Rubik"/>
-              <a:ea typeface="Rubik"/>
-              <a:cs typeface="Rubik"/>
-              <a:sym typeface="Rubik"/>
-            </a:endParaRPr>
+              <a:t>Cluster 2 has the lowest average number of purchases. While Cluster 1 has the highest average number of purchases.</a:t>
+            </a:r>
           </a:p>
         </p:txBody>
       </p:sp>
@@ -9652,7 +9220,7 @@
           <p:nvPr>
             <p:extLst>
               <p:ext uri="{D42A27DB-BD31-4B8C-83A1-F6EECF244321}">
-                <p14:modId xmlns:p14="http://schemas.microsoft.com/office/powerpoint/2010/main" val="913143112"/>
+                <p14:modId xmlns:p14="http://schemas.microsoft.com/office/powerpoint/2010/main" val="3006390905"/>
               </p:ext>
             </p:extLst>
           </p:nvPr>
@@ -9713,31 +9281,7 @@
                       <a:pPr algn="ctr"/>
                       <a:r>
                         <a:rPr lang="en-US" dirty="0"/>
-                        <a:t>Rata-rata </a:t>
-                      </a:r>
-                      <a:r>
-                        <a:rPr lang="en-US" dirty="0" err="1"/>
-                        <a:t>Jumlah</a:t>
-                      </a:r>
-                      <a:r>
-                        <a:rPr lang="en-US" dirty="0"/>
-                        <a:t> </a:t>
-                      </a:r>
-                      <a:r>
-                        <a:rPr lang="en-US" dirty="0" err="1"/>
-                        <a:t>Pembelian</a:t>
-                      </a:r>
-                      <a:r>
-                        <a:rPr lang="en-US" dirty="0"/>
-                        <a:t> </a:t>
-                      </a:r>
-                      <a:r>
-                        <a:rPr lang="en-US" dirty="0" err="1"/>
-                        <a:t>Barang</a:t>
-                      </a:r>
-                      <a:r>
-                        <a:rPr lang="en-US" dirty="0"/>
-                        <a:t> (pcs)</a:t>
+                        <a:t>Average Quantity of Goods Purchased (pcs)</a:t>
                       </a:r>
                     </a:p>
                   </a:txBody>
@@ -9751,29 +9295,8 @@
                       <a:pPr algn="ctr"/>
                       <a:r>
                         <a:rPr lang="en-US" dirty="0"/>
-                        <a:t>Rata-rata </a:t>
+                        <a:t>Average Amount of Purchase (IDR)</a:t>
                       </a:r>
-                      <a:r>
-                        <a:rPr lang="en-US" dirty="0" err="1"/>
-                        <a:t>Jumlah</a:t>
-                      </a:r>
-                      <a:r>
-                        <a:rPr lang="en-US" dirty="0"/>
-                        <a:t> </a:t>
-                      </a:r>
-                      <a:r>
-                        <a:rPr lang="en-US" dirty="0" err="1"/>
-                        <a:t>Harga</a:t>
-                      </a:r>
-                      <a:r>
-                        <a:rPr lang="en-US" dirty="0"/>
-                        <a:t> </a:t>
-                      </a:r>
-                      <a:r>
-                        <a:rPr lang="en-US" dirty="0" err="1"/>
-                        <a:t>Pembelian</a:t>
-                      </a:r>
-                      <a:endParaRPr lang="en-US" dirty="0"/>
                     </a:p>
                   </a:txBody>
                   <a:tcPr/>
@@ -10175,8 +9698,8 @@
         </p:nvSpPr>
         <p:spPr>
           <a:xfrm>
-            <a:off x="546240" y="1365602"/>
-            <a:ext cx="7744320" cy="2754570"/>
+            <a:off x="546240" y="1733777"/>
+            <a:ext cx="7744320" cy="2154406"/>
           </a:xfrm>
           <a:prstGeom prst="rect">
             <a:avLst/>
@@ -10207,18 +9730,6 @@
           <a:p>
             <a:pPr algn="just"/>
             <a:r>
-              <a:rPr lang="en-US" sz="1600" dirty="0" err="1">
-                <a:solidFill>
-                  <a:schemeClr val="tx1"/>
-                </a:solidFill>
-                <a:latin typeface="Rubik"/>
-                <a:ea typeface="Rubik"/>
-                <a:cs typeface="Rubik"/>
-                <a:sym typeface="Rubik"/>
-              </a:rPr>
-              <a:t>Kelompok</a:t>
-            </a:r>
-            <a:r>
               <a:rPr lang="en-US" sz="1600" dirty="0">
                 <a:solidFill>
                   <a:schemeClr val="tx1"/>
@@ -10228,808 +9739,11 @@
                 <a:cs typeface="Rubik"/>
                 <a:sym typeface="Rubik"/>
               </a:rPr>
-              <a:t> ini memiliki </a:t>
-            </a:r>
-            <a:r>
-              <a:rPr lang="en-US" sz="1600" dirty="0" err="1">
-                <a:solidFill>
-                  <a:schemeClr val="tx1"/>
-                </a:solidFill>
-                <a:latin typeface="Rubik"/>
-                <a:ea typeface="Rubik"/>
-                <a:cs typeface="Rubik"/>
-                <a:sym typeface="Rubik"/>
-              </a:rPr>
-              <a:t>frekuensi</a:t>
-            </a:r>
-            <a:r>
-              <a:rPr lang="en-US" sz="1600" dirty="0">
-                <a:solidFill>
-                  <a:schemeClr val="tx1"/>
-                </a:solidFill>
-                <a:latin typeface="Rubik"/>
-                <a:ea typeface="Rubik"/>
-                <a:cs typeface="Rubik"/>
-                <a:sym typeface="Rubik"/>
-              </a:rPr>
-              <a:t> dan </a:t>
-            </a:r>
-            <a:r>
-              <a:rPr lang="en-US" sz="1600" dirty="0" err="1">
-                <a:solidFill>
-                  <a:schemeClr val="tx1"/>
-                </a:solidFill>
-                <a:latin typeface="Rubik"/>
-                <a:ea typeface="Rubik"/>
-                <a:cs typeface="Rubik"/>
-                <a:sym typeface="Rubik"/>
-              </a:rPr>
-              <a:t>jumlah</a:t>
-            </a:r>
-            <a:r>
-              <a:rPr lang="en-US" sz="1600" dirty="0">
-                <a:solidFill>
-                  <a:schemeClr val="tx1"/>
-                </a:solidFill>
-                <a:latin typeface="Rubik"/>
-                <a:ea typeface="Rubik"/>
-                <a:cs typeface="Rubik"/>
-                <a:sym typeface="Rubik"/>
-              </a:rPr>
-              <a:t> </a:t>
-            </a:r>
-            <a:r>
-              <a:rPr lang="en-US" sz="1600" dirty="0" err="1">
-                <a:solidFill>
-                  <a:schemeClr val="tx1"/>
-                </a:solidFill>
-                <a:latin typeface="Rubik"/>
-                <a:ea typeface="Rubik"/>
-                <a:cs typeface="Rubik"/>
-                <a:sym typeface="Rubik"/>
-              </a:rPr>
-              <a:t>pembelian</a:t>
-            </a:r>
-            <a:r>
-              <a:rPr lang="en-US" sz="1600" dirty="0">
-                <a:solidFill>
-                  <a:schemeClr val="tx1"/>
-                </a:solidFill>
-                <a:latin typeface="Rubik"/>
-                <a:ea typeface="Rubik"/>
-                <a:cs typeface="Rubik"/>
-                <a:sym typeface="Rubik"/>
-              </a:rPr>
-              <a:t> sedang </a:t>
-            </a:r>
-            <a:r>
-              <a:rPr lang="en-US" sz="1600" dirty="0" err="1">
-                <a:solidFill>
-                  <a:schemeClr val="tx1"/>
-                </a:solidFill>
-                <a:latin typeface="Rubik"/>
-                <a:ea typeface="Rubik"/>
-                <a:cs typeface="Rubik"/>
-                <a:sym typeface="Rubik"/>
-              </a:rPr>
-              <a:t>serta</a:t>
-            </a:r>
-            <a:r>
-              <a:rPr lang="en-US" sz="1600" dirty="0">
-                <a:solidFill>
-                  <a:schemeClr val="tx1"/>
-                </a:solidFill>
-                <a:latin typeface="Rubik"/>
-              </a:rPr>
-              <a:t> </a:t>
-            </a:r>
-            <a:r>
-              <a:rPr lang="en-US" sz="1600" b="0" i="0" dirty="0" err="1">
-                <a:solidFill>
-                  <a:schemeClr val="tx1"/>
-                </a:solidFill>
-                <a:effectLst/>
-                <a:latin typeface="Rubik"/>
-              </a:rPr>
-              <a:t>mengutamakan</a:t>
-            </a:r>
-            <a:r>
-              <a:rPr lang="en-US" sz="1600" b="0" i="0" dirty="0">
-                <a:solidFill>
-                  <a:schemeClr val="tx1"/>
-                </a:solidFill>
-                <a:effectLst/>
-                <a:latin typeface="Rubik"/>
-              </a:rPr>
-              <a:t> </a:t>
-            </a:r>
-            <a:r>
-              <a:rPr lang="en-US" sz="1600" b="0" i="0" dirty="0" err="1">
-                <a:solidFill>
-                  <a:schemeClr val="tx1"/>
-                </a:solidFill>
-                <a:effectLst/>
-                <a:latin typeface="Rubik"/>
-              </a:rPr>
-              <a:t>efektivitas</a:t>
-            </a:r>
-            <a:r>
-              <a:rPr lang="en-US" sz="1600" b="0" i="0" dirty="0">
-                <a:solidFill>
-                  <a:schemeClr val="tx1"/>
-                </a:solidFill>
-                <a:effectLst/>
-                <a:latin typeface="Rubik"/>
-              </a:rPr>
-              <a:t> dan </a:t>
-            </a:r>
-            <a:r>
-              <a:rPr lang="en-US" sz="1600" b="0" i="0" dirty="0" err="1">
-                <a:solidFill>
-                  <a:schemeClr val="tx1"/>
-                </a:solidFill>
-                <a:effectLst/>
-                <a:latin typeface="Rubik"/>
-              </a:rPr>
-              <a:t>efisiensi</a:t>
-            </a:r>
-            <a:r>
-              <a:rPr lang="en-US" sz="1600" b="0" i="0" dirty="0">
-                <a:solidFill>
-                  <a:schemeClr val="tx1"/>
-                </a:solidFill>
-                <a:effectLst/>
-                <a:latin typeface="Rubik"/>
-              </a:rPr>
-              <a:t> </a:t>
-            </a:r>
-            <a:r>
-              <a:rPr lang="en-US" sz="1600" b="0" i="0" dirty="0" err="1">
-                <a:solidFill>
-                  <a:schemeClr val="tx1"/>
-                </a:solidFill>
-                <a:effectLst/>
-                <a:latin typeface="Rubik"/>
-              </a:rPr>
-              <a:t>dalam</a:t>
-            </a:r>
-            <a:r>
-              <a:rPr lang="en-US" sz="1600" b="0" i="0" dirty="0">
-                <a:solidFill>
-                  <a:schemeClr val="tx1"/>
-                </a:solidFill>
-                <a:effectLst/>
-                <a:latin typeface="Rubik"/>
-              </a:rPr>
-              <a:t> </a:t>
-            </a:r>
-            <a:r>
-              <a:rPr lang="en-US" sz="1600" b="0" i="0" dirty="0" err="1">
-                <a:solidFill>
-                  <a:schemeClr val="tx1"/>
-                </a:solidFill>
-                <a:effectLst/>
-                <a:latin typeface="Rubik"/>
-              </a:rPr>
-              <a:t>pembelian</a:t>
-            </a:r>
-            <a:r>
-              <a:rPr lang="en-US" sz="1600" b="0" i="0" dirty="0">
-                <a:solidFill>
-                  <a:schemeClr val="tx1"/>
-                </a:solidFill>
-                <a:effectLst/>
-                <a:latin typeface="Rubik"/>
-              </a:rPr>
-              <a:t>. </a:t>
-            </a:r>
-            <a:r>
-              <a:rPr lang="en-US" sz="1600" dirty="0">
-                <a:solidFill>
-                  <a:schemeClr val="tx1"/>
-                </a:solidFill>
-                <a:latin typeface="Rubik"/>
-              </a:rPr>
-              <a:t>M</a:t>
-            </a:r>
-            <a:r>
-              <a:rPr lang="en-US" sz="1600" b="0" i="0" dirty="0">
-                <a:solidFill>
-                  <a:schemeClr val="tx1"/>
-                </a:solidFill>
-                <a:effectLst/>
-                <a:latin typeface="Rubik"/>
-              </a:rPr>
-              <a:t>ereka </a:t>
-            </a:r>
-            <a:r>
-              <a:rPr lang="en-US" sz="1600" b="0" i="0" dirty="0" err="1">
-                <a:solidFill>
-                  <a:schemeClr val="tx1"/>
-                </a:solidFill>
-                <a:effectLst/>
-                <a:latin typeface="Rubik"/>
-              </a:rPr>
-              <a:t>menyeimbangkan</a:t>
-            </a:r>
-            <a:r>
-              <a:rPr lang="en-US" sz="1600" b="0" i="0" dirty="0">
-                <a:solidFill>
-                  <a:schemeClr val="tx1"/>
-                </a:solidFill>
-                <a:effectLst/>
-                <a:latin typeface="Rubik"/>
-              </a:rPr>
-              <a:t> </a:t>
-            </a:r>
-            <a:r>
-              <a:rPr lang="en-US" sz="1600" b="0" i="0" dirty="0" err="1">
-                <a:solidFill>
-                  <a:schemeClr val="tx1"/>
-                </a:solidFill>
-                <a:effectLst/>
-                <a:latin typeface="Rubik"/>
-              </a:rPr>
-              <a:t>kualitas</a:t>
-            </a:r>
-            <a:r>
-              <a:rPr lang="en-US" sz="1600" b="0" i="0" dirty="0">
-                <a:solidFill>
-                  <a:schemeClr val="tx1"/>
-                </a:solidFill>
-                <a:effectLst/>
-                <a:latin typeface="Rubik"/>
-              </a:rPr>
-              <a:t> dengan </a:t>
-            </a:r>
-            <a:r>
-              <a:rPr lang="en-US" sz="1600" b="0" i="0" dirty="0" err="1">
-                <a:solidFill>
-                  <a:schemeClr val="tx1"/>
-                </a:solidFill>
-                <a:effectLst/>
-                <a:latin typeface="Rubik"/>
-              </a:rPr>
-              <a:t>harga</a:t>
-            </a:r>
-            <a:r>
-              <a:rPr lang="en-US" sz="1600" b="0" i="0" dirty="0">
-                <a:solidFill>
-                  <a:schemeClr val="tx1"/>
-                </a:solidFill>
-                <a:effectLst/>
-                <a:latin typeface="Rubik"/>
-              </a:rPr>
-              <a:t> yang </a:t>
-            </a:r>
-            <a:r>
-              <a:rPr lang="en-US" sz="1600" b="0" i="0" dirty="0" err="1">
-                <a:solidFill>
-                  <a:schemeClr val="tx1"/>
-                </a:solidFill>
-                <a:effectLst/>
-                <a:latin typeface="Rubik"/>
-              </a:rPr>
-              <a:t>masih</a:t>
-            </a:r>
-            <a:r>
-              <a:rPr lang="en-US" sz="1600" b="0" i="0" dirty="0">
-                <a:solidFill>
-                  <a:schemeClr val="tx1"/>
-                </a:solidFill>
-                <a:effectLst/>
-                <a:latin typeface="Rubik"/>
-              </a:rPr>
-              <a:t> </a:t>
-            </a:r>
-            <a:r>
-              <a:rPr lang="en-US" sz="1600" b="0" i="0" dirty="0" err="1">
-                <a:solidFill>
-                  <a:schemeClr val="tx1"/>
-                </a:solidFill>
-                <a:effectLst/>
-                <a:latin typeface="Rubik"/>
-              </a:rPr>
-              <a:t>terjangkau</a:t>
-            </a:r>
-            <a:r>
-              <a:rPr lang="en-US" sz="1600" b="0" i="0" dirty="0">
-                <a:solidFill>
-                  <a:schemeClr val="tx1"/>
-                </a:solidFill>
-                <a:effectLst/>
-                <a:latin typeface="Rubik"/>
-              </a:rPr>
-              <a:t>. </a:t>
-            </a:r>
-            <a:endParaRPr lang="en-US" sz="1600" dirty="0">
-              <a:solidFill>
-                <a:schemeClr val="tx1"/>
-              </a:solidFill>
-              <a:latin typeface="Rubik"/>
-            </a:endParaRPr>
+              <a:t>This group has a moderate frequency and amount of purchases. They prioritize effectiveness and efficiency in purchasing. They balance quality with affordable prices. </a:t>
+            </a:r>
           </a:p>
           <a:p>
             <a:pPr algn="just"/>
-            <a:endParaRPr lang="en-US" sz="800" b="0" i="0" dirty="0">
-              <a:solidFill>
-                <a:schemeClr val="tx1"/>
-              </a:solidFill>
-              <a:effectLst/>
-              <a:latin typeface="Rubik"/>
-            </a:endParaRPr>
-          </a:p>
-          <a:p>
-            <a:pPr marL="285750" indent="-285750" algn="just">
-              <a:buFont typeface="Arial" panose="020B0604020202020204" pitchFamily="34" charset="0"/>
-              <a:buChar char="•"/>
-            </a:pPr>
-            <a:r>
-              <a:rPr lang="en-US" sz="1600" b="0" i="0" dirty="0">
-                <a:solidFill>
-                  <a:schemeClr val="tx1"/>
-                </a:solidFill>
-                <a:effectLst/>
-                <a:latin typeface="Rubik"/>
-              </a:rPr>
-              <a:t>Untuk </a:t>
-            </a:r>
-            <a:r>
-              <a:rPr lang="en-US" sz="1600" b="0" i="0" dirty="0" err="1">
-                <a:solidFill>
-                  <a:schemeClr val="tx1"/>
-                </a:solidFill>
-                <a:effectLst/>
-                <a:latin typeface="Rubik"/>
-              </a:rPr>
-              <a:t>meningkatkan</a:t>
-            </a:r>
-            <a:r>
-              <a:rPr lang="en-US" sz="1600" b="0" i="0" dirty="0">
-                <a:solidFill>
-                  <a:schemeClr val="tx1"/>
-                </a:solidFill>
-                <a:effectLst/>
-                <a:latin typeface="Rubik"/>
-              </a:rPr>
-              <a:t> sales, dapat </a:t>
-            </a:r>
-            <a:r>
-              <a:rPr lang="en-US" sz="1600" b="0" i="0" dirty="0" err="1">
-                <a:solidFill>
-                  <a:schemeClr val="tx1"/>
-                </a:solidFill>
-                <a:effectLst/>
-                <a:latin typeface="Rubik"/>
-              </a:rPr>
-              <a:t>dilakukan</a:t>
-            </a:r>
-            <a:r>
-              <a:rPr lang="en-US" sz="1600" dirty="0">
-                <a:solidFill>
-                  <a:schemeClr val="tx1"/>
-                </a:solidFill>
-                <a:latin typeface="Rubik"/>
-              </a:rPr>
-              <a:t> </a:t>
-            </a:r>
-            <a:r>
-              <a:rPr lang="en-US" sz="1600" dirty="0" err="1">
-                <a:solidFill>
-                  <a:schemeClr val="tx1"/>
-                </a:solidFill>
-                <a:latin typeface="Rubik"/>
-              </a:rPr>
-              <a:t>promosi</a:t>
-            </a:r>
-            <a:r>
-              <a:rPr lang="en-US" sz="1600" b="0" i="0" dirty="0">
-                <a:solidFill>
-                  <a:schemeClr val="tx1"/>
-                </a:solidFill>
-                <a:effectLst/>
-                <a:latin typeface="Rubik"/>
-              </a:rPr>
-              <a:t> </a:t>
-            </a:r>
-            <a:r>
-              <a:rPr lang="en-US" sz="1600" b="0" i="0" dirty="0" err="1">
-                <a:solidFill>
-                  <a:schemeClr val="tx1"/>
-                </a:solidFill>
-                <a:effectLst/>
-                <a:latin typeface="Rubik"/>
-              </a:rPr>
-              <a:t>produk</a:t>
-            </a:r>
-            <a:r>
-              <a:rPr lang="en-US" sz="1600" b="0" i="0" dirty="0">
-                <a:solidFill>
-                  <a:schemeClr val="tx1"/>
-                </a:solidFill>
-                <a:effectLst/>
-                <a:latin typeface="Rubik"/>
-              </a:rPr>
-              <a:t> yang </a:t>
-            </a:r>
-            <a:r>
-              <a:rPr lang="en-US" sz="1600" b="0" i="0" dirty="0" err="1">
-                <a:solidFill>
-                  <a:schemeClr val="tx1"/>
-                </a:solidFill>
-                <a:effectLst/>
-                <a:latin typeface="Rubik"/>
-              </a:rPr>
-              <a:t>berkualitas</a:t>
-            </a:r>
-            <a:r>
-              <a:rPr lang="en-US" sz="1600" b="0" i="0" dirty="0">
-                <a:solidFill>
-                  <a:schemeClr val="tx1"/>
-                </a:solidFill>
-                <a:effectLst/>
-                <a:latin typeface="Rubik"/>
-              </a:rPr>
-              <a:t> </a:t>
-            </a:r>
-            <a:r>
-              <a:rPr lang="en-US" sz="1600" b="0" i="0" dirty="0" err="1">
-                <a:solidFill>
-                  <a:schemeClr val="tx1"/>
-                </a:solidFill>
-                <a:effectLst/>
-                <a:latin typeface="Rubik"/>
-              </a:rPr>
-              <a:t>namun</a:t>
-            </a:r>
-            <a:r>
-              <a:rPr lang="en-US" sz="1600" b="0" i="0" dirty="0">
-                <a:solidFill>
-                  <a:schemeClr val="tx1"/>
-                </a:solidFill>
-                <a:effectLst/>
-                <a:latin typeface="Rubik"/>
-              </a:rPr>
-              <a:t> dengan </a:t>
-            </a:r>
-            <a:r>
-              <a:rPr lang="en-US" sz="1600" b="0" i="0" dirty="0" err="1">
-                <a:solidFill>
-                  <a:schemeClr val="tx1"/>
-                </a:solidFill>
-                <a:effectLst/>
-                <a:latin typeface="Rubik"/>
-              </a:rPr>
-              <a:t>harga</a:t>
-            </a:r>
-            <a:r>
-              <a:rPr lang="en-US" sz="1600" b="0" i="0" dirty="0">
-                <a:solidFill>
-                  <a:schemeClr val="tx1"/>
-                </a:solidFill>
-                <a:effectLst/>
-                <a:latin typeface="Rubik"/>
-              </a:rPr>
-              <a:t> yang affordable. </a:t>
-            </a:r>
-          </a:p>
-          <a:p>
-            <a:pPr marL="285750" indent="-285750" algn="just">
-              <a:buFont typeface="Arial" panose="020B0604020202020204" pitchFamily="34" charset="0"/>
-              <a:buChar char="•"/>
-            </a:pPr>
-            <a:r>
-              <a:rPr lang="en-US" sz="1600" dirty="0">
-                <a:solidFill>
-                  <a:schemeClr val="tx1"/>
-                </a:solidFill>
-                <a:latin typeface="Rubik"/>
-              </a:rPr>
-              <a:t>D</a:t>
-            </a:r>
-            <a:r>
-              <a:rPr lang="en-US" sz="1600" b="0" i="0" dirty="0">
-                <a:solidFill>
-                  <a:schemeClr val="tx1"/>
-                </a:solidFill>
-                <a:effectLst/>
-                <a:latin typeface="Rubik"/>
-              </a:rPr>
-              <a:t>apat </a:t>
-            </a:r>
-            <a:r>
-              <a:rPr lang="en-US" sz="1600" b="0" i="0" dirty="0" err="1">
-                <a:solidFill>
-                  <a:schemeClr val="tx1"/>
-                </a:solidFill>
-                <a:effectLst/>
-                <a:latin typeface="Rubik"/>
-              </a:rPr>
-              <a:t>diberikan</a:t>
-            </a:r>
-            <a:r>
-              <a:rPr lang="en-US" sz="1600" b="0" i="0" dirty="0">
-                <a:solidFill>
-                  <a:schemeClr val="tx1"/>
-                </a:solidFill>
-                <a:effectLst/>
-                <a:latin typeface="Rubik"/>
-              </a:rPr>
-              <a:t> </a:t>
-            </a:r>
-            <a:r>
-              <a:rPr lang="en-US" sz="1600" b="0" i="0" dirty="0" err="1">
-                <a:solidFill>
-                  <a:schemeClr val="tx1"/>
-                </a:solidFill>
-                <a:effectLst/>
-                <a:latin typeface="Rubik"/>
-              </a:rPr>
-              <a:t>diskon</a:t>
-            </a:r>
-            <a:r>
-              <a:rPr lang="en-US" sz="1600" b="0" i="0" dirty="0">
-                <a:solidFill>
-                  <a:schemeClr val="tx1"/>
-                </a:solidFill>
-                <a:effectLst/>
-                <a:latin typeface="Rubik"/>
-              </a:rPr>
-              <a:t>/</a:t>
-            </a:r>
-            <a:r>
-              <a:rPr lang="en-US" sz="1600" b="0" i="0" dirty="0" err="1">
-                <a:solidFill>
-                  <a:schemeClr val="tx1"/>
-                </a:solidFill>
-                <a:effectLst/>
-                <a:latin typeface="Rubik"/>
-              </a:rPr>
-              <a:t>promosi</a:t>
-            </a:r>
-            <a:r>
-              <a:rPr lang="en-US" sz="1600" b="0" i="0" dirty="0">
-                <a:solidFill>
-                  <a:schemeClr val="tx1"/>
-                </a:solidFill>
-                <a:effectLst/>
-                <a:latin typeface="Rubik"/>
-              </a:rPr>
-              <a:t> </a:t>
-            </a:r>
-            <a:r>
-              <a:rPr lang="en-US" sz="1600" b="0" i="0" dirty="0" err="1">
-                <a:solidFill>
-                  <a:schemeClr val="tx1"/>
-                </a:solidFill>
-                <a:effectLst/>
-                <a:latin typeface="Rubik"/>
-              </a:rPr>
-              <a:t>untuk</a:t>
-            </a:r>
-            <a:r>
-              <a:rPr lang="en-US" sz="1600" b="0" i="0" dirty="0">
-                <a:solidFill>
-                  <a:schemeClr val="tx1"/>
-                </a:solidFill>
-                <a:effectLst/>
-                <a:latin typeface="Rubik"/>
-              </a:rPr>
-              <a:t> </a:t>
-            </a:r>
-            <a:r>
-              <a:rPr lang="en-US" sz="1600" dirty="0" err="1">
-                <a:solidFill>
-                  <a:schemeClr val="tx1"/>
-                </a:solidFill>
-                <a:latin typeface="Rubik"/>
-              </a:rPr>
-              <a:t>meningkatkan</a:t>
-            </a:r>
-            <a:r>
-              <a:rPr lang="en-US" sz="1600" b="0" i="0" dirty="0">
-                <a:solidFill>
-                  <a:schemeClr val="tx1"/>
-                </a:solidFill>
-                <a:effectLst/>
-                <a:latin typeface="Rubik"/>
-              </a:rPr>
-              <a:t> </a:t>
-            </a:r>
-            <a:r>
-              <a:rPr lang="en-US" sz="1600" b="0" i="0" dirty="0" err="1">
-                <a:solidFill>
-                  <a:schemeClr val="tx1"/>
-                </a:solidFill>
-                <a:effectLst/>
-                <a:latin typeface="Rubik"/>
-              </a:rPr>
-              <a:t>pembelian</a:t>
-            </a:r>
-            <a:r>
-              <a:rPr lang="en-US" sz="1600" b="0" i="0" dirty="0">
-                <a:solidFill>
-                  <a:schemeClr val="tx1"/>
-                </a:solidFill>
-                <a:effectLst/>
-                <a:latin typeface="Rubik"/>
-              </a:rPr>
-              <a:t> dan </a:t>
-            </a:r>
-            <a:r>
-              <a:rPr lang="en-US" sz="1600" b="0" i="0" dirty="0" err="1">
-                <a:solidFill>
-                  <a:schemeClr val="tx1"/>
-                </a:solidFill>
-                <a:effectLst/>
-                <a:latin typeface="Rubik"/>
-              </a:rPr>
-              <a:t>loyalitas</a:t>
-            </a:r>
-            <a:r>
-              <a:rPr lang="en-US" sz="1600" b="0" i="0" dirty="0">
-                <a:solidFill>
-                  <a:schemeClr val="tx1"/>
-                </a:solidFill>
-                <a:effectLst/>
-                <a:latin typeface="Rubik"/>
-              </a:rPr>
-              <a:t> customer.</a:t>
-            </a:r>
-          </a:p>
-          <a:p>
-            <a:pPr marL="285750" indent="-285750" algn="just">
-              <a:buFont typeface="Arial" panose="020B0604020202020204" pitchFamily="34" charset="0"/>
-              <a:buChar char="•"/>
-            </a:pPr>
-            <a:r>
-              <a:rPr lang="en-US" sz="1600" dirty="0" err="1">
-                <a:solidFill>
-                  <a:schemeClr val="tx1"/>
-                </a:solidFill>
-                <a:latin typeface="Rubik"/>
-              </a:rPr>
-              <a:t>Mengadakan</a:t>
-            </a:r>
-            <a:r>
-              <a:rPr lang="en-US" sz="1600" dirty="0">
-                <a:solidFill>
-                  <a:schemeClr val="tx1"/>
-                </a:solidFill>
-                <a:latin typeface="Rubik"/>
-              </a:rPr>
-              <a:t> </a:t>
-            </a:r>
-            <a:r>
-              <a:rPr lang="en-US" sz="1600" b="0" i="0" dirty="0">
-                <a:solidFill>
-                  <a:schemeClr val="tx1"/>
-                </a:solidFill>
-                <a:effectLst/>
-                <a:latin typeface="Rubik"/>
-              </a:rPr>
-              <a:t>campaign </a:t>
-            </a:r>
-            <a:r>
-              <a:rPr lang="en-US" sz="1600" b="0" i="0" dirty="0" err="1">
-                <a:solidFill>
-                  <a:schemeClr val="tx1"/>
-                </a:solidFill>
-                <a:effectLst/>
-                <a:latin typeface="Rubik"/>
-              </a:rPr>
-              <a:t>untuk</a:t>
-            </a:r>
-            <a:r>
-              <a:rPr lang="en-US" sz="1600" b="0" i="0" dirty="0">
-                <a:solidFill>
-                  <a:schemeClr val="tx1"/>
-                </a:solidFill>
-                <a:effectLst/>
-                <a:latin typeface="Rubik"/>
-              </a:rPr>
-              <a:t> </a:t>
-            </a:r>
-            <a:r>
-              <a:rPr lang="en-US" sz="1600" b="0" i="0" dirty="0" err="1">
-                <a:solidFill>
-                  <a:schemeClr val="tx1"/>
-                </a:solidFill>
-                <a:effectLst/>
-                <a:latin typeface="Rubik"/>
-              </a:rPr>
-              <a:t>meningkatkan</a:t>
-            </a:r>
-            <a:r>
-              <a:rPr lang="en-US" sz="1600" b="0" i="0" dirty="0">
-                <a:solidFill>
-                  <a:schemeClr val="tx1"/>
-                </a:solidFill>
-                <a:effectLst/>
-                <a:latin typeface="Rubik"/>
-              </a:rPr>
-              <a:t> </a:t>
-            </a:r>
-            <a:r>
-              <a:rPr lang="en-US" sz="1600" b="0" i="0" dirty="0" err="1">
-                <a:solidFill>
-                  <a:schemeClr val="tx1"/>
-                </a:solidFill>
-                <a:effectLst/>
-                <a:latin typeface="Rubik"/>
-              </a:rPr>
-              <a:t>kesadaran</a:t>
-            </a:r>
-            <a:r>
-              <a:rPr lang="en-US" sz="1600" b="0" i="0" dirty="0">
-                <a:solidFill>
-                  <a:schemeClr val="tx1"/>
-                </a:solidFill>
-                <a:effectLst/>
-                <a:latin typeface="Rubik"/>
-              </a:rPr>
-              <a:t> </a:t>
-            </a:r>
-            <a:r>
-              <a:rPr lang="en-US" sz="1600" b="0" i="0" dirty="0" err="1">
-                <a:solidFill>
-                  <a:schemeClr val="tx1"/>
-                </a:solidFill>
-                <a:effectLst/>
-                <a:latin typeface="Rubik"/>
-              </a:rPr>
-              <a:t>terhadap</a:t>
-            </a:r>
-            <a:r>
-              <a:rPr lang="en-US" sz="1600" b="0" i="0" dirty="0">
-                <a:solidFill>
-                  <a:schemeClr val="tx1"/>
-                </a:solidFill>
-                <a:effectLst/>
-                <a:latin typeface="Rubik"/>
-              </a:rPr>
-              <a:t> </a:t>
-            </a:r>
-            <a:r>
-              <a:rPr lang="en-US" sz="1600" b="0" i="0" dirty="0" err="1">
-                <a:solidFill>
-                  <a:schemeClr val="tx1"/>
-                </a:solidFill>
-                <a:effectLst/>
-                <a:latin typeface="Rubik"/>
-              </a:rPr>
-              <a:t>produk</a:t>
-            </a:r>
-            <a:r>
-              <a:rPr lang="en-US" sz="1600" b="0" i="0" dirty="0">
-                <a:solidFill>
-                  <a:schemeClr val="tx1"/>
-                </a:solidFill>
-                <a:effectLst/>
-                <a:latin typeface="Rubik"/>
-              </a:rPr>
-              <a:t> yang dapat </a:t>
-            </a:r>
-            <a:r>
-              <a:rPr lang="en-US" sz="1600" b="0" i="0" dirty="0" err="1">
-                <a:solidFill>
-                  <a:schemeClr val="tx1"/>
-                </a:solidFill>
-                <a:effectLst/>
-                <a:latin typeface="Rubik"/>
-              </a:rPr>
-              <a:t>membantu</a:t>
-            </a:r>
-            <a:r>
-              <a:rPr lang="en-US" sz="1600" b="0" i="0" dirty="0">
-                <a:solidFill>
-                  <a:schemeClr val="tx1"/>
-                </a:solidFill>
-                <a:effectLst/>
-                <a:latin typeface="Rubik"/>
-              </a:rPr>
-              <a:t> hidup mereka menjadi lebih baik dan sehat. </a:t>
-            </a:r>
             <a:endParaRPr lang="en-US" sz="1600" dirty="0">
               <a:solidFill>
                 <a:schemeClr val="tx1"/>
@@ -11039,6 +9753,60 @@
               <a:cs typeface="Rubik"/>
               <a:sym typeface="Rubik"/>
             </a:endParaRPr>
+          </a:p>
+          <a:p>
+            <a:pPr marL="285750" indent="-285750" algn="just">
+              <a:buFont typeface="Arial" panose="020B0604020202020204" pitchFamily="34" charset="0"/>
+              <a:buChar char="•"/>
+            </a:pPr>
+            <a:r>
+              <a:rPr lang="en-US" sz="1600" dirty="0">
+                <a:solidFill>
+                  <a:schemeClr val="tx1"/>
+                </a:solidFill>
+                <a:latin typeface="Rubik"/>
+                <a:ea typeface="Rubik"/>
+                <a:cs typeface="Rubik"/>
+                <a:sym typeface="Rubik"/>
+              </a:rPr>
+              <a:t>To increase sales, promotion of quality products at affordable prices can be done.</a:t>
+            </a:r>
+          </a:p>
+          <a:p>
+            <a:pPr marL="285750" indent="-285750" algn="just">
+              <a:buFont typeface="Arial" panose="020B0604020202020204" pitchFamily="34" charset="0"/>
+              <a:buChar char="•"/>
+            </a:pPr>
+            <a:r>
+              <a:rPr lang="en-US" sz="1600" dirty="0">
+                <a:solidFill>
+                  <a:schemeClr val="tx1"/>
+                </a:solidFill>
+                <a:latin typeface="Rubik"/>
+                <a:ea typeface="Rubik"/>
+                <a:cs typeface="Rubik"/>
+                <a:sym typeface="Rubik"/>
+              </a:rPr>
+              <a:t>Discounts/promotions can be given to increase purchases and customer loyalty.</a:t>
+            </a:r>
+          </a:p>
+          <a:p>
+            <a:pPr marL="285750" indent="-285750" algn="just">
+              <a:buFont typeface="Arial" panose="020B0604020202020204" pitchFamily="34" charset="0"/>
+              <a:buChar char="•"/>
+            </a:pPr>
+            <a:r>
+              <a:rPr lang="en-US" sz="1600" dirty="0">
+                <a:solidFill>
+                  <a:schemeClr val="tx1"/>
+                </a:solidFill>
+                <a:latin typeface="Rubik"/>
+                <a:ea typeface="Rubik"/>
+                <a:cs typeface="Rubik"/>
+                <a:sym typeface="Rubik"/>
+              </a:rPr>
+              <a:t>Organize campaigns to raise awareness of products that can help their lives become better and healthier. </a:t>
+            </a:r>
           </a:p>
         </p:txBody>
       </p:sp>
@@ -11233,8 +10001,8 @@
         </p:nvSpPr>
         <p:spPr>
           <a:xfrm>
-            <a:off x="546240" y="1197962"/>
-            <a:ext cx="7744320" cy="3262401"/>
+            <a:off x="546240" y="1336185"/>
+            <a:ext cx="7744320" cy="3139291"/>
           </a:xfrm>
           <a:prstGeom prst="rect">
             <a:avLst/>
@@ -11272,26 +10040,7 @@
             </a:r>
           </a:p>
           <a:p>
-            <a:pPr lvl="0" algn="just" rtl="0">
-              <a:spcBef>
-                <a:spcPts val="0"/>
-              </a:spcBef>
-              <a:spcAft>
-                <a:spcPts val="0"/>
-              </a:spcAft>
-            </a:pPr>
-            <a:r>
-              <a:rPr lang="en-US" sz="1600" dirty="0" err="1">
-                <a:solidFill>
-                  <a:schemeClr val="tx1"/>
-                </a:solidFill>
-                <a:latin typeface="Rubik"/>
-                <a:ea typeface="Rubik"/>
-                <a:cs typeface="Rubik"/>
-                <a:sym typeface="Rubik"/>
-              </a:rPr>
-              <a:t>Kelompok</a:t>
-            </a:r>
+            <a:pPr lvl="0" algn="just"/>
             <a:r>
               <a:rPr lang="en-US" sz="1600" dirty="0">
                 <a:solidFill>
@@ -11302,403 +10051,12 @@
                 <a:cs typeface="Rubik"/>
                 <a:sym typeface="Rubik"/>
               </a:rPr>
-              <a:t> ini memiliki </a:t>
-            </a:r>
-            <a:r>
-              <a:rPr lang="en-US" sz="1600" dirty="0" err="1">
-                <a:solidFill>
-                  <a:schemeClr val="tx1"/>
-                </a:solidFill>
-                <a:latin typeface="Rubik"/>
-                <a:ea typeface="Rubik"/>
-                <a:cs typeface="Rubik"/>
-                <a:sym typeface="Rubik"/>
-              </a:rPr>
-              <a:t>frekuensi</a:t>
-            </a:r>
-            <a:r>
-              <a:rPr lang="en-US" sz="1600" dirty="0">
-                <a:solidFill>
-                  <a:schemeClr val="tx1"/>
-                </a:solidFill>
-                <a:latin typeface="Rubik"/>
-                <a:ea typeface="Rubik"/>
-                <a:cs typeface="Rubik"/>
-                <a:sym typeface="Rubik"/>
-              </a:rPr>
-              <a:t> dan </a:t>
-            </a:r>
-            <a:r>
-              <a:rPr lang="en-US" sz="1600" dirty="0" err="1">
-                <a:solidFill>
-                  <a:schemeClr val="tx1"/>
-                </a:solidFill>
-                <a:latin typeface="Rubik"/>
-                <a:ea typeface="Rubik"/>
-                <a:cs typeface="Rubik"/>
-                <a:sym typeface="Rubik"/>
-              </a:rPr>
-              <a:t>jumlah</a:t>
-            </a:r>
-            <a:r>
-              <a:rPr lang="en-US" sz="1600" dirty="0">
-                <a:solidFill>
-                  <a:schemeClr val="tx1"/>
-                </a:solidFill>
-                <a:latin typeface="Rubik"/>
-                <a:ea typeface="Rubik"/>
-                <a:cs typeface="Rubik"/>
-                <a:sym typeface="Rubik"/>
-              </a:rPr>
-              <a:t> </a:t>
-            </a:r>
-            <a:r>
-              <a:rPr lang="en-US" sz="1600" dirty="0" err="1">
-                <a:solidFill>
-                  <a:schemeClr val="tx1"/>
-                </a:solidFill>
-                <a:latin typeface="Rubik"/>
-                <a:ea typeface="Rubik"/>
-                <a:cs typeface="Rubik"/>
-                <a:sym typeface="Rubik"/>
-              </a:rPr>
-              <a:t>pembelian</a:t>
-            </a:r>
-            <a:r>
-              <a:rPr lang="en-US" sz="1600" dirty="0">
-                <a:solidFill>
-                  <a:schemeClr val="tx1"/>
-                </a:solidFill>
-                <a:latin typeface="Rubik"/>
-                <a:ea typeface="Rubik"/>
-                <a:cs typeface="Rubik"/>
-                <a:sym typeface="Rubik"/>
-              </a:rPr>
-              <a:t> </a:t>
-            </a:r>
-            <a:r>
-              <a:rPr lang="en-US" sz="1600" dirty="0" err="1">
-                <a:solidFill>
-                  <a:schemeClr val="tx1"/>
-                </a:solidFill>
-                <a:latin typeface="Rubik"/>
-                <a:ea typeface="Rubik"/>
-                <a:cs typeface="Rubik"/>
-                <a:sym typeface="Rubik"/>
-              </a:rPr>
-              <a:t>terbanyak</a:t>
-            </a:r>
-            <a:r>
-              <a:rPr lang="en-US" sz="1600" dirty="0">
-                <a:solidFill>
-                  <a:schemeClr val="tx1"/>
-                </a:solidFill>
-                <a:latin typeface="Rubik"/>
-                <a:ea typeface="Rubik"/>
-                <a:cs typeface="Rubik"/>
-                <a:sym typeface="Rubik"/>
-              </a:rPr>
-              <a:t>. </a:t>
-            </a:r>
-            <a:r>
-              <a:rPr lang="en-US" sz="1600" dirty="0" err="1">
-                <a:solidFill>
-                  <a:schemeClr val="tx1"/>
-                </a:solidFill>
-                <a:latin typeface="Rubik"/>
-                <a:ea typeface="Rubik"/>
-                <a:cs typeface="Rubik"/>
-                <a:sym typeface="Rubik"/>
-              </a:rPr>
-              <a:t>Kelompok</a:t>
-            </a:r>
-            <a:r>
-              <a:rPr lang="en-US" sz="1600" dirty="0">
-                <a:solidFill>
-                  <a:schemeClr val="tx1"/>
-                </a:solidFill>
-                <a:latin typeface="Rubik"/>
-                <a:ea typeface="Rubik"/>
-                <a:cs typeface="Rubik"/>
-                <a:sym typeface="Rubik"/>
-              </a:rPr>
-              <a:t> ini </a:t>
-            </a:r>
-            <a:r>
-              <a:rPr lang="en-US" sz="1600" dirty="0" err="1">
-                <a:solidFill>
-                  <a:schemeClr val="tx1"/>
-                </a:solidFill>
-                <a:latin typeface="Rubik"/>
-                <a:ea typeface="Rubik"/>
-                <a:cs typeface="Rubik"/>
-                <a:sym typeface="Rubik"/>
-              </a:rPr>
-              <a:t>merupakan</a:t>
-            </a:r>
-            <a:r>
-              <a:rPr lang="en-US" sz="1600" dirty="0">
-                <a:solidFill>
-                  <a:schemeClr val="tx1"/>
-                </a:solidFill>
-                <a:latin typeface="Rubik"/>
-                <a:ea typeface="Rubik"/>
-                <a:cs typeface="Rubik"/>
-                <a:sym typeface="Rubik"/>
-              </a:rPr>
-              <a:t> customer yang </a:t>
-            </a:r>
-            <a:r>
-              <a:rPr lang="en-US" sz="1600" i="1" dirty="0">
-                <a:solidFill>
-                  <a:schemeClr val="tx1"/>
-                </a:solidFill>
-                <a:latin typeface="Rubik"/>
-                <a:ea typeface="Rubik"/>
-                <a:cs typeface="Rubik"/>
-                <a:sym typeface="Rubik"/>
-              </a:rPr>
-              <a:t>health conscious </a:t>
-            </a:r>
-            <a:r>
-              <a:rPr lang="en-US" sz="1600" dirty="0">
-                <a:solidFill>
-                  <a:schemeClr val="tx1"/>
-                </a:solidFill>
-                <a:latin typeface="Rubik"/>
-                <a:ea typeface="Rubik"/>
-                <a:cs typeface="Rubik"/>
-                <a:sym typeface="Rubik"/>
-              </a:rPr>
-              <a:t>dan tidak terlalu </a:t>
-            </a:r>
-            <a:r>
-              <a:rPr lang="en-US" sz="1600" dirty="0" err="1">
-                <a:solidFill>
-                  <a:schemeClr val="tx1"/>
-                </a:solidFill>
-                <a:latin typeface="Rubik"/>
-                <a:ea typeface="Rubik"/>
-                <a:cs typeface="Rubik"/>
-                <a:sym typeface="Rubik"/>
-              </a:rPr>
-              <a:t>memikirkan</a:t>
-            </a:r>
-            <a:r>
-              <a:rPr lang="en-US" sz="1600" dirty="0">
-                <a:solidFill>
-                  <a:schemeClr val="tx1"/>
-                </a:solidFill>
-                <a:latin typeface="Rubik"/>
-                <a:ea typeface="Rubik"/>
-                <a:cs typeface="Rubik"/>
-                <a:sym typeface="Rubik"/>
-              </a:rPr>
-              <a:t> </a:t>
-            </a:r>
-            <a:r>
-              <a:rPr lang="en-US" sz="1600" dirty="0" err="1">
-                <a:solidFill>
-                  <a:schemeClr val="tx1"/>
-                </a:solidFill>
-                <a:latin typeface="Rubik"/>
-                <a:ea typeface="Rubik"/>
-                <a:cs typeface="Rubik"/>
-                <a:sym typeface="Rubik"/>
-              </a:rPr>
-              <a:t>harga</a:t>
-            </a:r>
-            <a:r>
-              <a:rPr lang="en-US" sz="1600" dirty="0">
-                <a:solidFill>
-                  <a:schemeClr val="tx1"/>
-                </a:solidFill>
-                <a:latin typeface="Rubik"/>
-                <a:ea typeface="Rubik"/>
-                <a:cs typeface="Rubik"/>
-                <a:sym typeface="Rubik"/>
-              </a:rPr>
-              <a:t> </a:t>
-            </a:r>
-            <a:r>
-              <a:rPr lang="en-US" sz="1600" dirty="0" err="1">
-                <a:solidFill>
-                  <a:schemeClr val="tx1"/>
-                </a:solidFill>
-                <a:latin typeface="Rubik"/>
-                <a:ea typeface="Rubik"/>
-                <a:cs typeface="Rubik"/>
-                <a:sym typeface="Rubik"/>
-              </a:rPr>
-              <a:t>untuk</a:t>
-            </a:r>
-            <a:r>
-              <a:rPr lang="en-US" sz="1600" dirty="0">
-                <a:solidFill>
-                  <a:schemeClr val="tx1"/>
-                </a:solidFill>
-                <a:latin typeface="Rubik"/>
-                <a:ea typeface="Rubik"/>
-                <a:cs typeface="Rubik"/>
-                <a:sym typeface="Rubik"/>
-              </a:rPr>
-              <a:t> </a:t>
-            </a:r>
-            <a:r>
-              <a:rPr lang="en-US" sz="1600" dirty="0" err="1">
-                <a:solidFill>
-                  <a:schemeClr val="tx1"/>
-                </a:solidFill>
-                <a:latin typeface="Rubik"/>
-                <a:ea typeface="Rubik"/>
-                <a:cs typeface="Rubik"/>
-                <a:sym typeface="Rubik"/>
-              </a:rPr>
-              <a:t>pembelian</a:t>
-            </a:r>
-            <a:r>
-              <a:rPr lang="en-US" sz="1600" dirty="0">
-                <a:solidFill>
-                  <a:schemeClr val="tx1"/>
-                </a:solidFill>
-                <a:latin typeface="Rubik"/>
-                <a:ea typeface="Rubik"/>
-                <a:cs typeface="Rubik"/>
-                <a:sym typeface="Rubik"/>
-              </a:rPr>
-              <a:t> </a:t>
-            </a:r>
-            <a:r>
-              <a:rPr lang="en-US" sz="1600" dirty="0" err="1">
-                <a:solidFill>
-                  <a:schemeClr val="tx1"/>
-                </a:solidFill>
-                <a:latin typeface="Rubik"/>
-                <a:ea typeface="Rubik"/>
-                <a:cs typeface="Rubik"/>
-                <a:sym typeface="Rubik"/>
-              </a:rPr>
-              <a:t>produk</a:t>
-            </a:r>
-            <a:r>
-              <a:rPr lang="en-US" sz="1600" dirty="0">
-                <a:solidFill>
-                  <a:schemeClr val="tx1"/>
-                </a:solidFill>
-                <a:latin typeface="Rubik"/>
-                <a:ea typeface="Rubik"/>
-                <a:cs typeface="Rubik"/>
-                <a:sym typeface="Rubik"/>
-              </a:rPr>
-              <a:t> </a:t>
-            </a:r>
-            <a:r>
-              <a:rPr lang="en-US" sz="1600" dirty="0" err="1">
-                <a:solidFill>
-                  <a:schemeClr val="tx1"/>
-                </a:solidFill>
-                <a:latin typeface="Rubik"/>
-                <a:ea typeface="Rubik"/>
-                <a:cs typeface="Rubik"/>
-                <a:sym typeface="Rubik"/>
-              </a:rPr>
-              <a:t>kualitas</a:t>
-            </a:r>
-            <a:r>
-              <a:rPr lang="en-US" sz="1600" dirty="0">
-                <a:solidFill>
-                  <a:schemeClr val="tx1"/>
-                </a:solidFill>
-                <a:latin typeface="Rubik"/>
-                <a:ea typeface="Rubik"/>
-                <a:cs typeface="Rubik"/>
-                <a:sym typeface="Rubik"/>
-              </a:rPr>
-              <a:t> </a:t>
-            </a:r>
-            <a:r>
-              <a:rPr lang="en-US" sz="1600" dirty="0" err="1">
-                <a:solidFill>
-                  <a:schemeClr val="tx1"/>
-                </a:solidFill>
-                <a:latin typeface="Rubik"/>
-                <a:ea typeface="Rubik"/>
-                <a:cs typeface="Rubik"/>
-                <a:sym typeface="Rubik"/>
-              </a:rPr>
-              <a:t>terbaik</a:t>
-            </a:r>
-            <a:r>
-              <a:rPr lang="en-US" sz="1600" dirty="0">
-                <a:solidFill>
-                  <a:schemeClr val="tx1"/>
-                </a:solidFill>
-                <a:latin typeface="Rubik"/>
-                <a:ea typeface="Rubik"/>
-                <a:cs typeface="Rubik"/>
-                <a:sym typeface="Rubik"/>
-              </a:rPr>
-              <a:t>. </a:t>
-            </a:r>
-            <a:r>
-              <a:rPr lang="en-US" sz="1600" dirty="0" err="1">
-                <a:solidFill>
-                  <a:schemeClr val="tx1"/>
-                </a:solidFill>
-                <a:latin typeface="Rubik"/>
-                <a:ea typeface="Rubik"/>
-                <a:cs typeface="Rubik"/>
-                <a:sym typeface="Rubik"/>
-              </a:rPr>
-              <a:t>Kelompok</a:t>
-            </a:r>
-            <a:r>
-              <a:rPr lang="en-US" sz="1600" dirty="0">
-                <a:solidFill>
-                  <a:schemeClr val="tx1"/>
-                </a:solidFill>
-                <a:latin typeface="Rubik"/>
-                <a:ea typeface="Rubik"/>
-                <a:cs typeface="Rubik"/>
-                <a:sym typeface="Rubik"/>
-              </a:rPr>
-              <a:t> ini juga </a:t>
-            </a:r>
-            <a:r>
-              <a:rPr lang="en-US" sz="1600" dirty="0" err="1">
-                <a:solidFill>
-                  <a:schemeClr val="tx1"/>
-                </a:solidFill>
-                <a:latin typeface="Rubik"/>
-                <a:ea typeface="Rubik"/>
-                <a:cs typeface="Rubik"/>
-                <a:sym typeface="Rubik"/>
-              </a:rPr>
-              <a:t>merupakan</a:t>
-            </a:r>
-            <a:r>
-              <a:rPr lang="en-US" sz="1600" dirty="0">
-                <a:solidFill>
-                  <a:schemeClr val="tx1"/>
-                </a:solidFill>
-                <a:latin typeface="Rubik"/>
-                <a:ea typeface="Rubik"/>
-                <a:cs typeface="Rubik"/>
-                <a:sym typeface="Rubik"/>
-              </a:rPr>
-              <a:t> customer yang loyal pada brand. </a:t>
-            </a:r>
-          </a:p>
-          <a:p>
-            <a:pPr lvl="0" algn="just" rtl="0">
-              <a:spcBef>
-                <a:spcPts val="0"/>
-              </a:spcBef>
-              <a:spcAft>
-                <a:spcPts val="0"/>
-              </a:spcAft>
-            </a:pPr>
-            <a:endParaRPr lang="en-US" sz="800" dirty="0">
+              <a:t>This group has the highest frequency and number of purchases. This group is a health conscious customer and does not think too much about price for purchasing the best quality products. This group is also a brand loyal customer. </a:t>
+            </a:r>
+          </a:p>
+          <a:p>
+            <a:pPr lvl="0" algn="just"/>
+            <a:endParaRPr lang="en-US" sz="1600" dirty="0">
               <a:solidFill>
                 <a:schemeClr val="tx1"/>
               </a:solidFill>
@@ -11709,28 +10067,10 @@
             </a:endParaRPr>
           </a:p>
           <a:p>
-            <a:pPr marL="285750" lvl="0" indent="-285750" algn="just" rtl="0">
-              <a:spcBef>
-                <a:spcPts val="0"/>
-              </a:spcBef>
-              <a:spcAft>
-                <a:spcPts val="0"/>
-              </a:spcAft>
+            <a:pPr marL="285750" lvl="0" indent="-285750" algn="just">
               <a:buFont typeface="Arial" panose="020B0604020202020204" pitchFamily="34" charset="0"/>
               <a:buChar char="•"/>
             </a:pPr>
-            <a:r>
-              <a:rPr lang="en-US" sz="1600" dirty="0" err="1">
-                <a:solidFill>
-                  <a:schemeClr val="tx1"/>
-                </a:solidFill>
-                <a:latin typeface="Rubik"/>
-                <a:ea typeface="Rubik"/>
-                <a:cs typeface="Rubik"/>
-                <a:sym typeface="Rubik"/>
-              </a:rPr>
-              <a:t>Kelompok</a:t>
-            </a:r>
             <a:r>
               <a:rPr lang="en-US" sz="1600" dirty="0">
                 <a:solidFill>
@@ -11741,20 +10081,14 @@
                 <a:cs typeface="Rubik"/>
                 <a:sym typeface="Rubik"/>
               </a:rPr>
-              <a:t> ini </a:t>
-            </a:r>
-            <a:r>
-              <a:rPr lang="en-US" sz="1600" dirty="0" err="1">
-                <a:solidFill>
-                  <a:schemeClr val="tx1"/>
-                </a:solidFill>
-                <a:latin typeface="Rubik"/>
-                <a:ea typeface="Rubik"/>
-                <a:cs typeface="Rubik"/>
-                <a:sym typeface="Rubik"/>
-              </a:rPr>
-              <a:t>merupakan</a:t>
-            </a:r>
+              <a:t>This group is the biggest contributor to sales so they can be given exclusive promotions and benefits as well as a reward system to maintain loyalty. </a:t>
+            </a:r>
+          </a:p>
+          <a:p>
+            <a:pPr marL="285750" lvl="0" indent="-285750" algn="just">
+              <a:buFont typeface="Arial" panose="020B0604020202020204" pitchFamily="34" charset="0"/>
+              <a:buChar char="•"/>
+            </a:pPr>
             <a:r>
               <a:rPr lang="en-US" sz="1600" dirty="0">
                 <a:solidFill>
@@ -11765,20 +10099,14 @@
                 <a:cs typeface="Rubik"/>
                 <a:sym typeface="Rubik"/>
               </a:rPr>
-              <a:t> </a:t>
-            </a:r>
-            <a:r>
-              <a:rPr lang="en-US" sz="1600" dirty="0" err="1">
-                <a:solidFill>
-                  <a:schemeClr val="tx1"/>
-                </a:solidFill>
-                <a:latin typeface="Rubik"/>
-                <a:ea typeface="Rubik"/>
-                <a:cs typeface="Rubik"/>
-                <a:sym typeface="Rubik"/>
-              </a:rPr>
-              <a:t>kontributor</a:t>
-            </a:r>
+              <a:t>Campaigns can also be carried out by informing the best products or the latest products owned by the brand for their every need.</a:t>
+            </a:r>
+          </a:p>
+          <a:p>
+            <a:pPr marL="285750" lvl="0" indent="-285750" algn="just">
+              <a:buFont typeface="Arial" panose="020B0604020202020204" pitchFamily="34" charset="0"/>
+              <a:buChar char="•"/>
+            </a:pPr>
             <a:r>
               <a:rPr lang="en-US" sz="1600" dirty="0">
                 <a:solidFill>
@@ -11789,20 +10117,14 @@
                 <a:cs typeface="Rubik"/>
                 <a:sym typeface="Rubik"/>
               </a:rPr>
-              <a:t> </a:t>
-            </a:r>
-            <a:r>
-              <a:rPr lang="en-US" sz="1600" dirty="0" err="1">
-                <a:solidFill>
-                  <a:schemeClr val="tx1"/>
-                </a:solidFill>
-                <a:latin typeface="Rubik"/>
-                <a:ea typeface="Rubik"/>
-                <a:cs typeface="Rubik"/>
-                <a:sym typeface="Rubik"/>
-              </a:rPr>
-              <a:t>terbesar</a:t>
-            </a:r>
+              <a:t>Provide personalized recommendations for customers in this segment.</a:t>
+            </a:r>
+          </a:p>
+          <a:p>
+            <a:pPr marL="285750" lvl="0" indent="-285750" algn="just">
+              <a:buFont typeface="Arial" panose="020B0604020202020204" pitchFamily="34" charset="0"/>
+              <a:buChar char="•"/>
+            </a:pPr>
             <a:r>
               <a:rPr lang="en-US" sz="1600" dirty="0">
                 <a:solidFill>
@@ -11813,823 +10135,7 @@
                 <a:cs typeface="Rubik"/>
                 <a:sym typeface="Rubik"/>
               </a:rPr>
-              <a:t> </a:t>
-            </a:r>
-            <a:r>
-              <a:rPr lang="en-US" sz="1600" dirty="0" err="1">
-                <a:solidFill>
-                  <a:schemeClr val="tx1"/>
-                </a:solidFill>
-                <a:latin typeface="Rubik"/>
-                <a:ea typeface="Rubik"/>
-                <a:cs typeface="Rubik"/>
-                <a:sym typeface="Rubik"/>
-              </a:rPr>
-              <a:t>dalam</a:t>
-            </a:r>
-            <a:r>
-              <a:rPr lang="en-US" sz="1600" dirty="0">
-                <a:solidFill>
-                  <a:schemeClr val="tx1"/>
-                </a:solidFill>
-                <a:latin typeface="Rubik"/>
-                <a:ea typeface="Rubik"/>
-                <a:cs typeface="Rubik"/>
-                <a:sym typeface="Rubik"/>
-              </a:rPr>
-              <a:t> </a:t>
-            </a:r>
-            <a:r>
-              <a:rPr lang="en-US" sz="1600" dirty="0" err="1">
-                <a:solidFill>
-                  <a:schemeClr val="tx1"/>
-                </a:solidFill>
-                <a:latin typeface="Rubik"/>
-                <a:ea typeface="Rubik"/>
-                <a:cs typeface="Rubik"/>
-                <a:sym typeface="Rubik"/>
-              </a:rPr>
-              <a:t>penjualan</a:t>
-            </a:r>
-            <a:r>
-              <a:rPr lang="en-US" sz="1600" dirty="0">
-                <a:solidFill>
-                  <a:schemeClr val="tx1"/>
-                </a:solidFill>
-                <a:latin typeface="Rubik"/>
-                <a:ea typeface="Rubik"/>
-                <a:cs typeface="Rubik"/>
-                <a:sym typeface="Rubik"/>
-              </a:rPr>
-              <a:t> </a:t>
-            </a:r>
-            <a:r>
-              <a:rPr lang="en-US" sz="1600" dirty="0" err="1">
-                <a:solidFill>
-                  <a:schemeClr val="tx1"/>
-                </a:solidFill>
-                <a:latin typeface="Rubik"/>
-                <a:ea typeface="Rubik"/>
-                <a:cs typeface="Rubik"/>
-                <a:sym typeface="Rubik"/>
-              </a:rPr>
-              <a:t>sehingga</a:t>
-            </a:r>
-            <a:r>
-              <a:rPr lang="en-US" sz="1600" dirty="0">
-                <a:solidFill>
-                  <a:schemeClr val="tx1"/>
-                </a:solidFill>
-                <a:latin typeface="Rubik"/>
-                <a:ea typeface="Rubik"/>
-                <a:cs typeface="Rubik"/>
-                <a:sym typeface="Rubik"/>
-              </a:rPr>
-              <a:t> dapat </a:t>
-            </a:r>
-            <a:r>
-              <a:rPr lang="en-US" sz="1600" dirty="0" err="1">
-                <a:solidFill>
-                  <a:schemeClr val="tx1"/>
-                </a:solidFill>
-                <a:latin typeface="Rubik"/>
-                <a:ea typeface="Rubik"/>
-                <a:cs typeface="Rubik"/>
-                <a:sym typeface="Rubik"/>
-              </a:rPr>
-              <a:t>diberikan</a:t>
-            </a:r>
-            <a:r>
-              <a:rPr lang="en-US" sz="1600" dirty="0">
-                <a:solidFill>
-                  <a:schemeClr val="tx1"/>
-                </a:solidFill>
-                <a:latin typeface="Rubik"/>
-                <a:ea typeface="Rubik"/>
-                <a:cs typeface="Rubik"/>
-                <a:sym typeface="Rubik"/>
-              </a:rPr>
-              <a:t> </a:t>
-            </a:r>
-            <a:r>
-              <a:rPr lang="en-US" sz="1600" dirty="0" err="1">
-                <a:solidFill>
-                  <a:schemeClr val="tx1"/>
-                </a:solidFill>
-                <a:latin typeface="Rubik"/>
-                <a:ea typeface="Rubik"/>
-                <a:cs typeface="Rubik"/>
-                <a:sym typeface="Rubik"/>
-              </a:rPr>
-              <a:t>promosi</a:t>
-            </a:r>
-            <a:r>
-              <a:rPr lang="en-US" sz="1600" dirty="0">
-                <a:solidFill>
-                  <a:schemeClr val="tx1"/>
-                </a:solidFill>
-                <a:latin typeface="Rubik"/>
-                <a:ea typeface="Rubik"/>
-                <a:cs typeface="Rubik"/>
-                <a:sym typeface="Rubik"/>
-              </a:rPr>
-              <a:t> dan benefit </a:t>
-            </a:r>
-            <a:r>
-              <a:rPr lang="en-US" sz="1600" dirty="0" err="1">
-                <a:solidFill>
-                  <a:schemeClr val="tx1"/>
-                </a:solidFill>
-                <a:latin typeface="Rubik"/>
-                <a:ea typeface="Rubik"/>
-                <a:cs typeface="Rubik"/>
-                <a:sym typeface="Rubik"/>
-              </a:rPr>
-              <a:t>eksklusif</a:t>
-            </a:r>
-            <a:r>
-              <a:rPr lang="en-US" sz="1600" dirty="0">
-                <a:solidFill>
-                  <a:schemeClr val="tx1"/>
-                </a:solidFill>
-                <a:latin typeface="Rubik"/>
-                <a:ea typeface="Rubik"/>
-                <a:cs typeface="Rubik"/>
-                <a:sym typeface="Rubik"/>
-              </a:rPr>
-              <a:t> </a:t>
-            </a:r>
-            <a:r>
-              <a:rPr lang="en-US" sz="1600" dirty="0" err="1">
-                <a:solidFill>
-                  <a:schemeClr val="tx1"/>
-                </a:solidFill>
-                <a:latin typeface="Rubik"/>
-                <a:ea typeface="Rubik"/>
-                <a:cs typeface="Rubik"/>
-                <a:sym typeface="Rubik"/>
-              </a:rPr>
-              <a:t>serta</a:t>
-            </a:r>
-            <a:r>
-              <a:rPr lang="en-US" sz="1600" dirty="0">
-                <a:solidFill>
-                  <a:schemeClr val="tx1"/>
-                </a:solidFill>
-                <a:latin typeface="Rubik"/>
-                <a:ea typeface="Rubik"/>
-                <a:cs typeface="Rubik"/>
-                <a:sym typeface="Rubik"/>
-              </a:rPr>
-              <a:t> </a:t>
-            </a:r>
-            <a:r>
-              <a:rPr lang="en-US" sz="1600" dirty="0" err="1">
-                <a:solidFill>
-                  <a:schemeClr val="tx1"/>
-                </a:solidFill>
-                <a:latin typeface="Rubik"/>
-                <a:ea typeface="Rubik"/>
-                <a:cs typeface="Rubik"/>
-                <a:sym typeface="Rubik"/>
-              </a:rPr>
-              <a:t>sistem</a:t>
-            </a:r>
-            <a:r>
-              <a:rPr lang="en-US" sz="1600" dirty="0">
-                <a:solidFill>
-                  <a:schemeClr val="tx1"/>
-                </a:solidFill>
-                <a:latin typeface="Rubik"/>
-                <a:ea typeface="Rubik"/>
-                <a:cs typeface="Rubik"/>
-                <a:sym typeface="Rubik"/>
-              </a:rPr>
-              <a:t> reward </a:t>
-            </a:r>
-            <a:r>
-              <a:rPr lang="en-US" sz="1600" dirty="0" err="1">
-                <a:solidFill>
-                  <a:schemeClr val="tx1"/>
-                </a:solidFill>
-                <a:latin typeface="Rubik"/>
-                <a:ea typeface="Rubik"/>
-                <a:cs typeface="Rubik"/>
-                <a:sym typeface="Rubik"/>
-              </a:rPr>
-              <a:t>untuk</a:t>
-            </a:r>
-            <a:r>
-              <a:rPr lang="en-US" sz="1600" dirty="0">
-                <a:solidFill>
-                  <a:schemeClr val="tx1"/>
-                </a:solidFill>
-                <a:latin typeface="Rubik"/>
-                <a:ea typeface="Rubik"/>
-                <a:cs typeface="Rubik"/>
-                <a:sym typeface="Rubik"/>
-              </a:rPr>
-              <a:t> </a:t>
-            </a:r>
-            <a:r>
-              <a:rPr lang="en-US" sz="1600" dirty="0" err="1">
-                <a:solidFill>
-                  <a:schemeClr val="tx1"/>
-                </a:solidFill>
-                <a:latin typeface="Rubik"/>
-                <a:ea typeface="Rubik"/>
-                <a:cs typeface="Rubik"/>
-                <a:sym typeface="Rubik"/>
-              </a:rPr>
-              <a:t>mempertahankan</a:t>
-            </a:r>
-            <a:r>
-              <a:rPr lang="en-US" sz="1600" dirty="0">
-                <a:solidFill>
-                  <a:schemeClr val="tx1"/>
-                </a:solidFill>
-                <a:latin typeface="Rubik"/>
-                <a:ea typeface="Rubik"/>
-                <a:cs typeface="Rubik"/>
-                <a:sym typeface="Rubik"/>
-              </a:rPr>
-              <a:t> </a:t>
-            </a:r>
-            <a:r>
-              <a:rPr lang="en-US" sz="1600" dirty="0" err="1">
-                <a:solidFill>
-                  <a:schemeClr val="tx1"/>
-                </a:solidFill>
-                <a:latin typeface="Rubik"/>
-                <a:ea typeface="Rubik"/>
-                <a:cs typeface="Rubik"/>
-                <a:sym typeface="Rubik"/>
-              </a:rPr>
-              <a:t>loyalitas</a:t>
-            </a:r>
-            <a:r>
-              <a:rPr lang="en-US" sz="1600" dirty="0">
-                <a:solidFill>
-                  <a:schemeClr val="tx1"/>
-                </a:solidFill>
-                <a:latin typeface="Rubik"/>
-                <a:ea typeface="Rubik"/>
-                <a:cs typeface="Rubik"/>
-                <a:sym typeface="Rubik"/>
-              </a:rPr>
-              <a:t>. </a:t>
-            </a:r>
-          </a:p>
-          <a:p>
-            <a:pPr marL="285750" lvl="0" indent="-285750" algn="just" rtl="0">
-              <a:spcBef>
-                <a:spcPts val="0"/>
-              </a:spcBef>
-              <a:spcAft>
-                <a:spcPts val="0"/>
-              </a:spcAft>
-              <a:buFont typeface="Arial" panose="020B0604020202020204" pitchFamily="34" charset="0"/>
-              <a:buChar char="•"/>
-            </a:pPr>
-            <a:r>
-              <a:rPr lang="en-US" sz="1600" dirty="0">
-                <a:solidFill>
-                  <a:schemeClr val="tx1"/>
-                </a:solidFill>
-                <a:latin typeface="Rubik"/>
-                <a:ea typeface="Rubik"/>
-                <a:cs typeface="Rubik"/>
-                <a:sym typeface="Rubik"/>
-              </a:rPr>
-              <a:t>Campaign juga dapat </a:t>
-            </a:r>
-            <a:r>
-              <a:rPr lang="en-US" sz="1600" dirty="0" err="1">
-                <a:solidFill>
-                  <a:schemeClr val="tx1"/>
-                </a:solidFill>
-                <a:latin typeface="Rubik"/>
-                <a:ea typeface="Rubik"/>
-                <a:cs typeface="Rubik"/>
-                <a:sym typeface="Rubik"/>
-              </a:rPr>
-              <a:t>dilakukan</a:t>
-            </a:r>
-            <a:r>
-              <a:rPr lang="en-US" sz="1600" dirty="0">
-                <a:solidFill>
-                  <a:schemeClr val="tx1"/>
-                </a:solidFill>
-                <a:latin typeface="Rubik"/>
-                <a:ea typeface="Rubik"/>
-                <a:cs typeface="Rubik"/>
-                <a:sym typeface="Rubik"/>
-              </a:rPr>
-              <a:t> dengan </a:t>
-            </a:r>
-            <a:r>
-              <a:rPr lang="en-US" sz="1600" dirty="0" err="1">
-                <a:solidFill>
-                  <a:schemeClr val="tx1"/>
-                </a:solidFill>
-                <a:latin typeface="Rubik"/>
-                <a:ea typeface="Rubik"/>
-                <a:cs typeface="Rubik"/>
-                <a:sym typeface="Rubik"/>
-              </a:rPr>
-              <a:t>menginformasikan</a:t>
-            </a:r>
-            <a:r>
-              <a:rPr lang="en-US" sz="1600" dirty="0">
-                <a:solidFill>
-                  <a:schemeClr val="tx1"/>
-                </a:solidFill>
-                <a:latin typeface="Rubik"/>
-                <a:ea typeface="Rubik"/>
-                <a:cs typeface="Rubik"/>
-                <a:sym typeface="Rubik"/>
-              </a:rPr>
-              <a:t> </a:t>
-            </a:r>
-            <a:r>
-              <a:rPr lang="en-US" sz="1600" dirty="0" err="1">
-                <a:solidFill>
-                  <a:schemeClr val="tx1"/>
-                </a:solidFill>
-                <a:latin typeface="Rubik"/>
-                <a:ea typeface="Rubik"/>
-                <a:cs typeface="Rubik"/>
-                <a:sym typeface="Rubik"/>
-              </a:rPr>
-              <a:t>produk</a:t>
-            </a:r>
-            <a:r>
-              <a:rPr lang="en-US" sz="1600" dirty="0">
-                <a:solidFill>
-                  <a:schemeClr val="tx1"/>
-                </a:solidFill>
-                <a:latin typeface="Rubik"/>
-                <a:ea typeface="Rubik"/>
-                <a:cs typeface="Rubik"/>
-                <a:sym typeface="Rubik"/>
-              </a:rPr>
-              <a:t> </a:t>
-            </a:r>
-            <a:r>
-              <a:rPr lang="en-US" sz="1600" dirty="0" err="1">
-                <a:solidFill>
-                  <a:schemeClr val="tx1"/>
-                </a:solidFill>
-                <a:latin typeface="Rubik"/>
-                <a:ea typeface="Rubik"/>
-                <a:cs typeface="Rubik"/>
-                <a:sym typeface="Rubik"/>
-              </a:rPr>
-              <a:t>terbaik</a:t>
-            </a:r>
-            <a:r>
-              <a:rPr lang="en-US" sz="1600" dirty="0">
-                <a:solidFill>
-                  <a:schemeClr val="tx1"/>
-                </a:solidFill>
-                <a:latin typeface="Rubik"/>
-                <a:ea typeface="Rubik"/>
-                <a:cs typeface="Rubik"/>
-                <a:sym typeface="Rubik"/>
-              </a:rPr>
-              <a:t> atau </a:t>
-            </a:r>
-            <a:r>
-              <a:rPr lang="en-US" sz="1600" dirty="0" err="1">
-                <a:solidFill>
-                  <a:schemeClr val="tx1"/>
-                </a:solidFill>
-                <a:latin typeface="Rubik"/>
-                <a:ea typeface="Rubik"/>
-                <a:cs typeface="Rubik"/>
-                <a:sym typeface="Rubik"/>
-              </a:rPr>
-              <a:t>produk</a:t>
-            </a:r>
-            <a:r>
-              <a:rPr lang="en-US" sz="1600" dirty="0">
-                <a:solidFill>
-                  <a:schemeClr val="tx1"/>
-                </a:solidFill>
-                <a:latin typeface="Rubik"/>
-                <a:ea typeface="Rubik"/>
-                <a:cs typeface="Rubik"/>
-                <a:sym typeface="Rubik"/>
-              </a:rPr>
-              <a:t> </a:t>
-            </a:r>
-            <a:r>
-              <a:rPr lang="en-US" sz="1600" dirty="0" err="1">
-                <a:solidFill>
-                  <a:schemeClr val="tx1"/>
-                </a:solidFill>
-                <a:latin typeface="Rubik"/>
-                <a:ea typeface="Rubik"/>
-                <a:cs typeface="Rubik"/>
-                <a:sym typeface="Rubik"/>
-              </a:rPr>
-              <a:t>terbaru</a:t>
-            </a:r>
-            <a:r>
-              <a:rPr lang="en-US" sz="1600" dirty="0">
-                <a:solidFill>
-                  <a:schemeClr val="tx1"/>
-                </a:solidFill>
-                <a:latin typeface="Rubik"/>
-                <a:ea typeface="Rubik"/>
-                <a:cs typeface="Rubik"/>
-                <a:sym typeface="Rubik"/>
-              </a:rPr>
-              <a:t> yang </a:t>
-            </a:r>
-            <a:r>
-              <a:rPr lang="en-US" sz="1600" dirty="0" err="1">
-                <a:solidFill>
-                  <a:schemeClr val="tx1"/>
-                </a:solidFill>
-                <a:latin typeface="Rubik"/>
-                <a:ea typeface="Rubik"/>
-                <a:cs typeface="Rubik"/>
-                <a:sym typeface="Rubik"/>
-              </a:rPr>
-              <a:t>dimiliki</a:t>
-            </a:r>
-            <a:r>
-              <a:rPr lang="en-US" sz="1600" dirty="0">
-                <a:solidFill>
-                  <a:schemeClr val="tx1"/>
-                </a:solidFill>
-                <a:latin typeface="Rubik"/>
-                <a:ea typeface="Rubik"/>
-                <a:cs typeface="Rubik"/>
-                <a:sym typeface="Rubik"/>
-              </a:rPr>
-              <a:t> brand </a:t>
-            </a:r>
-            <a:r>
-              <a:rPr lang="en-US" sz="1600" dirty="0" err="1">
-                <a:solidFill>
-                  <a:schemeClr val="tx1"/>
-                </a:solidFill>
-                <a:latin typeface="Rubik"/>
-                <a:ea typeface="Rubik"/>
-                <a:cs typeface="Rubik"/>
-                <a:sym typeface="Rubik"/>
-              </a:rPr>
-              <a:t>untuk</a:t>
-            </a:r>
-            <a:r>
-              <a:rPr lang="en-US" sz="1600" dirty="0">
-                <a:solidFill>
-                  <a:schemeClr val="tx1"/>
-                </a:solidFill>
-                <a:latin typeface="Rubik"/>
-                <a:ea typeface="Rubik"/>
-                <a:cs typeface="Rubik"/>
-                <a:sym typeface="Rubik"/>
-              </a:rPr>
-              <a:t> setiap </a:t>
-            </a:r>
-            <a:r>
-              <a:rPr lang="en-US" sz="1600" dirty="0" err="1">
-                <a:solidFill>
-                  <a:schemeClr val="tx1"/>
-                </a:solidFill>
-                <a:latin typeface="Rubik"/>
-                <a:ea typeface="Rubik"/>
-                <a:cs typeface="Rubik"/>
-                <a:sym typeface="Rubik"/>
-              </a:rPr>
-              <a:t>kebutuhan</a:t>
-            </a:r>
-            <a:r>
-              <a:rPr lang="en-US" sz="1600" dirty="0">
-                <a:solidFill>
-                  <a:schemeClr val="tx1"/>
-                </a:solidFill>
-                <a:latin typeface="Rubik"/>
-                <a:ea typeface="Rubik"/>
-                <a:cs typeface="Rubik"/>
-                <a:sym typeface="Rubik"/>
-              </a:rPr>
-              <a:t> mereka.</a:t>
-            </a:r>
-          </a:p>
-          <a:p>
-            <a:pPr marL="285750" lvl="0" indent="-285750" algn="just" rtl="0">
-              <a:spcBef>
-                <a:spcPts val="0"/>
-              </a:spcBef>
-              <a:spcAft>
-                <a:spcPts val="0"/>
-              </a:spcAft>
-              <a:buFont typeface="Arial" panose="020B0604020202020204" pitchFamily="34" charset="0"/>
-              <a:buChar char="•"/>
-            </a:pPr>
-            <a:r>
-              <a:rPr lang="en-US" sz="1600" dirty="0" err="1">
-                <a:solidFill>
-                  <a:schemeClr val="tx1"/>
-                </a:solidFill>
-                <a:latin typeface="Rubik"/>
-                <a:ea typeface="Rubik"/>
-                <a:cs typeface="Rubik"/>
-                <a:sym typeface="Rubik"/>
-              </a:rPr>
-              <a:t>Memberikan</a:t>
-            </a:r>
-            <a:r>
-              <a:rPr lang="en-US" sz="1600" dirty="0">
-                <a:solidFill>
-                  <a:schemeClr val="tx1"/>
-                </a:solidFill>
-                <a:latin typeface="Rubik"/>
-                <a:ea typeface="Rubik"/>
-                <a:cs typeface="Rubik"/>
-                <a:sym typeface="Rubik"/>
-              </a:rPr>
-              <a:t> personalized recommendations </a:t>
-            </a:r>
-            <a:r>
-              <a:rPr lang="en-US" sz="1600" dirty="0" err="1">
-                <a:solidFill>
-                  <a:schemeClr val="tx1"/>
-                </a:solidFill>
-                <a:latin typeface="Rubik"/>
-                <a:ea typeface="Rubik"/>
-                <a:cs typeface="Rubik"/>
-                <a:sym typeface="Rubik"/>
-              </a:rPr>
-              <a:t>untuk</a:t>
-            </a:r>
-            <a:r>
-              <a:rPr lang="en-US" sz="1600" dirty="0">
-                <a:solidFill>
-                  <a:schemeClr val="tx1"/>
-                </a:solidFill>
-                <a:latin typeface="Rubik"/>
-                <a:ea typeface="Rubik"/>
-                <a:cs typeface="Rubik"/>
-                <a:sym typeface="Rubik"/>
-              </a:rPr>
-              <a:t> customer di </a:t>
-            </a:r>
-            <a:r>
-              <a:rPr lang="en-US" sz="1600" dirty="0" err="1">
-                <a:solidFill>
-                  <a:schemeClr val="tx1"/>
-                </a:solidFill>
-                <a:latin typeface="Rubik"/>
-                <a:ea typeface="Rubik"/>
-                <a:cs typeface="Rubik"/>
-                <a:sym typeface="Rubik"/>
-              </a:rPr>
-              <a:t>segmen</a:t>
-            </a:r>
-            <a:r>
-              <a:rPr lang="en-US" sz="1600" dirty="0">
-                <a:solidFill>
-                  <a:schemeClr val="tx1"/>
-                </a:solidFill>
-                <a:latin typeface="Rubik"/>
-                <a:ea typeface="Rubik"/>
-                <a:cs typeface="Rubik"/>
-                <a:sym typeface="Rubik"/>
-              </a:rPr>
-              <a:t> ini.</a:t>
-            </a:r>
-          </a:p>
-          <a:p>
-            <a:pPr marL="285750" lvl="0" indent="-285750" algn="just" rtl="0">
-              <a:spcBef>
-                <a:spcPts val="0"/>
-              </a:spcBef>
-              <a:spcAft>
-                <a:spcPts val="0"/>
-              </a:spcAft>
-              <a:buFont typeface="Arial" panose="020B0604020202020204" pitchFamily="34" charset="0"/>
-              <a:buChar char="•"/>
-            </a:pPr>
-            <a:r>
-              <a:rPr lang="en-US" sz="1600" dirty="0" err="1">
-                <a:solidFill>
-                  <a:schemeClr val="tx1"/>
-                </a:solidFill>
-                <a:latin typeface="Rubik"/>
-                <a:ea typeface="Rubik"/>
-                <a:cs typeface="Rubik"/>
-                <a:sym typeface="Rubik"/>
-              </a:rPr>
-              <a:t>Meminta</a:t>
-            </a:r>
-            <a:r>
-              <a:rPr lang="en-US" sz="1600" dirty="0">
-                <a:solidFill>
-                  <a:schemeClr val="tx1"/>
-                </a:solidFill>
-                <a:latin typeface="Rubik"/>
-                <a:ea typeface="Rubik"/>
-                <a:cs typeface="Rubik"/>
-                <a:sym typeface="Rubik"/>
-              </a:rPr>
-              <a:t> feedback </a:t>
-            </a:r>
-            <a:r>
-              <a:rPr lang="en-US" sz="1600" dirty="0" err="1">
-                <a:solidFill>
-                  <a:schemeClr val="tx1"/>
-                </a:solidFill>
-                <a:latin typeface="Rubik"/>
-                <a:ea typeface="Rubik"/>
-                <a:cs typeface="Rubik"/>
-                <a:sym typeface="Rubik"/>
-              </a:rPr>
-              <a:t>dari</a:t>
-            </a:r>
-            <a:r>
-              <a:rPr lang="en-US" sz="1600" dirty="0">
-                <a:solidFill>
-                  <a:schemeClr val="tx1"/>
-                </a:solidFill>
-                <a:latin typeface="Rubik"/>
-                <a:ea typeface="Rubik"/>
-                <a:cs typeface="Rubik"/>
-                <a:sym typeface="Rubik"/>
-              </a:rPr>
-              <a:t> mereka </a:t>
-            </a:r>
-            <a:r>
-              <a:rPr lang="en-US" sz="1600" dirty="0" err="1">
-                <a:solidFill>
-                  <a:schemeClr val="tx1"/>
-                </a:solidFill>
-                <a:latin typeface="Rubik"/>
-                <a:ea typeface="Rubik"/>
-                <a:cs typeface="Rubik"/>
-                <a:sym typeface="Rubik"/>
-              </a:rPr>
-              <a:t>terkait</a:t>
-            </a:r>
-            <a:r>
-              <a:rPr lang="en-US" sz="1600" dirty="0">
-                <a:solidFill>
-                  <a:schemeClr val="tx1"/>
-                </a:solidFill>
-                <a:latin typeface="Rubik"/>
-                <a:ea typeface="Rubik"/>
-                <a:cs typeface="Rubik"/>
-                <a:sym typeface="Rubik"/>
-              </a:rPr>
-              <a:t> suatu </a:t>
-            </a:r>
-            <a:r>
-              <a:rPr lang="en-US" sz="1600" dirty="0" err="1">
-                <a:solidFill>
-                  <a:schemeClr val="tx1"/>
-                </a:solidFill>
-                <a:latin typeface="Rubik"/>
-                <a:ea typeface="Rubik"/>
-                <a:cs typeface="Rubik"/>
-                <a:sym typeface="Rubik"/>
-              </a:rPr>
-              <a:t>produk</a:t>
-            </a:r>
-            <a:r>
-              <a:rPr lang="en-US" sz="1600" dirty="0">
-                <a:solidFill>
-                  <a:schemeClr val="tx1"/>
-                </a:solidFill>
-                <a:latin typeface="Rubik"/>
-                <a:ea typeface="Rubik"/>
-                <a:cs typeface="Rubik"/>
-                <a:sym typeface="Rubik"/>
-              </a:rPr>
-              <a:t> </a:t>
-            </a:r>
-            <a:r>
-              <a:rPr lang="en-US" sz="1600" dirty="0" err="1">
-                <a:solidFill>
-                  <a:schemeClr val="tx1"/>
-                </a:solidFill>
-                <a:latin typeface="Rubik"/>
-                <a:ea typeface="Rubik"/>
-                <a:cs typeface="Rubik"/>
-                <a:sym typeface="Rubik"/>
-              </a:rPr>
-              <a:t>untuk</a:t>
-            </a:r>
-            <a:r>
-              <a:rPr lang="en-US" sz="1600" dirty="0">
-                <a:solidFill>
-                  <a:schemeClr val="tx1"/>
-                </a:solidFill>
-                <a:latin typeface="Rubik"/>
-                <a:ea typeface="Rubik"/>
-                <a:cs typeface="Rubik"/>
-                <a:sym typeface="Rubik"/>
-              </a:rPr>
-              <a:t> </a:t>
-            </a:r>
-            <a:r>
-              <a:rPr lang="en-US" sz="1600" dirty="0" err="1">
-                <a:solidFill>
-                  <a:schemeClr val="tx1"/>
-                </a:solidFill>
-                <a:latin typeface="Rubik"/>
-                <a:ea typeface="Rubik"/>
-                <a:cs typeface="Rubik"/>
-                <a:sym typeface="Rubik"/>
-              </a:rPr>
-              <a:t>dijadikan</a:t>
-            </a:r>
-            <a:r>
-              <a:rPr lang="en-US" sz="1600" dirty="0">
-                <a:solidFill>
-                  <a:schemeClr val="tx1"/>
-                </a:solidFill>
-                <a:latin typeface="Rubik"/>
-                <a:ea typeface="Rubik"/>
-                <a:cs typeface="Rubik"/>
-                <a:sym typeface="Rubik"/>
-              </a:rPr>
-              <a:t> salah </a:t>
-            </a:r>
-            <a:r>
-              <a:rPr lang="en-US" sz="1600" dirty="0" err="1">
-                <a:solidFill>
-                  <a:schemeClr val="tx1"/>
-                </a:solidFill>
-                <a:latin typeface="Rubik"/>
-                <a:ea typeface="Rubik"/>
-                <a:cs typeface="Rubik"/>
-                <a:sym typeface="Rubik"/>
-              </a:rPr>
-              <a:t>satu</a:t>
-            </a:r>
-            <a:r>
-              <a:rPr lang="en-US" sz="1600" dirty="0">
-                <a:solidFill>
-                  <a:schemeClr val="tx1"/>
-                </a:solidFill>
-                <a:latin typeface="Rubik"/>
-                <a:ea typeface="Rubik"/>
-                <a:cs typeface="Rubik"/>
-                <a:sym typeface="Rubik"/>
-              </a:rPr>
-              <a:t> </a:t>
-            </a:r>
-            <a:r>
-              <a:rPr lang="en-US" sz="1600" dirty="0" err="1">
-                <a:solidFill>
-                  <a:schemeClr val="tx1"/>
-                </a:solidFill>
-                <a:latin typeface="Rubik"/>
-                <a:ea typeface="Rubik"/>
-                <a:cs typeface="Rubik"/>
-                <a:sym typeface="Rubik"/>
-              </a:rPr>
-              <a:t>acuan</a:t>
-            </a:r>
-            <a:r>
-              <a:rPr lang="en-US" sz="1600" dirty="0">
-                <a:solidFill>
-                  <a:schemeClr val="tx1"/>
-                </a:solidFill>
-                <a:latin typeface="Rubik"/>
-                <a:ea typeface="Rubik"/>
-                <a:cs typeface="Rubik"/>
-                <a:sym typeface="Rubik"/>
-              </a:rPr>
-              <a:t> </a:t>
-            </a:r>
-            <a:r>
-              <a:rPr lang="en-US" sz="1600" dirty="0" err="1">
-                <a:solidFill>
-                  <a:schemeClr val="tx1"/>
-                </a:solidFill>
-                <a:latin typeface="Rubik"/>
-                <a:ea typeface="Rubik"/>
-                <a:cs typeface="Rubik"/>
-                <a:sym typeface="Rubik"/>
-              </a:rPr>
-              <a:t>untuk</a:t>
-            </a:r>
-            <a:r>
-              <a:rPr lang="en-US" sz="1600" dirty="0">
-                <a:solidFill>
-                  <a:schemeClr val="tx1"/>
-                </a:solidFill>
-                <a:latin typeface="Rubik"/>
-                <a:ea typeface="Rubik"/>
-                <a:cs typeface="Rubik"/>
-                <a:sym typeface="Rubik"/>
-              </a:rPr>
-              <a:t> kedepannya.</a:t>
+              <a:t>Ask for feedback from them regarding a product to be used as one of the references for the future.</a:t>
             </a:r>
           </a:p>
         </p:txBody>
@@ -12825,8 +10331,8 @@
         </p:nvSpPr>
         <p:spPr>
           <a:xfrm>
-            <a:off x="546240" y="1449422"/>
-            <a:ext cx="7744320" cy="2754570"/>
+            <a:off x="546240" y="1534483"/>
+            <a:ext cx="7744320" cy="2646848"/>
           </a:xfrm>
           <a:prstGeom prst="rect">
             <a:avLst/>
@@ -12864,26 +10370,7 @@
             </a:r>
           </a:p>
           <a:p>
-            <a:pPr lvl="0" algn="just" rtl="0">
-              <a:spcBef>
-                <a:spcPts val="0"/>
-              </a:spcBef>
-              <a:spcAft>
-                <a:spcPts val="0"/>
-              </a:spcAft>
-            </a:pPr>
-            <a:r>
-              <a:rPr lang="en-US" sz="1600" dirty="0" err="1">
-                <a:solidFill>
-                  <a:schemeClr val="tx1"/>
-                </a:solidFill>
-                <a:latin typeface="Rubik"/>
-                <a:ea typeface="Rubik"/>
-                <a:cs typeface="Rubik"/>
-                <a:sym typeface="Rubik"/>
-              </a:rPr>
-              <a:t>Kelompok</a:t>
-            </a:r>
+            <a:pPr lvl="0" algn="just"/>
             <a:r>
               <a:rPr lang="en-US" sz="1600" dirty="0">
                 <a:solidFill>
@@ -12894,451 +10381,12 @@
                 <a:cs typeface="Rubik"/>
                 <a:sym typeface="Rubik"/>
               </a:rPr>
-              <a:t> ini </a:t>
-            </a:r>
-            <a:r>
-              <a:rPr lang="en-US" sz="1600" dirty="0" err="1">
-                <a:solidFill>
-                  <a:schemeClr val="tx1"/>
-                </a:solidFill>
-                <a:latin typeface="Rubik"/>
-                <a:ea typeface="Rubik"/>
-                <a:cs typeface="Rubik"/>
-                <a:sym typeface="Rubik"/>
-              </a:rPr>
-              <a:t>merupakan</a:t>
-            </a:r>
-            <a:r>
-              <a:rPr lang="en-US" sz="1600" dirty="0">
-                <a:solidFill>
-                  <a:schemeClr val="tx1"/>
-                </a:solidFill>
-                <a:latin typeface="Rubik"/>
-                <a:ea typeface="Rubik"/>
-                <a:cs typeface="Rubik"/>
-                <a:sym typeface="Rubik"/>
-              </a:rPr>
-              <a:t> customer yang memiliki </a:t>
-            </a:r>
-            <a:r>
-              <a:rPr lang="en-US" sz="1600" dirty="0" err="1">
-                <a:solidFill>
-                  <a:schemeClr val="tx1"/>
-                </a:solidFill>
-                <a:latin typeface="Rubik"/>
-                <a:ea typeface="Rubik"/>
-                <a:cs typeface="Rubik"/>
-                <a:sym typeface="Rubik"/>
-              </a:rPr>
-              <a:t>frekuensi</a:t>
-            </a:r>
-            <a:r>
-              <a:rPr lang="en-US" sz="1600" dirty="0">
-                <a:solidFill>
-                  <a:schemeClr val="tx1"/>
-                </a:solidFill>
-                <a:latin typeface="Rubik"/>
-                <a:ea typeface="Rubik"/>
-                <a:cs typeface="Rubik"/>
-                <a:sym typeface="Rubik"/>
-              </a:rPr>
-              <a:t> dan </a:t>
-            </a:r>
-            <a:r>
-              <a:rPr lang="en-US" sz="1600" dirty="0" err="1">
-                <a:solidFill>
-                  <a:schemeClr val="tx1"/>
-                </a:solidFill>
-                <a:latin typeface="Rubik"/>
-                <a:ea typeface="Rubik"/>
-                <a:cs typeface="Rubik"/>
-                <a:sym typeface="Rubik"/>
-              </a:rPr>
-              <a:t>jumlah</a:t>
-            </a:r>
-            <a:r>
-              <a:rPr lang="en-US" sz="1600" dirty="0">
-                <a:solidFill>
-                  <a:schemeClr val="tx1"/>
-                </a:solidFill>
-                <a:latin typeface="Rubik"/>
-                <a:ea typeface="Rubik"/>
-                <a:cs typeface="Rubik"/>
-                <a:sym typeface="Rubik"/>
-              </a:rPr>
-              <a:t> </a:t>
-            </a:r>
-            <a:r>
-              <a:rPr lang="en-US" sz="1600" dirty="0" err="1">
-                <a:solidFill>
-                  <a:schemeClr val="tx1"/>
-                </a:solidFill>
-                <a:latin typeface="Rubik"/>
-                <a:ea typeface="Rubik"/>
-                <a:cs typeface="Rubik"/>
-                <a:sym typeface="Rubik"/>
-              </a:rPr>
-              <a:t>pembelian</a:t>
-            </a:r>
-            <a:r>
-              <a:rPr lang="en-US" sz="1600" dirty="0">
-                <a:solidFill>
-                  <a:schemeClr val="tx1"/>
-                </a:solidFill>
-                <a:latin typeface="Rubik"/>
-                <a:ea typeface="Rubik"/>
-                <a:cs typeface="Rubik"/>
-                <a:sym typeface="Rubik"/>
-              </a:rPr>
-              <a:t> paling sedikit. </a:t>
-            </a:r>
-            <a:r>
-              <a:rPr lang="en-US" sz="1600" dirty="0" err="1">
-                <a:solidFill>
-                  <a:schemeClr val="tx1"/>
-                </a:solidFill>
-                <a:latin typeface="Rubik"/>
-                <a:ea typeface="Rubik"/>
-                <a:cs typeface="Rubik"/>
-                <a:sym typeface="Rubik"/>
-              </a:rPr>
-              <a:t>Kelompok</a:t>
-            </a:r>
-            <a:r>
-              <a:rPr lang="en-US" sz="1600" dirty="0">
-                <a:solidFill>
-                  <a:schemeClr val="tx1"/>
-                </a:solidFill>
-                <a:latin typeface="Rubik"/>
-                <a:ea typeface="Rubik"/>
-                <a:cs typeface="Rubik"/>
-                <a:sym typeface="Rubik"/>
-              </a:rPr>
-              <a:t> ini memiliki emphasis </a:t>
-            </a:r>
-            <a:r>
-              <a:rPr lang="en-US" sz="1600" dirty="0" err="1">
-                <a:solidFill>
-                  <a:schemeClr val="tx1"/>
-                </a:solidFill>
-                <a:latin typeface="Rubik"/>
-                <a:ea typeface="Rubik"/>
-                <a:cs typeface="Rubik"/>
-                <a:sym typeface="Rubik"/>
-              </a:rPr>
-              <a:t>untuk</a:t>
-            </a:r>
-            <a:r>
-              <a:rPr lang="en-US" sz="1600" dirty="0">
-                <a:solidFill>
-                  <a:schemeClr val="tx1"/>
-                </a:solidFill>
-                <a:latin typeface="Rubik"/>
-                <a:ea typeface="Rubik"/>
-                <a:cs typeface="Rubik"/>
-                <a:sym typeface="Rubik"/>
-              </a:rPr>
-              <a:t> </a:t>
-            </a:r>
-            <a:r>
-              <a:rPr lang="en-US" sz="1600" dirty="0" err="1">
-                <a:solidFill>
-                  <a:schemeClr val="tx1"/>
-                </a:solidFill>
-                <a:latin typeface="Rubik"/>
-                <a:ea typeface="Rubik"/>
-                <a:cs typeface="Rubik"/>
-                <a:sym typeface="Rubik"/>
-              </a:rPr>
-              <a:t>memilih</a:t>
-            </a:r>
-            <a:r>
-              <a:rPr lang="en-US" sz="1600" dirty="0">
-                <a:solidFill>
-                  <a:schemeClr val="tx1"/>
-                </a:solidFill>
-                <a:latin typeface="Rubik"/>
-                <a:ea typeface="Rubik"/>
-                <a:cs typeface="Rubik"/>
-                <a:sym typeface="Rubik"/>
-              </a:rPr>
-              <a:t> </a:t>
-            </a:r>
-            <a:r>
-              <a:rPr lang="en-US" sz="1600" dirty="0" err="1">
-                <a:solidFill>
-                  <a:schemeClr val="tx1"/>
-                </a:solidFill>
-                <a:latin typeface="Rubik"/>
-                <a:ea typeface="Rubik"/>
-                <a:cs typeface="Rubik"/>
-                <a:sym typeface="Rubik"/>
-              </a:rPr>
-              <a:t>produk</a:t>
-            </a:r>
-            <a:r>
-              <a:rPr lang="en-US" sz="1600" dirty="0">
-                <a:solidFill>
-                  <a:schemeClr val="tx1"/>
-                </a:solidFill>
-                <a:latin typeface="Rubik"/>
-                <a:ea typeface="Rubik"/>
-                <a:cs typeface="Rubik"/>
-                <a:sym typeface="Rubik"/>
-              </a:rPr>
-              <a:t> yang dapat </a:t>
-            </a:r>
-            <a:r>
-              <a:rPr lang="en-US" sz="1600" dirty="0" err="1">
-                <a:solidFill>
-                  <a:schemeClr val="tx1"/>
-                </a:solidFill>
-                <a:latin typeface="Rubik"/>
-                <a:ea typeface="Rubik"/>
-                <a:cs typeface="Rubik"/>
-                <a:sym typeface="Rubik"/>
-              </a:rPr>
-              <a:t>memenuhi</a:t>
-            </a:r>
-            <a:r>
-              <a:rPr lang="en-US" sz="1600" dirty="0">
-                <a:solidFill>
-                  <a:schemeClr val="tx1"/>
-                </a:solidFill>
-                <a:latin typeface="Rubik"/>
-                <a:ea typeface="Rubik"/>
-                <a:cs typeface="Rubik"/>
-                <a:sym typeface="Rubik"/>
-              </a:rPr>
-              <a:t> </a:t>
-            </a:r>
-            <a:r>
-              <a:rPr lang="en-US" sz="1600" dirty="0" err="1">
-                <a:solidFill>
-                  <a:schemeClr val="tx1"/>
-                </a:solidFill>
-                <a:latin typeface="Rubik"/>
-                <a:ea typeface="Rubik"/>
-                <a:cs typeface="Rubik"/>
-                <a:sym typeface="Rubik"/>
-              </a:rPr>
-              <a:t>kebutuhan</a:t>
-            </a:r>
-            <a:r>
-              <a:rPr lang="en-US" sz="1600" dirty="0">
-                <a:solidFill>
-                  <a:schemeClr val="tx1"/>
-                </a:solidFill>
-                <a:latin typeface="Rubik"/>
-                <a:ea typeface="Rubik"/>
-                <a:cs typeface="Rubik"/>
-                <a:sym typeface="Rubik"/>
-              </a:rPr>
-              <a:t> mereka dengan </a:t>
-            </a:r>
-            <a:r>
-              <a:rPr lang="en-US" sz="1600" dirty="0" err="1">
-                <a:solidFill>
-                  <a:schemeClr val="tx1"/>
-                </a:solidFill>
-                <a:latin typeface="Rubik"/>
-                <a:ea typeface="Rubik"/>
-                <a:cs typeface="Rubik"/>
-                <a:sym typeface="Rubik"/>
-              </a:rPr>
-              <a:t>harga</a:t>
-            </a:r>
-            <a:r>
-              <a:rPr lang="en-US" sz="1600" dirty="0">
-                <a:solidFill>
-                  <a:schemeClr val="tx1"/>
-                </a:solidFill>
-                <a:latin typeface="Rubik"/>
-                <a:ea typeface="Rubik"/>
-                <a:cs typeface="Rubik"/>
-                <a:sym typeface="Rubik"/>
-              </a:rPr>
-              <a:t> paling </a:t>
-            </a:r>
-            <a:r>
-              <a:rPr lang="en-US" sz="1600" dirty="0" err="1">
-                <a:solidFill>
-                  <a:schemeClr val="tx1"/>
-                </a:solidFill>
-                <a:latin typeface="Rubik"/>
-                <a:ea typeface="Rubik"/>
-                <a:cs typeface="Rubik"/>
-                <a:sym typeface="Rubik"/>
-              </a:rPr>
-              <a:t>terjangkau</a:t>
-            </a:r>
-            <a:r>
-              <a:rPr lang="en-US" sz="1600" dirty="0">
-                <a:solidFill>
-                  <a:schemeClr val="tx1"/>
-                </a:solidFill>
-                <a:latin typeface="Rubik"/>
-                <a:ea typeface="Rubik"/>
-                <a:cs typeface="Rubik"/>
-                <a:sym typeface="Rubik"/>
-              </a:rPr>
-              <a:t>. Mereka juga </a:t>
-            </a:r>
-            <a:r>
-              <a:rPr lang="en-US" sz="1600" dirty="0" err="1">
-                <a:solidFill>
-                  <a:schemeClr val="tx1"/>
-                </a:solidFill>
-                <a:latin typeface="Rubik"/>
-                <a:ea typeface="Rubik"/>
-                <a:cs typeface="Rubik"/>
-                <a:sym typeface="Rubik"/>
-              </a:rPr>
-              <a:t>cenderung</a:t>
-            </a:r>
-            <a:r>
-              <a:rPr lang="en-US" sz="1600" dirty="0">
-                <a:solidFill>
-                  <a:schemeClr val="tx1"/>
-                </a:solidFill>
-                <a:latin typeface="Rubik"/>
-                <a:ea typeface="Rubik"/>
-                <a:cs typeface="Rubik"/>
-                <a:sym typeface="Rubik"/>
-              </a:rPr>
-              <a:t> </a:t>
-            </a:r>
-            <a:r>
-              <a:rPr lang="en-US" sz="1600" dirty="0" err="1">
-                <a:solidFill>
-                  <a:schemeClr val="tx1"/>
-                </a:solidFill>
-                <a:latin typeface="Rubik"/>
-                <a:ea typeface="Rubik"/>
-                <a:cs typeface="Rubik"/>
-                <a:sym typeface="Rubik"/>
-              </a:rPr>
-              <a:t>untuk</a:t>
-            </a:r>
-            <a:r>
-              <a:rPr lang="en-US" sz="1600" dirty="0">
-                <a:solidFill>
-                  <a:schemeClr val="tx1"/>
-                </a:solidFill>
-                <a:latin typeface="Rubik"/>
-                <a:ea typeface="Rubik"/>
-                <a:cs typeface="Rubik"/>
-                <a:sym typeface="Rubik"/>
-              </a:rPr>
-              <a:t> </a:t>
-            </a:r>
-            <a:r>
-              <a:rPr lang="en-US" sz="1600" dirty="0" err="1">
-                <a:solidFill>
-                  <a:schemeClr val="tx1"/>
-                </a:solidFill>
-                <a:latin typeface="Rubik"/>
-                <a:ea typeface="Rubik"/>
-                <a:cs typeface="Rubik"/>
-                <a:sym typeface="Rubik"/>
-              </a:rPr>
-              <a:t>membeli</a:t>
-            </a:r>
-            <a:r>
-              <a:rPr lang="en-US" sz="1600" dirty="0">
-                <a:solidFill>
-                  <a:schemeClr val="tx1"/>
-                </a:solidFill>
-                <a:latin typeface="Rubik"/>
-                <a:ea typeface="Rubik"/>
-                <a:cs typeface="Rubik"/>
-                <a:sym typeface="Rubik"/>
-              </a:rPr>
-              <a:t> </a:t>
-            </a:r>
-            <a:r>
-              <a:rPr lang="en-US" sz="1600" dirty="0" err="1">
-                <a:solidFill>
-                  <a:schemeClr val="tx1"/>
-                </a:solidFill>
-                <a:latin typeface="Rubik"/>
-                <a:ea typeface="Rubik"/>
-                <a:cs typeface="Rubik"/>
-                <a:sym typeface="Rubik"/>
-              </a:rPr>
-              <a:t>produk</a:t>
-            </a:r>
-            <a:r>
-              <a:rPr lang="en-US" sz="1600" dirty="0">
-                <a:solidFill>
-                  <a:schemeClr val="tx1"/>
-                </a:solidFill>
-                <a:latin typeface="Rubik"/>
-                <a:ea typeface="Rubik"/>
-                <a:cs typeface="Rubik"/>
-                <a:sym typeface="Rubik"/>
-              </a:rPr>
-              <a:t> saat </a:t>
-            </a:r>
-            <a:r>
-              <a:rPr lang="en-US" sz="1600" dirty="0" err="1">
-                <a:solidFill>
-                  <a:schemeClr val="tx1"/>
-                </a:solidFill>
-                <a:latin typeface="Rubik"/>
-                <a:ea typeface="Rubik"/>
-                <a:cs typeface="Rubik"/>
-                <a:sym typeface="Rubik"/>
-              </a:rPr>
-              <a:t>dibutuhkan</a:t>
-            </a:r>
-            <a:r>
-              <a:rPr lang="en-US" sz="1600" dirty="0">
-                <a:solidFill>
-                  <a:schemeClr val="tx1"/>
-                </a:solidFill>
-                <a:latin typeface="Rubik"/>
-                <a:ea typeface="Rubik"/>
-                <a:cs typeface="Rubik"/>
-                <a:sym typeface="Rubik"/>
-              </a:rPr>
-              <a:t> saja dan tidak terlalu </a:t>
-            </a:r>
-            <a:r>
-              <a:rPr lang="en-US" sz="1600" dirty="0" err="1">
-                <a:solidFill>
-                  <a:schemeClr val="tx1"/>
-                </a:solidFill>
-                <a:latin typeface="Rubik"/>
-                <a:ea typeface="Rubik"/>
-                <a:cs typeface="Rubik"/>
-                <a:sym typeface="Rubik"/>
-              </a:rPr>
-              <a:t>memperhatikan</a:t>
-            </a:r>
-            <a:r>
-              <a:rPr lang="en-US" sz="1600" dirty="0">
-                <a:solidFill>
-                  <a:schemeClr val="tx1"/>
-                </a:solidFill>
-                <a:latin typeface="Rubik"/>
-                <a:ea typeface="Rubik"/>
-                <a:cs typeface="Rubik"/>
-                <a:sym typeface="Rubik"/>
-              </a:rPr>
-              <a:t> brand. </a:t>
-            </a:r>
-          </a:p>
-          <a:p>
-            <a:pPr lvl="0" algn="just" rtl="0">
-              <a:spcBef>
-                <a:spcPts val="0"/>
-              </a:spcBef>
-              <a:spcAft>
-                <a:spcPts val="0"/>
-              </a:spcAft>
-            </a:pPr>
-            <a:endParaRPr lang="en-US" sz="800" dirty="0">
+              <a:t>This group is a customer who has the least frequency and amount of purchases. This group has an emphasis on choosing products that can meet their needs at the most affordable price. They also tend to buy products only when needed and do not pay much attention to brands. </a:t>
+            </a:r>
+          </a:p>
+          <a:p>
+            <a:pPr lvl="0" algn="just"/>
+            <a:endParaRPr lang="en-US" sz="1600" dirty="0">
               <a:solidFill>
                 <a:schemeClr val="tx1"/>
               </a:solidFill>
@@ -13349,28 +10397,10 @@
             </a:endParaRPr>
           </a:p>
           <a:p>
-            <a:pPr marL="285750" lvl="0" indent="-285750" algn="just" rtl="0">
-              <a:spcBef>
-                <a:spcPts val="0"/>
-              </a:spcBef>
-              <a:spcAft>
-                <a:spcPts val="0"/>
-              </a:spcAft>
+            <a:pPr marL="285750" lvl="0" indent="-285750" algn="just">
               <a:buFont typeface="Arial" panose="020B0604020202020204" pitchFamily="34" charset="0"/>
               <a:buChar char="•"/>
             </a:pPr>
-            <a:r>
-              <a:rPr lang="en-US" sz="1600" dirty="0" err="1">
-                <a:solidFill>
-                  <a:schemeClr val="tx1"/>
-                </a:solidFill>
-                <a:latin typeface="Rubik"/>
-                <a:ea typeface="Rubik"/>
-                <a:cs typeface="Rubik"/>
-                <a:sym typeface="Rubik"/>
-              </a:rPr>
-              <a:t>Sebagai</a:t>
-            </a:r>
             <a:r>
               <a:rPr lang="en-US" sz="1600" dirty="0">
                 <a:solidFill>
@@ -13381,20 +10411,14 @@
                 <a:cs typeface="Rubik"/>
                 <a:sym typeface="Rubik"/>
               </a:rPr>
-              <a:t> </a:t>
-            </a:r>
-            <a:r>
-              <a:rPr lang="en-US" sz="1600" dirty="0" err="1">
-                <a:solidFill>
-                  <a:schemeClr val="tx1"/>
-                </a:solidFill>
-                <a:latin typeface="Rubik"/>
-                <a:ea typeface="Rubik"/>
-                <a:cs typeface="Rubik"/>
-                <a:sym typeface="Rubik"/>
-              </a:rPr>
-              <a:t>langkah</a:t>
-            </a:r>
+              <a:t>As a step to increase sales and loyalty, provide discounts to encourage purchases. </a:t>
+            </a:r>
+          </a:p>
+          <a:p>
+            <a:pPr marL="285750" lvl="0" indent="-285750" algn="just">
+              <a:buFont typeface="Arial" panose="020B0604020202020204" pitchFamily="34" charset="0"/>
+              <a:buChar char="•"/>
+            </a:pPr>
             <a:r>
               <a:rPr lang="en-US" sz="1600" dirty="0">
                 <a:solidFill>
@@ -13405,20 +10429,14 @@
                 <a:cs typeface="Rubik"/>
                 <a:sym typeface="Rubik"/>
               </a:rPr>
-              <a:t> </a:t>
-            </a:r>
-            <a:r>
-              <a:rPr lang="en-US" sz="1600" dirty="0" err="1">
-                <a:solidFill>
-                  <a:schemeClr val="tx1"/>
-                </a:solidFill>
-                <a:latin typeface="Rubik"/>
-                <a:ea typeface="Rubik"/>
-                <a:cs typeface="Rubik"/>
-                <a:sym typeface="Rubik"/>
-              </a:rPr>
-              <a:t>meningkatkan</a:t>
-            </a:r>
+              <a:t>Conduct campaigns to realize the importance of health at vital times. </a:t>
+            </a:r>
+          </a:p>
+          <a:p>
+            <a:pPr marL="285750" lvl="0" indent="-285750" algn="just">
+              <a:buFont typeface="Arial" panose="020B0604020202020204" pitchFamily="34" charset="0"/>
+              <a:buChar char="•"/>
+            </a:pPr>
             <a:r>
               <a:rPr lang="en-US" sz="1600" dirty="0">
                 <a:solidFill>
@@ -13429,439 +10447,7 @@
                 <a:cs typeface="Rubik"/>
                 <a:sym typeface="Rubik"/>
               </a:rPr>
-              <a:t> sales dan </a:t>
-            </a:r>
-            <a:r>
-              <a:rPr lang="en-US" sz="1600" dirty="0" err="1">
-                <a:solidFill>
-                  <a:schemeClr val="tx1"/>
-                </a:solidFill>
-                <a:latin typeface="Rubik"/>
-                <a:ea typeface="Rubik"/>
-                <a:cs typeface="Rubik"/>
-                <a:sym typeface="Rubik"/>
-              </a:rPr>
-              <a:t>loyalitas</a:t>
-            </a:r>
-            <a:r>
-              <a:rPr lang="en-US" sz="1600" dirty="0">
-                <a:solidFill>
-                  <a:schemeClr val="tx1"/>
-                </a:solidFill>
-                <a:latin typeface="Rubik"/>
-                <a:ea typeface="Rubik"/>
-                <a:cs typeface="Rubik"/>
-                <a:sym typeface="Rubik"/>
-              </a:rPr>
-              <a:t>, </a:t>
-            </a:r>
-            <a:r>
-              <a:rPr lang="en-US" sz="1600" dirty="0" err="1">
-                <a:solidFill>
-                  <a:schemeClr val="tx1"/>
-                </a:solidFill>
-                <a:latin typeface="Rubik"/>
-                <a:ea typeface="Rubik"/>
-                <a:cs typeface="Rubik"/>
-                <a:sym typeface="Rubik"/>
-              </a:rPr>
-              <a:t>berikan</a:t>
-            </a:r>
-            <a:r>
-              <a:rPr lang="en-US" sz="1600" dirty="0">
-                <a:solidFill>
-                  <a:schemeClr val="tx1"/>
-                </a:solidFill>
-                <a:latin typeface="Rubik"/>
-                <a:ea typeface="Rubik"/>
-                <a:cs typeface="Rubik"/>
-                <a:sym typeface="Rubik"/>
-              </a:rPr>
-              <a:t> </a:t>
-            </a:r>
-            <a:r>
-              <a:rPr lang="en-US" sz="1600" dirty="0" err="1">
-                <a:solidFill>
-                  <a:schemeClr val="tx1"/>
-                </a:solidFill>
-                <a:latin typeface="Rubik"/>
-                <a:ea typeface="Rubik"/>
-                <a:cs typeface="Rubik"/>
-                <a:sym typeface="Rubik"/>
-              </a:rPr>
-              <a:t>diskon</a:t>
-            </a:r>
-            <a:r>
-              <a:rPr lang="en-US" sz="1600" dirty="0">
-                <a:solidFill>
-                  <a:schemeClr val="tx1"/>
-                </a:solidFill>
-                <a:latin typeface="Rubik"/>
-                <a:ea typeface="Rubik"/>
-                <a:cs typeface="Rubik"/>
-                <a:sym typeface="Rubik"/>
-              </a:rPr>
-              <a:t> </a:t>
-            </a:r>
-            <a:r>
-              <a:rPr lang="en-US" sz="1600" dirty="0" err="1">
-                <a:solidFill>
-                  <a:schemeClr val="tx1"/>
-                </a:solidFill>
-                <a:latin typeface="Rubik"/>
-                <a:ea typeface="Rubik"/>
-                <a:cs typeface="Rubik"/>
-                <a:sym typeface="Rubik"/>
-              </a:rPr>
-              <a:t>untuk</a:t>
-            </a:r>
-            <a:r>
-              <a:rPr lang="en-US" sz="1600" dirty="0">
-                <a:solidFill>
-                  <a:schemeClr val="tx1"/>
-                </a:solidFill>
-                <a:latin typeface="Rubik"/>
-                <a:ea typeface="Rubik"/>
-                <a:cs typeface="Rubik"/>
-                <a:sym typeface="Rubik"/>
-              </a:rPr>
-              <a:t> </a:t>
-            </a:r>
-            <a:r>
-              <a:rPr lang="en-US" sz="1600" dirty="0" err="1">
-                <a:solidFill>
-                  <a:schemeClr val="tx1"/>
-                </a:solidFill>
-                <a:latin typeface="Rubik"/>
-                <a:ea typeface="Rubik"/>
-                <a:cs typeface="Rubik"/>
-                <a:sym typeface="Rubik"/>
-              </a:rPr>
-              <a:t>mendukung</a:t>
-            </a:r>
-            <a:r>
-              <a:rPr lang="en-US" sz="1600" dirty="0">
-                <a:solidFill>
-                  <a:schemeClr val="tx1"/>
-                </a:solidFill>
-                <a:latin typeface="Rubik"/>
-                <a:ea typeface="Rubik"/>
-                <a:cs typeface="Rubik"/>
-                <a:sym typeface="Rubik"/>
-              </a:rPr>
-              <a:t> </a:t>
-            </a:r>
-            <a:r>
-              <a:rPr lang="en-US" sz="1600" dirty="0" err="1">
-                <a:solidFill>
-                  <a:schemeClr val="tx1"/>
-                </a:solidFill>
-                <a:latin typeface="Rubik"/>
-                <a:ea typeface="Rubik"/>
-                <a:cs typeface="Rubik"/>
-                <a:sym typeface="Rubik"/>
-              </a:rPr>
-              <a:t>pembelian</a:t>
-            </a:r>
-            <a:r>
-              <a:rPr lang="en-US" sz="1600" dirty="0">
-                <a:solidFill>
-                  <a:schemeClr val="tx1"/>
-                </a:solidFill>
-                <a:latin typeface="Rubik"/>
-                <a:ea typeface="Rubik"/>
-                <a:cs typeface="Rubik"/>
-                <a:sym typeface="Rubik"/>
-              </a:rPr>
-              <a:t>. </a:t>
-            </a:r>
-          </a:p>
-          <a:p>
-            <a:pPr marL="285750" lvl="0" indent="-285750" algn="just" rtl="0">
-              <a:spcBef>
-                <a:spcPts val="0"/>
-              </a:spcBef>
-              <a:spcAft>
-                <a:spcPts val="0"/>
-              </a:spcAft>
-              <a:buFont typeface="Arial" panose="020B0604020202020204" pitchFamily="34" charset="0"/>
-              <a:buChar char="•"/>
-            </a:pPr>
-            <a:r>
-              <a:rPr lang="en-US" sz="1600" dirty="0" err="1">
-                <a:solidFill>
-                  <a:schemeClr val="tx1"/>
-                </a:solidFill>
-                <a:latin typeface="Rubik"/>
-                <a:ea typeface="Rubik"/>
-                <a:cs typeface="Rubik"/>
-                <a:sym typeface="Rubik"/>
-              </a:rPr>
-              <a:t>Lakukan</a:t>
-            </a:r>
-            <a:r>
-              <a:rPr lang="en-US" sz="1600" dirty="0">
-                <a:solidFill>
-                  <a:schemeClr val="tx1"/>
-                </a:solidFill>
-                <a:latin typeface="Rubik"/>
-                <a:ea typeface="Rubik"/>
-                <a:cs typeface="Rubik"/>
-                <a:sym typeface="Rubik"/>
-              </a:rPr>
-              <a:t> campaign </a:t>
-            </a:r>
-            <a:r>
-              <a:rPr lang="en-US" sz="1600" dirty="0" err="1">
-                <a:solidFill>
-                  <a:schemeClr val="tx1"/>
-                </a:solidFill>
-                <a:latin typeface="Rubik"/>
-                <a:ea typeface="Rubik"/>
-                <a:cs typeface="Rubik"/>
-                <a:sym typeface="Rubik"/>
-              </a:rPr>
-              <a:t>untuk</a:t>
-            </a:r>
-            <a:r>
-              <a:rPr lang="en-US" sz="1600" dirty="0">
-                <a:solidFill>
-                  <a:schemeClr val="tx1"/>
-                </a:solidFill>
-                <a:latin typeface="Rubik"/>
-                <a:ea typeface="Rubik"/>
-                <a:cs typeface="Rubik"/>
-                <a:sym typeface="Rubik"/>
-              </a:rPr>
-              <a:t> </a:t>
-            </a:r>
-            <a:r>
-              <a:rPr lang="en-US" sz="1600" dirty="0" err="1">
-                <a:solidFill>
-                  <a:schemeClr val="tx1"/>
-                </a:solidFill>
-                <a:latin typeface="Rubik"/>
-                <a:ea typeface="Rubik"/>
-                <a:cs typeface="Rubik"/>
-                <a:sym typeface="Rubik"/>
-              </a:rPr>
-              <a:t>menyadarkan</a:t>
-            </a:r>
-            <a:r>
-              <a:rPr lang="en-US" sz="1600" dirty="0">
-                <a:solidFill>
-                  <a:schemeClr val="tx1"/>
-                </a:solidFill>
-                <a:latin typeface="Rubik"/>
-                <a:ea typeface="Rubik"/>
-                <a:cs typeface="Rubik"/>
-                <a:sym typeface="Rubik"/>
-              </a:rPr>
-              <a:t> </a:t>
-            </a:r>
-            <a:r>
-              <a:rPr lang="en-US" sz="1600" dirty="0" err="1">
-                <a:solidFill>
-                  <a:schemeClr val="tx1"/>
-                </a:solidFill>
-                <a:latin typeface="Rubik"/>
-                <a:ea typeface="Rubik"/>
-                <a:cs typeface="Rubik"/>
-                <a:sym typeface="Rubik"/>
-              </a:rPr>
-              <a:t>pentingnya</a:t>
-            </a:r>
-            <a:r>
-              <a:rPr lang="en-US" sz="1600" dirty="0">
-                <a:solidFill>
-                  <a:schemeClr val="tx1"/>
-                </a:solidFill>
-                <a:latin typeface="Rubik"/>
-                <a:ea typeface="Rubik"/>
-                <a:cs typeface="Rubik"/>
-                <a:sym typeface="Rubik"/>
-              </a:rPr>
-              <a:t> </a:t>
-            </a:r>
-            <a:r>
-              <a:rPr lang="en-US" sz="1600" dirty="0" err="1">
-                <a:solidFill>
-                  <a:schemeClr val="tx1"/>
-                </a:solidFill>
-                <a:latin typeface="Rubik"/>
-                <a:ea typeface="Rubik"/>
-                <a:cs typeface="Rubik"/>
-                <a:sym typeface="Rubik"/>
-              </a:rPr>
-              <a:t>kesehatan</a:t>
-            </a:r>
-            <a:r>
-              <a:rPr lang="en-US" sz="1600" dirty="0">
-                <a:solidFill>
-                  <a:schemeClr val="tx1"/>
-                </a:solidFill>
-                <a:latin typeface="Rubik"/>
-                <a:ea typeface="Rubik"/>
-                <a:cs typeface="Rubik"/>
-                <a:sym typeface="Rubik"/>
-              </a:rPr>
-              <a:t> pada masa-masa penting. </a:t>
-            </a:r>
-          </a:p>
-          <a:p>
-            <a:pPr marL="285750" lvl="0" indent="-285750" algn="just" rtl="0">
-              <a:spcBef>
-                <a:spcPts val="0"/>
-              </a:spcBef>
-              <a:spcAft>
-                <a:spcPts val="0"/>
-              </a:spcAft>
-              <a:buFont typeface="Arial" panose="020B0604020202020204" pitchFamily="34" charset="0"/>
-              <a:buChar char="•"/>
-            </a:pPr>
-            <a:r>
-              <a:rPr lang="en-US" sz="1600" dirty="0" err="1">
-                <a:solidFill>
-                  <a:schemeClr val="tx1"/>
-                </a:solidFill>
-                <a:latin typeface="Rubik"/>
-                <a:ea typeface="Rubik"/>
-                <a:cs typeface="Rubik"/>
-                <a:sym typeface="Rubik"/>
-              </a:rPr>
-              <a:t>Berikan</a:t>
-            </a:r>
-            <a:r>
-              <a:rPr lang="en-US" sz="1600" dirty="0">
-                <a:solidFill>
-                  <a:schemeClr val="tx1"/>
-                </a:solidFill>
-                <a:latin typeface="Rubik"/>
-                <a:ea typeface="Rubik"/>
-                <a:cs typeface="Rubik"/>
-                <a:sym typeface="Rubik"/>
-              </a:rPr>
-              <a:t> sample </a:t>
-            </a:r>
-            <a:r>
-              <a:rPr lang="en-US" sz="1600" dirty="0" err="1">
-                <a:solidFill>
-                  <a:schemeClr val="tx1"/>
-                </a:solidFill>
-                <a:latin typeface="Rubik"/>
-                <a:ea typeface="Rubik"/>
-                <a:cs typeface="Rubik"/>
-                <a:sym typeface="Rubik"/>
-              </a:rPr>
-              <a:t>produk</a:t>
-            </a:r>
-            <a:r>
-              <a:rPr lang="en-US" sz="1600" dirty="0">
-                <a:solidFill>
-                  <a:schemeClr val="tx1"/>
-                </a:solidFill>
-                <a:latin typeface="Rubik"/>
-                <a:ea typeface="Rubik"/>
-                <a:cs typeface="Rubik"/>
-                <a:sym typeface="Rubik"/>
-              </a:rPr>
-              <a:t> </a:t>
-            </a:r>
-            <a:r>
-              <a:rPr lang="en-US" sz="1600" dirty="0" err="1">
-                <a:solidFill>
-                  <a:schemeClr val="tx1"/>
-                </a:solidFill>
-                <a:latin typeface="Rubik"/>
-                <a:ea typeface="Rubik"/>
-                <a:cs typeface="Rubik"/>
-                <a:sym typeface="Rubik"/>
-              </a:rPr>
-              <a:t>untuk</a:t>
-            </a:r>
-            <a:r>
-              <a:rPr lang="en-US" sz="1600" dirty="0">
-                <a:solidFill>
-                  <a:schemeClr val="tx1"/>
-                </a:solidFill>
-                <a:latin typeface="Rubik"/>
-                <a:ea typeface="Rubik"/>
-                <a:cs typeface="Rubik"/>
-                <a:sym typeface="Rubik"/>
-              </a:rPr>
-              <a:t> </a:t>
-            </a:r>
-            <a:r>
-              <a:rPr lang="en-US" sz="1600" dirty="0" err="1">
-                <a:solidFill>
-                  <a:schemeClr val="tx1"/>
-                </a:solidFill>
-                <a:latin typeface="Rubik"/>
-                <a:ea typeface="Rubik"/>
-                <a:cs typeface="Rubik"/>
-                <a:sym typeface="Rubik"/>
-              </a:rPr>
-              <a:t>mengenalkan</a:t>
-            </a:r>
-            <a:r>
-              <a:rPr lang="en-US" sz="1600" dirty="0">
-                <a:solidFill>
-                  <a:schemeClr val="tx1"/>
-                </a:solidFill>
-                <a:latin typeface="Rubik"/>
-                <a:ea typeface="Rubik"/>
-                <a:cs typeface="Rubik"/>
-                <a:sym typeface="Rubik"/>
-              </a:rPr>
-              <a:t> brand dan agar mereka tertarik </a:t>
-            </a:r>
-            <a:r>
-              <a:rPr lang="en-US" sz="1600" dirty="0" err="1">
-                <a:solidFill>
-                  <a:schemeClr val="tx1"/>
-                </a:solidFill>
-                <a:latin typeface="Rubik"/>
-                <a:ea typeface="Rubik"/>
-                <a:cs typeface="Rubik"/>
-                <a:sym typeface="Rubik"/>
-              </a:rPr>
-              <a:t>membeli</a:t>
-            </a:r>
-            <a:r>
-              <a:rPr lang="en-US" sz="1600" dirty="0">
-                <a:solidFill>
-                  <a:schemeClr val="tx1"/>
-                </a:solidFill>
-                <a:latin typeface="Rubik"/>
-                <a:ea typeface="Rubik"/>
-                <a:cs typeface="Rubik"/>
-                <a:sym typeface="Rubik"/>
-              </a:rPr>
-              <a:t> </a:t>
-            </a:r>
-            <a:r>
-              <a:rPr lang="en-US" sz="1600" dirty="0" err="1">
-                <a:solidFill>
-                  <a:schemeClr val="tx1"/>
-                </a:solidFill>
-                <a:latin typeface="Rubik"/>
-                <a:ea typeface="Rubik"/>
-                <a:cs typeface="Rubik"/>
-                <a:sym typeface="Rubik"/>
-              </a:rPr>
-              <a:t>produk</a:t>
-            </a:r>
-            <a:r>
-              <a:rPr lang="en-US" sz="1600" dirty="0">
-                <a:solidFill>
-                  <a:schemeClr val="tx1"/>
-                </a:solidFill>
-                <a:latin typeface="Rubik"/>
-                <a:ea typeface="Rubik"/>
-                <a:cs typeface="Rubik"/>
-                <a:sym typeface="Rubik"/>
-              </a:rPr>
-              <a:t>. </a:t>
+              <a:t>Provide product samples to introduce the brand and get them interested in buying the product. </a:t>
             </a:r>
           </a:p>
         </p:txBody>
@@ -14058,7 +10644,7 @@
         <p:spPr>
           <a:xfrm>
             <a:off x="546240" y="1510382"/>
-            <a:ext cx="7744320" cy="2523738"/>
+            <a:ext cx="7744320" cy="2646848"/>
           </a:xfrm>
           <a:prstGeom prst="rect">
             <a:avLst/>
@@ -14096,26 +10682,7 @@
             </a:r>
           </a:p>
           <a:p>
-            <a:pPr lvl="0" algn="just" rtl="0">
-              <a:spcBef>
-                <a:spcPts val="0"/>
-              </a:spcBef>
-              <a:spcAft>
-                <a:spcPts val="0"/>
-              </a:spcAft>
-            </a:pPr>
-            <a:r>
-              <a:rPr lang="en-US" sz="1600" dirty="0" err="1">
-                <a:solidFill>
-                  <a:schemeClr val="tx1"/>
-                </a:solidFill>
-                <a:latin typeface="Rubik"/>
-                <a:ea typeface="Rubik"/>
-                <a:cs typeface="Rubik"/>
-                <a:sym typeface="Rubik"/>
-              </a:rPr>
-              <a:t>Kelompok</a:t>
-            </a:r>
+            <a:pPr lvl="0" algn="just"/>
             <a:r>
               <a:rPr lang="en-US" sz="1600" dirty="0">
                 <a:solidFill>
@@ -14126,523 +10693,12 @@
                 <a:cs typeface="Rubik"/>
                 <a:sym typeface="Rubik"/>
               </a:rPr>
-              <a:t> ini memiliki </a:t>
-            </a:r>
-            <a:r>
-              <a:rPr lang="en-US" sz="1600" dirty="0" err="1">
-                <a:solidFill>
-                  <a:schemeClr val="tx1"/>
-                </a:solidFill>
-                <a:latin typeface="Rubik"/>
-                <a:ea typeface="Rubik"/>
-                <a:cs typeface="Rubik"/>
-                <a:sym typeface="Rubik"/>
-              </a:rPr>
-              <a:t>frekuensi</a:t>
-            </a:r>
-            <a:r>
-              <a:rPr lang="en-US" sz="1600" dirty="0">
-                <a:solidFill>
-                  <a:schemeClr val="tx1"/>
-                </a:solidFill>
-                <a:latin typeface="Rubik"/>
-                <a:ea typeface="Rubik"/>
-                <a:cs typeface="Rubik"/>
-                <a:sym typeface="Rubik"/>
-              </a:rPr>
-              <a:t> dan </a:t>
-            </a:r>
-            <a:r>
-              <a:rPr lang="en-US" sz="1600" dirty="0" err="1">
-                <a:solidFill>
-                  <a:schemeClr val="tx1"/>
-                </a:solidFill>
-                <a:latin typeface="Rubik"/>
-                <a:ea typeface="Rubik"/>
-                <a:cs typeface="Rubik"/>
-                <a:sym typeface="Rubik"/>
-              </a:rPr>
-              <a:t>jumlah</a:t>
-            </a:r>
-            <a:r>
-              <a:rPr lang="en-US" sz="1600" dirty="0">
-                <a:solidFill>
-                  <a:schemeClr val="tx1"/>
-                </a:solidFill>
-                <a:latin typeface="Rubik"/>
-                <a:ea typeface="Rubik"/>
-                <a:cs typeface="Rubik"/>
-                <a:sym typeface="Rubik"/>
-              </a:rPr>
-              <a:t> </a:t>
-            </a:r>
-            <a:r>
-              <a:rPr lang="en-US" sz="1600" dirty="0" err="1">
-                <a:solidFill>
-                  <a:schemeClr val="tx1"/>
-                </a:solidFill>
-                <a:latin typeface="Rubik"/>
-                <a:ea typeface="Rubik"/>
-                <a:cs typeface="Rubik"/>
-                <a:sym typeface="Rubik"/>
-              </a:rPr>
-              <a:t>pembelian</a:t>
-            </a:r>
-            <a:r>
-              <a:rPr lang="en-US" sz="1600" dirty="0">
-                <a:solidFill>
-                  <a:schemeClr val="tx1"/>
-                </a:solidFill>
-                <a:latin typeface="Rubik"/>
-                <a:ea typeface="Rubik"/>
-                <a:cs typeface="Rubik"/>
-                <a:sym typeface="Rubik"/>
-              </a:rPr>
-              <a:t> yang cukup </a:t>
-            </a:r>
-            <a:r>
-              <a:rPr lang="en-US" sz="1600" dirty="0" err="1">
-                <a:solidFill>
-                  <a:schemeClr val="tx1"/>
-                </a:solidFill>
-                <a:latin typeface="Rubik"/>
-                <a:ea typeface="Rubik"/>
-                <a:cs typeface="Rubik"/>
-                <a:sym typeface="Rubik"/>
-              </a:rPr>
-              <a:t>banyak</a:t>
-            </a:r>
-            <a:r>
-              <a:rPr lang="en-US" sz="1600" dirty="0">
-                <a:solidFill>
-                  <a:schemeClr val="tx1"/>
-                </a:solidFill>
-                <a:latin typeface="Rubik"/>
-                <a:ea typeface="Rubik"/>
-                <a:cs typeface="Rubik"/>
-                <a:sym typeface="Rubik"/>
-              </a:rPr>
-              <a:t>, </a:t>
-            </a:r>
-            <a:r>
-              <a:rPr lang="en-US" sz="1600" dirty="0" err="1">
-                <a:solidFill>
-                  <a:schemeClr val="tx1"/>
-                </a:solidFill>
-                <a:latin typeface="Rubik"/>
-                <a:ea typeface="Rubik"/>
-                <a:cs typeface="Rubik"/>
-                <a:sym typeface="Rubik"/>
-              </a:rPr>
-              <a:t>hanya</a:t>
-            </a:r>
-            <a:r>
-              <a:rPr lang="en-US" sz="1600" dirty="0">
-                <a:solidFill>
-                  <a:schemeClr val="tx1"/>
-                </a:solidFill>
-                <a:latin typeface="Rubik"/>
-                <a:ea typeface="Rubik"/>
-                <a:cs typeface="Rubik"/>
-                <a:sym typeface="Rubik"/>
-              </a:rPr>
-              <a:t> lebih sedikit daripada </a:t>
-            </a:r>
-            <a:r>
-              <a:rPr lang="en-US" sz="1600" dirty="0" err="1">
-                <a:solidFill>
-                  <a:schemeClr val="tx1"/>
-                </a:solidFill>
-                <a:latin typeface="Rubik"/>
-                <a:ea typeface="Rubik"/>
-                <a:cs typeface="Rubik"/>
-                <a:sym typeface="Rubik"/>
-              </a:rPr>
-              <a:t>kelompok</a:t>
-            </a:r>
-            <a:r>
-              <a:rPr lang="en-US" sz="1600" dirty="0">
-                <a:solidFill>
-                  <a:schemeClr val="tx1"/>
-                </a:solidFill>
-                <a:latin typeface="Rubik"/>
-                <a:ea typeface="Rubik"/>
-                <a:cs typeface="Rubik"/>
-                <a:sym typeface="Rubik"/>
-              </a:rPr>
-              <a:t> </a:t>
-            </a:r>
-            <a:r>
-              <a:rPr lang="en-US" sz="1600" dirty="0" err="1">
-                <a:solidFill>
-                  <a:schemeClr val="tx1"/>
-                </a:solidFill>
-                <a:latin typeface="Rubik"/>
-                <a:ea typeface="Rubik"/>
-                <a:cs typeface="Rubik"/>
-                <a:sym typeface="Rubik"/>
-              </a:rPr>
-              <a:t>teratas</a:t>
-            </a:r>
-            <a:r>
-              <a:rPr lang="en-US" sz="1600" dirty="0">
-                <a:solidFill>
-                  <a:schemeClr val="tx1"/>
-                </a:solidFill>
-                <a:latin typeface="Rubik"/>
-                <a:ea typeface="Rubik"/>
-                <a:cs typeface="Rubik"/>
-                <a:sym typeface="Rubik"/>
-              </a:rPr>
-              <a:t>. </a:t>
-            </a:r>
-            <a:r>
-              <a:rPr lang="en-US" sz="1600" dirty="0" err="1">
-                <a:solidFill>
-                  <a:schemeClr val="tx1"/>
-                </a:solidFill>
-                <a:latin typeface="Rubik"/>
-                <a:ea typeface="Rubik"/>
-                <a:cs typeface="Rubik"/>
-                <a:sym typeface="Rubik"/>
-              </a:rPr>
-              <a:t>Kelompok</a:t>
-            </a:r>
-            <a:r>
-              <a:rPr lang="en-US" sz="1600" dirty="0">
-                <a:solidFill>
-                  <a:schemeClr val="tx1"/>
-                </a:solidFill>
-                <a:latin typeface="Rubik"/>
-                <a:ea typeface="Rubik"/>
-                <a:cs typeface="Rubik"/>
-                <a:sym typeface="Rubik"/>
-              </a:rPr>
-              <a:t> ini </a:t>
-            </a:r>
-            <a:r>
-              <a:rPr lang="en-US" sz="1600" dirty="0" err="1">
-                <a:solidFill>
-                  <a:schemeClr val="tx1"/>
-                </a:solidFill>
-                <a:latin typeface="Rubik"/>
-                <a:ea typeface="Rubik"/>
-                <a:cs typeface="Rubik"/>
-                <a:sym typeface="Rubik"/>
-              </a:rPr>
-              <a:t>berisi</a:t>
-            </a:r>
-            <a:r>
-              <a:rPr lang="en-US" sz="1600" dirty="0">
-                <a:solidFill>
-                  <a:schemeClr val="tx1"/>
-                </a:solidFill>
-                <a:latin typeface="Rubik"/>
-                <a:ea typeface="Rubik"/>
-                <a:cs typeface="Rubik"/>
-                <a:sym typeface="Rubik"/>
-              </a:rPr>
-              <a:t> customer yang </a:t>
-            </a:r>
-            <a:r>
-              <a:rPr lang="en-US" sz="1600" dirty="0" err="1">
-                <a:solidFill>
-                  <a:schemeClr val="tx1"/>
-                </a:solidFill>
-                <a:latin typeface="Rubik"/>
-                <a:ea typeface="Rubik"/>
-                <a:cs typeface="Rubik"/>
-                <a:sym typeface="Rubik"/>
-              </a:rPr>
-              <a:t>bersedia</a:t>
-            </a:r>
-            <a:r>
-              <a:rPr lang="en-US" sz="1600" dirty="0">
-                <a:solidFill>
-                  <a:schemeClr val="tx1"/>
-                </a:solidFill>
-                <a:latin typeface="Rubik"/>
-                <a:ea typeface="Rubik"/>
-                <a:cs typeface="Rubik"/>
-                <a:sym typeface="Rubik"/>
-              </a:rPr>
-              <a:t> </a:t>
-            </a:r>
-            <a:r>
-              <a:rPr lang="en-US" sz="1600" dirty="0" err="1">
-                <a:solidFill>
-                  <a:schemeClr val="tx1"/>
-                </a:solidFill>
-                <a:latin typeface="Rubik"/>
-                <a:ea typeface="Rubik"/>
-                <a:cs typeface="Rubik"/>
-                <a:sym typeface="Rubik"/>
-              </a:rPr>
-              <a:t>mengeluarkan</a:t>
-            </a:r>
-            <a:r>
-              <a:rPr lang="en-US" sz="1600" dirty="0">
-                <a:solidFill>
-                  <a:schemeClr val="tx1"/>
-                </a:solidFill>
-                <a:latin typeface="Rubik"/>
-                <a:ea typeface="Rubik"/>
-                <a:cs typeface="Rubik"/>
-                <a:sym typeface="Rubik"/>
-              </a:rPr>
-              <a:t> uang </a:t>
-            </a:r>
-            <a:r>
-              <a:rPr lang="en-US" sz="1600" dirty="0" err="1">
-                <a:solidFill>
-                  <a:schemeClr val="tx1"/>
-                </a:solidFill>
-                <a:latin typeface="Rubik"/>
-                <a:ea typeface="Rubik"/>
-                <a:cs typeface="Rubik"/>
-                <a:sym typeface="Rubik"/>
-              </a:rPr>
-              <a:t>untuk</a:t>
-            </a:r>
-            <a:r>
-              <a:rPr lang="en-US" sz="1600" dirty="0">
-                <a:solidFill>
-                  <a:schemeClr val="tx1"/>
-                </a:solidFill>
-                <a:latin typeface="Rubik"/>
-                <a:ea typeface="Rubik"/>
-                <a:cs typeface="Rubik"/>
-                <a:sym typeface="Rubik"/>
-              </a:rPr>
-              <a:t> </a:t>
-            </a:r>
-            <a:r>
-              <a:rPr lang="en-US" sz="1600" dirty="0" err="1">
-                <a:solidFill>
-                  <a:schemeClr val="tx1"/>
-                </a:solidFill>
-                <a:latin typeface="Rubik"/>
-                <a:ea typeface="Rubik"/>
-                <a:cs typeface="Rubik"/>
-                <a:sym typeface="Rubik"/>
-              </a:rPr>
-              <a:t>produk</a:t>
-            </a:r>
-            <a:r>
-              <a:rPr lang="en-US" sz="1600" dirty="0">
-                <a:solidFill>
-                  <a:schemeClr val="tx1"/>
-                </a:solidFill>
-                <a:latin typeface="Rubik"/>
-                <a:ea typeface="Rubik"/>
-                <a:cs typeface="Rubik"/>
-                <a:sym typeface="Rubik"/>
-              </a:rPr>
-              <a:t> </a:t>
-            </a:r>
-            <a:r>
-              <a:rPr lang="en-US" sz="1600" dirty="0" err="1">
-                <a:solidFill>
-                  <a:schemeClr val="tx1"/>
-                </a:solidFill>
-                <a:latin typeface="Rubik"/>
-                <a:ea typeface="Rubik"/>
-                <a:cs typeface="Rubik"/>
-                <a:sym typeface="Rubik"/>
-              </a:rPr>
-              <a:t>kesehatan</a:t>
-            </a:r>
-            <a:r>
-              <a:rPr lang="en-US" sz="1600" dirty="0">
-                <a:solidFill>
-                  <a:schemeClr val="tx1"/>
-                </a:solidFill>
-                <a:latin typeface="Rubik"/>
-                <a:ea typeface="Rubik"/>
-                <a:cs typeface="Rubik"/>
-                <a:sym typeface="Rubik"/>
-              </a:rPr>
-              <a:t> </a:t>
-            </a:r>
-            <a:r>
-              <a:rPr lang="en-US" sz="1600" dirty="0" err="1">
-                <a:solidFill>
-                  <a:schemeClr val="tx1"/>
-                </a:solidFill>
-                <a:latin typeface="Rubik"/>
-                <a:ea typeface="Rubik"/>
-                <a:cs typeface="Rubik"/>
-                <a:sym typeface="Rubik"/>
-              </a:rPr>
-              <a:t>berkualitas</a:t>
-            </a:r>
-            <a:r>
-              <a:rPr lang="en-US" sz="1600" dirty="0">
-                <a:solidFill>
-                  <a:schemeClr val="tx1"/>
-                </a:solidFill>
-                <a:latin typeface="Rubik"/>
-                <a:ea typeface="Rubik"/>
-                <a:cs typeface="Rubik"/>
-                <a:sym typeface="Rubik"/>
-              </a:rPr>
-              <a:t> </a:t>
-            </a:r>
-            <a:r>
-              <a:rPr lang="en-US" sz="1600" dirty="0" err="1">
-                <a:solidFill>
-                  <a:schemeClr val="tx1"/>
-                </a:solidFill>
-                <a:latin typeface="Rubik"/>
-                <a:ea typeface="Rubik"/>
-                <a:cs typeface="Rubik"/>
-                <a:sym typeface="Rubik"/>
-              </a:rPr>
-              <a:t>tinggi</a:t>
-            </a:r>
-            <a:r>
-              <a:rPr lang="en-US" sz="1600" dirty="0">
-                <a:solidFill>
-                  <a:schemeClr val="tx1"/>
-                </a:solidFill>
-                <a:latin typeface="Rubik"/>
-                <a:ea typeface="Rubik"/>
-                <a:cs typeface="Rubik"/>
-                <a:sym typeface="Rubik"/>
-              </a:rPr>
-              <a:t> dan </a:t>
-            </a:r>
-            <a:r>
-              <a:rPr lang="en-US" sz="1600" dirty="0" err="1">
-                <a:solidFill>
-                  <a:schemeClr val="tx1"/>
-                </a:solidFill>
-                <a:latin typeface="Rubik"/>
-                <a:ea typeface="Rubik"/>
-                <a:cs typeface="Rubik"/>
-                <a:sym typeface="Rubik"/>
-              </a:rPr>
-              <a:t>bersedia</a:t>
-            </a:r>
-            <a:r>
-              <a:rPr lang="en-US" sz="1600" dirty="0">
-                <a:solidFill>
-                  <a:schemeClr val="tx1"/>
-                </a:solidFill>
-                <a:latin typeface="Rubik"/>
-                <a:ea typeface="Rubik"/>
-                <a:cs typeface="Rubik"/>
-                <a:sym typeface="Rubik"/>
-              </a:rPr>
-              <a:t> </a:t>
-            </a:r>
-            <a:r>
-              <a:rPr lang="en-US" sz="1600" dirty="0" err="1">
-                <a:solidFill>
-                  <a:schemeClr val="tx1"/>
-                </a:solidFill>
-                <a:latin typeface="Rubik"/>
-                <a:ea typeface="Rubik"/>
-                <a:cs typeface="Rubik"/>
-                <a:sym typeface="Rubik"/>
-              </a:rPr>
-              <a:t>mengeluarkan</a:t>
-            </a:r>
-            <a:r>
-              <a:rPr lang="en-US" sz="1600" dirty="0">
-                <a:solidFill>
-                  <a:schemeClr val="tx1"/>
-                </a:solidFill>
-                <a:latin typeface="Rubik"/>
-                <a:ea typeface="Rubik"/>
-                <a:cs typeface="Rubik"/>
-                <a:sym typeface="Rubik"/>
-              </a:rPr>
-              <a:t> uang lebih </a:t>
-            </a:r>
-            <a:r>
-              <a:rPr lang="en-US" sz="1600" dirty="0" err="1">
-                <a:solidFill>
-                  <a:schemeClr val="tx1"/>
-                </a:solidFill>
-                <a:latin typeface="Rubik"/>
-                <a:ea typeface="Rubik"/>
-                <a:cs typeface="Rubik"/>
-                <a:sym typeface="Rubik"/>
-              </a:rPr>
-              <a:t>untuk</a:t>
-            </a:r>
-            <a:r>
-              <a:rPr lang="en-US" sz="1600" dirty="0">
-                <a:solidFill>
-                  <a:schemeClr val="tx1"/>
-                </a:solidFill>
-                <a:latin typeface="Rubik"/>
-                <a:ea typeface="Rubik"/>
-                <a:cs typeface="Rubik"/>
-                <a:sym typeface="Rubik"/>
-              </a:rPr>
-              <a:t> </a:t>
-            </a:r>
-            <a:r>
-              <a:rPr lang="en-US" sz="1600" dirty="0" err="1">
-                <a:solidFill>
-                  <a:schemeClr val="tx1"/>
-                </a:solidFill>
-                <a:latin typeface="Rubik"/>
-                <a:ea typeface="Rubik"/>
-                <a:cs typeface="Rubik"/>
-                <a:sym typeface="Rubik"/>
-              </a:rPr>
-              <a:t>mendapatkannya</a:t>
-            </a:r>
-            <a:r>
-              <a:rPr lang="en-US" sz="1600" dirty="0">
-                <a:solidFill>
-                  <a:schemeClr val="tx1"/>
-                </a:solidFill>
-                <a:latin typeface="Rubik"/>
-                <a:ea typeface="Rubik"/>
-                <a:cs typeface="Rubik"/>
-                <a:sym typeface="Rubik"/>
-              </a:rPr>
-              <a:t> selama </a:t>
-            </a:r>
-            <a:r>
-              <a:rPr lang="en-US" sz="1600" dirty="0" err="1">
-                <a:solidFill>
-                  <a:schemeClr val="tx1"/>
-                </a:solidFill>
-                <a:latin typeface="Rubik"/>
-                <a:ea typeface="Rubik"/>
-                <a:cs typeface="Rubik"/>
-                <a:sym typeface="Rubik"/>
-              </a:rPr>
-              <a:t>masih</a:t>
-            </a:r>
-            <a:r>
-              <a:rPr lang="en-US" sz="1600" dirty="0">
-                <a:solidFill>
-                  <a:schemeClr val="tx1"/>
-                </a:solidFill>
-                <a:latin typeface="Rubik"/>
-                <a:ea typeface="Rubik"/>
-                <a:cs typeface="Rubik"/>
-                <a:sym typeface="Rubik"/>
-              </a:rPr>
-              <a:t> worth it. </a:t>
-            </a:r>
-          </a:p>
-          <a:p>
-            <a:pPr lvl="0" algn="just" rtl="0">
-              <a:spcBef>
-                <a:spcPts val="0"/>
-              </a:spcBef>
-              <a:spcAft>
-                <a:spcPts val="0"/>
-              </a:spcAft>
-            </a:pPr>
-            <a:endParaRPr lang="en-US" sz="800" dirty="0">
+              <a:t>This group has a considerable frequency and number of purchases, just less than the top group. This group contains customers who are willing to spend money on high-quality health products and are willing to spend more money to get them as long as they are worth it. </a:t>
+            </a:r>
+          </a:p>
+          <a:p>
+            <a:pPr lvl="0" algn="just"/>
+            <a:endParaRPr lang="en-US" sz="1600" dirty="0">
               <a:solidFill>
                 <a:schemeClr val="tx1"/>
               </a:solidFill>
@@ -14653,22 +10709,10 @@
             </a:endParaRPr>
           </a:p>
           <a:p>
-            <a:pPr marL="285750" indent="-285750" algn="just">
+            <a:pPr marL="285750" lvl="0" indent="-285750" algn="just">
               <a:buFont typeface="Arial" panose="020B0604020202020204" pitchFamily="34" charset="0"/>
               <a:buChar char="•"/>
             </a:pPr>
-            <a:r>
-              <a:rPr lang="en-US" sz="1600" dirty="0" err="1">
-                <a:solidFill>
-                  <a:schemeClr val="tx1"/>
-                </a:solidFill>
-                <a:latin typeface="Rubik"/>
-                <a:ea typeface="Rubik"/>
-                <a:cs typeface="Rubik"/>
-                <a:sym typeface="Rubik"/>
-              </a:rPr>
-              <a:t>Lakukan</a:t>
-            </a:r>
             <a:r>
               <a:rPr lang="en-US" sz="1600" dirty="0">
                 <a:solidFill>
@@ -14679,20 +10723,14 @@
                 <a:cs typeface="Rubik"/>
                 <a:sym typeface="Rubik"/>
               </a:rPr>
-              <a:t> upselling </a:t>
-            </a:r>
-            <a:r>
-              <a:rPr lang="en-US" sz="1600" dirty="0" err="1">
-                <a:solidFill>
-                  <a:schemeClr val="tx1"/>
-                </a:solidFill>
-                <a:latin typeface="Rubik"/>
-                <a:ea typeface="Rubik"/>
-                <a:cs typeface="Rubik"/>
-                <a:sym typeface="Rubik"/>
-              </a:rPr>
-              <a:t>untuk</a:t>
-            </a:r>
+              <a:t>Do upselling to increase interest in buying premium products.</a:t>
+            </a:r>
+          </a:p>
+          <a:p>
+            <a:pPr marL="285750" lvl="0" indent="-285750" algn="just">
+              <a:buFont typeface="Arial" panose="020B0604020202020204" pitchFamily="34" charset="0"/>
+              <a:buChar char="•"/>
+            </a:pPr>
             <a:r>
               <a:rPr lang="en-US" sz="1600" dirty="0">
                 <a:solidFill>
@@ -14703,20 +10741,14 @@
                 <a:cs typeface="Rubik"/>
                 <a:sym typeface="Rubik"/>
               </a:rPr>
-              <a:t> </a:t>
-            </a:r>
-            <a:r>
-              <a:rPr lang="en-US" sz="1600" dirty="0" err="1">
-                <a:solidFill>
-                  <a:schemeClr val="tx1"/>
-                </a:solidFill>
-                <a:latin typeface="Rubik"/>
-                <a:ea typeface="Rubik"/>
-                <a:cs typeface="Rubik"/>
-                <a:sym typeface="Rubik"/>
-              </a:rPr>
-              <a:t>meningkatkan</a:t>
-            </a:r>
+              <a:t>In the campaign, emphasize the quality and efficacy of the product in everyday life. In addition, introduction to relevant premium products can be done.</a:t>
+            </a:r>
+          </a:p>
+          <a:p>
+            <a:pPr marL="285750" lvl="0" indent="-285750" algn="just">
+              <a:buFont typeface="Arial" panose="020B0604020202020204" pitchFamily="34" charset="0"/>
+              <a:buChar char="•"/>
+            </a:pPr>
             <a:r>
               <a:rPr lang="en-US" sz="1600" dirty="0">
                 <a:solidFill>
@@ -14727,523 +10759,7 @@
                 <a:cs typeface="Rubik"/>
                 <a:sym typeface="Rubik"/>
               </a:rPr>
-              <a:t> </a:t>
-            </a:r>
-            <a:r>
-              <a:rPr lang="en-US" sz="1600" dirty="0" err="1">
-                <a:solidFill>
-                  <a:schemeClr val="tx1"/>
-                </a:solidFill>
-                <a:latin typeface="Rubik"/>
-                <a:ea typeface="Rubik"/>
-                <a:cs typeface="Rubik"/>
-                <a:sym typeface="Rubik"/>
-              </a:rPr>
-              <a:t>minat</a:t>
-            </a:r>
-            <a:r>
-              <a:rPr lang="en-US" sz="1600" dirty="0">
-                <a:solidFill>
-                  <a:schemeClr val="tx1"/>
-                </a:solidFill>
-                <a:latin typeface="Rubik"/>
-                <a:ea typeface="Rubik"/>
-                <a:cs typeface="Rubik"/>
-                <a:sym typeface="Rubik"/>
-              </a:rPr>
-              <a:t> </a:t>
-            </a:r>
-            <a:r>
-              <a:rPr lang="en-US" sz="1600" dirty="0" err="1">
-                <a:solidFill>
-                  <a:schemeClr val="tx1"/>
-                </a:solidFill>
-                <a:latin typeface="Rubik"/>
-                <a:ea typeface="Rubik"/>
-                <a:cs typeface="Rubik"/>
-                <a:sym typeface="Rubik"/>
-              </a:rPr>
-              <a:t>untuk</a:t>
-            </a:r>
-            <a:r>
-              <a:rPr lang="en-US" sz="1600" dirty="0">
-                <a:solidFill>
-                  <a:schemeClr val="tx1"/>
-                </a:solidFill>
-                <a:latin typeface="Rubik"/>
-                <a:ea typeface="Rubik"/>
-                <a:cs typeface="Rubik"/>
-                <a:sym typeface="Rubik"/>
-              </a:rPr>
-              <a:t> </a:t>
-            </a:r>
-            <a:r>
-              <a:rPr lang="en-US" sz="1600" dirty="0" err="1">
-                <a:solidFill>
-                  <a:schemeClr val="tx1"/>
-                </a:solidFill>
-                <a:latin typeface="Rubik"/>
-                <a:ea typeface="Rubik"/>
-                <a:cs typeface="Rubik"/>
-                <a:sym typeface="Rubik"/>
-              </a:rPr>
-              <a:t>membeli</a:t>
-            </a:r>
-            <a:r>
-              <a:rPr lang="en-US" sz="1600" dirty="0">
-                <a:solidFill>
-                  <a:schemeClr val="tx1"/>
-                </a:solidFill>
-                <a:latin typeface="Rubik"/>
-                <a:ea typeface="Rubik"/>
-                <a:cs typeface="Rubik"/>
-                <a:sym typeface="Rubik"/>
-              </a:rPr>
-              <a:t> </a:t>
-            </a:r>
-            <a:r>
-              <a:rPr lang="en-US" sz="1600" dirty="0" err="1">
-                <a:solidFill>
-                  <a:schemeClr val="tx1"/>
-                </a:solidFill>
-                <a:latin typeface="Rubik"/>
-                <a:ea typeface="Rubik"/>
-                <a:cs typeface="Rubik"/>
-                <a:sym typeface="Rubik"/>
-              </a:rPr>
-              <a:t>produk</a:t>
-            </a:r>
-            <a:r>
-              <a:rPr lang="en-US" sz="1600" dirty="0">
-                <a:solidFill>
-                  <a:schemeClr val="tx1"/>
-                </a:solidFill>
-                <a:latin typeface="Rubik"/>
-                <a:ea typeface="Rubik"/>
-                <a:cs typeface="Rubik"/>
-                <a:sym typeface="Rubik"/>
-              </a:rPr>
-              <a:t> premium.</a:t>
-            </a:r>
-          </a:p>
-          <a:p>
-            <a:pPr marL="285750" lvl="0" indent="-285750" algn="just" rtl="0">
-              <a:spcBef>
-                <a:spcPts val="0"/>
-              </a:spcBef>
-              <a:spcAft>
-                <a:spcPts val="0"/>
-              </a:spcAft>
-              <a:buFont typeface="Arial" panose="020B0604020202020204" pitchFamily="34" charset="0"/>
-              <a:buChar char="•"/>
-            </a:pPr>
-            <a:r>
-              <a:rPr lang="en-US" sz="1600" dirty="0">
-                <a:solidFill>
-                  <a:schemeClr val="tx1"/>
-                </a:solidFill>
-                <a:latin typeface="Rubik"/>
-                <a:ea typeface="Rubik"/>
-                <a:cs typeface="Rubik"/>
-                <a:sym typeface="Rubik"/>
-              </a:rPr>
-              <a:t>Pada campaign, </a:t>
-            </a:r>
-            <a:r>
-              <a:rPr lang="en-US" sz="1600" dirty="0" err="1">
-                <a:solidFill>
-                  <a:schemeClr val="tx1"/>
-                </a:solidFill>
-                <a:latin typeface="Rubik"/>
-                <a:ea typeface="Rubik"/>
-                <a:cs typeface="Rubik"/>
-                <a:sym typeface="Rubik"/>
-              </a:rPr>
-              <a:t>lakukan</a:t>
-            </a:r>
-            <a:r>
-              <a:rPr lang="en-US" sz="1600" dirty="0">
-                <a:solidFill>
-                  <a:schemeClr val="tx1"/>
-                </a:solidFill>
-                <a:latin typeface="Rubik"/>
-                <a:ea typeface="Rubik"/>
-                <a:cs typeface="Rubik"/>
-                <a:sym typeface="Rubik"/>
-              </a:rPr>
-              <a:t> </a:t>
-            </a:r>
-            <a:r>
-              <a:rPr lang="en-US" sz="1600" dirty="0" err="1">
-                <a:solidFill>
-                  <a:schemeClr val="tx1"/>
-                </a:solidFill>
-                <a:latin typeface="Rubik"/>
-                <a:ea typeface="Rubik"/>
-                <a:cs typeface="Rubik"/>
-                <a:sym typeface="Rubik"/>
-              </a:rPr>
-              <a:t>penekanan</a:t>
-            </a:r>
-            <a:r>
-              <a:rPr lang="en-US" sz="1600" dirty="0">
-                <a:solidFill>
-                  <a:schemeClr val="tx1"/>
-                </a:solidFill>
-                <a:latin typeface="Rubik"/>
-                <a:ea typeface="Rubik"/>
-                <a:cs typeface="Rubik"/>
-                <a:sym typeface="Rubik"/>
-              </a:rPr>
-              <a:t> pada </a:t>
-            </a:r>
-            <a:r>
-              <a:rPr lang="en-US" sz="1600" dirty="0" err="1">
-                <a:solidFill>
-                  <a:schemeClr val="tx1"/>
-                </a:solidFill>
-                <a:latin typeface="Rubik"/>
-                <a:ea typeface="Rubik"/>
-                <a:cs typeface="Rubik"/>
-                <a:sym typeface="Rubik"/>
-              </a:rPr>
-              <a:t>kualitas</a:t>
-            </a:r>
-            <a:r>
-              <a:rPr lang="en-US" sz="1600" dirty="0">
-                <a:solidFill>
-                  <a:schemeClr val="tx1"/>
-                </a:solidFill>
-                <a:latin typeface="Rubik"/>
-                <a:ea typeface="Rubik"/>
-                <a:cs typeface="Rubik"/>
-                <a:sym typeface="Rubik"/>
-              </a:rPr>
-              <a:t> dan </a:t>
-            </a:r>
-            <a:r>
-              <a:rPr lang="en-US" sz="1600" dirty="0" err="1">
-                <a:solidFill>
-                  <a:schemeClr val="tx1"/>
-                </a:solidFill>
-                <a:latin typeface="Rubik"/>
-                <a:ea typeface="Rubik"/>
-                <a:cs typeface="Rubik"/>
-                <a:sym typeface="Rubik"/>
-              </a:rPr>
-              <a:t>khasiat</a:t>
-            </a:r>
-            <a:r>
-              <a:rPr lang="en-US" sz="1600" dirty="0">
-                <a:solidFill>
-                  <a:schemeClr val="tx1"/>
-                </a:solidFill>
-                <a:latin typeface="Rubik"/>
-                <a:ea typeface="Rubik"/>
-                <a:cs typeface="Rubik"/>
-                <a:sym typeface="Rubik"/>
-              </a:rPr>
-              <a:t> </a:t>
-            </a:r>
-            <a:r>
-              <a:rPr lang="en-US" sz="1600" dirty="0" err="1">
-                <a:solidFill>
-                  <a:schemeClr val="tx1"/>
-                </a:solidFill>
-                <a:latin typeface="Rubik"/>
-                <a:ea typeface="Rubik"/>
-                <a:cs typeface="Rubik"/>
-                <a:sym typeface="Rubik"/>
-              </a:rPr>
-              <a:t>produk</a:t>
-            </a:r>
-            <a:r>
-              <a:rPr lang="en-US" sz="1600" dirty="0">
-                <a:solidFill>
-                  <a:schemeClr val="tx1"/>
-                </a:solidFill>
-                <a:latin typeface="Rubik"/>
-                <a:ea typeface="Rubik"/>
-                <a:cs typeface="Rubik"/>
-                <a:sym typeface="Rubik"/>
-              </a:rPr>
-              <a:t> </a:t>
-            </a:r>
-            <a:r>
-              <a:rPr lang="en-US" sz="1600" dirty="0" err="1">
-                <a:solidFill>
-                  <a:schemeClr val="tx1"/>
-                </a:solidFill>
-                <a:latin typeface="Rubik"/>
-                <a:ea typeface="Rubik"/>
-                <a:cs typeface="Rubik"/>
-                <a:sym typeface="Rubik"/>
-              </a:rPr>
-              <a:t>dalam</a:t>
-            </a:r>
-            <a:r>
-              <a:rPr lang="en-US" sz="1600" dirty="0">
-                <a:solidFill>
-                  <a:schemeClr val="tx1"/>
-                </a:solidFill>
-                <a:latin typeface="Rubik"/>
-                <a:ea typeface="Rubik"/>
-                <a:cs typeface="Rubik"/>
-                <a:sym typeface="Rubik"/>
-              </a:rPr>
-              <a:t> kehidupan </a:t>
-            </a:r>
-            <a:r>
-              <a:rPr lang="en-US" sz="1600" dirty="0" err="1">
-                <a:solidFill>
-                  <a:schemeClr val="tx1"/>
-                </a:solidFill>
-                <a:latin typeface="Rubik"/>
-                <a:ea typeface="Rubik"/>
-                <a:cs typeface="Rubik"/>
-                <a:sym typeface="Rubik"/>
-              </a:rPr>
-              <a:t>sehari-hari</a:t>
-            </a:r>
-            <a:r>
-              <a:rPr lang="en-US" sz="1600" dirty="0">
-                <a:solidFill>
-                  <a:schemeClr val="tx1"/>
-                </a:solidFill>
-                <a:latin typeface="Rubik"/>
-                <a:ea typeface="Rubik"/>
-                <a:cs typeface="Rubik"/>
-                <a:sym typeface="Rubik"/>
-              </a:rPr>
-              <a:t>. Selain itu, dapat </a:t>
-            </a:r>
-            <a:r>
-              <a:rPr lang="en-US" sz="1600" dirty="0" err="1">
-                <a:solidFill>
-                  <a:schemeClr val="tx1"/>
-                </a:solidFill>
-                <a:latin typeface="Rubik"/>
-                <a:ea typeface="Rubik"/>
-                <a:cs typeface="Rubik"/>
-                <a:sym typeface="Rubik"/>
-              </a:rPr>
-              <a:t>dilakukan</a:t>
-            </a:r>
-            <a:r>
-              <a:rPr lang="en-US" sz="1600" dirty="0">
-                <a:solidFill>
-                  <a:schemeClr val="tx1"/>
-                </a:solidFill>
-                <a:latin typeface="Rubik"/>
-                <a:ea typeface="Rubik"/>
-                <a:cs typeface="Rubik"/>
-                <a:sym typeface="Rubik"/>
-              </a:rPr>
-              <a:t> </a:t>
-            </a:r>
-            <a:r>
-              <a:rPr lang="en-US" sz="1600" dirty="0" err="1">
-                <a:solidFill>
-                  <a:schemeClr val="tx1"/>
-                </a:solidFill>
-                <a:latin typeface="Rubik"/>
-                <a:ea typeface="Rubik"/>
-                <a:cs typeface="Rubik"/>
-                <a:sym typeface="Rubik"/>
-              </a:rPr>
-              <a:t>pengenalan</a:t>
-            </a:r>
-            <a:r>
-              <a:rPr lang="en-US" sz="1600" dirty="0">
-                <a:solidFill>
-                  <a:schemeClr val="tx1"/>
-                </a:solidFill>
-                <a:latin typeface="Rubik"/>
-                <a:ea typeface="Rubik"/>
-                <a:cs typeface="Rubik"/>
-                <a:sym typeface="Rubik"/>
-              </a:rPr>
-              <a:t> ke </a:t>
-            </a:r>
-            <a:r>
-              <a:rPr lang="en-US" sz="1600" dirty="0" err="1">
-                <a:solidFill>
-                  <a:schemeClr val="tx1"/>
-                </a:solidFill>
-                <a:latin typeface="Rubik"/>
-                <a:ea typeface="Rubik"/>
-                <a:cs typeface="Rubik"/>
-                <a:sym typeface="Rubik"/>
-              </a:rPr>
-              <a:t>produk</a:t>
-            </a:r>
-            <a:r>
-              <a:rPr lang="en-US" sz="1600" dirty="0">
-                <a:solidFill>
-                  <a:schemeClr val="tx1"/>
-                </a:solidFill>
-                <a:latin typeface="Rubik"/>
-                <a:ea typeface="Rubik"/>
-                <a:cs typeface="Rubik"/>
-                <a:sym typeface="Rubik"/>
-              </a:rPr>
-              <a:t> premium yang </a:t>
-            </a:r>
-            <a:r>
-              <a:rPr lang="en-US" sz="1600" dirty="0" err="1">
-                <a:solidFill>
-                  <a:schemeClr val="tx1"/>
-                </a:solidFill>
-                <a:latin typeface="Rubik"/>
-                <a:ea typeface="Rubik"/>
-                <a:cs typeface="Rubik"/>
-                <a:sym typeface="Rubik"/>
-              </a:rPr>
-              <a:t>relevan</a:t>
-            </a:r>
-            <a:r>
-              <a:rPr lang="en-US" sz="1600" dirty="0">
-                <a:solidFill>
-                  <a:schemeClr val="tx1"/>
-                </a:solidFill>
-                <a:latin typeface="Rubik"/>
-                <a:ea typeface="Rubik"/>
-                <a:cs typeface="Rubik"/>
-                <a:sym typeface="Rubik"/>
-              </a:rPr>
-              <a:t>.</a:t>
-            </a:r>
-          </a:p>
-          <a:p>
-            <a:pPr marL="285750" lvl="0" indent="-285750" algn="just" rtl="0">
-              <a:spcBef>
-                <a:spcPts val="0"/>
-              </a:spcBef>
-              <a:spcAft>
-                <a:spcPts val="0"/>
-              </a:spcAft>
-              <a:buFont typeface="Arial" panose="020B0604020202020204" pitchFamily="34" charset="0"/>
-              <a:buChar char="•"/>
-            </a:pPr>
-            <a:r>
-              <a:rPr lang="en-US" sz="1600" dirty="0" err="1">
-                <a:solidFill>
-                  <a:schemeClr val="tx1"/>
-                </a:solidFill>
-                <a:latin typeface="Rubik"/>
-                <a:ea typeface="Rubik"/>
-                <a:cs typeface="Rubik"/>
-                <a:sym typeface="Rubik"/>
-              </a:rPr>
-              <a:t>Promosi</a:t>
-            </a:r>
-            <a:r>
-              <a:rPr lang="en-US" sz="1600" dirty="0">
-                <a:solidFill>
-                  <a:schemeClr val="tx1"/>
-                </a:solidFill>
-                <a:latin typeface="Rubik"/>
-                <a:ea typeface="Rubik"/>
-                <a:cs typeface="Rubik"/>
-                <a:sym typeface="Rubik"/>
-              </a:rPr>
-              <a:t> bundling dengan </a:t>
-            </a:r>
-            <a:r>
-              <a:rPr lang="en-US" sz="1600" dirty="0" err="1">
-                <a:solidFill>
-                  <a:schemeClr val="tx1"/>
-                </a:solidFill>
-                <a:latin typeface="Rubik"/>
-                <a:ea typeface="Rubik"/>
-                <a:cs typeface="Rubik"/>
-                <a:sym typeface="Rubik"/>
-              </a:rPr>
-              <a:t>produk</a:t>
-            </a:r>
-            <a:r>
-              <a:rPr lang="en-US" sz="1600" dirty="0">
-                <a:solidFill>
-                  <a:schemeClr val="tx1"/>
-                </a:solidFill>
-                <a:latin typeface="Rubik"/>
-                <a:ea typeface="Rubik"/>
-                <a:cs typeface="Rubik"/>
-                <a:sym typeface="Rubik"/>
-              </a:rPr>
-              <a:t> premium agar muncul </a:t>
-            </a:r>
-            <a:r>
-              <a:rPr lang="en-US" sz="1600" dirty="0" err="1">
-                <a:solidFill>
-                  <a:schemeClr val="tx1"/>
-                </a:solidFill>
-                <a:latin typeface="Rubik"/>
-                <a:ea typeface="Rubik"/>
-                <a:cs typeface="Rubik"/>
-                <a:sym typeface="Rubik"/>
-              </a:rPr>
-              <a:t>ketertarikan</a:t>
-            </a:r>
-            <a:r>
-              <a:rPr lang="en-US" sz="1600" dirty="0">
-                <a:solidFill>
-                  <a:schemeClr val="tx1"/>
-                </a:solidFill>
-                <a:latin typeface="Rubik"/>
-                <a:ea typeface="Rubik"/>
-                <a:cs typeface="Rubik"/>
-                <a:sym typeface="Rubik"/>
-              </a:rPr>
-              <a:t> </a:t>
-            </a:r>
-            <a:r>
-              <a:rPr lang="en-US" sz="1600" dirty="0" err="1">
-                <a:solidFill>
-                  <a:schemeClr val="tx1"/>
-                </a:solidFill>
-                <a:latin typeface="Rubik"/>
-                <a:ea typeface="Rubik"/>
-                <a:cs typeface="Rubik"/>
-                <a:sym typeface="Rubik"/>
-              </a:rPr>
-              <a:t>untuk</a:t>
-            </a:r>
-            <a:r>
-              <a:rPr lang="en-US" sz="1600" dirty="0">
-                <a:solidFill>
-                  <a:schemeClr val="tx1"/>
-                </a:solidFill>
-                <a:latin typeface="Rubik"/>
-                <a:ea typeface="Rubik"/>
-                <a:cs typeface="Rubik"/>
-                <a:sym typeface="Rubik"/>
-              </a:rPr>
-              <a:t> </a:t>
-            </a:r>
-            <a:r>
-              <a:rPr lang="en-US" sz="1600" dirty="0" err="1">
-                <a:solidFill>
-                  <a:schemeClr val="tx1"/>
-                </a:solidFill>
-                <a:latin typeface="Rubik"/>
-                <a:ea typeface="Rubik"/>
-                <a:cs typeface="Rubik"/>
-                <a:sym typeface="Rubik"/>
-              </a:rPr>
-              <a:t>membeli</a:t>
-            </a:r>
-            <a:r>
-              <a:rPr lang="en-US" sz="1600" dirty="0">
-                <a:solidFill>
-                  <a:schemeClr val="tx1"/>
-                </a:solidFill>
-                <a:latin typeface="Rubik"/>
-                <a:ea typeface="Rubik"/>
-                <a:cs typeface="Rubik"/>
-                <a:sym typeface="Rubik"/>
-              </a:rPr>
-              <a:t>. </a:t>
+              <a:t>Promote bundling with premium products to generate interest in buying. </a:t>
             </a:r>
           </a:p>
         </p:txBody>
@@ -15477,166 +10993,13 @@
           <a:lstStyle/>
           <a:p>
             <a:r>
-              <a:rPr lang="en-US" sz="1600" dirty="0" err="1">
+              <a:rPr lang="en-US" sz="1600" dirty="0">
                 <a:latin typeface="Rubik"/>
                 <a:ea typeface="Rubik"/>
                 <a:cs typeface="Rubik"/>
                 <a:sym typeface="Rubik"/>
               </a:rPr>
-              <a:t>Menggunakan</a:t>
-            </a:r>
-            <a:r>
-              <a:rPr lang="en-US" sz="1600" dirty="0">
-                <a:latin typeface="Rubik"/>
-                <a:ea typeface="Rubik"/>
-                <a:cs typeface="Rubik"/>
-                <a:sym typeface="Rubik"/>
-              </a:rPr>
-              <a:t> model ARIMA (40,2,1) </a:t>
-            </a:r>
-            <a:r>
-              <a:rPr lang="en-US" sz="1600" dirty="0" err="1">
-                <a:latin typeface="Rubik"/>
-                <a:ea typeface="Rubik"/>
-                <a:cs typeface="Rubik"/>
-                <a:sym typeface="Rubik"/>
-              </a:rPr>
-              <a:t>untuk</a:t>
-            </a:r>
-            <a:r>
-              <a:rPr lang="en-US" sz="1600" dirty="0">
-                <a:latin typeface="Rubik"/>
-                <a:ea typeface="Rubik"/>
-                <a:cs typeface="Rubik"/>
-                <a:sym typeface="Rubik"/>
-              </a:rPr>
-              <a:t> </a:t>
-            </a:r>
-            <a:r>
-              <a:rPr lang="en-US" sz="1600" dirty="0" err="1">
-                <a:latin typeface="Rubik"/>
-                <a:ea typeface="Rubik"/>
-                <a:cs typeface="Rubik"/>
-                <a:sym typeface="Rubik"/>
-              </a:rPr>
-              <a:t>membuat</a:t>
-            </a:r>
-            <a:r>
-              <a:rPr lang="en-US" sz="1600" dirty="0">
-                <a:latin typeface="Rubik"/>
-                <a:ea typeface="Rubik"/>
-                <a:cs typeface="Rubik"/>
-                <a:sym typeface="Rubik"/>
-              </a:rPr>
-              <a:t> model machine learning </a:t>
-            </a:r>
-            <a:r>
-              <a:rPr lang="en-US" sz="1600" dirty="0" err="1">
-                <a:latin typeface="Rubik"/>
-                <a:ea typeface="Rubik"/>
-                <a:cs typeface="Rubik"/>
-                <a:sym typeface="Rubik"/>
-              </a:rPr>
-              <a:t>regresi</a:t>
-            </a:r>
-            <a:r>
-              <a:rPr lang="en-US" sz="1600" dirty="0">
-                <a:latin typeface="Rubik"/>
-                <a:ea typeface="Rubik"/>
-                <a:cs typeface="Rubik"/>
-                <a:sym typeface="Rubik"/>
-              </a:rPr>
-              <a:t> yang </a:t>
-            </a:r>
-            <a:r>
-              <a:rPr lang="en-US" sz="1600" dirty="0" err="1">
-                <a:latin typeface="Rubik"/>
-                <a:ea typeface="Rubik"/>
-                <a:cs typeface="Rubik"/>
-                <a:sym typeface="Rubik"/>
-              </a:rPr>
-              <a:t>dapat</a:t>
-            </a:r>
-            <a:r>
-              <a:rPr lang="en-US" sz="1600" dirty="0">
-                <a:latin typeface="Rubik"/>
-                <a:ea typeface="Rubik"/>
-                <a:cs typeface="Rubik"/>
-                <a:sym typeface="Rubik"/>
-              </a:rPr>
-              <a:t> </a:t>
-            </a:r>
-            <a:r>
-              <a:rPr lang="en-US" sz="1600" dirty="0" err="1">
-                <a:latin typeface="Rubik"/>
-                <a:ea typeface="Rubik"/>
-                <a:cs typeface="Rubik"/>
-                <a:sym typeface="Rubik"/>
-              </a:rPr>
-              <a:t>memprediksi</a:t>
-            </a:r>
-            <a:r>
-              <a:rPr lang="en-US" sz="1600" dirty="0">
-                <a:latin typeface="Rubik"/>
-                <a:ea typeface="Rubik"/>
-                <a:cs typeface="Rubik"/>
-                <a:sym typeface="Rubik"/>
-              </a:rPr>
-              <a:t> </a:t>
-            </a:r>
-            <a:r>
-              <a:rPr lang="en-US" sz="1600" dirty="0" err="1">
-                <a:latin typeface="Rubik"/>
-                <a:ea typeface="Rubik"/>
-                <a:cs typeface="Rubik"/>
-                <a:sym typeface="Rubik"/>
-              </a:rPr>
-              <a:t>banyaknya</a:t>
-            </a:r>
-            <a:r>
-              <a:rPr lang="en-US" sz="1600" dirty="0">
-                <a:latin typeface="Rubik"/>
-                <a:ea typeface="Rubik"/>
-                <a:cs typeface="Rubik"/>
-                <a:sym typeface="Rubik"/>
-              </a:rPr>
-              <a:t> </a:t>
-            </a:r>
-            <a:r>
-              <a:rPr lang="en-US" sz="1600" dirty="0" err="1">
-                <a:latin typeface="Rubik"/>
-                <a:ea typeface="Rubik"/>
-                <a:cs typeface="Rubik"/>
-                <a:sym typeface="Rubik"/>
-              </a:rPr>
-              <a:t>produk</a:t>
-            </a:r>
-            <a:r>
-              <a:rPr lang="en-US" sz="1600" dirty="0">
-                <a:latin typeface="Rubik"/>
-                <a:ea typeface="Rubik"/>
-                <a:cs typeface="Rubik"/>
-                <a:sym typeface="Rubik"/>
-              </a:rPr>
-              <a:t> </a:t>
-            </a:r>
-            <a:r>
-              <a:rPr lang="en-US" sz="1600" dirty="0" err="1">
-                <a:latin typeface="Rubik"/>
-                <a:ea typeface="Rubik"/>
-                <a:cs typeface="Rubik"/>
-                <a:sym typeface="Rubik"/>
-              </a:rPr>
-              <a:t>terjual</a:t>
-            </a:r>
-            <a:r>
-              <a:rPr lang="en-US" sz="1600" dirty="0">
-                <a:latin typeface="Rubik"/>
-                <a:ea typeface="Rubik"/>
-                <a:cs typeface="Rubik"/>
-                <a:sym typeface="Rubik"/>
-              </a:rPr>
-              <a:t>.</a:t>
+              <a:t>Using the ARIMA (40,2,1) model to create a regression machine learning model that can predict the number of products sold so that inventory management can be optimized.</a:t>
             </a:r>
             <a:endParaRPr lang="en-US" sz="1600" dirty="0"/>
           </a:p>
@@ -15893,7 +11256,7 @@
         </p:blipFill>
         <p:spPr>
           <a:xfrm>
-            <a:off x="0" y="0"/>
+            <a:off x="0" y="-5316"/>
             <a:ext cx="9144001" cy="5143501"/>
           </a:xfrm>
           <a:prstGeom prst="rect">
@@ -15999,8 +11362,8 @@
         </p:nvSpPr>
         <p:spPr>
           <a:xfrm>
-            <a:off x="546240" y="1657940"/>
-            <a:ext cx="8026490" cy="2554545"/>
+            <a:off x="546240" y="1540982"/>
+            <a:ext cx="8026490" cy="2800767"/>
           </a:xfrm>
           <a:prstGeom prst="rect">
             <a:avLst/>
@@ -16021,457 +11384,26 @@
                 <a:cs typeface="Rubik"/>
                 <a:sym typeface="Rubik"/>
               </a:rPr>
-              <a:t>Hasil </a:t>
-            </a:r>
-            <a:r>
-              <a:rPr lang="en-US" sz="1600" dirty="0" err="1">
-                <a:latin typeface="Rubik"/>
-                <a:ea typeface="Rubik"/>
-                <a:cs typeface="Rubik"/>
+              <a:t>The metric measurement results show that the ARIMA model created has not been able to predict well. This can also be seen from the visualization of the prediction results on the previous page, which shows that the ARIMA prediction is still far from the actual value.</a:t>
+            </a:r>
+          </a:p>
+          <a:p>
+            <a:pPr algn="just"/>
+            <a:endParaRPr lang="en-US" sz="1600" dirty="0">
+              <a:latin typeface="Rubik"/>
+              <a:ea typeface="Rubik"/>
+              <a:cs typeface="Rubik"/>
+              <a:sym typeface="Rubik"/>
+            </a:endParaRPr>
+          </a:p>
+          <a:p>
+            <a:pPr algn="just"/>
+            <a:r>
+              <a:rPr lang="en-US" sz="1600" dirty="0">
+                <a:latin typeface="Rubik"/>
                 <a:sym typeface="Rubik"/>
               </a:rPr>
-              <a:t>pengukuran</a:t>
-            </a:r>
-            <a:r>
-              <a:rPr lang="en-US" sz="1600" dirty="0">
-                <a:latin typeface="Rubik"/>
-                <a:ea typeface="Rubik"/>
-                <a:cs typeface="Rubik"/>
-                <a:sym typeface="Rubik"/>
-              </a:rPr>
-              <a:t> </a:t>
-            </a:r>
-            <a:r>
-              <a:rPr lang="en-US" sz="1600" dirty="0" err="1">
-                <a:latin typeface="Rubik"/>
-                <a:ea typeface="Rubik"/>
-                <a:cs typeface="Rubik"/>
-                <a:sym typeface="Rubik"/>
-              </a:rPr>
-              <a:t>metrik</a:t>
-            </a:r>
-            <a:r>
-              <a:rPr lang="en-US" sz="1600" dirty="0">
-                <a:latin typeface="Rubik"/>
-                <a:ea typeface="Rubik"/>
-                <a:cs typeface="Rubik"/>
-                <a:sym typeface="Rubik"/>
-              </a:rPr>
-              <a:t> </a:t>
-            </a:r>
-            <a:r>
-              <a:rPr lang="en-US" sz="1600" dirty="0" err="1">
-                <a:latin typeface="Rubik"/>
-                <a:ea typeface="Rubik"/>
-                <a:cs typeface="Rubik"/>
-                <a:sym typeface="Rubik"/>
-              </a:rPr>
-              <a:t>menunjukkan</a:t>
-            </a:r>
-            <a:r>
-              <a:rPr lang="en-US" sz="1600" dirty="0">
-                <a:latin typeface="Rubik"/>
-                <a:ea typeface="Rubik"/>
-                <a:cs typeface="Rubik"/>
-                <a:sym typeface="Rubik"/>
-              </a:rPr>
-              <a:t> model ARIMA yang </a:t>
-            </a:r>
-            <a:r>
-              <a:rPr lang="en-US" sz="1600" dirty="0" err="1">
-                <a:latin typeface="Rubik"/>
-                <a:ea typeface="Rubik"/>
-                <a:cs typeface="Rubik"/>
-                <a:sym typeface="Rubik"/>
-              </a:rPr>
-              <a:t>dibuat</a:t>
-            </a:r>
-            <a:r>
-              <a:rPr lang="en-US" sz="1600" dirty="0">
-                <a:latin typeface="Rubik"/>
-                <a:ea typeface="Rubik"/>
-                <a:cs typeface="Rubik"/>
-                <a:sym typeface="Rubik"/>
-              </a:rPr>
-              <a:t> </a:t>
-            </a:r>
-            <a:r>
-              <a:rPr lang="en-US" sz="1600" dirty="0" err="1">
-                <a:latin typeface="Rubik"/>
-                <a:ea typeface="Rubik"/>
-                <a:cs typeface="Rubik"/>
-                <a:sym typeface="Rubik"/>
-              </a:rPr>
-              <a:t>belum</a:t>
-            </a:r>
-            <a:r>
-              <a:rPr lang="en-US" sz="1600" dirty="0">
-                <a:latin typeface="Rubik"/>
-                <a:ea typeface="Rubik"/>
-                <a:cs typeface="Rubik"/>
-                <a:sym typeface="Rubik"/>
-              </a:rPr>
-              <a:t> </a:t>
-            </a:r>
-            <a:r>
-              <a:rPr lang="en-US" sz="1600" dirty="0" err="1">
-                <a:latin typeface="Rubik"/>
-                <a:ea typeface="Rubik"/>
-                <a:cs typeface="Rubik"/>
-                <a:sym typeface="Rubik"/>
-              </a:rPr>
-              <a:t>bisa</a:t>
-            </a:r>
-            <a:r>
-              <a:rPr lang="en-US" sz="1600" dirty="0">
-                <a:latin typeface="Rubik"/>
-                <a:ea typeface="Rubik"/>
-                <a:cs typeface="Rubik"/>
-                <a:sym typeface="Rubik"/>
-              </a:rPr>
-              <a:t> </a:t>
-            </a:r>
-            <a:r>
-              <a:rPr lang="en-US" sz="1600" dirty="0" err="1">
-                <a:latin typeface="Rubik"/>
-                <a:ea typeface="Rubik"/>
-                <a:cs typeface="Rubik"/>
-                <a:sym typeface="Rubik"/>
-              </a:rPr>
-              <a:t>melakukan</a:t>
-            </a:r>
-            <a:r>
-              <a:rPr lang="en-US" sz="1600" dirty="0">
-                <a:latin typeface="Rubik"/>
-                <a:ea typeface="Rubik"/>
-                <a:cs typeface="Rubik"/>
-                <a:sym typeface="Rubik"/>
-              </a:rPr>
-              <a:t> </a:t>
-            </a:r>
-            <a:r>
-              <a:rPr lang="en-US" sz="1600" dirty="0" err="1">
-                <a:latin typeface="Rubik"/>
-                <a:ea typeface="Rubik"/>
-                <a:cs typeface="Rubik"/>
-                <a:sym typeface="Rubik"/>
-              </a:rPr>
-              <a:t>prediksi</a:t>
-            </a:r>
-            <a:r>
-              <a:rPr lang="en-US" sz="1600" dirty="0">
-                <a:latin typeface="Rubik"/>
-                <a:ea typeface="Rubik"/>
-                <a:cs typeface="Rubik"/>
-                <a:sym typeface="Rubik"/>
-              </a:rPr>
-              <a:t> </a:t>
-            </a:r>
-            <a:r>
-              <a:rPr lang="en-US" sz="1600" dirty="0" err="1">
-                <a:latin typeface="Rubik"/>
-                <a:ea typeface="Rubik"/>
-                <a:cs typeface="Rubik"/>
-                <a:sym typeface="Rubik"/>
-              </a:rPr>
-              <a:t>dengan</a:t>
-            </a:r>
-            <a:r>
-              <a:rPr lang="en-US" sz="1600" dirty="0">
-                <a:latin typeface="Rubik"/>
-                <a:ea typeface="Rubik"/>
-                <a:cs typeface="Rubik"/>
-                <a:sym typeface="Rubik"/>
-              </a:rPr>
-              <a:t> </a:t>
-            </a:r>
-            <a:r>
-              <a:rPr lang="en-US" sz="1600" dirty="0" err="1">
-                <a:latin typeface="Rubik"/>
-                <a:ea typeface="Rubik"/>
-                <a:cs typeface="Rubik"/>
-                <a:sym typeface="Rubik"/>
-              </a:rPr>
-              <a:t>baik</a:t>
-            </a:r>
-            <a:r>
-              <a:rPr lang="en-US" sz="1600" dirty="0">
-                <a:latin typeface="Rubik"/>
-                <a:ea typeface="Rubik"/>
-                <a:cs typeface="Rubik"/>
-                <a:sym typeface="Rubik"/>
-              </a:rPr>
-              <a:t>. Hal </a:t>
-            </a:r>
-            <a:r>
-              <a:rPr lang="en-US" sz="1600" dirty="0" err="1">
-                <a:latin typeface="Rubik"/>
-                <a:ea typeface="Rubik"/>
-                <a:cs typeface="Rubik"/>
-                <a:sym typeface="Rubik"/>
-              </a:rPr>
-              <a:t>ini</a:t>
-            </a:r>
-            <a:r>
-              <a:rPr lang="en-US" sz="1600" dirty="0">
-                <a:latin typeface="Rubik"/>
-                <a:ea typeface="Rubik"/>
-                <a:cs typeface="Rubik"/>
-                <a:sym typeface="Rubik"/>
-              </a:rPr>
-              <a:t> juga </a:t>
-            </a:r>
-            <a:r>
-              <a:rPr lang="en-US" sz="1600" dirty="0" err="1">
-                <a:latin typeface="Rubik"/>
-                <a:ea typeface="Rubik"/>
-                <a:cs typeface="Rubik"/>
-                <a:sym typeface="Rubik"/>
-              </a:rPr>
-              <a:t>terlihat</a:t>
-            </a:r>
-            <a:r>
-              <a:rPr lang="en-US" sz="1600" dirty="0">
-                <a:latin typeface="Rubik"/>
-                <a:ea typeface="Rubik"/>
-                <a:cs typeface="Rubik"/>
-                <a:sym typeface="Rubik"/>
-              </a:rPr>
-              <a:t> </a:t>
-            </a:r>
-            <a:r>
-              <a:rPr lang="en-US" sz="1600" dirty="0" err="1">
-                <a:latin typeface="Rubik"/>
-                <a:ea typeface="Rubik"/>
-                <a:cs typeface="Rubik"/>
-                <a:sym typeface="Rubik"/>
-              </a:rPr>
-              <a:t>dari</a:t>
-            </a:r>
-            <a:r>
-              <a:rPr lang="en-US" sz="1600" dirty="0">
-                <a:latin typeface="Rubik"/>
-                <a:ea typeface="Rubik"/>
-                <a:cs typeface="Rubik"/>
-                <a:sym typeface="Rubik"/>
-              </a:rPr>
-              <a:t> </a:t>
-            </a:r>
-            <a:r>
-              <a:rPr lang="en-US" sz="1600" dirty="0" err="1">
-                <a:latin typeface="Rubik"/>
-                <a:ea typeface="Rubik"/>
-                <a:cs typeface="Rubik"/>
-                <a:sym typeface="Rubik"/>
-              </a:rPr>
-              <a:t>visualisasi</a:t>
-            </a:r>
-            <a:r>
-              <a:rPr lang="en-US" sz="1600" dirty="0">
-                <a:latin typeface="Rubik"/>
-                <a:ea typeface="Rubik"/>
-                <a:cs typeface="Rubik"/>
-                <a:sym typeface="Rubik"/>
-              </a:rPr>
-              <a:t> </a:t>
-            </a:r>
-            <a:r>
-              <a:rPr lang="en-US" sz="1600" dirty="0" err="1">
-                <a:latin typeface="Rubik"/>
-                <a:ea typeface="Rubik"/>
-                <a:cs typeface="Rubik"/>
-                <a:sym typeface="Rubik"/>
-              </a:rPr>
-              <a:t>hasil</a:t>
-            </a:r>
-            <a:r>
-              <a:rPr lang="en-US" sz="1600" dirty="0">
-                <a:latin typeface="Rubik"/>
-                <a:ea typeface="Rubik"/>
-                <a:cs typeface="Rubik"/>
-                <a:sym typeface="Rubik"/>
-              </a:rPr>
-              <a:t> </a:t>
-            </a:r>
-            <a:r>
-              <a:rPr lang="en-US" sz="1600" dirty="0" err="1">
-                <a:latin typeface="Rubik"/>
-                <a:ea typeface="Rubik"/>
-                <a:cs typeface="Rubik"/>
-                <a:sym typeface="Rubik"/>
-              </a:rPr>
-              <a:t>prediksi</a:t>
-            </a:r>
-            <a:r>
-              <a:rPr lang="en-US" sz="1600" dirty="0">
-                <a:latin typeface="Rubik"/>
-                <a:ea typeface="Rubik"/>
-                <a:cs typeface="Rubik"/>
-                <a:sym typeface="Rubik"/>
-              </a:rPr>
-              <a:t> pada </a:t>
-            </a:r>
-            <a:r>
-              <a:rPr lang="en-US" sz="1600" dirty="0" err="1">
-                <a:latin typeface="Rubik"/>
-                <a:ea typeface="Rubik"/>
-                <a:cs typeface="Rubik"/>
-                <a:sym typeface="Rubik"/>
-              </a:rPr>
-              <a:t>halaman</a:t>
-            </a:r>
-            <a:r>
-              <a:rPr lang="en-US" sz="1600" dirty="0">
-                <a:latin typeface="Rubik"/>
-                <a:ea typeface="Rubik"/>
-                <a:cs typeface="Rubik"/>
-                <a:sym typeface="Rubik"/>
-              </a:rPr>
-              <a:t> </a:t>
-            </a:r>
-            <a:r>
-              <a:rPr lang="en-US" sz="1600" dirty="0" err="1">
-                <a:latin typeface="Rubik"/>
-                <a:ea typeface="Rubik"/>
-                <a:cs typeface="Rubik"/>
-                <a:sym typeface="Rubik"/>
-              </a:rPr>
-              <a:t>sebelumnya</a:t>
-            </a:r>
-            <a:r>
-              <a:rPr lang="en-US" sz="1600" dirty="0">
-                <a:latin typeface="Rubik"/>
-                <a:ea typeface="Rubik"/>
-                <a:cs typeface="Rubik"/>
-                <a:sym typeface="Rubik"/>
-              </a:rPr>
-              <a:t> yang </a:t>
-            </a:r>
-            <a:r>
-              <a:rPr lang="en-US" sz="1600" dirty="0" err="1">
-                <a:latin typeface="Rubik"/>
-                <a:ea typeface="Rubik"/>
-                <a:cs typeface="Rubik"/>
-                <a:sym typeface="Rubik"/>
-              </a:rPr>
-              <a:t>menunjukkan</a:t>
-            </a:r>
-            <a:r>
-              <a:rPr lang="en-US" sz="1600" dirty="0">
-                <a:latin typeface="Rubik"/>
-                <a:ea typeface="Rubik"/>
-                <a:cs typeface="Rubik"/>
-                <a:sym typeface="Rubik"/>
-              </a:rPr>
-              <a:t> </a:t>
-            </a:r>
-            <a:r>
-              <a:rPr lang="en-US" sz="1600" dirty="0" err="1">
-                <a:latin typeface="Rubik"/>
-                <a:ea typeface="Rubik"/>
-                <a:cs typeface="Rubik"/>
-                <a:sym typeface="Rubik"/>
-              </a:rPr>
-              <a:t>prediksi</a:t>
-            </a:r>
-            <a:r>
-              <a:rPr lang="en-US" sz="1600" dirty="0">
-                <a:latin typeface="Rubik"/>
-                <a:ea typeface="Rubik"/>
-                <a:cs typeface="Rubik"/>
-                <a:sym typeface="Rubik"/>
-              </a:rPr>
-              <a:t> ARIMA </a:t>
-            </a:r>
-            <a:r>
-              <a:rPr lang="en-US" sz="1600" dirty="0" err="1">
-                <a:latin typeface="Rubik"/>
-                <a:ea typeface="Rubik"/>
-                <a:cs typeface="Rubik"/>
-                <a:sym typeface="Rubik"/>
-              </a:rPr>
-              <a:t>masih</a:t>
-            </a:r>
-            <a:r>
-              <a:rPr lang="en-US" sz="1600" dirty="0">
-                <a:latin typeface="Rubik"/>
-                <a:ea typeface="Rubik"/>
-                <a:cs typeface="Rubik"/>
-                <a:sym typeface="Rubik"/>
-              </a:rPr>
-              <a:t> </a:t>
-            </a:r>
-            <a:r>
-              <a:rPr lang="en-US" sz="1600" dirty="0" err="1">
-                <a:latin typeface="Rubik"/>
-                <a:ea typeface="Rubik"/>
-                <a:cs typeface="Rubik"/>
-                <a:sym typeface="Rubik"/>
-              </a:rPr>
-              <a:t>jauh</a:t>
-            </a:r>
-            <a:r>
-              <a:rPr lang="en-US" sz="1600" dirty="0">
-                <a:latin typeface="Rubik"/>
-                <a:ea typeface="Rubik"/>
-                <a:cs typeface="Rubik"/>
-                <a:sym typeface="Rubik"/>
-              </a:rPr>
-              <a:t> </a:t>
-            </a:r>
-            <a:r>
-              <a:rPr lang="en-US" sz="1600" dirty="0" err="1">
-                <a:latin typeface="Rubik"/>
-                <a:ea typeface="Rubik"/>
-                <a:cs typeface="Rubik"/>
-                <a:sym typeface="Rubik"/>
-              </a:rPr>
-              <a:t>dari</a:t>
-            </a:r>
-            <a:r>
-              <a:rPr lang="en-US" sz="1600" dirty="0">
-                <a:latin typeface="Rubik"/>
-                <a:ea typeface="Rubik"/>
-                <a:cs typeface="Rubik"/>
-                <a:sym typeface="Rubik"/>
-              </a:rPr>
-              <a:t> </a:t>
-            </a:r>
-            <a:r>
-              <a:rPr lang="en-US" sz="1600" dirty="0" err="1">
-                <a:latin typeface="Rubik"/>
-                <a:ea typeface="Rubik"/>
-                <a:cs typeface="Rubik"/>
-                <a:sym typeface="Rubik"/>
-              </a:rPr>
-              <a:t>nilai</a:t>
-            </a:r>
-            <a:r>
-              <a:rPr lang="en-US" sz="1600" dirty="0">
-                <a:latin typeface="Rubik"/>
-                <a:ea typeface="Rubik"/>
-                <a:cs typeface="Rubik"/>
-                <a:sym typeface="Rubik"/>
-              </a:rPr>
-              <a:t> </a:t>
-            </a:r>
-            <a:r>
-              <a:rPr lang="en-US" sz="1600" dirty="0" err="1">
-                <a:latin typeface="Rubik"/>
-                <a:ea typeface="Rubik"/>
-                <a:cs typeface="Rubik"/>
-                <a:sym typeface="Rubik"/>
-              </a:rPr>
-              <a:t>sebenarnya</a:t>
-            </a:r>
-            <a:r>
-              <a:rPr lang="en-US" sz="1600" dirty="0">
-                <a:latin typeface="Rubik"/>
-                <a:ea typeface="Rubik"/>
-                <a:cs typeface="Rubik"/>
-                <a:sym typeface="Rubik"/>
-              </a:rPr>
-              <a:t>.</a:t>
+              <a:t>To improve model performance, hyperparameter tuning or experimentation with other models is required.</a:t>
             </a:r>
           </a:p>
           <a:p>
@@ -16508,108 +11440,6 @@
               <a:latin typeface="Rubik"/>
               <a:sym typeface="Rubik"/>
             </a:endParaRPr>
-          </a:p>
-          <a:p>
-            <a:pPr algn="just"/>
-            <a:r>
-              <a:rPr lang="en-US" sz="1600" dirty="0" err="1">
-                <a:latin typeface="Rubik"/>
-                <a:sym typeface="Rubik"/>
-              </a:rPr>
-              <a:t>Untuk</a:t>
-            </a:r>
-            <a:r>
-              <a:rPr lang="en-US" sz="1600" dirty="0">
-                <a:latin typeface="Rubik"/>
-                <a:sym typeface="Rubik"/>
-              </a:rPr>
-              <a:t> </a:t>
-            </a:r>
-            <a:r>
-              <a:rPr lang="en-US" sz="1600" dirty="0" err="1">
-                <a:latin typeface="Rubik"/>
-                <a:sym typeface="Rubik"/>
-              </a:rPr>
-              <a:t>meningkatkan</a:t>
-            </a:r>
-            <a:r>
-              <a:rPr lang="en-US" sz="1600" dirty="0">
-                <a:latin typeface="Rubik"/>
-                <a:sym typeface="Rubik"/>
-              </a:rPr>
-              <a:t> </a:t>
-            </a:r>
-            <a:r>
-              <a:rPr lang="en-US" sz="1600" dirty="0" err="1">
-                <a:latin typeface="Rubik"/>
-                <a:sym typeface="Rubik"/>
-              </a:rPr>
-              <a:t>performa</a:t>
-            </a:r>
-            <a:r>
-              <a:rPr lang="en-US" sz="1600" dirty="0">
-                <a:latin typeface="Rubik"/>
-                <a:sym typeface="Rubik"/>
-              </a:rPr>
-              <a:t> model, </a:t>
-            </a:r>
-            <a:r>
-              <a:rPr lang="en-US" sz="1600" dirty="0" err="1">
-                <a:latin typeface="Rubik"/>
-                <a:sym typeface="Rubik"/>
-              </a:rPr>
-              <a:t>dibutuhkan</a:t>
-            </a:r>
-            <a:r>
-              <a:rPr lang="en-US" sz="1600" dirty="0">
-                <a:latin typeface="Rubik"/>
-                <a:sym typeface="Rubik"/>
-              </a:rPr>
-              <a:t> hyperparameter tuning </a:t>
-            </a:r>
-            <a:r>
-              <a:rPr lang="en-US" sz="1600" dirty="0" err="1">
-                <a:latin typeface="Rubik"/>
-                <a:sym typeface="Rubik"/>
-              </a:rPr>
-              <a:t>atau</a:t>
-            </a:r>
-            <a:r>
-              <a:rPr lang="en-US" sz="1600" dirty="0">
-                <a:latin typeface="Rubik"/>
-                <a:sym typeface="Rubik"/>
-              </a:rPr>
-              <a:t> </a:t>
-            </a:r>
-            <a:r>
-              <a:rPr lang="en-US" sz="1600" dirty="0" err="1">
-                <a:latin typeface="Rubik"/>
-                <a:sym typeface="Rubik"/>
-              </a:rPr>
-              <a:t>eksperimen</a:t>
-            </a:r>
-            <a:r>
-              <a:rPr lang="en-US" sz="1600" dirty="0">
-                <a:latin typeface="Rubik"/>
-                <a:sym typeface="Rubik"/>
-              </a:rPr>
-              <a:t> </a:t>
-            </a:r>
-            <a:r>
-              <a:rPr lang="en-US" sz="1600" dirty="0" err="1">
-                <a:latin typeface="Rubik"/>
-                <a:sym typeface="Rubik"/>
-              </a:rPr>
-              <a:t>dengan</a:t>
-            </a:r>
-            <a:r>
-              <a:rPr lang="en-US" sz="1600" dirty="0">
-                <a:latin typeface="Rubik"/>
-                <a:sym typeface="Rubik"/>
-              </a:rPr>
-              <a:t> model lain.</a:t>
-            </a:r>
-            <a:endParaRPr lang="en-US" sz="1600" dirty="0"/>
           </a:p>
         </p:txBody>
       </p:sp>
@@ -16668,7 +11498,7 @@
         </p:blipFill>
         <p:spPr>
           <a:xfrm>
-            <a:off x="625554" y="2701082"/>
+            <a:off x="630870" y="3216760"/>
             <a:ext cx="3432879" cy="707147"/>
           </a:xfrm>
           <a:prstGeom prst="rect">
@@ -17091,679 +11921,31 @@
               <a:rPr lang="en-US" sz="1800" dirty="0">
                 <a:latin typeface="Rubik"/>
               </a:rPr>
-              <a:t>KALBE Nutritionals </a:t>
+              <a:t>KALBE Nutritionals is a company engaged in the health food and beverage business that has a mission of </a:t>
+            </a:r>
+            <a:r>
+              <a:rPr lang="en-US" sz="1800" b="1" dirty="0">
+                <a:latin typeface="Rubik"/>
+              </a:rPr>
+              <a:t>Providing Best Nutrition Solution for a Better Life</a:t>
+            </a:r>
+            <a:r>
+              <a:rPr lang="en-US" sz="1800" dirty="0">
+                <a:latin typeface="Rubik"/>
+              </a:rPr>
+              <a:t>. This mission is a firm statement of KALBE Nutritionals in ensuring that all products will be developed with full responsibility to bring the goodness of life to more people, in Indonesia and around the world. KALBE Nutritionals has various nutritional products at every stage of life, starting from pregnancy preparation, pregnancy, nutrition for babies, children, adults, to the </a:t>
             </a:r>
             <a:r>
               <a:rPr lang="en-US" sz="1800" dirty="0" err="1">
                 <a:latin typeface="Rubik"/>
               </a:rPr>
-              <a:t>merupakan</a:t>
+              <a:t>elderly.Translated</a:t>
             </a:r>
             <a:r>
               <a:rPr lang="en-US" sz="1800" dirty="0">
                 <a:latin typeface="Rubik"/>
               </a:rPr>
-              <a:t> </a:t>
-            </a:r>
-            <a:r>
-              <a:rPr lang="en-US" sz="1800" dirty="0" err="1">
-                <a:latin typeface="Rubik"/>
-              </a:rPr>
-              <a:t>perusahaan</a:t>
-            </a:r>
-            <a:r>
-              <a:rPr lang="en-US" sz="1800" dirty="0">
-                <a:latin typeface="Rubik"/>
-              </a:rPr>
-              <a:t> yang </a:t>
-            </a:r>
-            <a:r>
-              <a:rPr lang="en-US" sz="1800" dirty="0" err="1">
-                <a:latin typeface="Rubik"/>
-              </a:rPr>
-              <a:t>bergerak</a:t>
-            </a:r>
-            <a:r>
-              <a:rPr lang="en-US" sz="1800" dirty="0">
-                <a:latin typeface="Rubik"/>
-              </a:rPr>
-              <a:t> </a:t>
-            </a:r>
-            <a:r>
-              <a:rPr lang="en-US" sz="1800" dirty="0" err="1">
-                <a:latin typeface="Rubik"/>
-              </a:rPr>
-              <a:t>dalam</a:t>
-            </a:r>
-            <a:r>
-              <a:rPr lang="en-US" sz="1800" dirty="0">
-                <a:latin typeface="Rubik"/>
-              </a:rPr>
-              <a:t> </a:t>
-            </a:r>
-            <a:r>
-              <a:rPr lang="en-US" sz="1800" dirty="0" err="1">
-                <a:latin typeface="Rubik"/>
-              </a:rPr>
-              <a:t>bidang</a:t>
-            </a:r>
-            <a:r>
-              <a:rPr lang="en-US" sz="1800" dirty="0">
-                <a:latin typeface="Rubik"/>
-              </a:rPr>
-              <a:t> </a:t>
-            </a:r>
-            <a:r>
-              <a:rPr lang="en-US" sz="1800" dirty="0" err="1">
-                <a:latin typeface="Rubik"/>
-              </a:rPr>
-              <a:t>bisnis</a:t>
-            </a:r>
-            <a:r>
-              <a:rPr lang="en-US" sz="1800" dirty="0">
-                <a:latin typeface="Rubik"/>
-              </a:rPr>
-              <a:t> </a:t>
-            </a:r>
-            <a:r>
-              <a:rPr lang="en-US" sz="1800" dirty="0" err="1">
-                <a:latin typeface="Rubik"/>
-              </a:rPr>
-              <a:t>makanan</a:t>
-            </a:r>
-            <a:r>
-              <a:rPr lang="en-US" sz="1800" dirty="0">
-                <a:latin typeface="Rubik"/>
-              </a:rPr>
-              <a:t> dan </a:t>
-            </a:r>
-            <a:r>
-              <a:rPr lang="en-US" sz="1800" dirty="0" err="1">
-                <a:latin typeface="Rubik"/>
-              </a:rPr>
-              <a:t>minuman</a:t>
-            </a:r>
-            <a:r>
-              <a:rPr lang="en-US" sz="1800" dirty="0">
-                <a:latin typeface="Rubik"/>
-              </a:rPr>
-              <a:t> </a:t>
-            </a:r>
-            <a:r>
-              <a:rPr lang="en-US" sz="1800" dirty="0" err="1">
-                <a:latin typeface="Rubik"/>
-              </a:rPr>
-              <a:t>kesehatan</a:t>
-            </a:r>
-            <a:r>
-              <a:rPr lang="en-US" sz="1800" dirty="0">
-                <a:latin typeface="Rubik"/>
-              </a:rPr>
-              <a:t> yang </a:t>
-            </a:r>
-            <a:r>
-              <a:rPr lang="en-US" sz="1800" dirty="0" err="1">
-                <a:latin typeface="Rubik"/>
-              </a:rPr>
-              <a:t>memiliki</a:t>
-            </a:r>
-            <a:r>
-              <a:rPr lang="en-US" sz="1800" dirty="0">
-                <a:latin typeface="Rubik"/>
-              </a:rPr>
-              <a:t> </a:t>
-            </a:r>
-            <a:r>
-              <a:rPr lang="en-US" sz="1800" dirty="0" err="1">
-                <a:latin typeface="Rubik"/>
-              </a:rPr>
-              <a:t>misi</a:t>
-            </a:r>
-            <a:r>
-              <a:rPr lang="en-US" sz="1800" dirty="0">
-                <a:latin typeface="Rubik"/>
-              </a:rPr>
-              <a:t> </a:t>
-            </a:r>
-            <a:r>
-              <a:rPr lang="en-US" sz="1800" dirty="0" err="1">
-                <a:latin typeface="Rubik"/>
-              </a:rPr>
-              <a:t>yaitu</a:t>
-            </a:r>
-            <a:r>
-              <a:rPr lang="en-US" sz="1800" dirty="0">
-                <a:latin typeface="Rubik"/>
-              </a:rPr>
-              <a:t> </a:t>
-            </a:r>
-            <a:r>
-              <a:rPr lang="en-US" sz="1800" b="1" dirty="0">
-                <a:latin typeface="Rubik"/>
-              </a:rPr>
-              <a:t>Providing Best Nutrition Solution for a Better Life</a:t>
-            </a:r>
-            <a:r>
-              <a:rPr lang="en-US" sz="1800" dirty="0">
-                <a:latin typeface="Rubik"/>
-              </a:rPr>
-              <a:t>. </a:t>
-            </a:r>
-            <a:r>
-              <a:rPr lang="en-US" sz="1800" dirty="0" err="1">
-                <a:latin typeface="Rubik"/>
-              </a:rPr>
-              <a:t>Misi</a:t>
-            </a:r>
-            <a:r>
-              <a:rPr lang="en-US" sz="1800" dirty="0">
-                <a:latin typeface="Rubik"/>
-              </a:rPr>
-              <a:t> </a:t>
-            </a:r>
-            <a:r>
-              <a:rPr lang="en-US" sz="1800" dirty="0" err="1">
-                <a:latin typeface="Rubik"/>
-              </a:rPr>
-              <a:t>ini</a:t>
-            </a:r>
-            <a:r>
-              <a:rPr lang="en-US" sz="1800" dirty="0">
-                <a:latin typeface="Rubik"/>
-              </a:rPr>
-              <a:t> </a:t>
-            </a:r>
-            <a:r>
-              <a:rPr lang="en-US" sz="1800" dirty="0" err="1">
-                <a:latin typeface="Rubik"/>
-              </a:rPr>
-              <a:t>merupakan</a:t>
-            </a:r>
-            <a:r>
-              <a:rPr lang="en-US" sz="1800" dirty="0">
-                <a:latin typeface="Rubik"/>
-              </a:rPr>
-              <a:t> </a:t>
-            </a:r>
-            <a:r>
-              <a:rPr lang="en-US" sz="1800" dirty="0" err="1">
-                <a:latin typeface="Rubik"/>
-              </a:rPr>
-              <a:t>sebuah</a:t>
-            </a:r>
-            <a:r>
-              <a:rPr lang="en-US" sz="1800" dirty="0">
-                <a:latin typeface="Rubik"/>
-              </a:rPr>
-              <a:t> </a:t>
-            </a:r>
-            <a:r>
-              <a:rPr lang="en-US" sz="1800" dirty="0" err="1">
-                <a:latin typeface="Rubik"/>
-              </a:rPr>
-              <a:t>pernyataan</a:t>
-            </a:r>
-            <a:r>
-              <a:rPr lang="en-US" sz="1800" dirty="0">
-                <a:latin typeface="Rubik"/>
-              </a:rPr>
-              <a:t> </a:t>
-            </a:r>
-            <a:r>
-              <a:rPr lang="en-US" sz="1800" dirty="0" err="1">
-                <a:latin typeface="Rubik"/>
-              </a:rPr>
-              <a:t>tegas</a:t>
-            </a:r>
-            <a:r>
-              <a:rPr lang="en-US" sz="1800" dirty="0">
-                <a:latin typeface="Rubik"/>
-              </a:rPr>
-              <a:t> KALBE Nutritionals </a:t>
-            </a:r>
-            <a:r>
-              <a:rPr lang="en-US" sz="1800" dirty="0" err="1">
-                <a:latin typeface="Rubik"/>
-              </a:rPr>
-              <a:t>dalam</a:t>
-            </a:r>
-            <a:r>
-              <a:rPr lang="en-US" sz="1800" dirty="0">
-                <a:latin typeface="Rubik"/>
-              </a:rPr>
-              <a:t> </a:t>
-            </a:r>
-            <a:r>
-              <a:rPr lang="en-US" sz="1800" dirty="0" err="1">
-                <a:latin typeface="Rubik"/>
-              </a:rPr>
-              <a:t>memastikan</a:t>
-            </a:r>
-            <a:r>
-              <a:rPr lang="en-US" sz="1800" dirty="0">
-                <a:latin typeface="Rubik"/>
-              </a:rPr>
-              <a:t> </a:t>
-            </a:r>
-            <a:r>
-              <a:rPr lang="en-US" sz="1800" dirty="0" err="1">
-                <a:latin typeface="Rubik"/>
-              </a:rPr>
-              <a:t>seluruh</a:t>
-            </a:r>
-            <a:r>
-              <a:rPr lang="en-US" sz="1800" dirty="0">
-                <a:latin typeface="Rubik"/>
-              </a:rPr>
-              <a:t> </a:t>
-            </a:r>
-            <a:r>
-              <a:rPr lang="en-US" sz="1800" dirty="0" err="1">
-                <a:latin typeface="Rubik"/>
-              </a:rPr>
-              <a:t>produk</a:t>
-            </a:r>
-            <a:r>
-              <a:rPr lang="en-US" sz="1800" dirty="0">
-                <a:latin typeface="Rubik"/>
-              </a:rPr>
-              <a:t> </a:t>
-            </a:r>
-            <a:r>
-              <a:rPr lang="en-US" sz="1800" dirty="0" err="1">
-                <a:latin typeface="Rubik"/>
-              </a:rPr>
-              <a:t>akan</a:t>
-            </a:r>
-            <a:r>
-              <a:rPr lang="en-US" sz="1800" dirty="0">
-                <a:latin typeface="Rubik"/>
-              </a:rPr>
-              <a:t> </a:t>
-            </a:r>
-            <a:r>
-              <a:rPr lang="en-US" sz="1800" dirty="0" err="1">
-                <a:latin typeface="Rubik"/>
-              </a:rPr>
-              <a:t>dikembangkan</a:t>
-            </a:r>
-            <a:r>
-              <a:rPr lang="en-US" sz="1800" dirty="0">
-                <a:latin typeface="Rubik"/>
-              </a:rPr>
-              <a:t> </a:t>
-            </a:r>
-            <a:r>
-              <a:rPr lang="en-US" sz="1800" dirty="0" err="1">
-                <a:latin typeface="Rubik"/>
-              </a:rPr>
-              <a:t>dengan</a:t>
-            </a:r>
-            <a:r>
-              <a:rPr lang="en-US" sz="1800" dirty="0">
-                <a:latin typeface="Rubik"/>
-              </a:rPr>
-              <a:t> </a:t>
-            </a:r>
-            <a:r>
-              <a:rPr lang="en-US" sz="1800" dirty="0" err="1">
-                <a:latin typeface="Rubik"/>
-              </a:rPr>
-              <a:t>penuh</a:t>
-            </a:r>
-            <a:r>
-              <a:rPr lang="en-US" sz="1800" dirty="0">
-                <a:latin typeface="Rubik"/>
-              </a:rPr>
-              <a:t> </a:t>
-            </a:r>
-            <a:r>
-              <a:rPr lang="en-US" sz="1800" dirty="0" err="1">
-                <a:latin typeface="Rubik"/>
-              </a:rPr>
-              <a:t>tanggung</a:t>
-            </a:r>
-            <a:r>
-              <a:rPr lang="en-US" sz="1800" dirty="0">
-                <a:latin typeface="Rubik"/>
-              </a:rPr>
-              <a:t> </a:t>
-            </a:r>
-            <a:r>
-              <a:rPr lang="en-US" sz="1800" dirty="0" err="1">
-                <a:latin typeface="Rubik"/>
-              </a:rPr>
-              <a:t>jawab</a:t>
-            </a:r>
-            <a:r>
-              <a:rPr lang="en-US" sz="1800" dirty="0">
-                <a:latin typeface="Rubik"/>
-              </a:rPr>
-              <a:t> </a:t>
-            </a:r>
-            <a:r>
-              <a:rPr lang="en-US" sz="1800" dirty="0" err="1">
-                <a:latin typeface="Rubik"/>
-              </a:rPr>
-              <a:t>untuk</a:t>
-            </a:r>
-            <a:r>
-              <a:rPr lang="en-US" sz="1800" dirty="0">
-                <a:latin typeface="Rubik"/>
-              </a:rPr>
-              <a:t> </a:t>
-            </a:r>
-            <a:r>
-              <a:rPr lang="en-US" sz="1800" dirty="0" err="1">
-                <a:latin typeface="Rubik"/>
-              </a:rPr>
-              <a:t>membawa</a:t>
-            </a:r>
-            <a:r>
-              <a:rPr lang="en-US" sz="1800" dirty="0">
-                <a:latin typeface="Rubik"/>
-              </a:rPr>
-              <a:t> </a:t>
-            </a:r>
-            <a:r>
-              <a:rPr lang="en-US" sz="1800" dirty="0" err="1">
-                <a:latin typeface="Rubik"/>
-              </a:rPr>
-              <a:t>kebaikan</a:t>
-            </a:r>
-            <a:r>
-              <a:rPr lang="en-US" sz="1800" dirty="0">
-                <a:latin typeface="Rubik"/>
-              </a:rPr>
-              <a:t> </a:t>
-            </a:r>
-            <a:r>
-              <a:rPr lang="en-US" sz="1800" dirty="0" err="1">
-                <a:latin typeface="Rubik"/>
-              </a:rPr>
-              <a:t>hidup</a:t>
-            </a:r>
-            <a:r>
-              <a:rPr lang="en-US" sz="1800" dirty="0">
-                <a:latin typeface="Rubik"/>
-              </a:rPr>
-              <a:t> </a:t>
-            </a:r>
-            <a:r>
-              <a:rPr lang="en-US" sz="1800" dirty="0" err="1">
-                <a:latin typeface="Rubik"/>
-              </a:rPr>
-              <a:t>kepada</a:t>
-            </a:r>
-            <a:r>
-              <a:rPr lang="en-US" sz="1800" dirty="0">
-                <a:latin typeface="Rubik"/>
-              </a:rPr>
-              <a:t> </a:t>
-            </a:r>
-            <a:r>
-              <a:rPr lang="en-US" sz="1800" dirty="0" err="1">
-                <a:latin typeface="Rubik"/>
-              </a:rPr>
-              <a:t>lebih</a:t>
-            </a:r>
-            <a:r>
-              <a:rPr lang="en-US" sz="1800" dirty="0">
-                <a:latin typeface="Rubik"/>
-              </a:rPr>
-              <a:t> </a:t>
-            </a:r>
-            <a:r>
-              <a:rPr lang="en-US" sz="1800" dirty="0" err="1">
-                <a:latin typeface="Rubik"/>
-              </a:rPr>
-              <a:t>banyak</a:t>
-            </a:r>
-            <a:r>
-              <a:rPr lang="en-US" sz="1800" dirty="0">
-                <a:latin typeface="Rubik"/>
-              </a:rPr>
-              <a:t> orang, di Indonesia dan </a:t>
-            </a:r>
-            <a:r>
-              <a:rPr lang="en-US" sz="1800" dirty="0" err="1">
-                <a:latin typeface="Rubik"/>
-              </a:rPr>
-              <a:t>seluruh</a:t>
-            </a:r>
-            <a:r>
-              <a:rPr lang="en-US" sz="1800" dirty="0">
-                <a:latin typeface="Rubik"/>
-              </a:rPr>
-              <a:t> dunia. KALBE Nutritionals </a:t>
-            </a:r>
-            <a:r>
-              <a:rPr lang="en-US" sz="1800" dirty="0" err="1">
-                <a:latin typeface="Rubik"/>
-              </a:rPr>
-              <a:t>memiliki</a:t>
-            </a:r>
-            <a:r>
-              <a:rPr lang="en-US" sz="1800" dirty="0">
-                <a:latin typeface="Rubik"/>
-              </a:rPr>
-              <a:t> </a:t>
-            </a:r>
-            <a:r>
-              <a:rPr lang="en-US" sz="1800" dirty="0" err="1">
-                <a:latin typeface="Rubik"/>
-              </a:rPr>
-              <a:t>berbagai</a:t>
-            </a:r>
-            <a:r>
-              <a:rPr lang="en-US" sz="1800" dirty="0">
-                <a:latin typeface="Rubik"/>
-              </a:rPr>
-              <a:t> </a:t>
-            </a:r>
-            <a:r>
-              <a:rPr lang="en-US" sz="1800" dirty="0" err="1">
-                <a:latin typeface="Rubik"/>
-              </a:rPr>
-              <a:t>produk</a:t>
-            </a:r>
-            <a:r>
-              <a:rPr lang="en-US" sz="1800" dirty="0">
-                <a:latin typeface="Rubik"/>
-              </a:rPr>
-              <a:t> </a:t>
-            </a:r>
-            <a:r>
-              <a:rPr lang="en-US" sz="1800" dirty="0" err="1">
-                <a:latin typeface="Rubik"/>
-              </a:rPr>
-              <a:t>nutrisi</a:t>
-            </a:r>
-            <a:r>
-              <a:rPr lang="en-US" sz="1800" dirty="0">
-                <a:latin typeface="Rubik"/>
-              </a:rPr>
-              <a:t> di </a:t>
-            </a:r>
-            <a:r>
-              <a:rPr lang="en-US" sz="1800" dirty="0" err="1">
-                <a:latin typeface="Rubik"/>
-              </a:rPr>
-              <a:t>setiap</a:t>
-            </a:r>
-            <a:r>
-              <a:rPr lang="en-US" sz="1800" dirty="0">
-                <a:latin typeface="Rubik"/>
-              </a:rPr>
-              <a:t> </a:t>
-            </a:r>
-            <a:r>
-              <a:rPr lang="en-US" sz="1800" dirty="0" err="1">
-                <a:latin typeface="Rubik"/>
-              </a:rPr>
-              <a:t>tahapan</a:t>
-            </a:r>
-            <a:r>
-              <a:rPr lang="en-US" sz="1800" dirty="0">
-                <a:latin typeface="Rubik"/>
-              </a:rPr>
-              <a:t> </a:t>
-            </a:r>
-            <a:r>
-              <a:rPr lang="en-US" sz="1800" dirty="0" err="1">
-                <a:latin typeface="Rubik"/>
-              </a:rPr>
-              <a:t>kehidupan</a:t>
-            </a:r>
-            <a:r>
-              <a:rPr lang="en-US" sz="1800" dirty="0">
-                <a:latin typeface="Rubik"/>
-              </a:rPr>
-              <a:t>, </a:t>
-            </a:r>
-            <a:r>
-              <a:rPr lang="en-US" sz="1800" dirty="0" err="1">
-                <a:latin typeface="Rubik"/>
-              </a:rPr>
-              <a:t>mulai</a:t>
-            </a:r>
-            <a:r>
-              <a:rPr lang="en-US" sz="1800" dirty="0">
-                <a:latin typeface="Rubik"/>
-              </a:rPr>
-              <a:t> </a:t>
-            </a:r>
-            <a:r>
-              <a:rPr lang="en-US" sz="1800" dirty="0" err="1">
-                <a:latin typeface="Rubik"/>
-              </a:rPr>
-              <a:t>sejak</a:t>
-            </a:r>
-            <a:r>
-              <a:rPr lang="en-US" sz="1800" dirty="0">
-                <a:latin typeface="Rubik"/>
-              </a:rPr>
-              <a:t> </a:t>
-            </a:r>
-            <a:r>
-              <a:rPr lang="en-US" sz="1800" dirty="0" err="1">
-                <a:latin typeface="Rubik"/>
-              </a:rPr>
-              <a:t>persiapan</a:t>
-            </a:r>
-            <a:r>
-              <a:rPr lang="en-US" sz="1800" dirty="0">
-                <a:latin typeface="Rubik"/>
-              </a:rPr>
-              <a:t> </a:t>
-            </a:r>
-            <a:r>
-              <a:rPr lang="en-US" sz="1800" dirty="0" err="1">
-                <a:latin typeface="Rubik"/>
-              </a:rPr>
-              <a:t>kehamilan</a:t>
-            </a:r>
-            <a:r>
-              <a:rPr lang="en-US" sz="1800" dirty="0">
-                <a:latin typeface="Rubik"/>
-              </a:rPr>
-              <a:t>, </a:t>
-            </a:r>
-            <a:r>
-              <a:rPr lang="en-US" sz="1800" dirty="0" err="1">
-                <a:latin typeface="Rubik"/>
-              </a:rPr>
-              <a:t>hamil</a:t>
-            </a:r>
-            <a:r>
-              <a:rPr lang="en-US" sz="1800" dirty="0">
-                <a:latin typeface="Rubik"/>
-              </a:rPr>
-              <a:t>, </a:t>
-            </a:r>
-            <a:r>
-              <a:rPr lang="en-US" sz="1800" dirty="0" err="1">
-                <a:latin typeface="Rubik"/>
-              </a:rPr>
-              <a:t>nutrisi</a:t>
-            </a:r>
-            <a:r>
-              <a:rPr lang="en-US" sz="1800" dirty="0">
-                <a:latin typeface="Rubik"/>
-              </a:rPr>
-              <a:t> </a:t>
-            </a:r>
-            <a:r>
-              <a:rPr lang="en-US" sz="1800" dirty="0" err="1">
-                <a:latin typeface="Rubik"/>
-              </a:rPr>
-              <a:t>untuk</a:t>
-            </a:r>
-            <a:r>
-              <a:rPr lang="en-US" sz="1800" dirty="0">
-                <a:latin typeface="Rubik"/>
-              </a:rPr>
-              <a:t> </a:t>
-            </a:r>
-            <a:r>
-              <a:rPr lang="en-US" sz="1800" dirty="0" err="1">
-                <a:latin typeface="Rubik"/>
-              </a:rPr>
-              <a:t>bayi</a:t>
-            </a:r>
-            <a:r>
-              <a:rPr lang="en-US" sz="1800" dirty="0">
-                <a:latin typeface="Rubik"/>
-              </a:rPr>
-              <a:t>, </a:t>
-            </a:r>
-            <a:r>
-              <a:rPr lang="en-US" sz="1800" dirty="0" err="1">
-                <a:latin typeface="Rubik"/>
-              </a:rPr>
-              <a:t>anak-anak</a:t>
-            </a:r>
-            <a:r>
-              <a:rPr lang="en-US" sz="1800" dirty="0">
-                <a:latin typeface="Rubik"/>
-              </a:rPr>
-              <a:t>, orang </a:t>
-            </a:r>
-            <a:r>
-              <a:rPr lang="en-US" sz="1800" dirty="0" err="1">
-                <a:latin typeface="Rubik"/>
-              </a:rPr>
-              <a:t>dewasa</a:t>
-            </a:r>
-            <a:r>
-              <a:rPr lang="en-US" sz="1800" dirty="0">
-                <a:latin typeface="Rubik"/>
-              </a:rPr>
-              <a:t>, </a:t>
-            </a:r>
-            <a:r>
-              <a:rPr lang="en-US" sz="1800" dirty="0" err="1">
-                <a:latin typeface="Rubik"/>
-              </a:rPr>
-              <a:t>hingga</a:t>
-            </a:r>
-            <a:r>
-              <a:rPr lang="en-US" sz="1800" dirty="0">
-                <a:latin typeface="Rubik"/>
-              </a:rPr>
-              <a:t> orang </a:t>
-            </a:r>
-            <a:r>
-              <a:rPr lang="en-US" sz="1800" dirty="0" err="1">
-                <a:latin typeface="Rubik"/>
-              </a:rPr>
-              <a:t>tua</a:t>
-            </a:r>
-            <a:r>
-              <a:rPr lang="en-US" sz="1800" dirty="0">
-                <a:latin typeface="Rubik"/>
-              </a:rPr>
-              <a:t>.</a:t>
+              <a:t> with DeepL.com (free version)</a:t>
             </a:r>
             <a:endParaRPr sz="1800" dirty="0">
               <a:latin typeface="Rubik"/>
@@ -17976,191 +12158,23 @@
           </a:bodyPr>
           <a:lstStyle/>
           <a:p>
-            <a:pPr marL="285750" lvl="0" indent="-285750" algn="just" rtl="0">
-              <a:spcBef>
-                <a:spcPts val="0"/>
-              </a:spcBef>
-              <a:spcAft>
-                <a:spcPts val="0"/>
-              </a:spcAft>
+            <a:pPr marL="285750" lvl="0" indent="-285750" algn="just">
               <a:buFont typeface="Arial" panose="020B0604020202020204" pitchFamily="34" charset="0"/>
               <a:buChar char="•"/>
             </a:pPr>
             <a:r>
-              <a:rPr lang="en-US" sz="1800" dirty="0" err="1">
+              <a:rPr lang="en-US" sz="1800" dirty="0">
                 <a:latin typeface="Rubik"/>
                 <a:ea typeface="Rubik"/>
                 <a:cs typeface="Rubik"/>
                 <a:sym typeface="Rubik"/>
               </a:rPr>
-              <a:t>Membuat</a:t>
-            </a:r>
-            <a:r>
-              <a:rPr lang="en-US" sz="1800" dirty="0">
-                <a:latin typeface="Rubik"/>
-                <a:ea typeface="Rubik"/>
-                <a:cs typeface="Rubik"/>
-                <a:sym typeface="Rubik"/>
-              </a:rPr>
-              <a:t> query SQL </a:t>
-            </a:r>
-            <a:r>
-              <a:rPr lang="en-US" sz="1800" dirty="0" err="1">
-                <a:latin typeface="Rubik"/>
-                <a:ea typeface="Rubik"/>
-                <a:cs typeface="Rubik"/>
-                <a:sym typeface="Rubik"/>
-              </a:rPr>
-              <a:t>untuk</a:t>
-            </a:r>
-            <a:r>
-              <a:rPr lang="en-US" sz="1800" dirty="0">
-                <a:latin typeface="Rubik"/>
-                <a:ea typeface="Rubik"/>
-                <a:cs typeface="Rubik"/>
-                <a:sym typeface="Rubik"/>
-              </a:rPr>
-              <a:t> </a:t>
-            </a:r>
-            <a:r>
-              <a:rPr lang="en-US" sz="1800" dirty="0" err="1">
-                <a:latin typeface="Rubik"/>
-                <a:ea typeface="Rubik"/>
-                <a:cs typeface="Rubik"/>
-                <a:sym typeface="Rubik"/>
-              </a:rPr>
-              <a:t>melihat</a:t>
-            </a:r>
-            <a:r>
-              <a:rPr lang="en-US" sz="1800" dirty="0">
-                <a:latin typeface="Rubik"/>
-                <a:ea typeface="Rubik"/>
-                <a:cs typeface="Rubik"/>
-                <a:sym typeface="Rubik"/>
-              </a:rPr>
-              <a:t> rata-rata </a:t>
-            </a:r>
-            <a:r>
-              <a:rPr lang="en-US" sz="1800" dirty="0" err="1">
-                <a:latin typeface="Rubik"/>
-                <a:ea typeface="Rubik"/>
-                <a:cs typeface="Rubik"/>
-                <a:sym typeface="Rubik"/>
-              </a:rPr>
-              <a:t>umur</a:t>
-            </a:r>
-            <a:r>
-              <a:rPr lang="en-US" sz="1800" dirty="0">
-                <a:latin typeface="Rubik"/>
-                <a:ea typeface="Rubik"/>
-                <a:cs typeface="Rubik"/>
-                <a:sym typeface="Rubik"/>
-              </a:rPr>
-              <a:t> customer jika </a:t>
-            </a:r>
-            <a:r>
-              <a:rPr lang="en-US" sz="1800" dirty="0" err="1">
-                <a:latin typeface="Rubik"/>
-                <a:ea typeface="Rubik"/>
-                <a:cs typeface="Rubik"/>
-                <a:sym typeface="Rubik"/>
-              </a:rPr>
-              <a:t>dilihat</a:t>
-            </a:r>
-            <a:r>
-              <a:rPr lang="en-US" sz="1800" dirty="0">
-                <a:latin typeface="Rubik"/>
-                <a:ea typeface="Rubik"/>
-                <a:cs typeface="Rubik"/>
-                <a:sym typeface="Rubik"/>
-              </a:rPr>
-              <a:t> </a:t>
-            </a:r>
-            <a:r>
-              <a:rPr lang="en-US" sz="1800" dirty="0" err="1">
-                <a:latin typeface="Rubik"/>
-                <a:ea typeface="Rubik"/>
-                <a:cs typeface="Rubik"/>
-                <a:sym typeface="Rubik"/>
-              </a:rPr>
-              <a:t>dari</a:t>
-            </a:r>
-            <a:r>
-              <a:rPr lang="en-US" sz="1800" dirty="0">
-                <a:latin typeface="Rubik"/>
-                <a:ea typeface="Rubik"/>
-                <a:cs typeface="Rubik"/>
-                <a:sym typeface="Rubik"/>
-              </a:rPr>
-              <a:t> marital status dan gender, store dengan total quantity </a:t>
-            </a:r>
-            <a:r>
-              <a:rPr lang="en-US" sz="1800" dirty="0" err="1">
-                <a:latin typeface="Rubik"/>
-                <a:ea typeface="Rubik"/>
-                <a:cs typeface="Rubik"/>
-                <a:sym typeface="Rubik"/>
-              </a:rPr>
-              <a:t>terbanyak</a:t>
-            </a:r>
-            <a:r>
-              <a:rPr lang="en-US" sz="1800" dirty="0">
-                <a:latin typeface="Rubik"/>
-                <a:ea typeface="Rubik"/>
-                <a:cs typeface="Rubik"/>
-                <a:sym typeface="Rubik"/>
-              </a:rPr>
-              <a:t>, dan product </a:t>
-            </a:r>
-            <a:r>
-              <a:rPr lang="en-US" sz="1800" dirty="0" err="1">
-                <a:latin typeface="Rubik"/>
-                <a:ea typeface="Rubik"/>
-                <a:cs typeface="Rubik"/>
-                <a:sym typeface="Rubik"/>
-              </a:rPr>
-              <a:t>terlaris</a:t>
-            </a:r>
-            <a:r>
-              <a:rPr lang="en-US" sz="1800" dirty="0">
-                <a:latin typeface="Rubik"/>
-                <a:ea typeface="Rubik"/>
-                <a:cs typeface="Rubik"/>
-                <a:sym typeface="Rubik"/>
-              </a:rPr>
-              <a:t> dengan total amount </a:t>
-            </a:r>
-            <a:r>
-              <a:rPr lang="en-US" sz="1800" dirty="0" err="1">
-                <a:latin typeface="Rubik"/>
-                <a:ea typeface="Rubik"/>
-                <a:cs typeface="Rubik"/>
-                <a:sym typeface="Rubik"/>
-              </a:rPr>
-              <a:t>terbanyak</a:t>
-            </a:r>
-            <a:r>
-              <a:rPr lang="en-US" sz="1800" dirty="0">
-                <a:latin typeface="Rubik"/>
-                <a:ea typeface="Rubik"/>
-                <a:cs typeface="Rubik"/>
-                <a:sym typeface="Rubik"/>
-              </a:rPr>
-              <a:t>.</a:t>
-            </a:r>
-          </a:p>
-          <a:p>
-            <a:pPr marL="285750" lvl="0" indent="-285750" algn="just" rtl="0">
-              <a:spcBef>
-                <a:spcPts val="0"/>
-              </a:spcBef>
-              <a:spcAft>
-                <a:spcPts val="0"/>
-              </a:spcAft>
-              <a:buFont typeface="Arial" panose="020B0604020202020204" pitchFamily="34" charset="0"/>
-              <a:buChar char="•"/>
-            </a:pPr>
-            <a:endParaRPr lang="en-US" sz="800" dirty="0">
+              <a:t>Create SQL queries to see the average age of customers when viewed from marital status and gender, the store with the highest total quantity, and the best-selling product with the highest total amount.</a:t>
+            </a:r>
+          </a:p>
+          <a:p>
+            <a:pPr lvl="0" algn="just"/>
+            <a:endParaRPr lang="en-US" sz="1200" dirty="0">
               <a:latin typeface="Rubik"/>
               <a:ea typeface="Rubik"/>
               <a:cs typeface="Rubik"/>
@@ -18168,153 +12182,23 @@
             </a:endParaRPr>
           </a:p>
           <a:p>
-            <a:pPr marL="285750" lvl="0" indent="-285750" algn="just" rtl="0">
-              <a:spcBef>
-                <a:spcPts val="0"/>
-              </a:spcBef>
-              <a:spcAft>
-                <a:spcPts val="0"/>
-              </a:spcAft>
+            <a:pPr marL="285750" lvl="0" indent="-285750" algn="just">
               <a:buFont typeface="Arial" panose="020B0604020202020204" pitchFamily="34" charset="0"/>
               <a:buChar char="•"/>
             </a:pPr>
             <a:r>
-              <a:rPr lang="en-US" sz="1800" dirty="0" err="1">
+              <a:rPr lang="en-US" sz="1800" dirty="0">
                 <a:latin typeface="Rubik"/>
                 <a:ea typeface="Rubik"/>
                 <a:cs typeface="Rubik"/>
                 <a:sym typeface="Rubik"/>
               </a:rPr>
-              <a:t>Membuat</a:t>
-            </a:r>
-            <a:r>
-              <a:rPr lang="en-US" sz="1800" dirty="0">
-                <a:latin typeface="Rubik"/>
-                <a:ea typeface="Rubik"/>
-                <a:cs typeface="Rubik"/>
-                <a:sym typeface="Rubik"/>
-              </a:rPr>
-              <a:t> dashboard dengan Tableau </a:t>
-            </a:r>
-            <a:r>
-              <a:rPr lang="en-US" sz="1800" dirty="0" err="1">
-                <a:latin typeface="Rubik"/>
-                <a:ea typeface="Rubik"/>
-                <a:cs typeface="Rubik"/>
-                <a:sym typeface="Rubik"/>
-              </a:rPr>
-              <a:t>berisi</a:t>
-            </a:r>
-            <a:r>
-              <a:rPr lang="en-US" sz="1800" dirty="0">
-                <a:latin typeface="Rubik"/>
-                <a:ea typeface="Rubik"/>
-                <a:cs typeface="Rubik"/>
-                <a:sym typeface="Rubik"/>
-              </a:rPr>
-              <a:t> </a:t>
-            </a:r>
-            <a:r>
-              <a:rPr lang="en-US" sz="1800" dirty="0" err="1">
-                <a:latin typeface="Rubik"/>
-                <a:ea typeface="Rubik"/>
-                <a:cs typeface="Rubik"/>
-                <a:sym typeface="Rubik"/>
-              </a:rPr>
-              <a:t>jumlah</a:t>
-            </a:r>
-            <a:r>
-              <a:rPr lang="en-US" sz="1800" dirty="0">
-                <a:latin typeface="Rubik"/>
-                <a:ea typeface="Rubik"/>
-                <a:cs typeface="Rubik"/>
-                <a:sym typeface="Rubik"/>
-              </a:rPr>
-              <a:t> quantity </a:t>
-            </a:r>
-            <a:r>
-              <a:rPr lang="en-US" sz="1800" dirty="0" err="1">
-                <a:latin typeface="Rubik"/>
-                <a:ea typeface="Rubik"/>
-                <a:cs typeface="Rubik"/>
-                <a:sym typeface="Rubik"/>
-              </a:rPr>
-              <a:t>bulanan</a:t>
-            </a:r>
-            <a:r>
-              <a:rPr lang="en-US" sz="1800" dirty="0">
-                <a:latin typeface="Rubik"/>
-                <a:ea typeface="Rubik"/>
-                <a:cs typeface="Rubik"/>
-                <a:sym typeface="Rubik"/>
-              </a:rPr>
-              <a:t>, total amount </a:t>
-            </a:r>
-            <a:r>
-              <a:rPr lang="en-US" sz="1800" dirty="0" err="1">
-                <a:latin typeface="Rubik"/>
-                <a:ea typeface="Rubik"/>
-                <a:cs typeface="Rubik"/>
-                <a:sym typeface="Rubik"/>
-              </a:rPr>
-              <a:t>harian</a:t>
-            </a:r>
-            <a:r>
-              <a:rPr lang="en-US" sz="1800" dirty="0">
-                <a:latin typeface="Rubik"/>
-                <a:ea typeface="Rubik"/>
-                <a:cs typeface="Rubik"/>
-                <a:sym typeface="Rubik"/>
-              </a:rPr>
-              <a:t>, </a:t>
-            </a:r>
-            <a:r>
-              <a:rPr lang="en-US" sz="1800" dirty="0" err="1">
-                <a:latin typeface="Rubik"/>
-                <a:ea typeface="Rubik"/>
-                <a:cs typeface="Rubik"/>
-                <a:sym typeface="Rubik"/>
-              </a:rPr>
-              <a:t>penjualan</a:t>
-            </a:r>
-            <a:r>
-              <a:rPr lang="en-US" sz="1800" dirty="0">
-                <a:latin typeface="Rubik"/>
-                <a:ea typeface="Rubik"/>
-                <a:cs typeface="Rubik"/>
-                <a:sym typeface="Rubik"/>
-              </a:rPr>
-              <a:t> (quantity) per product, dan </a:t>
-            </a:r>
-            <a:r>
-              <a:rPr lang="en-US" sz="1800" dirty="0" err="1">
-                <a:latin typeface="Rubik"/>
-                <a:ea typeface="Rubik"/>
-                <a:cs typeface="Rubik"/>
-                <a:sym typeface="Rubik"/>
-              </a:rPr>
-              <a:t>penjualan</a:t>
-            </a:r>
-            <a:r>
-              <a:rPr lang="en-US" sz="1800" dirty="0">
-                <a:latin typeface="Rubik"/>
-                <a:ea typeface="Rubik"/>
-                <a:cs typeface="Rubik"/>
-                <a:sym typeface="Rubik"/>
-              </a:rPr>
-              <a:t> (total amount) per store.</a:t>
-            </a:r>
-          </a:p>
-          <a:p>
-            <a:pPr lvl="0" algn="just" rtl="0">
-              <a:spcBef>
-                <a:spcPts val="0"/>
-              </a:spcBef>
-              <a:spcAft>
-                <a:spcPts val="0"/>
-              </a:spcAft>
-            </a:pPr>
-            <a:endParaRPr lang="en-US" sz="800" dirty="0">
+              <a:t>Create a dashboard with Tableau containing monthly quantity, daily total amount, sales (quantity) per product, and sales (total amount) per store.</a:t>
+            </a:r>
+          </a:p>
+          <a:p>
+            <a:pPr lvl="0" algn="just"/>
+            <a:endParaRPr lang="en-US" sz="1200" dirty="0">
               <a:latin typeface="Rubik"/>
               <a:ea typeface="Rubik"/>
               <a:cs typeface="Rubik"/>
@@ -18322,189 +12206,23 @@
             </a:endParaRPr>
           </a:p>
           <a:p>
-            <a:pPr marL="285750" lvl="0" indent="-285750" algn="just" rtl="0">
-              <a:spcBef>
-                <a:spcPts val="0"/>
-              </a:spcBef>
-              <a:spcAft>
-                <a:spcPts val="0"/>
-              </a:spcAft>
+            <a:pPr marL="285750" lvl="0" indent="-285750" algn="just">
               <a:buFont typeface="Arial" panose="020B0604020202020204" pitchFamily="34" charset="0"/>
               <a:buChar char="•"/>
             </a:pPr>
             <a:r>
-              <a:rPr lang="en-US" sz="1800" dirty="0" err="1">
+              <a:rPr lang="en-US" sz="1800" dirty="0">
                 <a:latin typeface="Rubik"/>
                 <a:ea typeface="Rubik"/>
                 <a:cs typeface="Rubik"/>
                 <a:sym typeface="Rubik"/>
               </a:rPr>
-              <a:t>Membuat</a:t>
-            </a:r>
-            <a:r>
-              <a:rPr lang="en-US" sz="1800" dirty="0">
-                <a:latin typeface="Rubik"/>
-                <a:ea typeface="Rubik"/>
-                <a:cs typeface="Rubik"/>
-                <a:sym typeface="Rubik"/>
-              </a:rPr>
-              <a:t> model </a:t>
-            </a:r>
-            <a:r>
-              <a:rPr lang="en-US" sz="1800" dirty="0" err="1">
-                <a:latin typeface="Rubik"/>
-                <a:ea typeface="Rubik"/>
-                <a:cs typeface="Rubik"/>
-                <a:sym typeface="Rubik"/>
-              </a:rPr>
-              <a:t>untuk</a:t>
-            </a:r>
-            <a:r>
-              <a:rPr lang="en-US" sz="1800" dirty="0">
-                <a:latin typeface="Rubik"/>
-                <a:ea typeface="Rubik"/>
-                <a:cs typeface="Rubik"/>
-                <a:sym typeface="Rubik"/>
-              </a:rPr>
-              <a:t> </a:t>
-            </a:r>
-            <a:r>
-              <a:rPr lang="en-US" sz="1800" dirty="0" err="1">
-                <a:latin typeface="Rubik"/>
-                <a:ea typeface="Rubik"/>
-                <a:cs typeface="Rubik"/>
-                <a:sym typeface="Rubik"/>
-              </a:rPr>
-              <a:t>memprediksi</a:t>
-            </a:r>
-            <a:r>
-              <a:rPr lang="en-US" sz="1800" dirty="0">
-                <a:latin typeface="Rubik"/>
-                <a:ea typeface="Rubik"/>
-                <a:cs typeface="Rubik"/>
-                <a:sym typeface="Rubik"/>
-              </a:rPr>
-              <a:t> quantity product yang </a:t>
-            </a:r>
-            <a:r>
-              <a:rPr lang="en-US" sz="1800" dirty="0" err="1">
-                <a:latin typeface="Rubik"/>
-                <a:ea typeface="Rubik"/>
-                <a:cs typeface="Rubik"/>
-                <a:sym typeface="Rubik"/>
-              </a:rPr>
-              <a:t>terjual</a:t>
-            </a:r>
-            <a:r>
-              <a:rPr lang="en-US" sz="1800" dirty="0">
-                <a:latin typeface="Rubik"/>
-                <a:ea typeface="Rubik"/>
-                <a:cs typeface="Rubik"/>
-                <a:sym typeface="Rubik"/>
-              </a:rPr>
-              <a:t> </a:t>
-            </a:r>
-            <a:r>
-              <a:rPr lang="en-US" sz="1800" dirty="0" err="1">
-                <a:latin typeface="Rubik"/>
-                <a:ea typeface="Rubik"/>
-                <a:cs typeface="Rubik"/>
-                <a:sym typeface="Rubik"/>
-              </a:rPr>
-              <a:t>sehingga</a:t>
-            </a:r>
-            <a:r>
-              <a:rPr lang="en-US" sz="1800" dirty="0">
-                <a:latin typeface="Rubik"/>
-                <a:ea typeface="Rubik"/>
-                <a:cs typeface="Rubik"/>
-                <a:sym typeface="Rubik"/>
-              </a:rPr>
-              <a:t> </a:t>
-            </a:r>
-            <a:r>
-              <a:rPr lang="en-US" sz="1800" dirty="0" err="1">
-                <a:latin typeface="Rubik"/>
-                <a:ea typeface="Rubik"/>
-                <a:cs typeface="Rubik"/>
-                <a:sym typeface="Rubik"/>
-              </a:rPr>
-              <a:t>tim</a:t>
-            </a:r>
-            <a:r>
-              <a:rPr lang="en-US" sz="1800" dirty="0">
-                <a:latin typeface="Rubik"/>
-                <a:ea typeface="Rubik"/>
-                <a:cs typeface="Rubik"/>
-                <a:sym typeface="Rubik"/>
-              </a:rPr>
-              <a:t> inventory dapat </a:t>
-            </a:r>
-            <a:r>
-              <a:rPr lang="en-US" sz="1800" dirty="0" err="1">
-                <a:latin typeface="Rubik"/>
-                <a:ea typeface="Rubik"/>
-                <a:cs typeface="Rubik"/>
-                <a:sym typeface="Rubik"/>
-              </a:rPr>
-              <a:t>membuat</a:t>
-            </a:r>
-            <a:r>
-              <a:rPr lang="en-US" sz="1800" dirty="0">
-                <a:latin typeface="Rubik"/>
-                <a:ea typeface="Rubik"/>
-                <a:cs typeface="Rubik"/>
-                <a:sym typeface="Rubik"/>
-              </a:rPr>
-              <a:t> stock </a:t>
-            </a:r>
-            <a:r>
-              <a:rPr lang="en-US" sz="1800" dirty="0" err="1">
-                <a:latin typeface="Rubik"/>
-                <a:ea typeface="Rubik"/>
-                <a:cs typeface="Rubik"/>
-                <a:sym typeface="Rubik"/>
-              </a:rPr>
-              <a:t>persediaan</a:t>
-            </a:r>
-            <a:r>
-              <a:rPr lang="en-US" sz="1800" dirty="0">
-                <a:latin typeface="Rubik"/>
-                <a:ea typeface="Rubik"/>
-                <a:cs typeface="Rubik"/>
-                <a:sym typeface="Rubik"/>
-              </a:rPr>
-              <a:t> </a:t>
-            </a:r>
-            <a:r>
-              <a:rPr lang="en-US" sz="1800" dirty="0" err="1">
-                <a:latin typeface="Rubik"/>
-                <a:ea typeface="Rubik"/>
-                <a:cs typeface="Rubik"/>
-                <a:sym typeface="Rubik"/>
-              </a:rPr>
-              <a:t>harian</a:t>
-            </a:r>
-            <a:r>
-              <a:rPr lang="en-US" sz="1800" dirty="0">
-                <a:latin typeface="Rubik"/>
-                <a:ea typeface="Rubik"/>
-                <a:cs typeface="Rubik"/>
-                <a:sym typeface="Rubik"/>
-              </a:rPr>
-              <a:t> yang cukup.</a:t>
-            </a:r>
-          </a:p>
-          <a:p>
-            <a:pPr lvl="0" algn="just" rtl="0">
-              <a:spcBef>
-                <a:spcPts val="0"/>
-              </a:spcBef>
-              <a:spcAft>
-                <a:spcPts val="0"/>
-              </a:spcAft>
-            </a:pPr>
-            <a:endParaRPr lang="en-US" sz="800" dirty="0">
+              <a:t>Create a model to predict the quantity of products sold so that the inventory team can make sufficient daily inventory stock.</a:t>
+            </a:r>
+          </a:p>
+          <a:p>
+            <a:pPr lvl="0" algn="just"/>
+            <a:endParaRPr lang="en-US" sz="1200" dirty="0">
               <a:latin typeface="Rubik"/>
               <a:ea typeface="Rubik"/>
               <a:cs typeface="Rubik"/>
@@ -18512,141 +12230,18 @@
             </a:endParaRPr>
           </a:p>
           <a:p>
-            <a:pPr marL="285750" lvl="0" indent="-285750" algn="just" rtl="0">
-              <a:spcBef>
-                <a:spcPts val="0"/>
-              </a:spcBef>
-              <a:spcAft>
-                <a:spcPts val="0"/>
-              </a:spcAft>
+            <a:pPr marL="285750" lvl="0" indent="-285750" algn="just">
               <a:buFont typeface="Arial" panose="020B0604020202020204" pitchFamily="34" charset="0"/>
               <a:buChar char="•"/>
             </a:pPr>
             <a:r>
-              <a:rPr lang="en-US" sz="1800" dirty="0" err="1">
+              <a:rPr lang="en-US" sz="1800" dirty="0">
                 <a:latin typeface="Rubik"/>
                 <a:ea typeface="Rubik"/>
                 <a:cs typeface="Rubik"/>
                 <a:sym typeface="Rubik"/>
               </a:rPr>
-              <a:t>Membuat</a:t>
-            </a:r>
-            <a:r>
-              <a:rPr lang="en-US" sz="1800" dirty="0">
-                <a:latin typeface="Rubik"/>
-                <a:ea typeface="Rubik"/>
-                <a:cs typeface="Rubik"/>
-                <a:sym typeface="Rubik"/>
-              </a:rPr>
-              <a:t> </a:t>
-            </a:r>
-            <a:r>
-              <a:rPr lang="en-US" sz="1800" dirty="0" err="1">
-                <a:latin typeface="Rubik"/>
-                <a:ea typeface="Rubik"/>
-                <a:cs typeface="Rubik"/>
-                <a:sym typeface="Rubik"/>
-              </a:rPr>
-              <a:t>segmentasi</a:t>
-            </a:r>
-            <a:r>
-              <a:rPr lang="en-US" sz="1800" dirty="0">
-                <a:latin typeface="Rubik"/>
-                <a:ea typeface="Rubik"/>
-                <a:cs typeface="Rubik"/>
-                <a:sym typeface="Rubik"/>
-              </a:rPr>
-              <a:t> customer yang </a:t>
-            </a:r>
-            <a:r>
-              <a:rPr lang="en-US" sz="1800" dirty="0" err="1">
-                <a:latin typeface="Rubik"/>
-                <a:ea typeface="Rubik"/>
-                <a:cs typeface="Rubik"/>
-                <a:sym typeface="Rubik"/>
-              </a:rPr>
-              <a:t>akan</a:t>
-            </a:r>
-            <a:r>
-              <a:rPr lang="en-US" sz="1800" dirty="0">
-                <a:latin typeface="Rubik"/>
-                <a:ea typeface="Rubik"/>
-                <a:cs typeface="Rubik"/>
-                <a:sym typeface="Rubik"/>
-              </a:rPr>
-              <a:t> </a:t>
-            </a:r>
-            <a:r>
-              <a:rPr lang="en-US" sz="1800" dirty="0" err="1">
-                <a:latin typeface="Rubik"/>
-                <a:ea typeface="Rubik"/>
-                <a:cs typeface="Rubik"/>
-                <a:sym typeface="Rubik"/>
-              </a:rPr>
-              <a:t>digunakan</a:t>
-            </a:r>
-            <a:r>
-              <a:rPr lang="en-US" sz="1800" dirty="0">
-                <a:latin typeface="Rubik"/>
-                <a:ea typeface="Rubik"/>
-                <a:cs typeface="Rubik"/>
-                <a:sym typeface="Rubik"/>
-              </a:rPr>
-              <a:t> oleh </a:t>
-            </a:r>
-            <a:r>
-              <a:rPr lang="en-US" sz="1800" dirty="0" err="1">
-                <a:latin typeface="Rubik"/>
-                <a:ea typeface="Rubik"/>
-                <a:cs typeface="Rubik"/>
-                <a:sym typeface="Rubik"/>
-              </a:rPr>
-              <a:t>tim</a:t>
-            </a:r>
-            <a:r>
-              <a:rPr lang="en-US" sz="1800" dirty="0">
-                <a:latin typeface="Rubik"/>
-                <a:ea typeface="Rubik"/>
-                <a:cs typeface="Rubik"/>
-                <a:sym typeface="Rubik"/>
-              </a:rPr>
-              <a:t> marketing </a:t>
-            </a:r>
-            <a:r>
-              <a:rPr lang="en-US" sz="1800" dirty="0" err="1">
-                <a:latin typeface="Rubik"/>
-                <a:ea typeface="Rubik"/>
-                <a:cs typeface="Rubik"/>
-                <a:sym typeface="Rubik"/>
-              </a:rPr>
-              <a:t>untuk</a:t>
-            </a:r>
-            <a:r>
-              <a:rPr lang="en-US" sz="1800" dirty="0">
-                <a:latin typeface="Rubik"/>
-                <a:ea typeface="Rubik"/>
-                <a:cs typeface="Rubik"/>
-                <a:sym typeface="Rubik"/>
-              </a:rPr>
-              <a:t> </a:t>
-            </a:r>
-            <a:r>
-              <a:rPr lang="en-US" sz="1800" dirty="0" err="1">
-                <a:latin typeface="Rubik"/>
-                <a:ea typeface="Rubik"/>
-                <a:cs typeface="Rubik"/>
-                <a:sym typeface="Rubik"/>
-              </a:rPr>
-              <a:t>memberikan</a:t>
-            </a:r>
-            <a:r>
-              <a:rPr lang="en-US" sz="1800" dirty="0">
-                <a:latin typeface="Rubik"/>
-                <a:ea typeface="Rubik"/>
-                <a:cs typeface="Rubik"/>
-                <a:sym typeface="Rubik"/>
-              </a:rPr>
-              <a:t> personalized promotion dan sales treatment.</a:t>
+              <a:t>Create customer segmentation that will be used by the marketing team to provide personalized promotion and sales treatment.</a:t>
             </a:r>
             <a:endParaRPr sz="1800" dirty="0">
               <a:latin typeface="Rubik"/>
@@ -19211,263 +12806,11 @@
                 </a:solidFill>
                 <a:latin typeface="Rubik"/>
               </a:rPr>
-              <a:t>Dataset </a:t>
-            </a:r>
-            <a:r>
-              <a:rPr lang="en-US" dirty="0" err="1">
-                <a:solidFill>
-                  <a:schemeClr val="tx1"/>
-                </a:solidFill>
-                <a:latin typeface="Rubik"/>
-              </a:rPr>
-              <a:t>ini</a:t>
-            </a:r>
-            <a:r>
-              <a:rPr lang="en-US" dirty="0">
-                <a:solidFill>
-                  <a:schemeClr val="tx1"/>
-                </a:solidFill>
-                <a:latin typeface="Rubik"/>
-              </a:rPr>
-              <a:t> </a:t>
-            </a:r>
-            <a:r>
-              <a:rPr lang="en-US" dirty="0" err="1">
-                <a:solidFill>
-                  <a:schemeClr val="tx1"/>
-                </a:solidFill>
-                <a:latin typeface="Rubik"/>
-              </a:rPr>
-              <a:t>terdiri</a:t>
-            </a:r>
-            <a:r>
-              <a:rPr lang="en-US" dirty="0">
-                <a:solidFill>
-                  <a:schemeClr val="tx1"/>
-                </a:solidFill>
-                <a:latin typeface="Rubik"/>
-              </a:rPr>
-              <a:t> </a:t>
-            </a:r>
-            <a:r>
-              <a:rPr lang="en-US" dirty="0" err="1">
-                <a:solidFill>
-                  <a:schemeClr val="tx1"/>
-                </a:solidFill>
-                <a:latin typeface="Rubik"/>
-              </a:rPr>
-              <a:t>dari</a:t>
-            </a:r>
-            <a:r>
-              <a:rPr lang="en-US" dirty="0">
-                <a:solidFill>
-                  <a:schemeClr val="tx1"/>
-                </a:solidFill>
-                <a:latin typeface="Rubik"/>
-              </a:rPr>
-              <a:t> 4 csv file </a:t>
-            </a:r>
-            <a:r>
-              <a:rPr lang="en-US" dirty="0" err="1">
-                <a:solidFill>
-                  <a:schemeClr val="tx1"/>
-                </a:solidFill>
-                <a:latin typeface="Rubik"/>
-              </a:rPr>
-              <a:t>yaitu</a:t>
-            </a:r>
-            <a:r>
-              <a:rPr lang="en-US" dirty="0">
-                <a:solidFill>
-                  <a:schemeClr val="tx1"/>
-                </a:solidFill>
-                <a:latin typeface="Rubik"/>
-              </a:rPr>
-              <a:t> customer, store, product dan transaction. </a:t>
-            </a:r>
-            <a:r>
-              <a:rPr lang="en-US" dirty="0" err="1">
-                <a:solidFill>
-                  <a:schemeClr val="tx1"/>
-                </a:solidFill>
-                <a:latin typeface="Rubik"/>
-              </a:rPr>
-              <a:t>Merupakan</a:t>
-            </a:r>
-            <a:r>
-              <a:rPr lang="en-US" dirty="0">
-                <a:solidFill>
-                  <a:schemeClr val="tx1"/>
-                </a:solidFill>
-                <a:latin typeface="Rubik"/>
-              </a:rPr>
-              <a:t> dummy data </a:t>
-            </a:r>
-            <a:r>
-              <a:rPr lang="en-US" dirty="0" err="1">
-                <a:solidFill>
-                  <a:schemeClr val="tx1"/>
-                </a:solidFill>
-                <a:latin typeface="Rubik"/>
-              </a:rPr>
-              <a:t>untuk</a:t>
-            </a:r>
-            <a:r>
-              <a:rPr lang="en-US" dirty="0">
-                <a:solidFill>
-                  <a:schemeClr val="tx1"/>
-                </a:solidFill>
-                <a:latin typeface="Rubik"/>
-              </a:rPr>
-              <a:t> </a:t>
-            </a:r>
-            <a:r>
-              <a:rPr lang="en-US" dirty="0" err="1">
-                <a:solidFill>
-                  <a:schemeClr val="tx1"/>
-                </a:solidFill>
-                <a:latin typeface="Rubik"/>
-              </a:rPr>
-              <a:t>studi</a:t>
-            </a:r>
-            <a:r>
-              <a:rPr lang="en-US" dirty="0">
-                <a:solidFill>
-                  <a:schemeClr val="tx1"/>
-                </a:solidFill>
-                <a:latin typeface="Rubik"/>
-              </a:rPr>
-              <a:t> </a:t>
-            </a:r>
-            <a:r>
-              <a:rPr lang="en-US" dirty="0" err="1">
-                <a:solidFill>
-                  <a:schemeClr val="tx1"/>
-                </a:solidFill>
-                <a:latin typeface="Rubik"/>
-              </a:rPr>
-              <a:t>kasus</a:t>
-            </a:r>
-            <a:r>
-              <a:rPr lang="en-US" dirty="0">
-                <a:solidFill>
-                  <a:schemeClr val="tx1"/>
-                </a:solidFill>
-                <a:latin typeface="Rubik"/>
-              </a:rPr>
-              <a:t> FMCG </a:t>
-            </a:r>
-            <a:r>
-              <a:rPr lang="en-US" dirty="0" err="1">
-                <a:solidFill>
-                  <a:schemeClr val="tx1"/>
-                </a:solidFill>
-                <a:latin typeface="Rubik"/>
-              </a:rPr>
-              <a:t>dalam</a:t>
-            </a:r>
-            <a:r>
-              <a:rPr lang="en-US" dirty="0">
-                <a:solidFill>
-                  <a:schemeClr val="tx1"/>
-                </a:solidFill>
-                <a:latin typeface="Rubik"/>
-              </a:rPr>
-              <a:t> </a:t>
-            </a:r>
-            <a:r>
-              <a:rPr lang="en-US" dirty="0" err="1">
-                <a:solidFill>
-                  <a:schemeClr val="tx1"/>
-                </a:solidFill>
-                <a:latin typeface="Rubik"/>
-              </a:rPr>
-              <a:t>kurun</a:t>
-            </a:r>
-            <a:r>
-              <a:rPr lang="en-US" dirty="0">
-                <a:solidFill>
-                  <a:schemeClr val="tx1"/>
-                </a:solidFill>
-                <a:latin typeface="Rubik"/>
-              </a:rPr>
-              <a:t> </a:t>
-            </a:r>
-            <a:r>
-              <a:rPr lang="en-US" dirty="0" err="1">
-                <a:solidFill>
-                  <a:schemeClr val="tx1"/>
-                </a:solidFill>
-                <a:latin typeface="Rubik"/>
-              </a:rPr>
-              <a:t>waktu</a:t>
-            </a:r>
-            <a:r>
-              <a:rPr lang="en-US" dirty="0">
-                <a:solidFill>
-                  <a:schemeClr val="tx1"/>
-                </a:solidFill>
-                <a:latin typeface="Rubik"/>
-              </a:rPr>
-              <a:t> 1 </a:t>
-            </a:r>
-            <a:r>
-              <a:rPr lang="en-US" dirty="0" err="1">
-                <a:solidFill>
-                  <a:schemeClr val="tx1"/>
-                </a:solidFill>
-                <a:latin typeface="Rubik"/>
-              </a:rPr>
-              <a:t>tahun</a:t>
-            </a:r>
-            <a:r>
-              <a:rPr lang="en-US" dirty="0">
-                <a:solidFill>
-                  <a:schemeClr val="tx1"/>
-                </a:solidFill>
-                <a:latin typeface="Rubik"/>
-              </a:rPr>
-              <a:t> yang </a:t>
-            </a:r>
-            <a:r>
-              <a:rPr lang="en-US" dirty="0" err="1">
-                <a:solidFill>
-                  <a:schemeClr val="tx1"/>
-                </a:solidFill>
-                <a:latin typeface="Rubik"/>
-              </a:rPr>
-              <a:t>diambil</a:t>
-            </a:r>
-            <a:r>
-              <a:rPr lang="en-US" dirty="0">
-                <a:solidFill>
-                  <a:schemeClr val="tx1"/>
-                </a:solidFill>
-                <a:latin typeface="Rubik"/>
-              </a:rPr>
-              <a:t> </a:t>
-            </a:r>
-            <a:r>
-              <a:rPr lang="en-US" dirty="0" err="1">
-                <a:solidFill>
-                  <a:schemeClr val="tx1"/>
-                </a:solidFill>
-                <a:latin typeface="Rubik"/>
-              </a:rPr>
-              <a:t>melalui</a:t>
-            </a:r>
-            <a:r>
-              <a:rPr lang="en-US" dirty="0">
-                <a:solidFill>
-                  <a:schemeClr val="tx1"/>
-                </a:solidFill>
-                <a:latin typeface="Rubik"/>
-              </a:rPr>
-              <a:t> program membership.</a:t>
-            </a:r>
-          </a:p>
-          <a:p>
-            <a:pPr marL="139700" indent="0">
+              <a:t>This dataset consists of 4 csv files namely customer, store, product and transaction. It is a dummy data for FMCG case study within 1 year taken through membership program.</a:t>
+            </a:r>
+          </a:p>
+          <a:p>
+            <a:pPr marL="139700" indent="0" algn="just">
               <a:buNone/>
             </a:pPr>
             <a:endParaRPr lang="en-US" b="1" dirty="0">
@@ -19523,17 +12866,13 @@
                 </a:solidFill>
                 <a:latin typeface="Rubik"/>
               </a:rPr>
-              <a:t> : No </a:t>
-            </a:r>
-            <a:r>
-              <a:rPr lang="en-US" dirty="0" err="1">
-                <a:solidFill>
-                  <a:schemeClr val="tx1"/>
-                </a:solidFill>
-                <a:latin typeface="Rubik"/>
-              </a:rPr>
-              <a:t>Unik</a:t>
-            </a:r>
+              <a:t> : Customer unique ID</a:t>
+            </a:r>
+          </a:p>
+          <a:p>
+            <a:pPr marL="139700" indent="0">
+              <a:buNone/>
+            </a:pPr>
             <a:r>
               <a:rPr lang="en-US" dirty="0">
                 <a:solidFill>
@@ -19541,13 +12880,17 @@
                 </a:solidFill>
                 <a:latin typeface="Rubik"/>
               </a:rPr>
-              <a:t> Customer</a:t>
-            </a:r>
-          </a:p>
-          <a:p>
-            <a:pPr marL="139700" indent="0">
-              <a:buNone/>
-            </a:pPr>
+              <a:t>- </a:t>
+            </a:r>
+            <a:r>
+              <a:rPr lang="en-US" b="1" dirty="0">
+                <a:solidFill>
+                  <a:schemeClr val="tx1"/>
+                </a:solidFill>
+                <a:latin typeface="Rubik"/>
+              </a:rPr>
+              <a:t>Age</a:t>
+            </a:r>
             <a:r>
               <a:rPr lang="en-US" dirty="0">
                 <a:solidFill>
@@ -19555,6 +12898,20 @@
                 </a:solidFill>
                 <a:latin typeface="Rubik"/>
               </a:rPr>
+              <a:t> : Customer age</a:t>
+            </a:r>
+          </a:p>
+          <a:p>
+            <a:pPr marL="139700" indent="0">
+              <a:buNone/>
+            </a:pPr>
+            <a:r>
+              <a:rPr lang="en-US" dirty="0">
+                <a:solidFill>
+                  <a:schemeClr val="tx1"/>
+                </a:solidFill>
+                <a:latin typeface="Rubik"/>
+              </a:rPr>
               <a:t>- </a:t>
             </a:r>
             <a:r>
@@ -19564,7 +12921,7 @@
                 </a:solidFill>
                 <a:latin typeface="Rubik"/>
               </a:rPr>
-              <a:t>Age</a:t>
+              <a:t>Gender</a:t>
             </a:r>
             <a:r>
               <a:rPr lang="en-US" dirty="0">
@@ -19573,17 +12930,13 @@
                 </a:solidFill>
                 <a:latin typeface="Rubik"/>
               </a:rPr>
-              <a:t> : </a:t>
-            </a:r>
-            <a:r>
-              <a:rPr lang="en-US" dirty="0" err="1">
-                <a:solidFill>
-                  <a:schemeClr val="tx1"/>
-                </a:solidFill>
-                <a:latin typeface="Rubik"/>
-              </a:rPr>
-              <a:t>Usia</a:t>
-            </a:r>
+              <a:t> : “0” Female, “1” Male</a:t>
+            </a:r>
+          </a:p>
+          <a:p>
+            <a:pPr marL="139700" indent="0">
+              <a:buNone/>
+            </a:pPr>
             <a:r>
               <a:rPr lang="en-US" dirty="0">
                 <a:solidFill>
@@ -19591,13 +12944,17 @@
                 </a:solidFill>
                 <a:latin typeface="Rubik"/>
               </a:rPr>
-              <a:t> Customer</a:t>
-            </a:r>
-          </a:p>
-          <a:p>
-            <a:pPr marL="139700" indent="0">
-              <a:buNone/>
-            </a:pPr>
+              <a:t>- </a:t>
+            </a:r>
+            <a:r>
+              <a:rPr lang="en-US" b="1" dirty="0">
+                <a:solidFill>
+                  <a:schemeClr val="tx1"/>
+                </a:solidFill>
+                <a:latin typeface="Rubik"/>
+              </a:rPr>
+              <a:t>Marital</a:t>
+            </a:r>
             <a:r>
               <a:rPr lang="en-US" dirty="0">
                 <a:solidFill>
@@ -19605,7 +12962,7 @@
                 </a:solidFill>
                 <a:latin typeface="Rubik"/>
               </a:rPr>
-              <a:t>- </a:t>
+              <a:t> </a:t>
             </a:r>
             <a:r>
               <a:rPr lang="en-US" b="1" dirty="0">
@@ -19614,7 +12971,7 @@
                 </a:solidFill>
                 <a:latin typeface="Rubik"/>
               </a:rPr>
-              <a:t>Gender</a:t>
+              <a:t>Status</a:t>
             </a:r>
             <a:r>
               <a:rPr lang="en-US" dirty="0">
@@ -19623,23 +12980,8 @@
                 </a:solidFill>
                 <a:latin typeface="Rubik"/>
               </a:rPr>
-              <a:t> : 0 Wanita, 1 </a:t>
-            </a:r>
-            <a:r>
-              <a:rPr lang="en-US" dirty="0" err="1">
-                <a:solidFill>
-                  <a:schemeClr val="tx1"/>
-                </a:solidFill>
-                <a:latin typeface="Rubik"/>
-              </a:rPr>
-              <a:t>Pria</a:t>
-            </a:r>
-            <a:endParaRPr lang="en-US" dirty="0">
-              <a:solidFill>
-                <a:schemeClr val="tx1"/>
-              </a:solidFill>
-              <a:latin typeface="Rubik"/>
-            </a:endParaRPr>
+              <a:t> : Married, Single </a:t>
+            </a:r>
           </a:p>
           <a:p>
             <a:pPr marL="139700" indent="0">
@@ -19661,7 +13003,7 @@
                 </a:solidFill>
                 <a:latin typeface="Rubik"/>
               </a:rPr>
-              <a:t>Marital</a:t>
+              <a:t>Income</a:t>
             </a:r>
             <a:r>
               <a:rPr lang="en-US" dirty="0">
@@ -19670,129 +13012,7 @@
                 </a:solidFill>
                 <a:latin typeface="Rubik"/>
               </a:rPr>
-              <a:t> </a:t>
-            </a:r>
-            <a:r>
-              <a:rPr lang="en-US" b="1" dirty="0">
-                <a:solidFill>
-                  <a:schemeClr val="tx1"/>
-                </a:solidFill>
-                <a:latin typeface="Rubik"/>
-              </a:rPr>
-              <a:t>Status</a:t>
-            </a:r>
-            <a:r>
-              <a:rPr lang="en-US" dirty="0">
-                <a:solidFill>
-                  <a:schemeClr val="tx1"/>
-                </a:solidFill>
-                <a:latin typeface="Rubik"/>
-              </a:rPr>
-              <a:t> : Married, Single </a:t>
-            </a:r>
-          </a:p>
-          <a:p>
-            <a:pPr marL="139700" indent="0">
-              <a:buNone/>
-            </a:pPr>
-            <a:r>
-              <a:rPr lang="en-US" dirty="0">
-                <a:solidFill>
-                  <a:schemeClr val="tx1"/>
-                </a:solidFill>
-                <a:latin typeface="Rubik"/>
-              </a:rPr>
-              <a:t>- </a:t>
-            </a:r>
-            <a:r>
-              <a:rPr lang="en-US" b="1" dirty="0">
-                <a:solidFill>
-                  <a:schemeClr val="tx1"/>
-                </a:solidFill>
-                <a:latin typeface="Rubik"/>
-              </a:rPr>
-              <a:t>Income</a:t>
-            </a:r>
-            <a:r>
-              <a:rPr lang="en-US" dirty="0">
-                <a:solidFill>
-                  <a:schemeClr val="tx1"/>
-                </a:solidFill>
-                <a:latin typeface="Rubik"/>
-              </a:rPr>
-              <a:t> : </a:t>
-            </a:r>
-            <a:r>
-              <a:rPr lang="en-US" dirty="0" err="1">
-                <a:solidFill>
-                  <a:schemeClr val="tx1"/>
-                </a:solidFill>
-                <a:latin typeface="Rubik"/>
-              </a:rPr>
-              <a:t>Pendapatan</a:t>
-            </a:r>
-            <a:r>
-              <a:rPr lang="en-US" dirty="0">
-                <a:solidFill>
-                  <a:schemeClr val="tx1"/>
-                </a:solidFill>
-                <a:latin typeface="Rubik"/>
-              </a:rPr>
-              <a:t> per </a:t>
-            </a:r>
-            <a:r>
-              <a:rPr lang="en-US" dirty="0" err="1">
-                <a:solidFill>
-                  <a:schemeClr val="tx1"/>
-                </a:solidFill>
-                <a:latin typeface="Rubik"/>
-              </a:rPr>
-              <a:t>bulan</a:t>
-            </a:r>
-            <a:r>
-              <a:rPr lang="en-US" dirty="0">
-                <a:solidFill>
-                  <a:schemeClr val="tx1"/>
-                </a:solidFill>
-                <a:latin typeface="Rubik"/>
-              </a:rPr>
-              <a:t> </a:t>
-            </a:r>
-            <a:r>
-              <a:rPr lang="en-US" dirty="0" err="1">
-                <a:solidFill>
-                  <a:schemeClr val="tx1"/>
-                </a:solidFill>
-                <a:latin typeface="Rubik"/>
-              </a:rPr>
-              <a:t>dalam</a:t>
-            </a:r>
-            <a:r>
-              <a:rPr lang="en-US" dirty="0">
-                <a:solidFill>
-                  <a:schemeClr val="tx1"/>
-                </a:solidFill>
-                <a:latin typeface="Rubik"/>
-              </a:rPr>
-              <a:t> </a:t>
-            </a:r>
-            <a:r>
-              <a:rPr lang="en-US" dirty="0" err="1">
-                <a:solidFill>
-                  <a:schemeClr val="tx1"/>
-                </a:solidFill>
-                <a:latin typeface="Rubik"/>
-              </a:rPr>
-              <a:t>jutaan</a:t>
-            </a:r>
-            <a:r>
-              <a:rPr lang="en-US" dirty="0">
-                <a:solidFill>
-                  <a:schemeClr val="tx1"/>
-                </a:solidFill>
-                <a:latin typeface="Rubik"/>
-              </a:rPr>
-              <a:t> rupiah</a:t>
+              <a:t> : Income per month in million IDR</a:t>
             </a:r>
           </a:p>
           <a:p>
@@ -19952,17 +13172,13 @@
                 </a:solidFill>
                 <a:latin typeface="Rubik"/>
               </a:rPr>
-              <a:t> : </a:t>
-            </a:r>
-            <a:r>
-              <a:rPr lang="en-US" dirty="0" err="1">
-                <a:solidFill>
-                  <a:schemeClr val="tx1"/>
-                </a:solidFill>
-                <a:latin typeface="Rubik"/>
-              </a:rPr>
-              <a:t>Kode</a:t>
-            </a:r>
+              <a:t> : Store unique ID</a:t>
+            </a:r>
+          </a:p>
+          <a:p>
+            <a:pPr marL="139700" indent="0">
+              <a:buNone/>
+            </a:pPr>
             <a:r>
               <a:rPr lang="en-US" dirty="0">
                 <a:solidFill>
@@ -19970,16 +13186,16 @@
                 </a:solidFill>
                 <a:latin typeface="Rubik"/>
               </a:rPr>
-              <a:t> </a:t>
-            </a:r>
-            <a:r>
-              <a:rPr lang="en-US" dirty="0" err="1">
+              <a:t>- </a:t>
+            </a:r>
+            <a:r>
+              <a:rPr lang="en-US" b="1" dirty="0" err="1">
                 <a:solidFill>
                   <a:schemeClr val="tx1"/>
                 </a:solidFill>
                 <a:latin typeface="Rubik"/>
               </a:rPr>
-              <a:t>Unik</a:t>
+              <a:t>StoreName</a:t>
             </a:r>
             <a:r>
               <a:rPr lang="en-US" dirty="0">
@@ -19988,7 +13204,7 @@
                 </a:solidFill>
                 <a:latin typeface="Rubik"/>
               </a:rPr>
-              <a:t> Store</a:t>
+              <a:t> : Store name</a:t>
             </a:r>
           </a:p>
           <a:p>
@@ -20011,7 +13227,7 @@
                 </a:solidFill>
                 <a:latin typeface="Rubik"/>
               </a:rPr>
-              <a:t>StoreName</a:t>
+              <a:t>GroupStore</a:t>
             </a:r>
             <a:r>
               <a:rPr lang="en-US" dirty="0">
@@ -20020,23 +13236,8 @@
                 </a:solidFill>
                 <a:latin typeface="Rubik"/>
               </a:rPr>
-              <a:t> : Nama </a:t>
-            </a:r>
-            <a:r>
-              <a:rPr lang="en-US" dirty="0" err="1">
-                <a:solidFill>
-                  <a:schemeClr val="tx1"/>
-                </a:solidFill>
-                <a:latin typeface="Rubik"/>
-              </a:rPr>
-              <a:t>Toko</a:t>
-            </a:r>
-            <a:endParaRPr lang="en-US" dirty="0">
-              <a:solidFill>
-                <a:schemeClr val="tx1"/>
-              </a:solidFill>
-              <a:latin typeface="Rubik"/>
-            </a:endParaRPr>
+              <a:t> : Group name</a:t>
+            </a:r>
           </a:p>
           <a:p>
             <a:pPr marL="139700" indent="0">
@@ -20052,13 +13253,13 @@
               <a:t>- </a:t>
             </a:r>
             <a:r>
-              <a:rPr lang="en-US" b="1" dirty="0" err="1">
+              <a:rPr lang="en-US" b="1" dirty="0">
                 <a:solidFill>
                   <a:schemeClr val="tx1"/>
                 </a:solidFill>
                 <a:latin typeface="Rubik"/>
               </a:rPr>
-              <a:t>GroupStore</a:t>
+              <a:t>Type</a:t>
             </a:r>
             <a:r>
               <a:rPr lang="en-US" dirty="0">
@@ -20067,7 +13268,7 @@
                 </a:solidFill>
                 <a:latin typeface="Rubik"/>
               </a:rPr>
-              <a:t> : Nama group</a:t>
+              <a:t> : Modern Trade, General Trade</a:t>
             </a:r>
           </a:p>
           <a:p>
@@ -20090,7 +13291,7 @@
                 </a:solidFill>
                 <a:latin typeface="Rubik"/>
               </a:rPr>
-              <a:t>Type</a:t>
+              <a:t>Latitude</a:t>
             </a:r>
             <a:r>
               <a:rPr lang="en-US" dirty="0">
@@ -20099,7 +13300,7 @@
                 </a:solidFill>
                 <a:latin typeface="Rubik"/>
               </a:rPr>
-              <a:t> : Modern Trade, General Trade</a:t>
+              <a:t> : Latitude code</a:t>
             </a:r>
           </a:p>
           <a:p>
@@ -20122,7 +13323,7 @@
                 </a:solidFill>
                 <a:latin typeface="Rubik"/>
               </a:rPr>
-              <a:t>Latitude</a:t>
+              <a:t>Longitude</a:t>
             </a:r>
             <a:r>
               <a:rPr lang="en-US" dirty="0">
@@ -20131,75 +13332,7 @@
                 </a:solidFill>
                 <a:latin typeface="Rubik"/>
               </a:rPr>
-              <a:t> : </a:t>
-            </a:r>
-            <a:r>
-              <a:rPr lang="en-US" dirty="0" err="1">
-                <a:solidFill>
-                  <a:schemeClr val="tx1"/>
-                </a:solidFill>
-                <a:latin typeface="Rubik"/>
-              </a:rPr>
-              <a:t>Kode</a:t>
-            </a:r>
-            <a:r>
-              <a:rPr lang="en-US" dirty="0">
-                <a:solidFill>
-                  <a:schemeClr val="tx1"/>
-                </a:solidFill>
-                <a:latin typeface="Rubik"/>
-              </a:rPr>
-              <a:t> Latitude</a:t>
-            </a:r>
-          </a:p>
-          <a:p>
-            <a:pPr marL="139700" indent="0">
-              <a:buNone/>
-            </a:pPr>
-            <a:r>
-              <a:rPr lang="en-US" dirty="0">
-                <a:solidFill>
-                  <a:schemeClr val="tx1"/>
-                </a:solidFill>
-                <a:latin typeface="Rubik"/>
-              </a:rPr>
-              <a:t>- </a:t>
-            </a:r>
-            <a:r>
-              <a:rPr lang="en-US" b="1" dirty="0">
-                <a:solidFill>
-                  <a:schemeClr val="tx1"/>
-                </a:solidFill>
-                <a:latin typeface="Rubik"/>
-              </a:rPr>
-              <a:t>Longitude</a:t>
-            </a:r>
-            <a:r>
-              <a:rPr lang="en-US" dirty="0">
-                <a:solidFill>
-                  <a:schemeClr val="tx1"/>
-                </a:solidFill>
-                <a:latin typeface="Rubik"/>
-              </a:rPr>
-              <a:t> : </a:t>
-            </a:r>
-            <a:r>
-              <a:rPr lang="en-US" dirty="0" err="1">
-                <a:solidFill>
-                  <a:schemeClr val="tx1"/>
-                </a:solidFill>
-                <a:latin typeface="Rubik"/>
-              </a:rPr>
-              <a:t>Kode</a:t>
-            </a:r>
-            <a:r>
-              <a:rPr lang="en-US" dirty="0">
-                <a:solidFill>
-                  <a:schemeClr val="tx1"/>
-                </a:solidFill>
-                <a:latin typeface="Rubik"/>
-              </a:rPr>
-              <a:t> Longitude</a:t>
+              <a:t> : Longitude code</a:t>
             </a:r>
           </a:p>
           <a:p>
@@ -20259,17 +13392,13 @@
                 </a:solidFill>
                 <a:latin typeface="Rubik"/>
               </a:rPr>
-              <a:t> : </a:t>
-            </a:r>
-            <a:r>
-              <a:rPr lang="en-US" dirty="0" err="1">
-                <a:solidFill>
-                  <a:schemeClr val="tx1"/>
-                </a:solidFill>
-                <a:latin typeface="Rubik"/>
-              </a:rPr>
-              <a:t>Kode</a:t>
-            </a:r>
+              <a:t> : Product unique ID</a:t>
+            </a:r>
+          </a:p>
+          <a:p>
+            <a:pPr marL="139700" indent="0">
+              <a:buNone/>
+            </a:pPr>
             <a:r>
               <a:rPr lang="en-US" dirty="0">
                 <a:solidFill>
@@ -20277,16 +13406,16 @@
                 </a:solidFill>
                 <a:latin typeface="Rubik"/>
               </a:rPr>
-              <a:t> </a:t>
-            </a:r>
-            <a:r>
-              <a:rPr lang="en-US" dirty="0" err="1">
+              <a:t>- </a:t>
+            </a:r>
+            <a:r>
+              <a:rPr lang="en-US" b="1" dirty="0">
                 <a:solidFill>
                   <a:schemeClr val="tx1"/>
                 </a:solidFill>
                 <a:latin typeface="Rubik"/>
               </a:rPr>
-              <a:t>Unik</a:t>
+              <a:t>Product</a:t>
             </a:r>
             <a:r>
               <a:rPr lang="en-US" dirty="0">
@@ -20295,13 +13424,17 @@
                 </a:solidFill>
                 <a:latin typeface="Rubik"/>
               </a:rPr>
-              <a:t> Product</a:t>
-            </a:r>
-          </a:p>
-          <a:p>
-            <a:pPr marL="139700" indent="0">
-              <a:buNone/>
-            </a:pPr>
+              <a:t> </a:t>
+            </a:r>
+            <a:r>
+              <a:rPr lang="en-US" b="1" dirty="0">
+                <a:solidFill>
+                  <a:schemeClr val="tx1"/>
+                </a:solidFill>
+                <a:latin typeface="Rubik"/>
+              </a:rPr>
+              <a:t>Name</a:t>
+            </a:r>
             <a:r>
               <a:rPr lang="en-US" dirty="0">
                 <a:solidFill>
@@ -20309,6 +13442,20 @@
                 </a:solidFill>
                 <a:latin typeface="Rubik"/>
               </a:rPr>
+              <a:t> : Product name</a:t>
+            </a:r>
+          </a:p>
+          <a:p>
+            <a:pPr marL="139700" indent="0">
+              <a:buNone/>
+            </a:pPr>
+            <a:r>
+              <a:rPr lang="en-US" dirty="0">
+                <a:solidFill>
+                  <a:schemeClr val="tx1"/>
+                </a:solidFill>
+                <a:latin typeface="Rubik"/>
+              </a:rPr>
               <a:t>- </a:t>
             </a:r>
             <a:r>
@@ -20318,7 +13465,7 @@
                 </a:solidFill>
                 <a:latin typeface="Rubik"/>
               </a:rPr>
-              <a:t>Product</a:t>
+              <a:t>Price</a:t>
             </a:r>
             <a:r>
               <a:rPr lang="en-US" dirty="0">
@@ -20327,93 +13474,7 @@
                 </a:solidFill>
                 <a:latin typeface="Rubik"/>
               </a:rPr>
-              <a:t> </a:t>
-            </a:r>
-            <a:r>
-              <a:rPr lang="en-US" b="1" dirty="0">
-                <a:solidFill>
-                  <a:schemeClr val="tx1"/>
-                </a:solidFill>
-                <a:latin typeface="Rubik"/>
-              </a:rPr>
-              <a:t>Name</a:t>
-            </a:r>
-            <a:r>
-              <a:rPr lang="en-US" dirty="0">
-                <a:solidFill>
-                  <a:schemeClr val="tx1"/>
-                </a:solidFill>
-                <a:latin typeface="Rubik"/>
-              </a:rPr>
-              <a:t> : Nama Product</a:t>
-            </a:r>
-          </a:p>
-          <a:p>
-            <a:pPr marL="139700" indent="0">
-              <a:buNone/>
-            </a:pPr>
-            <a:r>
-              <a:rPr lang="en-US" dirty="0">
-                <a:solidFill>
-                  <a:schemeClr val="tx1"/>
-                </a:solidFill>
-                <a:latin typeface="Rubik"/>
-              </a:rPr>
-              <a:t>- </a:t>
-            </a:r>
-            <a:r>
-              <a:rPr lang="en-US" b="1" dirty="0">
-                <a:solidFill>
-                  <a:schemeClr val="tx1"/>
-                </a:solidFill>
-                <a:latin typeface="Rubik"/>
-              </a:rPr>
-              <a:t>Price</a:t>
-            </a:r>
-            <a:r>
-              <a:rPr lang="en-US" dirty="0">
-                <a:solidFill>
-                  <a:schemeClr val="tx1"/>
-                </a:solidFill>
-                <a:latin typeface="Rubik"/>
-              </a:rPr>
-              <a:t> : </a:t>
-            </a:r>
-            <a:r>
-              <a:rPr lang="en-US" dirty="0" err="1">
-                <a:solidFill>
-                  <a:schemeClr val="tx1"/>
-                </a:solidFill>
-                <a:latin typeface="Rubik"/>
-              </a:rPr>
-              <a:t>Harga</a:t>
-            </a:r>
-            <a:r>
-              <a:rPr lang="en-US" dirty="0">
-                <a:solidFill>
-                  <a:schemeClr val="tx1"/>
-                </a:solidFill>
-                <a:latin typeface="Rubik"/>
-              </a:rPr>
-              <a:t> </a:t>
-            </a:r>
-            <a:r>
-              <a:rPr lang="en-US" dirty="0" err="1">
-                <a:solidFill>
-                  <a:schemeClr val="tx1"/>
-                </a:solidFill>
-                <a:latin typeface="Rubik"/>
-              </a:rPr>
-              <a:t>dalam</a:t>
-            </a:r>
-            <a:r>
-              <a:rPr lang="en-US" dirty="0">
-                <a:solidFill>
-                  <a:schemeClr val="tx1"/>
-                </a:solidFill>
-                <a:latin typeface="Rubik"/>
-              </a:rPr>
-              <a:t> rupiah</a:t>
+              <a:t> : Price in IDR</a:t>
             </a:r>
             <a:br>
               <a:rPr lang="en-US" dirty="0">
@@ -20473,17 +13534,13 @@
                 </a:solidFill>
                 <a:latin typeface="Rubik"/>
               </a:rPr>
-              <a:t> : </a:t>
-            </a:r>
-            <a:r>
-              <a:rPr lang="en-US" dirty="0" err="1">
-                <a:solidFill>
-                  <a:schemeClr val="tx1"/>
-                </a:solidFill>
-                <a:latin typeface="Rubik"/>
-              </a:rPr>
-              <a:t>Kode</a:t>
-            </a:r>
+              <a:t> : Transaction unique ID</a:t>
+            </a:r>
+          </a:p>
+          <a:p>
+            <a:pPr marL="139700" indent="0">
+              <a:buNone/>
+            </a:pPr>
             <a:r>
               <a:rPr lang="en-US" dirty="0">
                 <a:solidFill>
@@ -20491,16 +13548,16 @@
                 </a:solidFill>
                 <a:latin typeface="Rubik"/>
               </a:rPr>
-              <a:t> </a:t>
-            </a:r>
-            <a:r>
-              <a:rPr lang="en-US" dirty="0" err="1">
+              <a:t>- </a:t>
+            </a:r>
+            <a:r>
+              <a:rPr lang="en-US" b="1" dirty="0">
                 <a:solidFill>
                   <a:schemeClr val="tx1"/>
                 </a:solidFill>
                 <a:latin typeface="Rubik"/>
               </a:rPr>
-              <a:t>Unik</a:t>
+              <a:t>Date</a:t>
             </a:r>
             <a:r>
               <a:rPr lang="en-US" dirty="0">
@@ -20509,23 +13566,8 @@
                 </a:solidFill>
                 <a:latin typeface="Rubik"/>
               </a:rPr>
-              <a:t> </a:t>
-            </a:r>
-            <a:r>
-              <a:rPr lang="en-US" dirty="0" err="1">
-                <a:solidFill>
-                  <a:schemeClr val="tx1"/>
-                </a:solidFill>
-                <a:latin typeface="Rubik"/>
-              </a:rPr>
-              <a:t>Transaksi</a:t>
-            </a:r>
-            <a:endParaRPr lang="en-US" dirty="0">
-              <a:solidFill>
-                <a:schemeClr val="tx1"/>
-              </a:solidFill>
-              <a:latin typeface="Rubik"/>
-            </a:endParaRPr>
+              <a:t> : Transaction date</a:t>
+            </a:r>
           </a:p>
           <a:p>
             <a:pPr marL="139700" indent="0">
@@ -20538,7 +13580,7 @@
                 </a:solidFill>
                 <a:latin typeface="Rubik"/>
               </a:rPr>
-              <a:t>- </a:t>
+              <a:t>-</a:t>
             </a:r>
             <a:r>
               <a:rPr lang="en-US" b="1" dirty="0">
@@ -20547,7 +13589,7 @@
                 </a:solidFill>
                 <a:latin typeface="Rubik"/>
               </a:rPr>
-              <a:t>Date</a:t>
+              <a:t> Qty</a:t>
             </a:r>
             <a:r>
               <a:rPr lang="en-US" dirty="0">
@@ -20556,106 +13598,8 @@
                 </a:solidFill>
                 <a:latin typeface="Rubik"/>
               </a:rPr>
-              <a:t> : </a:t>
-            </a:r>
-            <a:r>
-              <a:rPr lang="en-US" dirty="0" err="1">
-                <a:solidFill>
-                  <a:schemeClr val="tx1"/>
-                </a:solidFill>
-                <a:latin typeface="Rubik"/>
-              </a:rPr>
-              <a:t>Tanggal</a:t>
-            </a:r>
-            <a:r>
-              <a:rPr lang="en-US" dirty="0">
-                <a:solidFill>
-                  <a:schemeClr val="tx1"/>
-                </a:solidFill>
-                <a:latin typeface="Rubik"/>
-              </a:rPr>
-              <a:t> </a:t>
-            </a:r>
-            <a:r>
-              <a:rPr lang="en-US" dirty="0" err="1">
-                <a:solidFill>
-                  <a:schemeClr val="tx1"/>
-                </a:solidFill>
-                <a:latin typeface="Rubik"/>
-              </a:rPr>
-              <a:t>transaksi</a:t>
-            </a:r>
-            <a:endParaRPr lang="en-US" dirty="0">
-              <a:solidFill>
-                <a:schemeClr val="tx1"/>
-              </a:solidFill>
-              <a:latin typeface="Rubik"/>
-            </a:endParaRPr>
-          </a:p>
-          <a:p>
-            <a:pPr marL="139700" indent="0">
-              <a:buNone/>
-            </a:pPr>
-            <a:r>
-              <a:rPr lang="en-US" dirty="0">
-                <a:solidFill>
-                  <a:schemeClr val="tx1"/>
-                </a:solidFill>
-                <a:latin typeface="Rubik"/>
-              </a:rPr>
-              <a:t>- </a:t>
-            </a:r>
-            <a:r>
-              <a:rPr lang="en-US" b="1" dirty="0">
-                <a:solidFill>
-                  <a:schemeClr val="tx1"/>
-                </a:solidFill>
-                <a:latin typeface="Rubik"/>
-              </a:rPr>
-              <a:t>Qty</a:t>
-            </a:r>
-            <a:r>
-              <a:rPr lang="en-US" dirty="0">
-                <a:solidFill>
-                  <a:schemeClr val="tx1"/>
-                </a:solidFill>
-                <a:latin typeface="Rubik"/>
-              </a:rPr>
-              <a:t> : </a:t>
-            </a:r>
-            <a:r>
-              <a:rPr lang="en-US" dirty="0" err="1">
-                <a:solidFill>
-                  <a:schemeClr val="tx1"/>
-                </a:solidFill>
-                <a:latin typeface="Rubik"/>
-              </a:rPr>
-              <a:t>Jumlah</a:t>
-            </a:r>
-            <a:r>
-              <a:rPr lang="en-US" dirty="0">
-                <a:solidFill>
-                  <a:schemeClr val="tx1"/>
-                </a:solidFill>
-                <a:latin typeface="Rubik"/>
-              </a:rPr>
-              <a:t> item yang </a:t>
-            </a:r>
-            <a:r>
-              <a:rPr lang="en-US" dirty="0" err="1">
-                <a:solidFill>
-                  <a:schemeClr val="tx1"/>
-                </a:solidFill>
-                <a:latin typeface="Rubik"/>
-              </a:rPr>
-              <a:t>dibeli</a:t>
-            </a:r>
-            <a:endParaRPr lang="en-US" dirty="0">
-              <a:solidFill>
-                <a:schemeClr val="tx1"/>
-              </a:solidFill>
-              <a:latin typeface="Rubik"/>
-            </a:endParaRPr>
+              <a:t> : Quantity of items purchased</a:t>
+            </a:r>
           </a:p>
           <a:p>
             <a:pPr marL="139700" indent="0">
@@ -21094,7 +14038,7 @@
         <p:spPr>
           <a:xfrm>
             <a:off x="546240" y="1243682"/>
-            <a:ext cx="7515720" cy="3139291"/>
+            <a:ext cx="7515720" cy="2923847"/>
           </a:xfrm>
           <a:prstGeom prst="rect">
             <a:avLst/>
@@ -21110,13 +14054,7 @@
           </a:bodyPr>
           <a:lstStyle/>
           <a:p>
-            <a:pPr marL="285750" lvl="0" indent="-285750" algn="just" rtl="0">
-              <a:spcBef>
-                <a:spcPts val="0"/>
-              </a:spcBef>
-              <a:spcAft>
-                <a:spcPts val="0"/>
-              </a:spcAft>
+            <a:pPr marL="285750" lvl="0" indent="-285750" algn="just">
               <a:buFont typeface="Arial" panose="020B0604020202020204" pitchFamily="34" charset="0"/>
               <a:buChar char="•"/>
             </a:pPr>
@@ -21127,25 +14065,7 @@
                 <a:cs typeface="Rubik"/>
                 <a:sym typeface="Rubik"/>
               </a:rPr>
-              <a:t>Rata-rata </a:t>
-            </a:r>
-            <a:r>
-              <a:rPr lang="en-US" sz="1600" dirty="0" err="1">
-                <a:latin typeface="Rubik"/>
-                <a:ea typeface="Rubik"/>
-                <a:cs typeface="Rubik"/>
-                <a:sym typeface="Rubik"/>
-              </a:rPr>
-              <a:t>umur</a:t>
-            </a:r>
-            <a:r>
-              <a:rPr lang="en-US" sz="1600" dirty="0">
-                <a:latin typeface="Rubik"/>
-                <a:ea typeface="Rubik"/>
-                <a:cs typeface="Rubik"/>
-                <a:sym typeface="Rubik"/>
-              </a:rPr>
-              <a:t> customer berdasarkan marital status dan gender</a:t>
+              <a:t>Average age of customers when viewed from marital status and Gender</a:t>
             </a:r>
           </a:p>
           <a:p>
@@ -21229,13 +14149,7 @@
             </a:endParaRPr>
           </a:p>
           <a:p>
-            <a:pPr marL="285750" lvl="0" indent="-285750" algn="just" rtl="0">
-              <a:spcBef>
-                <a:spcPts val="0"/>
-              </a:spcBef>
-              <a:spcAft>
-                <a:spcPts val="0"/>
-              </a:spcAft>
+            <a:pPr marL="285750" lvl="0" indent="-285750" algn="just">
               <a:buFont typeface="Arial" panose="020B0604020202020204" pitchFamily="34" charset="0"/>
               <a:buChar char="•"/>
             </a:pPr>
@@ -21246,39 +14160,8 @@
                 <a:cs typeface="Rubik"/>
                 <a:sym typeface="Rubik"/>
               </a:rPr>
-              <a:t>Store dengan total quantity </a:t>
-            </a:r>
-            <a:r>
-              <a:rPr lang="en-US" sz="1600" dirty="0" err="1">
-                <a:latin typeface="Rubik"/>
-                <a:ea typeface="Rubik"/>
-                <a:cs typeface="Rubik"/>
-                <a:sym typeface="Rubik"/>
-              </a:rPr>
-              <a:t>terbanyak</a:t>
-            </a:r>
-            <a:endParaRPr lang="en-US" sz="1600" dirty="0">
-              <a:latin typeface="Rubik"/>
-              <a:ea typeface="Rubik"/>
-              <a:cs typeface="Rubik"/>
-              <a:sym typeface="Rubik"/>
-            </a:endParaRPr>
-          </a:p>
-          <a:p>
-            <a:pPr lvl="0" algn="just" rtl="0">
-              <a:spcBef>
-                <a:spcPts val="0"/>
-              </a:spcBef>
-              <a:spcAft>
-                <a:spcPts val="0"/>
-              </a:spcAft>
-            </a:pPr>
-            <a:endParaRPr lang="en-US" sz="1600" dirty="0">
-              <a:latin typeface="Rubik"/>
-              <a:ea typeface="Rubik"/>
-              <a:cs typeface="Rubik"/>
-              <a:sym typeface="Rubik"/>
-            </a:endParaRPr>
+              <a:t>Stores with the highest total quantity </a:t>
+            </a:r>
           </a:p>
           <a:p>
             <a:pPr lvl="0" algn="just" rtl="0">
@@ -21464,13 +14347,7 @@
           </a:bodyPr>
           <a:lstStyle/>
           <a:p>
-            <a:pPr marL="285750" lvl="0" indent="-285750" algn="just" rtl="0">
-              <a:spcBef>
-                <a:spcPts val="0"/>
-              </a:spcBef>
-              <a:spcAft>
-                <a:spcPts val="0"/>
-              </a:spcAft>
+            <a:pPr marL="285750" lvl="0" indent="-285750" algn="just">
               <a:buFont typeface="Arial" panose="020B0604020202020204" pitchFamily="34" charset="0"/>
               <a:buChar char="•"/>
             </a:pPr>
@@ -21481,23 +14358,8 @@
                 <a:cs typeface="Rubik"/>
                 <a:sym typeface="Rubik"/>
               </a:rPr>
-              <a:t>Product dengan total amount </a:t>
-            </a:r>
-            <a:r>
-              <a:rPr lang="en-US" sz="1600" dirty="0" err="1">
-                <a:latin typeface="Rubik"/>
-                <a:ea typeface="Rubik"/>
-                <a:cs typeface="Rubik"/>
-                <a:sym typeface="Rubik"/>
-              </a:rPr>
-              <a:t>terbanyak</a:t>
-            </a:r>
-            <a:endParaRPr lang="en-US" sz="1600" dirty="0">
-              <a:latin typeface="Rubik"/>
-              <a:ea typeface="Rubik"/>
-              <a:cs typeface="Rubik"/>
-              <a:sym typeface="Rubik"/>
-            </a:endParaRPr>
+              <a:t>Product with the highest total amount</a:t>
+            </a:r>
           </a:p>
         </p:txBody>
       </p:sp>

--- a/Result Kalbe Nutritionals x Rakamin Academy.pptx
+++ b/Result Kalbe Nutritionals x Rakamin Academy.pptx
@@ -11900,7 +11900,7 @@
         <p:spPr>
           <a:xfrm>
             <a:off x="699840" y="1683908"/>
-            <a:ext cx="7744320" cy="2400627"/>
+            <a:ext cx="7744320" cy="2123628"/>
           </a:xfrm>
           <a:prstGeom prst="rect">
             <a:avLst/>
@@ -11936,16 +11936,16 @@
               <a:t>. This mission is a firm statement of KALBE Nutritionals in ensuring that all products will be developed with full responsibility to bring the goodness of life to more people, in Indonesia and around the world. KALBE Nutritionals has various nutritional products at every stage of life, starting from pregnancy preparation, pregnancy, nutrition for babies, children, adults, to the </a:t>
             </a:r>
             <a:r>
-              <a:rPr lang="en-US" sz="1800" dirty="0" err="1">
-                <a:latin typeface="Rubik"/>
-              </a:rPr>
-              <a:t>elderly.Translated</a:t>
-            </a:r>
-            <a:r>
-              <a:rPr lang="en-US" sz="1800" dirty="0">
-                <a:latin typeface="Rubik"/>
-              </a:rPr>
-              <a:t> with DeepL.com (free version)</a:t>
+              <a:rPr lang="en-US" sz="1800" err="1">
+                <a:latin typeface="Rubik"/>
+              </a:rPr>
+              <a:t>elderly</a:t>
+            </a:r>
+            <a:r>
+              <a:rPr lang="en-US" sz="1800">
+                <a:latin typeface="Rubik"/>
+              </a:rPr>
+              <a:t>.</a:t>
             </a:r>
             <a:endParaRPr sz="1800" dirty="0">
               <a:latin typeface="Rubik"/>

--- a/Result Kalbe Nutritionals x Rakamin Academy.pptx
+++ b/Result Kalbe Nutritionals x Rakamin Academy.pptx
@@ -5,7 +5,7 @@
     <p:sldMasterId id="2147483659" r:id="rId1"/>
   </p:sldMasterIdLst>
   <p:notesMasterIdLst>
-    <p:notesMasterId r:id="rId23"/>
+    <p:notesMasterId r:id="rId25"/>
   </p:notesMasterIdLst>
   <p:sldIdLst>
     <p:sldId id="256" r:id="rId2"/>
@@ -16,19 +16,21 @@
     <p:sldId id="283" r:id="rId7"/>
     <p:sldId id="280" r:id="rId8"/>
     <p:sldId id="267" r:id="rId9"/>
-    <p:sldId id="268" r:id="rId10"/>
-    <p:sldId id="269" r:id="rId11"/>
-    <p:sldId id="270" r:id="rId12"/>
-    <p:sldId id="271" r:id="rId13"/>
-    <p:sldId id="273" r:id="rId14"/>
-    <p:sldId id="281" r:id="rId15"/>
-    <p:sldId id="278" r:id="rId16"/>
-    <p:sldId id="277" r:id="rId17"/>
-    <p:sldId id="272" r:id="rId18"/>
-    <p:sldId id="276" r:id="rId19"/>
-    <p:sldId id="274" r:id="rId20"/>
-    <p:sldId id="284" r:id="rId21"/>
-    <p:sldId id="263" r:id="rId22"/>
+    <p:sldId id="286" r:id="rId10"/>
+    <p:sldId id="268" r:id="rId11"/>
+    <p:sldId id="285" r:id="rId12"/>
+    <p:sldId id="269" r:id="rId13"/>
+    <p:sldId id="270" r:id="rId14"/>
+    <p:sldId id="271" r:id="rId15"/>
+    <p:sldId id="273" r:id="rId16"/>
+    <p:sldId id="281" r:id="rId17"/>
+    <p:sldId id="278" r:id="rId18"/>
+    <p:sldId id="277" r:id="rId19"/>
+    <p:sldId id="272" r:id="rId20"/>
+    <p:sldId id="276" r:id="rId21"/>
+    <p:sldId id="274" r:id="rId22"/>
+    <p:sldId id="284" r:id="rId23"/>
+    <p:sldId id="263" r:id="rId24"/>
   </p:sldIdLst>
   <p:sldSz cx="9144000" cy="5143500" type="screen16x9"/>
   <p:notesSz cx="6858000" cy="9144000"/>
@@ -924,7 +926,7 @@
     </p:spTree>
     <p:extLst>
       <p:ext uri="{BB962C8B-B14F-4D97-AF65-F5344CB8AC3E}">
-        <p14:creationId xmlns:p14="http://schemas.microsoft.com/office/powerpoint/2010/main" val="2693881930"/>
+        <p14:creationId xmlns:p14="http://schemas.microsoft.com/office/powerpoint/2010/main" val="4032499110"/>
       </p:ext>
     </p:extLst>
   </p:cSld>
@@ -1033,7 +1035,7 @@
     </p:spTree>
     <p:extLst>
       <p:ext uri="{BB962C8B-B14F-4D97-AF65-F5344CB8AC3E}">
-        <p14:creationId xmlns:p14="http://schemas.microsoft.com/office/powerpoint/2010/main" val="953900305"/>
+        <p14:creationId xmlns:p14="http://schemas.microsoft.com/office/powerpoint/2010/main" val="148744328"/>
       </p:ext>
     </p:extLst>
   </p:cSld>
@@ -1142,7 +1144,7 @@
     </p:spTree>
     <p:extLst>
       <p:ext uri="{BB962C8B-B14F-4D97-AF65-F5344CB8AC3E}">
-        <p14:creationId xmlns:p14="http://schemas.microsoft.com/office/powerpoint/2010/main" val="1349188960"/>
+        <p14:creationId xmlns:p14="http://schemas.microsoft.com/office/powerpoint/2010/main" val="2693881930"/>
       </p:ext>
     </p:extLst>
   </p:cSld>
@@ -1251,7 +1253,7 @@
     </p:spTree>
     <p:extLst>
       <p:ext uri="{BB962C8B-B14F-4D97-AF65-F5344CB8AC3E}">
-        <p14:creationId xmlns:p14="http://schemas.microsoft.com/office/powerpoint/2010/main" val="4269649947"/>
+        <p14:creationId xmlns:p14="http://schemas.microsoft.com/office/powerpoint/2010/main" val="953900305"/>
       </p:ext>
     </p:extLst>
   </p:cSld>
@@ -1360,7 +1362,7 @@
     </p:spTree>
     <p:extLst>
       <p:ext uri="{BB962C8B-B14F-4D97-AF65-F5344CB8AC3E}">
-        <p14:creationId xmlns:p14="http://schemas.microsoft.com/office/powerpoint/2010/main" val="3864600017"/>
+        <p14:creationId xmlns:p14="http://schemas.microsoft.com/office/powerpoint/2010/main" val="1349188960"/>
       </p:ext>
     </p:extLst>
   </p:cSld>
@@ -1469,7 +1471,7 @@
     </p:spTree>
     <p:extLst>
       <p:ext uri="{BB962C8B-B14F-4D97-AF65-F5344CB8AC3E}">
-        <p14:creationId xmlns:p14="http://schemas.microsoft.com/office/powerpoint/2010/main" val="665261857"/>
+        <p14:creationId xmlns:p14="http://schemas.microsoft.com/office/powerpoint/2010/main" val="4269649947"/>
       </p:ext>
     </p:extLst>
   </p:cSld>
@@ -1578,7 +1580,7 @@
     </p:spTree>
     <p:extLst>
       <p:ext uri="{BB962C8B-B14F-4D97-AF65-F5344CB8AC3E}">
-        <p14:creationId xmlns:p14="http://schemas.microsoft.com/office/powerpoint/2010/main" val="1621868712"/>
+        <p14:creationId xmlns:p14="http://schemas.microsoft.com/office/powerpoint/2010/main" val="3864600017"/>
       </p:ext>
     </p:extLst>
   </p:cSld>
@@ -1687,7 +1689,7 @@
     </p:spTree>
     <p:extLst>
       <p:ext uri="{BB962C8B-B14F-4D97-AF65-F5344CB8AC3E}">
-        <p14:creationId xmlns:p14="http://schemas.microsoft.com/office/powerpoint/2010/main" val="476627653"/>
+        <p14:creationId xmlns:p14="http://schemas.microsoft.com/office/powerpoint/2010/main" val="665261857"/>
       </p:ext>
     </p:extLst>
   </p:cSld>
@@ -1796,7 +1798,7 @@
     </p:spTree>
     <p:extLst>
       <p:ext uri="{BB962C8B-B14F-4D97-AF65-F5344CB8AC3E}">
-        <p14:creationId xmlns:p14="http://schemas.microsoft.com/office/powerpoint/2010/main" val="1037851617"/>
+        <p14:creationId xmlns:p14="http://schemas.microsoft.com/office/powerpoint/2010/main" val="1621868712"/>
       </p:ext>
     </p:extLst>
   </p:cSld>
@@ -1905,7 +1907,7 @@
     </p:spTree>
     <p:extLst>
       <p:ext uri="{BB962C8B-B14F-4D97-AF65-F5344CB8AC3E}">
-        <p14:creationId xmlns:p14="http://schemas.microsoft.com/office/powerpoint/2010/main" val="2615516175"/>
+        <p14:creationId xmlns:p14="http://schemas.microsoft.com/office/powerpoint/2010/main" val="476627653"/>
       </p:ext>
     </p:extLst>
   </p:cSld>
@@ -2118,6 +2120,224 @@
     </p:spTree>
     <p:extLst>
       <p:ext uri="{BB962C8B-B14F-4D97-AF65-F5344CB8AC3E}">
+        <p14:creationId xmlns:p14="http://schemas.microsoft.com/office/powerpoint/2010/main" val="1037851617"/>
+      </p:ext>
+    </p:extLst>
+  </p:cSld>
+  <p:clrMapOvr>
+    <a:masterClrMapping/>
+  </p:clrMapOvr>
+</p:notes>
+</file>
+
+<file path=ppt/notesSlides/notesSlide21.xml><?xml version="1.0" encoding="utf-8"?>
+<p:notes xmlns:a="http://schemas.openxmlformats.org/drawingml/2006/main" xmlns:r="http://schemas.openxmlformats.org/officeDocument/2006/relationships" xmlns:p="http://schemas.openxmlformats.org/presentationml/2006/main" showMasterSp="0" showMasterPhAnim="0">
+  <p:cSld>
+    <p:spTree>
+      <p:nvGrpSpPr>
+        <p:cNvPr id="1" name="Shape 90"/>
+        <p:cNvGrpSpPr/>
+        <p:nvPr/>
+      </p:nvGrpSpPr>
+      <p:grpSpPr>
+        <a:xfrm>
+          <a:off x="0" y="0"/>
+          <a:ext cx="0" cy="0"/>
+          <a:chOff x="0" y="0"/>
+          <a:chExt cx="0" cy="0"/>
+        </a:xfrm>
+      </p:grpSpPr>
+      <p:sp>
+        <p:nvSpPr>
+          <p:cNvPr id="91" name="Google Shape;91;g2200da5092a_0_34:notes"/>
+          <p:cNvSpPr>
+            <a:spLocks noGrp="1" noRot="1" noChangeAspect="1"/>
+          </p:cNvSpPr>
+          <p:nvPr>
+            <p:ph type="sldImg" idx="2"/>
+          </p:nvPr>
+        </p:nvSpPr>
+        <p:spPr>
+          <a:xfrm>
+            <a:off x="381000" y="685800"/>
+            <a:ext cx="6096000" cy="3429000"/>
+          </a:xfrm>
+          <a:custGeom>
+            <a:avLst/>
+            <a:gdLst/>
+            <a:ahLst/>
+            <a:cxnLst/>
+            <a:rect l="l" t="t" r="r" b="b"/>
+            <a:pathLst>
+              <a:path w="120000" h="120000" extrusionOk="0">
+                <a:moveTo>
+                  <a:pt x="0" y="0"/>
+                </a:moveTo>
+                <a:lnTo>
+                  <a:pt x="120000" y="0"/>
+                </a:lnTo>
+                <a:lnTo>
+                  <a:pt x="120000" y="120000"/>
+                </a:lnTo>
+                <a:lnTo>
+                  <a:pt x="0" y="120000"/>
+                </a:lnTo>
+                <a:close/>
+              </a:path>
+            </a:pathLst>
+          </a:custGeom>
+        </p:spPr>
+      </p:sp>
+      <p:sp>
+        <p:nvSpPr>
+          <p:cNvPr id="92" name="Google Shape;92;g2200da5092a_0_34:notes"/>
+          <p:cNvSpPr txBox="1">
+            <a:spLocks noGrp="1"/>
+          </p:cNvSpPr>
+          <p:nvPr>
+            <p:ph type="body" idx="1"/>
+          </p:nvPr>
+        </p:nvSpPr>
+        <p:spPr>
+          <a:xfrm>
+            <a:off x="685800" y="4343400"/>
+            <a:ext cx="5486400" cy="4114800"/>
+          </a:xfrm>
+          <a:prstGeom prst="rect">
+            <a:avLst/>
+          </a:prstGeom>
+        </p:spPr>
+        <p:txBody>
+          <a:bodyPr spcFirstLastPara="1" wrap="square" lIns="91425" tIns="91425" rIns="91425" bIns="91425" anchor="t" anchorCtr="0">
+            <a:noAutofit/>
+          </a:bodyPr>
+          <a:lstStyle/>
+          <a:p>
+            <a:pPr marL="0" lvl="0" indent="0" algn="l" rtl="0">
+              <a:spcBef>
+                <a:spcPts val="0"/>
+              </a:spcBef>
+              <a:spcAft>
+                <a:spcPts val="0"/>
+              </a:spcAft>
+              <a:buNone/>
+            </a:pPr>
+            <a:endParaRPr/>
+          </a:p>
+        </p:txBody>
+      </p:sp>
+    </p:spTree>
+    <p:extLst>
+      <p:ext uri="{BB962C8B-B14F-4D97-AF65-F5344CB8AC3E}">
+        <p14:creationId xmlns:p14="http://schemas.microsoft.com/office/powerpoint/2010/main" val="2615516175"/>
+      </p:ext>
+    </p:extLst>
+  </p:cSld>
+  <p:clrMapOvr>
+    <a:masterClrMapping/>
+  </p:clrMapOvr>
+</p:notes>
+</file>
+
+<file path=ppt/notesSlides/notesSlide22.xml><?xml version="1.0" encoding="utf-8"?>
+<p:notes xmlns:a="http://schemas.openxmlformats.org/drawingml/2006/main" xmlns:r="http://schemas.openxmlformats.org/officeDocument/2006/relationships" xmlns:p="http://schemas.openxmlformats.org/presentationml/2006/main" showMasterSp="0" showMasterPhAnim="0">
+  <p:cSld>
+    <p:spTree>
+      <p:nvGrpSpPr>
+        <p:cNvPr id="1" name="Shape 90"/>
+        <p:cNvGrpSpPr/>
+        <p:nvPr/>
+      </p:nvGrpSpPr>
+      <p:grpSpPr>
+        <a:xfrm>
+          <a:off x="0" y="0"/>
+          <a:ext cx="0" cy="0"/>
+          <a:chOff x="0" y="0"/>
+          <a:chExt cx="0" cy="0"/>
+        </a:xfrm>
+      </p:grpSpPr>
+      <p:sp>
+        <p:nvSpPr>
+          <p:cNvPr id="91" name="Google Shape;91;g2200da5092a_0_34:notes"/>
+          <p:cNvSpPr>
+            <a:spLocks noGrp="1" noRot="1" noChangeAspect="1"/>
+          </p:cNvSpPr>
+          <p:nvPr>
+            <p:ph type="sldImg" idx="2"/>
+          </p:nvPr>
+        </p:nvSpPr>
+        <p:spPr>
+          <a:xfrm>
+            <a:off x="381000" y="685800"/>
+            <a:ext cx="6096000" cy="3429000"/>
+          </a:xfrm>
+          <a:custGeom>
+            <a:avLst/>
+            <a:gdLst/>
+            <a:ahLst/>
+            <a:cxnLst/>
+            <a:rect l="l" t="t" r="r" b="b"/>
+            <a:pathLst>
+              <a:path w="120000" h="120000" extrusionOk="0">
+                <a:moveTo>
+                  <a:pt x="0" y="0"/>
+                </a:moveTo>
+                <a:lnTo>
+                  <a:pt x="120000" y="0"/>
+                </a:lnTo>
+                <a:lnTo>
+                  <a:pt x="120000" y="120000"/>
+                </a:lnTo>
+                <a:lnTo>
+                  <a:pt x="0" y="120000"/>
+                </a:lnTo>
+                <a:close/>
+              </a:path>
+            </a:pathLst>
+          </a:custGeom>
+        </p:spPr>
+      </p:sp>
+      <p:sp>
+        <p:nvSpPr>
+          <p:cNvPr id="92" name="Google Shape;92;g2200da5092a_0_34:notes"/>
+          <p:cNvSpPr txBox="1">
+            <a:spLocks noGrp="1"/>
+          </p:cNvSpPr>
+          <p:nvPr>
+            <p:ph type="body" idx="1"/>
+          </p:nvPr>
+        </p:nvSpPr>
+        <p:spPr>
+          <a:xfrm>
+            <a:off x="685800" y="4343400"/>
+            <a:ext cx="5486400" cy="4114800"/>
+          </a:xfrm>
+          <a:prstGeom prst="rect">
+            <a:avLst/>
+          </a:prstGeom>
+        </p:spPr>
+        <p:txBody>
+          <a:bodyPr spcFirstLastPara="1" wrap="square" lIns="91425" tIns="91425" rIns="91425" bIns="91425" anchor="t" anchorCtr="0">
+            <a:noAutofit/>
+          </a:bodyPr>
+          <a:lstStyle/>
+          <a:p>
+            <a:pPr marL="0" lvl="0" indent="0" algn="l" rtl="0">
+              <a:spcBef>
+                <a:spcPts val="0"/>
+              </a:spcBef>
+              <a:spcAft>
+                <a:spcPts val="0"/>
+              </a:spcAft>
+              <a:buNone/>
+            </a:pPr>
+            <a:endParaRPr/>
+          </a:p>
+        </p:txBody>
+      </p:sp>
+    </p:spTree>
+    <p:extLst>
+      <p:ext uri="{BB962C8B-B14F-4D97-AF65-F5344CB8AC3E}">
         <p14:creationId xmlns:p14="http://schemas.microsoft.com/office/powerpoint/2010/main" val="809501582"/>
       </p:ext>
     </p:extLst>
@@ -2128,7 +2348,7 @@
 </p:notes>
 </file>
 
-<file path=ppt/notesSlides/notesSlide21.xml><?xml version="1.0" encoding="utf-8"?>
+<file path=ppt/notesSlides/notesSlide23.xml><?xml version="1.0" encoding="utf-8"?>
 <p:notes xmlns:a="http://schemas.openxmlformats.org/drawingml/2006/main" xmlns:r="http://schemas.openxmlformats.org/officeDocument/2006/relationships" xmlns:p="http://schemas.openxmlformats.org/presentationml/2006/main" showMasterSp="0" showMasterPhAnim="0">
   <p:cSld>
     <p:spTree>
@@ -2980,7 +3200,7 @@
     </p:spTree>
     <p:extLst>
       <p:ext uri="{BB962C8B-B14F-4D97-AF65-F5344CB8AC3E}">
-        <p14:creationId xmlns:p14="http://schemas.microsoft.com/office/powerpoint/2010/main" val="4032499110"/>
+        <p14:creationId xmlns:p14="http://schemas.microsoft.com/office/powerpoint/2010/main" val="1691705534"/>
       </p:ext>
     </p:extLst>
   </p:cSld>
@@ -7974,8 +8194,8 @@
         </p:nvSpPr>
         <p:spPr>
           <a:xfrm>
-            <a:off x="546240" y="425795"/>
-            <a:ext cx="5145900" cy="738633"/>
+            <a:off x="546239" y="425795"/>
+            <a:ext cx="4461189" cy="738633"/>
           </a:xfrm>
           <a:prstGeom prst="rect">
             <a:avLst/>
@@ -8014,7 +8234,16 @@
                 <a:cs typeface="Rubik"/>
                 <a:sym typeface="Rubik"/>
               </a:rPr>
-              <a:t>Customer Segmentation</a:t>
+              <a:t>Dashboard </a:t>
+            </a:r>
+            <a:r>
+              <a:rPr lang="en-US" sz="3600" b="1" dirty="0">
+                <a:latin typeface="Rubik"/>
+                <a:ea typeface="Rubik"/>
+                <a:cs typeface="Rubik"/>
+                <a:sym typeface="Rubik"/>
+              </a:rPr>
+              <a:t>Tableau</a:t>
             </a:r>
             <a:endParaRPr sz="3600" b="1" dirty="0">
               <a:latin typeface="Rubik"/>
@@ -8034,8 +8263,13 @@
         <p:blipFill rotWithShape="1">
           <a:blip r:embed="rId4">
             <a:alphaModFix/>
+            <a:extLst>
+              <a:ext uri="{28A0092B-C50C-407E-A947-70E740481C1C}">
+                <a14:useLocalDpi xmlns:a14="http://schemas.microsoft.com/office/drawing/2010/main"/>
+              </a:ext>
+            </a:extLst>
           </a:blip>
-          <a:srcRect t="5658" b="5649"/>
+          <a:srcRect/>
           <a:stretch/>
         </p:blipFill>
         <p:spPr>
@@ -8054,10 +8288,10 @@
       </p:pic>
       <p:pic>
         <p:nvPicPr>
-          <p:cNvPr id="4" name="Picture 3">
+          <p:cNvPr id="3" name="Picture 2">
             <a:extLst>
               <a:ext uri="{FF2B5EF4-FFF2-40B4-BE49-F238E27FC236}">
-                <a16:creationId xmlns:a16="http://schemas.microsoft.com/office/drawing/2014/main" id="{AEFA3C7B-DF84-67B6-5749-3F5DA0576198}"/>
+                <a16:creationId xmlns:a16="http://schemas.microsoft.com/office/drawing/2014/main" id="{E2381C2E-567B-84AA-1DC6-03BE60154D8C}"/>
               </a:ext>
             </a:extLst>
           </p:cNvPr>
@@ -8074,50 +8308,58 @@
         </p:blipFill>
         <p:spPr>
           <a:xfrm>
-            <a:off x="523380" y="1590223"/>
-            <a:ext cx="3112694" cy="2417897"/>
+            <a:off x="1325880" y="1152720"/>
+            <a:ext cx="6637020" cy="3730083"/>
           </a:xfrm>
           <a:prstGeom prst="rect">
             <a:avLst/>
           </a:prstGeom>
         </p:spPr>
       </p:pic>
-      <p:pic>
-        <p:nvPicPr>
-          <p:cNvPr id="6" name="Picture 5">
+      <p:sp>
+        <p:nvSpPr>
+          <p:cNvPr id="4" name="TextBox 3">
             <a:extLst>
               <a:ext uri="{FF2B5EF4-FFF2-40B4-BE49-F238E27FC236}">
-                <a16:creationId xmlns:a16="http://schemas.microsoft.com/office/drawing/2014/main" id="{420645EC-9BBA-4D7A-9BDD-082DE4EF6BCC}"/>
+                <a16:creationId xmlns:a16="http://schemas.microsoft.com/office/drawing/2014/main" id="{B5687C10-507B-4EDC-0B63-295ED4542971}"/>
               </a:ext>
             </a:extLst>
           </p:cNvPr>
-          <p:cNvPicPr>
-            <a:picLocks noChangeAspect="1"/>
-          </p:cNvPicPr>
+          <p:cNvSpPr txBox="1"/>
           <p:nvPr/>
-        </p:nvPicPr>
-        <p:blipFill>
-          <a:blip r:embed="rId6"/>
-          <a:stretch>
-            <a:fillRect/>
-          </a:stretch>
-        </p:blipFill>
-        <p:spPr>
-          <a:xfrm>
-            <a:off x="3883383" y="1585444"/>
-            <a:ext cx="4849137" cy="2425278"/>
-          </a:xfrm>
-          <a:prstGeom prst="rect">
-            <a:avLst/>
-          </a:prstGeom>
-        </p:spPr>
-      </p:pic>
+        </p:nvSpPr>
+        <p:spPr>
+          <a:xfrm>
+            <a:off x="6522720" y="856651"/>
+            <a:ext cx="4648200" cy="307777"/>
+          </a:xfrm>
+          <a:prstGeom prst="rect">
+            <a:avLst/>
+          </a:prstGeom>
+          <a:noFill/>
+        </p:spPr>
+        <p:txBody>
+          <a:bodyPr wrap="square">
+            <a:spAutoFit/>
+          </a:bodyPr>
+          <a:lstStyle/>
+          <a:p>
+            <a:r>
+              <a:rPr lang="en-US" b="1" dirty="0">
+                <a:hlinkClick r:id="rId6"/>
+              </a:rPr>
+              <a:t>Link Dashboard</a:t>
+            </a:r>
+            <a:endParaRPr lang="en-US" b="1" dirty="0"/>
+          </a:p>
+        </p:txBody>
+      </p:sp>
       <p:pic>
         <p:nvPicPr>
           <p:cNvPr id="7" name="Picture 6">
             <a:extLst>
               <a:ext uri="{FF2B5EF4-FFF2-40B4-BE49-F238E27FC236}">
-                <a16:creationId xmlns:a16="http://schemas.microsoft.com/office/drawing/2014/main" id="{533970D2-6092-4F97-80D6-8C2FC9944811}"/>
+                <a16:creationId xmlns:a16="http://schemas.microsoft.com/office/drawing/2014/main" id="{F94FD82F-A516-486A-92E9-5BE18F17E913}"/>
               </a:ext>
             </a:extLst>
           </p:cNvPr>
@@ -8148,7 +8390,7 @@
     </p:spTree>
     <p:extLst>
       <p:ext uri="{BB962C8B-B14F-4D97-AF65-F5344CB8AC3E}">
-        <p14:creationId xmlns:p14="http://schemas.microsoft.com/office/powerpoint/2010/main" val="2541642016"/>
+        <p14:creationId xmlns:p14="http://schemas.microsoft.com/office/powerpoint/2010/main" val="1760420866"/>
       </p:ext>
     </p:extLst>
   </p:cSld>
@@ -8211,8 +8453,8 @@
         </p:nvSpPr>
         <p:spPr>
           <a:xfrm>
-            <a:off x="546240" y="425795"/>
-            <a:ext cx="5145900" cy="738633"/>
+            <a:off x="546239" y="425795"/>
+            <a:ext cx="4461189" cy="738633"/>
           </a:xfrm>
           <a:prstGeom prst="rect">
             <a:avLst/>
@@ -8245,13 +8487,13 @@
               <a:buNone/>
             </a:pPr>
             <a:r>
-              <a:rPr lang="en" sz="3600" b="1" dirty="0">
+              <a:rPr lang="en-US" sz="3600" b="1" dirty="0">
                 <a:latin typeface="Rubik"/>
                 <a:ea typeface="Rubik"/>
                 <a:cs typeface="Rubik"/>
                 <a:sym typeface="Rubik"/>
               </a:rPr>
-              <a:t>Customer Segmentation</a:t>
+              <a:t>Insight</a:t>
             </a:r>
             <a:endParaRPr sz="3600" b="1" dirty="0">
               <a:latin typeface="Rubik"/>
@@ -8271,8 +8513,13 @@
         <p:blipFill rotWithShape="1">
           <a:blip r:embed="rId4">
             <a:alphaModFix/>
+            <a:extLst>
+              <a:ext uri="{28A0092B-C50C-407E-A947-70E740481C1C}">
+                <a14:useLocalDpi xmlns:a14="http://schemas.microsoft.com/office/drawing/2010/main"/>
+              </a:ext>
+            </a:extLst>
           </a:blip>
-          <a:srcRect t="5658" b="5649"/>
+          <a:srcRect/>
           <a:stretch/>
         </p:blipFill>
         <p:spPr>
@@ -8289,89 +8536,12 @@
           </a:ln>
         </p:spPr>
       </p:pic>
-      <p:sp>
-        <p:nvSpPr>
-          <p:cNvPr id="2" name="Google Shape;97;p16">
+      <p:pic>
+        <p:nvPicPr>
+          <p:cNvPr id="7" name="Picture 6">
             <a:extLst>
               <a:ext uri="{FF2B5EF4-FFF2-40B4-BE49-F238E27FC236}">
-                <a16:creationId xmlns:a16="http://schemas.microsoft.com/office/drawing/2014/main" id="{A780E287-A1A6-8A44-26B3-01656C6762FB}"/>
-              </a:ext>
-            </a:extLst>
-          </p:cNvPr>
-          <p:cNvSpPr txBox="1"/>
-          <p:nvPr/>
-        </p:nvSpPr>
-        <p:spPr>
-          <a:xfrm>
-            <a:off x="546240" y="1365602"/>
-            <a:ext cx="7744320" cy="1846629"/>
-          </a:xfrm>
-          <a:prstGeom prst="rect">
-            <a:avLst/>
-          </a:prstGeom>
-          <a:noFill/>
-          <a:ln>
-            <a:noFill/>
-          </a:ln>
-        </p:spPr>
-        <p:txBody>
-          <a:bodyPr spcFirstLastPara="1" wrap="square" lIns="91425" tIns="91425" rIns="91425" bIns="91425" anchor="t" anchorCtr="0">
-            <a:spAutoFit/>
-          </a:bodyPr>
-          <a:lstStyle/>
-          <a:p>
-            <a:pPr marL="285750" lvl="0" indent="-285750" algn="just">
-              <a:buFont typeface="Arial" panose="020B0604020202020204" pitchFamily="34" charset="0"/>
-              <a:buChar char="•"/>
-            </a:pPr>
-            <a:r>
-              <a:rPr lang="en-US" sz="1800" dirty="0">
-                <a:latin typeface="Rubik"/>
-                <a:ea typeface="Rubik"/>
-                <a:cs typeface="Rubik"/>
-                <a:sym typeface="Rubik"/>
-              </a:rPr>
-              <a:t>More male customers than female</a:t>
-            </a:r>
-          </a:p>
-          <a:p>
-            <a:pPr marL="285750" lvl="0" indent="-285750" algn="just">
-              <a:buFont typeface="Arial" panose="020B0604020202020204" pitchFamily="34" charset="0"/>
-              <a:buChar char="•"/>
-            </a:pPr>
-            <a:r>
-              <a:rPr lang="en-US" sz="1800" dirty="0">
-                <a:latin typeface="Rubik"/>
-                <a:ea typeface="Rubik"/>
-                <a:cs typeface="Rubik"/>
-                <a:sym typeface="Rubik"/>
-              </a:rPr>
-              <a:t>The age of customers is in the range of 20 - 60 years with some outliers (age below 10 years and above 65 years). The majority are in the age of 25 - 55 years.</a:t>
-            </a:r>
-          </a:p>
-          <a:p>
-            <a:pPr marL="285750" lvl="0" indent="-285750" algn="just">
-              <a:buFont typeface="Arial" panose="020B0604020202020204" pitchFamily="34" charset="0"/>
-              <a:buChar char="•"/>
-            </a:pPr>
-            <a:r>
-              <a:rPr lang="en-US" sz="1800" dirty="0">
-                <a:latin typeface="Rubik"/>
-                <a:ea typeface="Rubik"/>
-                <a:cs typeface="Rubik"/>
-                <a:sym typeface="Rubik"/>
-              </a:rPr>
-              <a:t>Customer income is in the range of 0 - 20 million rupiah with some outliers (income above 20 million rupiah).</a:t>
-            </a:r>
-          </a:p>
-        </p:txBody>
-      </p:sp>
-      <p:pic>
-        <p:nvPicPr>
-          <p:cNvPr id="6" name="Picture 5">
-            <a:extLst>
-              <a:ext uri="{FF2B5EF4-FFF2-40B4-BE49-F238E27FC236}">
-                <a16:creationId xmlns:a16="http://schemas.microsoft.com/office/drawing/2014/main" id="{15EDF027-7001-4078-8227-44297CB4FA94}"/>
+                <a16:creationId xmlns:a16="http://schemas.microsoft.com/office/drawing/2014/main" id="{F94FD82F-A516-486A-92E9-5BE18F17E913}"/>
               </a:ext>
             </a:extLst>
           </p:cNvPr>
@@ -8399,10 +8569,148 @@
           </a:effectLst>
         </p:spPr>
       </p:pic>
+      <p:sp>
+        <p:nvSpPr>
+          <p:cNvPr id="6" name="Text Placeholder 5">
+            <a:extLst>
+              <a:ext uri="{FF2B5EF4-FFF2-40B4-BE49-F238E27FC236}">
+                <a16:creationId xmlns:a16="http://schemas.microsoft.com/office/drawing/2014/main" id="{B68C54EF-7423-471D-AB97-C2C2F2D46938}"/>
+              </a:ext>
+            </a:extLst>
+          </p:cNvPr>
+          <p:cNvSpPr>
+            <a:spLocks noGrp="1"/>
+          </p:cNvSpPr>
+          <p:nvPr>
+            <p:ph type="body" idx="1"/>
+          </p:nvPr>
+        </p:nvSpPr>
+        <p:spPr>
+          <a:xfrm>
+            <a:off x="546239" y="1541669"/>
+            <a:ext cx="7901075" cy="2787087"/>
+          </a:xfrm>
+        </p:spPr>
+        <p:txBody>
+          <a:bodyPr>
+            <a:normAutofit/>
+          </a:bodyPr>
+          <a:lstStyle/>
+          <a:p>
+            <a:r>
+              <a:rPr lang="en-US" sz="1600" dirty="0">
+                <a:solidFill>
+                  <a:schemeClr val="tx1"/>
+                </a:solidFill>
+                <a:latin typeface="Rubik"/>
+              </a:rPr>
+              <a:t>Analyze the reasons behind March's high sales and peak. For example, a specific marketing campaign, a new product launch, or a seasonal trend. Replicating successful tactics in other months could boost sales.</a:t>
+            </a:r>
+          </a:p>
+          <a:p>
+            <a:pPr marL="152400" indent="0">
+              <a:buNone/>
+            </a:pPr>
+            <a:endParaRPr lang="en-US" sz="900" dirty="0">
+              <a:solidFill>
+                <a:schemeClr val="tx1"/>
+              </a:solidFill>
+              <a:latin typeface="Rubik"/>
+            </a:endParaRPr>
+          </a:p>
+          <a:p>
+            <a:r>
+              <a:rPr lang="en-US" sz="1600" dirty="0">
+                <a:solidFill>
+                  <a:schemeClr val="tx1"/>
+                </a:solidFill>
+                <a:latin typeface="Rubik"/>
+              </a:rPr>
+              <a:t>While </a:t>
+            </a:r>
+            <a:r>
+              <a:rPr lang="en-US" sz="1600" dirty="0" err="1">
+                <a:solidFill>
+                  <a:schemeClr val="tx1"/>
+                </a:solidFill>
+                <a:latin typeface="Rubik"/>
+              </a:rPr>
+              <a:t>thai</a:t>
+            </a:r>
+            <a:r>
+              <a:rPr lang="en-US" sz="1600" dirty="0">
+                <a:solidFill>
+                  <a:schemeClr val="tx1"/>
+                </a:solidFill>
+                <a:latin typeface="Rubik"/>
+              </a:rPr>
+              <a:t> tea, ginger candy, etc. were top sellers in quantity, focus efforts on the most profitable products (cheese stick, </a:t>
+            </a:r>
+            <a:r>
+              <a:rPr lang="en-US" sz="1600" dirty="0" err="1">
+                <a:solidFill>
+                  <a:schemeClr val="tx1"/>
+                </a:solidFill>
+                <a:latin typeface="Rubik"/>
+              </a:rPr>
+              <a:t>choco</a:t>
+            </a:r>
+            <a:r>
+              <a:rPr lang="en-US" sz="1600" dirty="0">
+                <a:solidFill>
+                  <a:schemeClr val="tx1"/>
+                </a:solidFill>
+                <a:latin typeface="Rubik"/>
+              </a:rPr>
+              <a:t> bar, etc.) to maximize revenue.</a:t>
+            </a:r>
+          </a:p>
+          <a:p>
+            <a:pPr marL="152400" indent="0">
+              <a:buNone/>
+            </a:pPr>
+            <a:endParaRPr lang="en-US" sz="900" dirty="0">
+              <a:solidFill>
+                <a:schemeClr val="tx1"/>
+              </a:solidFill>
+              <a:latin typeface="Rubik"/>
+            </a:endParaRPr>
+          </a:p>
+          <a:p>
+            <a:r>
+              <a:rPr lang="en-US" sz="1600" dirty="0">
+                <a:solidFill>
+                  <a:schemeClr val="tx1"/>
+                </a:solidFill>
+                <a:latin typeface="Rubik"/>
+              </a:rPr>
+              <a:t>Analyze high-selling store (e.g. </a:t>
+            </a:r>
+            <a:r>
+              <a:rPr lang="en-US" sz="1600" dirty="0" err="1">
+                <a:solidFill>
+                  <a:schemeClr val="tx1"/>
+                </a:solidFill>
+                <a:latin typeface="Rubik"/>
+              </a:rPr>
+              <a:t>Lingga</a:t>
+            </a:r>
+            <a:r>
+              <a:rPr lang="en-US" sz="1600" dirty="0">
+                <a:solidFill>
+                  <a:schemeClr val="tx1"/>
+                </a:solidFill>
+                <a:latin typeface="Rubik"/>
+              </a:rPr>
+              <a:t>) strategies to understand their success. For example, specific product promotions, customer service techniques, wider product variety, better deals, etc. Implement these strategies in other stores to boost sales.</a:t>
+            </a:r>
+          </a:p>
+        </p:txBody>
+      </p:sp>
     </p:spTree>
     <p:extLst>
       <p:ext uri="{BB962C8B-B14F-4D97-AF65-F5344CB8AC3E}">
-        <p14:creationId xmlns:p14="http://schemas.microsoft.com/office/powerpoint/2010/main" val="1598651163"/>
+        <p14:creationId xmlns:p14="http://schemas.microsoft.com/office/powerpoint/2010/main" val="1714775478"/>
       </p:ext>
     </p:extLst>
   </p:cSld>
@@ -8465,8 +8773,8 @@
         </p:nvSpPr>
         <p:spPr>
           <a:xfrm>
-            <a:off x="546239" y="425795"/>
-            <a:ext cx="6944397" cy="738633"/>
+            <a:off x="546240" y="425795"/>
+            <a:ext cx="5145900" cy="738633"/>
           </a:xfrm>
           <a:prstGeom prst="rect">
             <a:avLst/>
@@ -8499,32 +8807,29 @@
               <a:buNone/>
             </a:pPr>
             <a:r>
-              <a:rPr lang="en-US" sz="3600" b="1" dirty="0">
+              <a:rPr lang="en" sz="3600" b="1" dirty="0">
                 <a:latin typeface="Rubik"/>
                 <a:ea typeface="Rubik"/>
                 <a:cs typeface="Rubik"/>
                 <a:sym typeface="Rubik"/>
               </a:rPr>
-              <a:t>Clustering (</a:t>
-            </a:r>
-            <a:r>
-              <a:rPr lang="en-US" sz="3600" b="1" dirty="0" err="1">
+              <a:t>Customer </a:t>
+            </a:r>
+            <a:r>
+              <a:rPr lang="en-US" sz="3600" b="1" dirty="0">
                 <a:latin typeface="Rubik"/>
                 <a:ea typeface="Rubik"/>
                 <a:cs typeface="Rubik"/>
                 <a:sym typeface="Rubik"/>
               </a:rPr>
-              <a:t>KMeans</a:t>
-            </a:r>
-            <a:r>
-              <a:rPr lang="en-US" sz="3600" b="1" dirty="0">
-                <a:latin typeface="Rubik"/>
-                <a:ea typeface="Rubik"/>
-                <a:cs typeface="Rubik"/>
-                <a:sym typeface="Rubik"/>
-              </a:rPr>
-              <a:t>)</a:t>
-            </a:r>
+              <a:t>Distribution</a:t>
+            </a:r>
+            <a:endParaRPr sz="3600" b="1" dirty="0">
+              <a:latin typeface="Rubik"/>
+              <a:ea typeface="Rubik"/>
+              <a:cs typeface="Rubik"/>
+              <a:sym typeface="Rubik"/>
+            </a:endParaRPr>
           </a:p>
         </p:txBody>
       </p:sp>
@@ -8537,8 +8842,13 @@
         <p:blipFill rotWithShape="1">
           <a:blip r:embed="rId4">
             <a:alphaModFix/>
+            <a:extLst>
+              <a:ext uri="{28A0092B-C50C-407E-A947-70E740481C1C}">
+                <a14:useLocalDpi xmlns:a14="http://schemas.microsoft.com/office/drawing/2010/main"/>
+              </a:ext>
+            </a:extLst>
           </a:blip>
-          <a:srcRect t="5658" b="5649"/>
+          <a:srcRect/>
           <a:stretch/>
         </p:blipFill>
         <p:spPr>
@@ -8557,10 +8867,10 @@
       </p:pic>
       <p:pic>
         <p:nvPicPr>
-          <p:cNvPr id="3" name="Picture 2">
+          <p:cNvPr id="4" name="Picture 3">
             <a:extLst>
               <a:ext uri="{FF2B5EF4-FFF2-40B4-BE49-F238E27FC236}">
-                <a16:creationId xmlns:a16="http://schemas.microsoft.com/office/drawing/2014/main" id="{F7C3D76F-83D3-CCAE-F566-0B238E9DD90C}"/>
+                <a16:creationId xmlns:a16="http://schemas.microsoft.com/office/drawing/2014/main" id="{AEFA3C7B-DF84-67B6-5749-3F5DA0576198}"/>
               </a:ext>
             </a:extLst>
           </p:cNvPr>
@@ -8577,158 +8887,20 @@
         </p:blipFill>
         <p:spPr>
           <a:xfrm>
-            <a:off x="646170" y="1527807"/>
-            <a:ext cx="3477888" cy="2640334"/>
+            <a:off x="523380" y="1590223"/>
+            <a:ext cx="3112694" cy="2417897"/>
           </a:xfrm>
           <a:prstGeom prst="rect">
             <a:avLst/>
           </a:prstGeom>
         </p:spPr>
       </p:pic>
-      <p:sp>
-        <p:nvSpPr>
-          <p:cNvPr id="8" name="Google Shape;97;p16">
+      <p:pic>
+        <p:nvPicPr>
+          <p:cNvPr id="6" name="Picture 5">
             <a:extLst>
               <a:ext uri="{FF2B5EF4-FFF2-40B4-BE49-F238E27FC236}">
-                <a16:creationId xmlns:a16="http://schemas.microsoft.com/office/drawing/2014/main" id="{7565AE8D-B00E-F389-88F1-31488A357F64}"/>
-              </a:ext>
-            </a:extLst>
-          </p:cNvPr>
-          <p:cNvSpPr txBox="1"/>
-          <p:nvPr/>
-        </p:nvSpPr>
-        <p:spPr>
-          <a:xfrm>
-            <a:off x="4297680" y="1882230"/>
-            <a:ext cx="4419822" cy="1846629"/>
-          </a:xfrm>
-          <a:prstGeom prst="rect">
-            <a:avLst/>
-          </a:prstGeom>
-          <a:noFill/>
-          <a:ln>
-            <a:noFill/>
-          </a:ln>
-        </p:spPr>
-        <p:txBody>
-          <a:bodyPr spcFirstLastPara="1" wrap="square" lIns="91425" tIns="91425" rIns="91425" bIns="91425" anchor="t" anchorCtr="0">
-            <a:spAutoFit/>
-          </a:bodyPr>
-          <a:lstStyle/>
-          <a:p>
-            <a:pPr lvl="0" algn="just"/>
-            <a:r>
-              <a:rPr lang="en-US" sz="1800" dirty="0">
-                <a:solidFill>
-                  <a:schemeClr val="tx1"/>
-                </a:solidFill>
-                <a:latin typeface="Rubik"/>
-                <a:ea typeface="Rubik"/>
-                <a:cs typeface="Rubik"/>
-                <a:sym typeface="Rubik"/>
-              </a:rPr>
-              <a:t>There are 4 clusters for customer segmentation:</a:t>
-            </a:r>
-          </a:p>
-          <a:p>
-            <a:pPr marL="285750" indent="-285750" algn="just">
-              <a:buFont typeface="Arial" panose="020B0604020202020204" pitchFamily="34" charset="0"/>
-              <a:buChar char="•"/>
-            </a:pPr>
-            <a:r>
-              <a:rPr lang="en-US" sz="1800" dirty="0">
-                <a:solidFill>
-                  <a:schemeClr val="tx1"/>
-                </a:solidFill>
-                <a:latin typeface="Rubik"/>
-                <a:ea typeface="Rubik"/>
-                <a:cs typeface="Rubik"/>
-                <a:sym typeface="Rubik"/>
-              </a:rPr>
-              <a:t>Cluster 0 </a:t>
-            </a:r>
-            <a:r>
-              <a:rPr lang="en-US" sz="1800" b="0" i="0" dirty="0">
-                <a:solidFill>
-                  <a:schemeClr val="tx1"/>
-                </a:solidFill>
-                <a:effectLst/>
-                <a:latin typeface="Rubik"/>
-              </a:rPr>
-              <a:t>(Moderate Health Shoppers)</a:t>
-            </a:r>
-            <a:endParaRPr lang="en-US" sz="1800" dirty="0">
-              <a:solidFill>
-                <a:schemeClr val="tx1"/>
-              </a:solidFill>
-              <a:latin typeface="Rubik"/>
-              <a:ea typeface="Rubik"/>
-              <a:cs typeface="Rubik"/>
-              <a:sym typeface="Rubik"/>
-            </a:endParaRPr>
-          </a:p>
-          <a:p>
-            <a:pPr marL="285750" indent="-285750" algn="just">
-              <a:buFont typeface="Arial" panose="020B0604020202020204" pitchFamily="34" charset="0"/>
-              <a:buChar char="•"/>
-            </a:pPr>
-            <a:r>
-              <a:rPr lang="en-US" sz="1800" dirty="0">
-                <a:solidFill>
-                  <a:schemeClr val="tx1"/>
-                </a:solidFill>
-                <a:latin typeface="Rubik"/>
-                <a:ea typeface="Rubik"/>
-                <a:cs typeface="Rubik"/>
-                <a:sym typeface="Rubik"/>
-              </a:rPr>
-              <a:t>Cluster 1 (High-Value Health Enthusiasts)</a:t>
-            </a:r>
-          </a:p>
-          <a:p>
-            <a:pPr marL="285750" indent="-285750" algn="just">
-              <a:buFont typeface="Arial" panose="020B0604020202020204" pitchFamily="34" charset="0"/>
-              <a:buChar char="•"/>
-            </a:pPr>
-            <a:r>
-              <a:rPr lang="en-US" sz="1800" dirty="0">
-                <a:solidFill>
-                  <a:schemeClr val="tx1"/>
-                </a:solidFill>
-                <a:latin typeface="Rubik"/>
-                <a:ea typeface="Rubik"/>
-                <a:cs typeface="Rubik"/>
-                <a:sym typeface="Rubik"/>
-              </a:rPr>
-              <a:t>Cluster 2 (Occasional Health Shoppers)</a:t>
-            </a:r>
-          </a:p>
-          <a:p>
-            <a:pPr marL="285750" indent="-285750" algn="just">
-              <a:buFont typeface="Arial" panose="020B0604020202020204" pitchFamily="34" charset="0"/>
-              <a:buChar char="•"/>
-            </a:pPr>
-            <a:r>
-              <a:rPr lang="en-US" sz="1800" dirty="0">
-                <a:solidFill>
-                  <a:schemeClr val="tx1"/>
-                </a:solidFill>
-                <a:latin typeface="Rubik"/>
-                <a:ea typeface="Rubik"/>
-                <a:cs typeface="Rubik"/>
-                <a:sym typeface="Rubik"/>
-              </a:rPr>
-              <a:t>Cluster 3 (Health Enthusiasts)</a:t>
-            </a:r>
-          </a:p>
-        </p:txBody>
-      </p:sp>
-      <p:pic>
-        <p:nvPicPr>
-          <p:cNvPr id="7" name="Picture 6">
-            <a:extLst>
-              <a:ext uri="{FF2B5EF4-FFF2-40B4-BE49-F238E27FC236}">
-                <a16:creationId xmlns:a16="http://schemas.microsoft.com/office/drawing/2014/main" id="{2BB422C5-E95A-4D8A-ADAF-D160FD8D840B}"/>
+                <a16:creationId xmlns:a16="http://schemas.microsoft.com/office/drawing/2014/main" id="{420645EC-9BBA-4D7A-9BDD-082DE4EF6BCC}"/>
               </a:ext>
             </a:extLst>
           </p:cNvPr>
@@ -8745,6 +8917,36 @@
         </p:blipFill>
         <p:spPr>
           <a:xfrm>
+            <a:off x="3883383" y="1585444"/>
+            <a:ext cx="4849137" cy="2425278"/>
+          </a:xfrm>
+          <a:prstGeom prst="rect">
+            <a:avLst/>
+          </a:prstGeom>
+        </p:spPr>
+      </p:pic>
+      <p:pic>
+        <p:nvPicPr>
+          <p:cNvPr id="7" name="Picture 6">
+            <a:extLst>
+              <a:ext uri="{FF2B5EF4-FFF2-40B4-BE49-F238E27FC236}">
+                <a16:creationId xmlns:a16="http://schemas.microsoft.com/office/drawing/2014/main" id="{533970D2-6092-4F97-80D6-8C2FC9944811}"/>
+              </a:ext>
+            </a:extLst>
+          </p:cNvPr>
+          <p:cNvPicPr>
+            <a:picLocks noChangeAspect="1"/>
+          </p:cNvPicPr>
+          <p:nvPr/>
+        </p:nvPicPr>
+        <p:blipFill>
+          <a:blip r:embed="rId7"/>
+          <a:stretch>
+            <a:fillRect/>
+          </a:stretch>
+        </p:blipFill>
+        <p:spPr>
+          <a:xfrm>
             <a:off x="5999025" y="130144"/>
             <a:ext cx="1151890" cy="606542"/>
           </a:xfrm>
@@ -8759,7 +8961,7 @@
     </p:spTree>
     <p:extLst>
       <p:ext uri="{BB962C8B-B14F-4D97-AF65-F5344CB8AC3E}">
-        <p14:creationId xmlns:p14="http://schemas.microsoft.com/office/powerpoint/2010/main" val="3526748938"/>
+        <p14:creationId xmlns:p14="http://schemas.microsoft.com/office/powerpoint/2010/main" val="2541642016"/>
       </p:ext>
     </p:extLst>
   </p:cSld>
@@ -8856,14 +9058,29 @@
               <a:buNone/>
             </a:pPr>
             <a:r>
-              <a:rPr lang="en-US" sz="3600" b="1" dirty="0">
+              <a:rPr lang="en" sz="3600" b="1" dirty="0">
                 <a:latin typeface="Rubik"/>
                 <a:ea typeface="Rubik"/>
                 <a:cs typeface="Rubik"/>
                 <a:sym typeface="Rubik"/>
               </a:rPr>
-              <a:t>Customer Segmentation</a:t>
-            </a:r>
+              <a:t>Customer </a:t>
+            </a:r>
+            <a:r>
+              <a:rPr lang="en-US" sz="3600" b="1" dirty="0">
+                <a:latin typeface="Rubik"/>
+                <a:ea typeface="Rubik"/>
+                <a:cs typeface="Rubik"/>
+                <a:sym typeface="Rubik"/>
+              </a:rPr>
+              <a:t>Distribution</a:t>
+            </a:r>
+            <a:endParaRPr sz="3600" b="1" dirty="0">
+              <a:latin typeface="Rubik"/>
+              <a:ea typeface="Rubik"/>
+              <a:cs typeface="Rubik"/>
+              <a:sym typeface="Rubik"/>
+            </a:endParaRPr>
           </a:p>
         </p:txBody>
       </p:sp>
@@ -8876,8 +9093,13 @@
         <p:blipFill rotWithShape="1">
           <a:blip r:embed="rId4">
             <a:alphaModFix/>
+            <a:extLst>
+              <a:ext uri="{28A0092B-C50C-407E-A947-70E740481C1C}">
+                <a14:useLocalDpi xmlns:a14="http://schemas.microsoft.com/office/drawing/2010/main"/>
+              </a:ext>
+            </a:extLst>
           </a:blip>
-          <a:srcRect t="5658" b="5649"/>
+          <a:srcRect/>
           <a:stretch/>
         </p:blipFill>
         <p:spPr>
@@ -8894,12 +9116,131 @@
           </a:ln>
         </p:spPr>
       </p:pic>
+      <p:sp>
+        <p:nvSpPr>
+          <p:cNvPr id="2" name="Google Shape;97;p16">
+            <a:extLst>
+              <a:ext uri="{FF2B5EF4-FFF2-40B4-BE49-F238E27FC236}">
+                <a16:creationId xmlns:a16="http://schemas.microsoft.com/office/drawing/2014/main" id="{A780E287-A1A6-8A44-26B3-01656C6762FB}"/>
+              </a:ext>
+            </a:extLst>
+          </p:cNvPr>
+          <p:cNvSpPr txBox="1"/>
+          <p:nvPr/>
+        </p:nvSpPr>
+        <p:spPr>
+          <a:xfrm>
+            <a:off x="546240" y="1319401"/>
+            <a:ext cx="7744320" cy="3231624"/>
+          </a:xfrm>
+          <a:prstGeom prst="rect">
+            <a:avLst/>
+          </a:prstGeom>
+          <a:noFill/>
+          <a:ln>
+            <a:noFill/>
+          </a:ln>
+        </p:spPr>
+        <p:txBody>
+          <a:bodyPr spcFirstLastPara="1" wrap="square" lIns="91425" tIns="91425" rIns="91425" bIns="91425" anchor="t" anchorCtr="0">
+            <a:spAutoFit/>
+          </a:bodyPr>
+          <a:lstStyle/>
+          <a:p>
+            <a:pPr marL="285750" lvl="0" indent="-285750" algn="just">
+              <a:buFont typeface="Arial" panose="020B0604020202020204" pitchFamily="34" charset="0"/>
+              <a:buChar char="•"/>
+            </a:pPr>
+            <a:r>
+              <a:rPr lang="en-US" dirty="0">
+                <a:latin typeface="Rubik"/>
+                <a:ea typeface="Rubik"/>
+                <a:cs typeface="Rubik"/>
+                <a:sym typeface="Rubik"/>
+              </a:rPr>
+              <a:t>There are more male customers than female. Explore ways to attract more females. Consider targeted promotions for female-oriented products or campaigns addressing specific female health needs.</a:t>
+            </a:r>
+          </a:p>
+          <a:p>
+            <a:pPr lvl="0" algn="just"/>
+            <a:endParaRPr lang="en-US" sz="800" dirty="0">
+              <a:latin typeface="Rubik"/>
+              <a:ea typeface="Rubik"/>
+              <a:cs typeface="Rubik"/>
+              <a:sym typeface="Rubik"/>
+            </a:endParaRPr>
+          </a:p>
+          <a:p>
+            <a:pPr marL="285750" lvl="0" indent="-285750" algn="just">
+              <a:buFont typeface="Arial" panose="020B0604020202020204" pitchFamily="34" charset="0"/>
+              <a:buChar char="•"/>
+            </a:pPr>
+            <a:r>
+              <a:rPr lang="en-US" dirty="0">
+                <a:latin typeface="Rubik"/>
+                <a:ea typeface="Rubik"/>
+                <a:cs typeface="Rubik"/>
+                <a:sym typeface="Rubik"/>
+              </a:rPr>
+              <a:t>The age of customers is in the range of 20 - 60 years with some outliers (age below 10 years and above 65 years). The majority are in the age of 25 - 55 years. The 25-55 age group is the core demographic. Develop targeted marketing campaigns and product offerings suited to their preferences.</a:t>
+            </a:r>
+          </a:p>
+          <a:p>
+            <a:pPr lvl="0" algn="just"/>
+            <a:endParaRPr lang="en-US" sz="800" dirty="0">
+              <a:latin typeface="Rubik"/>
+              <a:ea typeface="Rubik"/>
+              <a:cs typeface="Rubik"/>
+              <a:sym typeface="Rubik"/>
+            </a:endParaRPr>
+          </a:p>
+          <a:p>
+            <a:pPr marL="285750" lvl="0" indent="-285750" algn="just">
+              <a:buFont typeface="Arial" panose="020B0604020202020204" pitchFamily="34" charset="0"/>
+              <a:buChar char="•"/>
+            </a:pPr>
+            <a:r>
+              <a:rPr lang="en-US" dirty="0">
+                <a:latin typeface="Rubik"/>
+                <a:ea typeface="Rubik"/>
+                <a:cs typeface="Rubik"/>
+                <a:sym typeface="Rubik"/>
+              </a:rPr>
+              <a:t>Customer income is in the range of 0 - 20 million rupiah with some outliers (income above 20 million IDR). Target marketing efforts towards the majority income range (0-20 million IDR). Explore premium offerings for the higher-income outliers (above 20 million IDR).</a:t>
+            </a:r>
+          </a:p>
+          <a:p>
+            <a:pPr lvl="0" algn="just"/>
+            <a:endParaRPr lang="en-US" sz="800" dirty="0">
+              <a:latin typeface="Rubik"/>
+              <a:ea typeface="Rubik"/>
+              <a:cs typeface="Rubik"/>
+              <a:sym typeface="Rubik"/>
+            </a:endParaRPr>
+          </a:p>
+          <a:p>
+            <a:pPr marL="285750" lvl="0" indent="-285750" algn="just">
+              <a:buFont typeface="Arial" panose="020B0604020202020204" pitchFamily="34" charset="0"/>
+              <a:buChar char="•"/>
+            </a:pPr>
+            <a:r>
+              <a:rPr lang="en-US" dirty="0">
+                <a:latin typeface="Rubik"/>
+                <a:ea typeface="Rubik"/>
+                <a:cs typeface="Rubik"/>
+                <a:sym typeface="Rubik"/>
+              </a:rPr>
+              <a:t>Utilize customer relationship management tools to personalize recommendations and promotions based on purchase history and demographics.</a:t>
+            </a:r>
+          </a:p>
+        </p:txBody>
+      </p:sp>
       <p:pic>
         <p:nvPicPr>
-          <p:cNvPr id="5" name="Picture 4">
+          <p:cNvPr id="6" name="Picture 5">
             <a:extLst>
               <a:ext uri="{FF2B5EF4-FFF2-40B4-BE49-F238E27FC236}">
-                <a16:creationId xmlns:a16="http://schemas.microsoft.com/office/drawing/2014/main" id="{67238112-A232-3CDE-A718-4AF2941A7EC3}"/>
+                <a16:creationId xmlns:a16="http://schemas.microsoft.com/office/drawing/2014/main" id="{15EDF027-7001-4078-8227-44297CB4FA94}"/>
               </a:ext>
             </a:extLst>
           </p:cNvPr>
@@ -8910,105 +9251,6 @@
         </p:nvPicPr>
         <p:blipFill>
           <a:blip r:embed="rId5"/>
-          <a:srcRect/>
-          <a:stretch/>
-        </p:blipFill>
-        <p:spPr>
-          <a:xfrm>
-            <a:off x="545613" y="1590223"/>
-            <a:ext cx="3068227" cy="2417897"/>
-          </a:xfrm>
-          <a:prstGeom prst="rect">
-            <a:avLst/>
-          </a:prstGeom>
-        </p:spPr>
-      </p:pic>
-      <p:pic>
-        <p:nvPicPr>
-          <p:cNvPr id="6" name="Picture 5">
-            <a:extLst>
-              <a:ext uri="{FF2B5EF4-FFF2-40B4-BE49-F238E27FC236}">
-                <a16:creationId xmlns:a16="http://schemas.microsoft.com/office/drawing/2014/main" id="{90A0F4FE-11B5-752C-0E25-4362303D6C1A}"/>
-              </a:ext>
-            </a:extLst>
-          </p:cNvPr>
-          <p:cNvPicPr>
-            <a:picLocks noChangeAspect="1"/>
-          </p:cNvPicPr>
-          <p:nvPr/>
-        </p:nvPicPr>
-        <p:blipFill>
-          <a:blip r:embed="rId6"/>
-          <a:srcRect/>
-          <a:stretch/>
-        </p:blipFill>
-        <p:spPr>
-          <a:xfrm>
-            <a:off x="3883383" y="1602873"/>
-            <a:ext cx="4849137" cy="2390419"/>
-          </a:xfrm>
-          <a:prstGeom prst="rect">
-            <a:avLst/>
-          </a:prstGeom>
-        </p:spPr>
-      </p:pic>
-      <p:sp>
-        <p:nvSpPr>
-          <p:cNvPr id="9" name="TextBox 8">
-            <a:extLst>
-              <a:ext uri="{FF2B5EF4-FFF2-40B4-BE49-F238E27FC236}">
-                <a16:creationId xmlns:a16="http://schemas.microsoft.com/office/drawing/2014/main" id="{CA528465-5D74-A830-6FD6-7714D1A5A452}"/>
-              </a:ext>
-            </a:extLst>
-          </p:cNvPr>
-          <p:cNvSpPr txBox="1"/>
-          <p:nvPr/>
-        </p:nvSpPr>
-        <p:spPr>
-          <a:xfrm>
-            <a:off x="449580" y="4107624"/>
-            <a:ext cx="8282940" cy="646331"/>
-          </a:xfrm>
-          <a:prstGeom prst="rect">
-            <a:avLst/>
-          </a:prstGeom>
-          <a:noFill/>
-        </p:spPr>
-        <p:txBody>
-          <a:bodyPr wrap="square">
-            <a:spAutoFit/>
-          </a:bodyPr>
-          <a:lstStyle/>
-          <a:p>
-            <a:pPr lvl="0" algn="just"/>
-            <a:r>
-              <a:rPr lang="en-US" sz="1800" dirty="0">
-                <a:latin typeface="Rubik"/>
-                <a:ea typeface="Rubik"/>
-                <a:cs typeface="Rubik"/>
-                <a:sym typeface="Rubik"/>
-              </a:rPr>
-              <a:t>Many customers are in cluster 0 (Moderate Health Shopper), and the least in cluster 1 (High-Value Health Enthusiasts).</a:t>
-            </a:r>
-          </a:p>
-        </p:txBody>
-      </p:sp>
-      <p:pic>
-        <p:nvPicPr>
-          <p:cNvPr id="8" name="Picture 7">
-            <a:extLst>
-              <a:ext uri="{FF2B5EF4-FFF2-40B4-BE49-F238E27FC236}">
-                <a16:creationId xmlns:a16="http://schemas.microsoft.com/office/drawing/2014/main" id="{CA02A5F7-4C30-4B0D-A900-B79F7781F93E}"/>
-              </a:ext>
-            </a:extLst>
-          </p:cNvPr>
-          <p:cNvPicPr>
-            <a:picLocks noChangeAspect="1"/>
-          </p:cNvPicPr>
-          <p:nvPr/>
-        </p:nvPicPr>
-        <p:blipFill>
-          <a:blip r:embed="rId7"/>
           <a:stretch>
             <a:fillRect/>
           </a:stretch>
@@ -9029,7 +9271,7 @@
     </p:spTree>
     <p:extLst>
       <p:ext uri="{BB962C8B-B14F-4D97-AF65-F5344CB8AC3E}">
-        <p14:creationId xmlns:p14="http://schemas.microsoft.com/office/powerpoint/2010/main" val="473745299"/>
+        <p14:creationId xmlns:p14="http://schemas.microsoft.com/office/powerpoint/2010/main" val="1598651163"/>
       </p:ext>
     </p:extLst>
   </p:cSld>
@@ -9092,8 +9334,8 @@
         </p:nvSpPr>
         <p:spPr>
           <a:xfrm>
-            <a:off x="546240" y="425795"/>
-            <a:ext cx="5145900" cy="738633"/>
+            <a:off x="546239" y="425795"/>
+            <a:ext cx="6944397" cy="738633"/>
           </a:xfrm>
           <a:prstGeom prst="rect">
             <a:avLst/>
@@ -9132,7 +9374,25 @@
                 <a:cs typeface="Rubik"/>
                 <a:sym typeface="Rubik"/>
               </a:rPr>
-              <a:t>Customer Segmentation</a:t>
+              <a:t>Clustering (</a:t>
+            </a:r>
+            <a:r>
+              <a:rPr lang="en-US" sz="3600" b="1" dirty="0" err="1">
+                <a:latin typeface="Rubik"/>
+                <a:ea typeface="Rubik"/>
+                <a:cs typeface="Rubik"/>
+                <a:sym typeface="Rubik"/>
+              </a:rPr>
+              <a:t>KMeans</a:t>
+            </a:r>
+            <a:r>
+              <a:rPr lang="en-US" sz="3600" b="1" dirty="0">
+                <a:latin typeface="Rubik"/>
+                <a:ea typeface="Rubik"/>
+                <a:cs typeface="Rubik"/>
+                <a:sym typeface="Rubik"/>
+              </a:rPr>
+              <a:t>)</a:t>
             </a:r>
           </a:p>
         </p:txBody>
@@ -9146,8 +9406,632 @@
         <p:blipFill rotWithShape="1">
           <a:blip r:embed="rId4">
             <a:alphaModFix/>
+            <a:extLst>
+              <a:ext uri="{28A0092B-C50C-407E-A947-70E740481C1C}">
+                <a14:useLocalDpi xmlns:a14="http://schemas.microsoft.com/office/drawing/2010/main"/>
+              </a:ext>
+            </a:extLst>
           </a:blip>
-          <a:srcRect t="5658" b="5649"/>
+          <a:srcRect/>
+          <a:stretch/>
+        </p:blipFill>
+        <p:spPr>
+          <a:xfrm>
+            <a:off x="7317600" y="185625"/>
+            <a:ext cx="1399902" cy="541300"/>
+          </a:xfrm>
+          <a:prstGeom prst="rect">
+            <a:avLst/>
+          </a:prstGeom>
+          <a:noFill/>
+          <a:ln>
+            <a:noFill/>
+          </a:ln>
+        </p:spPr>
+      </p:pic>
+      <p:pic>
+        <p:nvPicPr>
+          <p:cNvPr id="3" name="Picture 2">
+            <a:extLst>
+              <a:ext uri="{FF2B5EF4-FFF2-40B4-BE49-F238E27FC236}">
+                <a16:creationId xmlns:a16="http://schemas.microsoft.com/office/drawing/2014/main" id="{F7C3D76F-83D3-CCAE-F566-0B238E9DD90C}"/>
+              </a:ext>
+            </a:extLst>
+          </p:cNvPr>
+          <p:cNvPicPr>
+            <a:picLocks noChangeAspect="1"/>
+          </p:cNvPicPr>
+          <p:nvPr/>
+        </p:nvPicPr>
+        <p:blipFill>
+          <a:blip r:embed="rId5"/>
+          <a:stretch>
+            <a:fillRect/>
+          </a:stretch>
+        </p:blipFill>
+        <p:spPr>
+          <a:xfrm>
+            <a:off x="646170" y="1527807"/>
+            <a:ext cx="3477888" cy="2640334"/>
+          </a:xfrm>
+          <a:prstGeom prst="rect">
+            <a:avLst/>
+          </a:prstGeom>
+        </p:spPr>
+      </p:pic>
+      <p:sp>
+        <p:nvSpPr>
+          <p:cNvPr id="8" name="Google Shape;97;p16">
+            <a:extLst>
+              <a:ext uri="{FF2B5EF4-FFF2-40B4-BE49-F238E27FC236}">
+                <a16:creationId xmlns:a16="http://schemas.microsoft.com/office/drawing/2014/main" id="{7565AE8D-B00E-F389-88F1-31488A357F64}"/>
+              </a:ext>
+            </a:extLst>
+          </p:cNvPr>
+          <p:cNvSpPr txBox="1"/>
+          <p:nvPr/>
+        </p:nvSpPr>
+        <p:spPr>
+          <a:xfrm>
+            <a:off x="4297680" y="1882230"/>
+            <a:ext cx="4419822" cy="1846629"/>
+          </a:xfrm>
+          <a:prstGeom prst="rect">
+            <a:avLst/>
+          </a:prstGeom>
+          <a:noFill/>
+          <a:ln>
+            <a:noFill/>
+          </a:ln>
+        </p:spPr>
+        <p:txBody>
+          <a:bodyPr spcFirstLastPara="1" wrap="square" lIns="91425" tIns="91425" rIns="91425" bIns="91425" anchor="t" anchorCtr="0">
+            <a:spAutoFit/>
+          </a:bodyPr>
+          <a:lstStyle/>
+          <a:p>
+            <a:pPr lvl="0" algn="just"/>
+            <a:r>
+              <a:rPr lang="en-US" sz="1800" dirty="0">
+                <a:solidFill>
+                  <a:schemeClr val="tx1"/>
+                </a:solidFill>
+                <a:latin typeface="Rubik"/>
+                <a:ea typeface="Rubik"/>
+                <a:cs typeface="Rubik"/>
+                <a:sym typeface="Rubik"/>
+              </a:rPr>
+              <a:t>There are 4 clusters for customer segmentation:</a:t>
+            </a:r>
+          </a:p>
+          <a:p>
+            <a:pPr marL="285750" indent="-285750" algn="just">
+              <a:buFont typeface="Arial" panose="020B0604020202020204" pitchFamily="34" charset="0"/>
+              <a:buChar char="•"/>
+            </a:pPr>
+            <a:r>
+              <a:rPr lang="en-US" sz="1800" dirty="0">
+                <a:solidFill>
+                  <a:schemeClr val="tx1"/>
+                </a:solidFill>
+                <a:latin typeface="Rubik"/>
+                <a:ea typeface="Rubik"/>
+                <a:cs typeface="Rubik"/>
+                <a:sym typeface="Rubik"/>
+              </a:rPr>
+              <a:t>Cluster 0 </a:t>
+            </a:r>
+            <a:r>
+              <a:rPr lang="en-US" sz="1800" b="0" i="0" dirty="0">
+                <a:solidFill>
+                  <a:schemeClr val="tx1"/>
+                </a:solidFill>
+                <a:effectLst/>
+                <a:latin typeface="Rubik"/>
+              </a:rPr>
+              <a:t>(Moderate Health Shoppers)</a:t>
+            </a:r>
+            <a:endParaRPr lang="en-US" sz="1800" dirty="0">
+              <a:solidFill>
+                <a:schemeClr val="tx1"/>
+              </a:solidFill>
+              <a:latin typeface="Rubik"/>
+              <a:ea typeface="Rubik"/>
+              <a:cs typeface="Rubik"/>
+              <a:sym typeface="Rubik"/>
+            </a:endParaRPr>
+          </a:p>
+          <a:p>
+            <a:pPr marL="285750" indent="-285750" algn="just">
+              <a:buFont typeface="Arial" panose="020B0604020202020204" pitchFamily="34" charset="0"/>
+              <a:buChar char="•"/>
+            </a:pPr>
+            <a:r>
+              <a:rPr lang="en-US" sz="1800" dirty="0">
+                <a:solidFill>
+                  <a:schemeClr val="tx1"/>
+                </a:solidFill>
+                <a:latin typeface="Rubik"/>
+                <a:ea typeface="Rubik"/>
+                <a:cs typeface="Rubik"/>
+                <a:sym typeface="Rubik"/>
+              </a:rPr>
+              <a:t>Cluster 1 (High-Value Health Enthusiasts)</a:t>
+            </a:r>
+          </a:p>
+          <a:p>
+            <a:pPr marL="285750" indent="-285750" algn="just">
+              <a:buFont typeface="Arial" panose="020B0604020202020204" pitchFamily="34" charset="0"/>
+              <a:buChar char="•"/>
+            </a:pPr>
+            <a:r>
+              <a:rPr lang="en-US" sz="1800" dirty="0">
+                <a:solidFill>
+                  <a:schemeClr val="tx1"/>
+                </a:solidFill>
+                <a:latin typeface="Rubik"/>
+                <a:ea typeface="Rubik"/>
+                <a:cs typeface="Rubik"/>
+                <a:sym typeface="Rubik"/>
+              </a:rPr>
+              <a:t>Cluster 2 (Occasional Health Shoppers)</a:t>
+            </a:r>
+          </a:p>
+          <a:p>
+            <a:pPr marL="285750" indent="-285750" algn="just">
+              <a:buFont typeface="Arial" panose="020B0604020202020204" pitchFamily="34" charset="0"/>
+              <a:buChar char="•"/>
+            </a:pPr>
+            <a:r>
+              <a:rPr lang="en-US" sz="1800" dirty="0">
+                <a:solidFill>
+                  <a:schemeClr val="tx1"/>
+                </a:solidFill>
+                <a:latin typeface="Rubik"/>
+                <a:ea typeface="Rubik"/>
+                <a:cs typeface="Rubik"/>
+                <a:sym typeface="Rubik"/>
+              </a:rPr>
+              <a:t>Cluster 3 (Health Enthusiasts)</a:t>
+            </a:r>
+          </a:p>
+        </p:txBody>
+      </p:sp>
+      <p:pic>
+        <p:nvPicPr>
+          <p:cNvPr id="7" name="Picture 6">
+            <a:extLst>
+              <a:ext uri="{FF2B5EF4-FFF2-40B4-BE49-F238E27FC236}">
+                <a16:creationId xmlns:a16="http://schemas.microsoft.com/office/drawing/2014/main" id="{2BB422C5-E95A-4D8A-ADAF-D160FD8D840B}"/>
+              </a:ext>
+            </a:extLst>
+          </p:cNvPr>
+          <p:cNvPicPr>
+            <a:picLocks noChangeAspect="1"/>
+          </p:cNvPicPr>
+          <p:nvPr/>
+        </p:nvPicPr>
+        <p:blipFill>
+          <a:blip r:embed="rId6"/>
+          <a:stretch>
+            <a:fillRect/>
+          </a:stretch>
+        </p:blipFill>
+        <p:spPr>
+          <a:xfrm>
+            <a:off x="5999025" y="130144"/>
+            <a:ext cx="1151890" cy="606542"/>
+          </a:xfrm>
+          <a:prstGeom prst="rect">
+            <a:avLst/>
+          </a:prstGeom>
+          <a:effectLst>
+            <a:softEdge rad="0"/>
+          </a:effectLst>
+        </p:spPr>
+      </p:pic>
+    </p:spTree>
+    <p:extLst>
+      <p:ext uri="{BB962C8B-B14F-4D97-AF65-F5344CB8AC3E}">
+        <p14:creationId xmlns:p14="http://schemas.microsoft.com/office/powerpoint/2010/main" val="3526748938"/>
+      </p:ext>
+    </p:extLst>
+  </p:cSld>
+  <p:clrMapOvr>
+    <a:masterClrMapping/>
+  </p:clrMapOvr>
+</p:sld>
+</file>
+
+<file path=ppt/slides/slide15.xml><?xml version="1.0" encoding="utf-8"?>
+<p:sld xmlns:a="http://schemas.openxmlformats.org/drawingml/2006/main" xmlns:r="http://schemas.openxmlformats.org/officeDocument/2006/relationships" xmlns:p="http://schemas.openxmlformats.org/presentationml/2006/main">
+  <p:cSld>
+    <p:spTree>
+      <p:nvGrpSpPr>
+        <p:cNvPr id="1" name="Shape 93"/>
+        <p:cNvGrpSpPr/>
+        <p:nvPr/>
+      </p:nvGrpSpPr>
+      <p:grpSpPr>
+        <a:xfrm>
+          <a:off x="0" y="0"/>
+          <a:ext cx="0" cy="0"/>
+          <a:chOff x="0" y="0"/>
+          <a:chExt cx="0" cy="0"/>
+        </a:xfrm>
+      </p:grpSpPr>
+      <p:pic>
+        <p:nvPicPr>
+          <p:cNvPr id="94" name="Google Shape;94;p16"/>
+          <p:cNvPicPr preferRelativeResize="0"/>
+          <p:nvPr/>
+        </p:nvPicPr>
+        <p:blipFill>
+          <a:blip r:embed="rId3">
+            <a:alphaModFix amt="10000"/>
+          </a:blip>
+          <a:stretch>
+            <a:fillRect/>
+          </a:stretch>
+        </p:blipFill>
+        <p:spPr>
+          <a:xfrm>
+            <a:off x="0" y="0"/>
+            <a:ext cx="9144001" cy="5143501"/>
+          </a:xfrm>
+          <a:prstGeom prst="rect">
+            <a:avLst/>
+          </a:prstGeom>
+          <a:noFill/>
+          <a:ln>
+            <a:noFill/>
+          </a:ln>
+        </p:spPr>
+      </p:pic>
+      <p:sp>
+        <p:nvSpPr>
+          <p:cNvPr id="95" name="Google Shape;95;p16"/>
+          <p:cNvSpPr txBox="1"/>
+          <p:nvPr/>
+        </p:nvSpPr>
+        <p:spPr>
+          <a:xfrm>
+            <a:off x="546240" y="425795"/>
+            <a:ext cx="5145900" cy="738633"/>
+          </a:xfrm>
+          <a:prstGeom prst="rect">
+            <a:avLst/>
+          </a:prstGeom>
+          <a:noFill/>
+          <a:ln>
+            <a:noFill/>
+          </a:ln>
+          <a:effectLst>
+            <a:outerShdw blurRad="57150" dist="19050" dir="2820000" algn="bl" rotWithShape="0">
+              <a:srgbClr val="B7B7B7">
+                <a:alpha val="86000"/>
+              </a:srgbClr>
+            </a:outerShdw>
+          </a:effectLst>
+        </p:spPr>
+        <p:txBody>
+          <a:bodyPr spcFirstLastPara="1" wrap="square" lIns="91425" tIns="91425" rIns="91425" bIns="91425" anchor="t" anchorCtr="0">
+            <a:spAutoFit/>
+          </a:bodyPr>
+          <a:lstStyle/>
+          <a:p>
+            <a:pPr marL="0" lvl="0" indent="0" rtl="0">
+              <a:spcBef>
+                <a:spcPts val="0"/>
+              </a:spcBef>
+              <a:spcAft>
+                <a:spcPts val="0"/>
+              </a:spcAft>
+              <a:buNone/>
+            </a:pPr>
+            <a:r>
+              <a:rPr lang="en-US" sz="3600" b="1" dirty="0">
+                <a:latin typeface="Rubik"/>
+                <a:ea typeface="Rubik"/>
+                <a:cs typeface="Rubik"/>
+                <a:sym typeface="Rubik"/>
+              </a:rPr>
+              <a:t>Customer Segmentation</a:t>
+            </a:r>
+          </a:p>
+        </p:txBody>
+      </p:sp>
+      <p:pic>
+        <p:nvPicPr>
+          <p:cNvPr id="96" name="Google Shape;96;p16"/>
+          <p:cNvPicPr preferRelativeResize="0"/>
+          <p:nvPr/>
+        </p:nvPicPr>
+        <p:blipFill rotWithShape="1">
+          <a:blip r:embed="rId4">
+            <a:alphaModFix/>
+            <a:extLst>
+              <a:ext uri="{28A0092B-C50C-407E-A947-70E740481C1C}">
+                <a14:useLocalDpi xmlns:a14="http://schemas.microsoft.com/office/drawing/2010/main"/>
+              </a:ext>
+            </a:extLst>
+          </a:blip>
+          <a:srcRect/>
+          <a:stretch/>
+        </p:blipFill>
+        <p:spPr>
+          <a:xfrm>
+            <a:off x="7317600" y="185625"/>
+            <a:ext cx="1399902" cy="541300"/>
+          </a:xfrm>
+          <a:prstGeom prst="rect">
+            <a:avLst/>
+          </a:prstGeom>
+          <a:noFill/>
+          <a:ln>
+            <a:noFill/>
+          </a:ln>
+        </p:spPr>
+      </p:pic>
+      <p:pic>
+        <p:nvPicPr>
+          <p:cNvPr id="5" name="Picture 4">
+            <a:extLst>
+              <a:ext uri="{FF2B5EF4-FFF2-40B4-BE49-F238E27FC236}">
+                <a16:creationId xmlns:a16="http://schemas.microsoft.com/office/drawing/2014/main" id="{67238112-A232-3CDE-A718-4AF2941A7EC3}"/>
+              </a:ext>
+            </a:extLst>
+          </p:cNvPr>
+          <p:cNvPicPr>
+            <a:picLocks noChangeAspect="1"/>
+          </p:cNvPicPr>
+          <p:nvPr/>
+        </p:nvPicPr>
+        <p:blipFill>
+          <a:blip r:embed="rId5"/>
+          <a:srcRect/>
+          <a:stretch/>
+        </p:blipFill>
+        <p:spPr>
+          <a:xfrm>
+            <a:off x="545613" y="1590223"/>
+            <a:ext cx="3068227" cy="2417897"/>
+          </a:xfrm>
+          <a:prstGeom prst="rect">
+            <a:avLst/>
+          </a:prstGeom>
+        </p:spPr>
+      </p:pic>
+      <p:pic>
+        <p:nvPicPr>
+          <p:cNvPr id="6" name="Picture 5">
+            <a:extLst>
+              <a:ext uri="{FF2B5EF4-FFF2-40B4-BE49-F238E27FC236}">
+                <a16:creationId xmlns:a16="http://schemas.microsoft.com/office/drawing/2014/main" id="{90A0F4FE-11B5-752C-0E25-4362303D6C1A}"/>
+              </a:ext>
+            </a:extLst>
+          </p:cNvPr>
+          <p:cNvPicPr>
+            <a:picLocks noChangeAspect="1"/>
+          </p:cNvPicPr>
+          <p:nvPr/>
+        </p:nvPicPr>
+        <p:blipFill>
+          <a:blip r:embed="rId6"/>
+          <a:srcRect/>
+          <a:stretch/>
+        </p:blipFill>
+        <p:spPr>
+          <a:xfrm>
+            <a:off x="3883383" y="1602873"/>
+            <a:ext cx="4849137" cy="2390419"/>
+          </a:xfrm>
+          <a:prstGeom prst="rect">
+            <a:avLst/>
+          </a:prstGeom>
+        </p:spPr>
+      </p:pic>
+      <p:sp>
+        <p:nvSpPr>
+          <p:cNvPr id="9" name="TextBox 8">
+            <a:extLst>
+              <a:ext uri="{FF2B5EF4-FFF2-40B4-BE49-F238E27FC236}">
+                <a16:creationId xmlns:a16="http://schemas.microsoft.com/office/drawing/2014/main" id="{CA528465-5D74-A830-6FD6-7714D1A5A452}"/>
+              </a:ext>
+            </a:extLst>
+          </p:cNvPr>
+          <p:cNvSpPr txBox="1"/>
+          <p:nvPr/>
+        </p:nvSpPr>
+        <p:spPr>
+          <a:xfrm>
+            <a:off x="449580" y="4107624"/>
+            <a:ext cx="8282940" cy="646331"/>
+          </a:xfrm>
+          <a:prstGeom prst="rect">
+            <a:avLst/>
+          </a:prstGeom>
+          <a:noFill/>
+        </p:spPr>
+        <p:txBody>
+          <a:bodyPr wrap="square">
+            <a:spAutoFit/>
+          </a:bodyPr>
+          <a:lstStyle/>
+          <a:p>
+            <a:pPr lvl="0" algn="just"/>
+            <a:r>
+              <a:rPr lang="en-US" sz="1800" dirty="0">
+                <a:latin typeface="Rubik"/>
+                <a:ea typeface="Rubik"/>
+                <a:cs typeface="Rubik"/>
+                <a:sym typeface="Rubik"/>
+              </a:rPr>
+              <a:t>Many customers are in cluster 0 (Moderate Health Shopper), and the least in cluster 1 (High-Value Health Enthusiasts).</a:t>
+            </a:r>
+          </a:p>
+        </p:txBody>
+      </p:sp>
+      <p:pic>
+        <p:nvPicPr>
+          <p:cNvPr id="8" name="Picture 7">
+            <a:extLst>
+              <a:ext uri="{FF2B5EF4-FFF2-40B4-BE49-F238E27FC236}">
+                <a16:creationId xmlns:a16="http://schemas.microsoft.com/office/drawing/2014/main" id="{CA02A5F7-4C30-4B0D-A900-B79F7781F93E}"/>
+              </a:ext>
+            </a:extLst>
+          </p:cNvPr>
+          <p:cNvPicPr>
+            <a:picLocks noChangeAspect="1"/>
+          </p:cNvPicPr>
+          <p:nvPr/>
+        </p:nvPicPr>
+        <p:blipFill>
+          <a:blip r:embed="rId7"/>
+          <a:stretch>
+            <a:fillRect/>
+          </a:stretch>
+        </p:blipFill>
+        <p:spPr>
+          <a:xfrm>
+            <a:off x="5999025" y="130144"/>
+            <a:ext cx="1151890" cy="606542"/>
+          </a:xfrm>
+          <a:prstGeom prst="rect">
+            <a:avLst/>
+          </a:prstGeom>
+          <a:effectLst>
+            <a:softEdge rad="0"/>
+          </a:effectLst>
+        </p:spPr>
+      </p:pic>
+    </p:spTree>
+    <p:extLst>
+      <p:ext uri="{BB962C8B-B14F-4D97-AF65-F5344CB8AC3E}">
+        <p14:creationId xmlns:p14="http://schemas.microsoft.com/office/powerpoint/2010/main" val="473745299"/>
+      </p:ext>
+    </p:extLst>
+  </p:cSld>
+  <p:clrMapOvr>
+    <a:masterClrMapping/>
+  </p:clrMapOvr>
+</p:sld>
+</file>
+
+<file path=ppt/slides/slide16.xml><?xml version="1.0" encoding="utf-8"?>
+<p:sld xmlns:a="http://schemas.openxmlformats.org/drawingml/2006/main" xmlns:r="http://schemas.openxmlformats.org/officeDocument/2006/relationships" xmlns:p="http://schemas.openxmlformats.org/presentationml/2006/main">
+  <p:cSld>
+    <p:spTree>
+      <p:nvGrpSpPr>
+        <p:cNvPr id="1" name="Shape 93"/>
+        <p:cNvGrpSpPr/>
+        <p:nvPr/>
+      </p:nvGrpSpPr>
+      <p:grpSpPr>
+        <a:xfrm>
+          <a:off x="0" y="0"/>
+          <a:ext cx="0" cy="0"/>
+          <a:chOff x="0" y="0"/>
+          <a:chExt cx="0" cy="0"/>
+        </a:xfrm>
+      </p:grpSpPr>
+      <p:pic>
+        <p:nvPicPr>
+          <p:cNvPr id="94" name="Google Shape;94;p16"/>
+          <p:cNvPicPr preferRelativeResize="0"/>
+          <p:nvPr/>
+        </p:nvPicPr>
+        <p:blipFill>
+          <a:blip r:embed="rId3">
+            <a:alphaModFix amt="10000"/>
+          </a:blip>
+          <a:stretch>
+            <a:fillRect/>
+          </a:stretch>
+        </p:blipFill>
+        <p:spPr>
+          <a:xfrm>
+            <a:off x="0" y="0"/>
+            <a:ext cx="9144001" cy="5143501"/>
+          </a:xfrm>
+          <a:prstGeom prst="rect">
+            <a:avLst/>
+          </a:prstGeom>
+          <a:noFill/>
+          <a:ln>
+            <a:noFill/>
+          </a:ln>
+        </p:spPr>
+      </p:pic>
+      <p:sp>
+        <p:nvSpPr>
+          <p:cNvPr id="95" name="Google Shape;95;p16"/>
+          <p:cNvSpPr txBox="1"/>
+          <p:nvPr/>
+        </p:nvSpPr>
+        <p:spPr>
+          <a:xfrm>
+            <a:off x="546240" y="425795"/>
+            <a:ext cx="5145900" cy="738633"/>
+          </a:xfrm>
+          <a:prstGeom prst="rect">
+            <a:avLst/>
+          </a:prstGeom>
+          <a:noFill/>
+          <a:ln>
+            <a:noFill/>
+          </a:ln>
+          <a:effectLst>
+            <a:outerShdw blurRad="57150" dist="19050" dir="2820000" algn="bl" rotWithShape="0">
+              <a:srgbClr val="B7B7B7">
+                <a:alpha val="86000"/>
+              </a:srgbClr>
+            </a:outerShdw>
+          </a:effectLst>
+        </p:spPr>
+        <p:txBody>
+          <a:bodyPr spcFirstLastPara="1" wrap="square" lIns="91425" tIns="91425" rIns="91425" bIns="91425" anchor="t" anchorCtr="0">
+            <a:spAutoFit/>
+          </a:bodyPr>
+          <a:lstStyle/>
+          <a:p>
+            <a:pPr marL="0" lvl="0" indent="0" rtl="0">
+              <a:spcBef>
+                <a:spcPts val="0"/>
+              </a:spcBef>
+              <a:spcAft>
+                <a:spcPts val="0"/>
+              </a:spcAft>
+              <a:buNone/>
+            </a:pPr>
+            <a:r>
+              <a:rPr lang="en-US" sz="3600" b="1" dirty="0">
+                <a:latin typeface="Rubik"/>
+                <a:ea typeface="Rubik"/>
+                <a:cs typeface="Rubik"/>
+                <a:sym typeface="Rubik"/>
+              </a:rPr>
+              <a:t>Customer Segmentation</a:t>
+            </a:r>
+          </a:p>
+        </p:txBody>
+      </p:sp>
+      <p:pic>
+        <p:nvPicPr>
+          <p:cNvPr id="96" name="Google Shape;96;p16"/>
+          <p:cNvPicPr preferRelativeResize="0"/>
+          <p:nvPr/>
+        </p:nvPicPr>
+        <p:blipFill rotWithShape="1">
+          <a:blip r:embed="rId4">
+            <a:alphaModFix/>
+            <a:extLst>
+              <a:ext uri="{28A0092B-C50C-407E-A947-70E740481C1C}">
+                <a14:useLocalDpi xmlns:a14="http://schemas.microsoft.com/office/drawing/2010/main"/>
+              </a:ext>
+            </a:extLst>
+          </a:blip>
+          <a:srcRect/>
           <a:stretch/>
         </p:blipFill>
         <p:spPr>
@@ -9553,639 +10437,6 @@
 </p:sld>
 </file>
 
-<file path=ppt/slides/slide15.xml><?xml version="1.0" encoding="utf-8"?>
-<p:sld xmlns:a="http://schemas.openxmlformats.org/drawingml/2006/main" xmlns:r="http://schemas.openxmlformats.org/officeDocument/2006/relationships" xmlns:p="http://schemas.openxmlformats.org/presentationml/2006/main">
-  <p:cSld>
-    <p:spTree>
-      <p:nvGrpSpPr>
-        <p:cNvPr id="1" name="Shape 93"/>
-        <p:cNvGrpSpPr/>
-        <p:nvPr/>
-      </p:nvGrpSpPr>
-      <p:grpSpPr>
-        <a:xfrm>
-          <a:off x="0" y="0"/>
-          <a:ext cx="0" cy="0"/>
-          <a:chOff x="0" y="0"/>
-          <a:chExt cx="0" cy="0"/>
-        </a:xfrm>
-      </p:grpSpPr>
-      <p:pic>
-        <p:nvPicPr>
-          <p:cNvPr id="94" name="Google Shape;94;p16"/>
-          <p:cNvPicPr preferRelativeResize="0"/>
-          <p:nvPr/>
-        </p:nvPicPr>
-        <p:blipFill>
-          <a:blip r:embed="rId3">
-            <a:alphaModFix amt="10000"/>
-          </a:blip>
-          <a:stretch>
-            <a:fillRect/>
-          </a:stretch>
-        </p:blipFill>
-        <p:spPr>
-          <a:xfrm>
-            <a:off x="0" y="0"/>
-            <a:ext cx="9144001" cy="5143501"/>
-          </a:xfrm>
-          <a:prstGeom prst="rect">
-            <a:avLst/>
-          </a:prstGeom>
-          <a:noFill/>
-          <a:ln>
-            <a:noFill/>
-          </a:ln>
-        </p:spPr>
-      </p:pic>
-      <p:sp>
-        <p:nvSpPr>
-          <p:cNvPr id="95" name="Google Shape;95;p16"/>
-          <p:cNvSpPr txBox="1"/>
-          <p:nvPr/>
-        </p:nvSpPr>
-        <p:spPr>
-          <a:xfrm>
-            <a:off x="546240" y="425795"/>
-            <a:ext cx="5145900" cy="738633"/>
-          </a:xfrm>
-          <a:prstGeom prst="rect">
-            <a:avLst/>
-          </a:prstGeom>
-          <a:noFill/>
-          <a:ln>
-            <a:noFill/>
-          </a:ln>
-          <a:effectLst>
-            <a:outerShdw blurRad="57150" dist="19050" dir="2820000" algn="bl" rotWithShape="0">
-              <a:srgbClr val="B7B7B7">
-                <a:alpha val="86000"/>
-              </a:srgbClr>
-            </a:outerShdw>
-          </a:effectLst>
-        </p:spPr>
-        <p:txBody>
-          <a:bodyPr spcFirstLastPara="1" wrap="square" lIns="91425" tIns="91425" rIns="91425" bIns="91425" anchor="t" anchorCtr="0">
-            <a:spAutoFit/>
-          </a:bodyPr>
-          <a:lstStyle/>
-          <a:p>
-            <a:pPr marL="0" lvl="0" indent="0" rtl="0">
-              <a:spcBef>
-                <a:spcPts val="0"/>
-              </a:spcBef>
-              <a:spcAft>
-                <a:spcPts val="0"/>
-              </a:spcAft>
-              <a:buNone/>
-            </a:pPr>
-            <a:r>
-              <a:rPr lang="en" sz="3600" b="1" dirty="0">
-                <a:latin typeface="Rubik"/>
-                <a:ea typeface="Rubik"/>
-                <a:cs typeface="Rubik"/>
-                <a:sym typeface="Rubik"/>
-              </a:rPr>
-              <a:t>Customer Segmentation</a:t>
-            </a:r>
-            <a:endParaRPr sz="3600" b="1" dirty="0">
-              <a:latin typeface="Rubik"/>
-              <a:ea typeface="Rubik"/>
-              <a:cs typeface="Rubik"/>
-              <a:sym typeface="Rubik"/>
-            </a:endParaRPr>
-          </a:p>
-        </p:txBody>
-      </p:sp>
-      <p:pic>
-        <p:nvPicPr>
-          <p:cNvPr id="96" name="Google Shape;96;p16"/>
-          <p:cNvPicPr preferRelativeResize="0"/>
-          <p:nvPr/>
-        </p:nvPicPr>
-        <p:blipFill rotWithShape="1">
-          <a:blip r:embed="rId4">
-            <a:alphaModFix/>
-          </a:blip>
-          <a:srcRect t="5658" b="5649"/>
-          <a:stretch/>
-        </p:blipFill>
-        <p:spPr>
-          <a:xfrm>
-            <a:off x="7317600" y="185625"/>
-            <a:ext cx="1399902" cy="541300"/>
-          </a:xfrm>
-          <a:prstGeom prst="rect">
-            <a:avLst/>
-          </a:prstGeom>
-          <a:noFill/>
-          <a:ln>
-            <a:noFill/>
-          </a:ln>
-        </p:spPr>
-      </p:pic>
-      <p:sp>
-        <p:nvSpPr>
-          <p:cNvPr id="2" name="Google Shape;97;p16">
-            <a:extLst>
-              <a:ext uri="{FF2B5EF4-FFF2-40B4-BE49-F238E27FC236}">
-                <a16:creationId xmlns:a16="http://schemas.microsoft.com/office/drawing/2014/main" id="{A780E287-A1A6-8A44-26B3-01656C6762FB}"/>
-              </a:ext>
-            </a:extLst>
-          </p:cNvPr>
-          <p:cNvSpPr txBox="1"/>
-          <p:nvPr/>
-        </p:nvSpPr>
-        <p:spPr>
-          <a:xfrm>
-            <a:off x="546240" y="1733777"/>
-            <a:ext cx="7744320" cy="2154406"/>
-          </a:xfrm>
-          <a:prstGeom prst="rect">
-            <a:avLst/>
-          </a:prstGeom>
-          <a:noFill/>
-          <a:ln>
-            <a:noFill/>
-          </a:ln>
-        </p:spPr>
-        <p:txBody>
-          <a:bodyPr spcFirstLastPara="1" wrap="square" lIns="91425" tIns="91425" rIns="91425" bIns="91425" anchor="t" anchorCtr="0">
-            <a:spAutoFit/>
-          </a:bodyPr>
-          <a:lstStyle/>
-          <a:p>
-            <a:pPr algn="just"/>
-            <a:r>
-              <a:rPr lang="en-US" sz="1600" b="1" i="0" dirty="0">
-                <a:solidFill>
-                  <a:schemeClr val="tx1"/>
-                </a:solidFill>
-                <a:effectLst/>
-                <a:latin typeface="Rubik"/>
-              </a:rPr>
-              <a:t>Cluster 0 (Moderate Health Shoppers)</a:t>
-            </a:r>
-          </a:p>
-          <a:p>
-            <a:pPr algn="just"/>
-            <a:r>
-              <a:rPr lang="en-US" sz="1600" dirty="0">
-                <a:solidFill>
-                  <a:schemeClr val="tx1"/>
-                </a:solidFill>
-                <a:latin typeface="Rubik"/>
-                <a:ea typeface="Rubik"/>
-                <a:cs typeface="Rubik"/>
-                <a:sym typeface="Rubik"/>
-              </a:rPr>
-              <a:t>This group has a moderate frequency and amount of purchases. They prioritize effectiveness and efficiency in purchasing. They balance quality with affordable prices. </a:t>
-            </a:r>
-          </a:p>
-          <a:p>
-            <a:pPr algn="just"/>
-            <a:endParaRPr lang="en-US" sz="1600" dirty="0">
-              <a:solidFill>
-                <a:schemeClr val="tx1"/>
-              </a:solidFill>
-              <a:latin typeface="Rubik"/>
-              <a:ea typeface="Rubik"/>
-              <a:cs typeface="Rubik"/>
-              <a:sym typeface="Rubik"/>
-            </a:endParaRPr>
-          </a:p>
-          <a:p>
-            <a:pPr marL="285750" indent="-285750" algn="just">
-              <a:buFont typeface="Arial" panose="020B0604020202020204" pitchFamily="34" charset="0"/>
-              <a:buChar char="•"/>
-            </a:pPr>
-            <a:r>
-              <a:rPr lang="en-US" sz="1600" dirty="0">
-                <a:solidFill>
-                  <a:schemeClr val="tx1"/>
-                </a:solidFill>
-                <a:latin typeface="Rubik"/>
-                <a:ea typeface="Rubik"/>
-                <a:cs typeface="Rubik"/>
-                <a:sym typeface="Rubik"/>
-              </a:rPr>
-              <a:t>To increase sales, promotion of quality products at affordable prices can be done.</a:t>
-            </a:r>
-          </a:p>
-          <a:p>
-            <a:pPr marL="285750" indent="-285750" algn="just">
-              <a:buFont typeface="Arial" panose="020B0604020202020204" pitchFamily="34" charset="0"/>
-              <a:buChar char="•"/>
-            </a:pPr>
-            <a:r>
-              <a:rPr lang="en-US" sz="1600" dirty="0">
-                <a:solidFill>
-                  <a:schemeClr val="tx1"/>
-                </a:solidFill>
-                <a:latin typeface="Rubik"/>
-                <a:ea typeface="Rubik"/>
-                <a:cs typeface="Rubik"/>
-                <a:sym typeface="Rubik"/>
-              </a:rPr>
-              <a:t>Discounts/promotions can be given to increase purchases and customer loyalty.</a:t>
-            </a:r>
-          </a:p>
-          <a:p>
-            <a:pPr marL="285750" indent="-285750" algn="just">
-              <a:buFont typeface="Arial" panose="020B0604020202020204" pitchFamily="34" charset="0"/>
-              <a:buChar char="•"/>
-            </a:pPr>
-            <a:r>
-              <a:rPr lang="en-US" sz="1600" dirty="0">
-                <a:solidFill>
-                  <a:schemeClr val="tx1"/>
-                </a:solidFill>
-                <a:latin typeface="Rubik"/>
-                <a:ea typeface="Rubik"/>
-                <a:cs typeface="Rubik"/>
-                <a:sym typeface="Rubik"/>
-              </a:rPr>
-              <a:t>Organize campaigns to raise awareness of products that can help their lives become better and healthier. </a:t>
-            </a:r>
-          </a:p>
-        </p:txBody>
-      </p:sp>
-      <p:pic>
-        <p:nvPicPr>
-          <p:cNvPr id="6" name="Picture 5">
-            <a:extLst>
-              <a:ext uri="{FF2B5EF4-FFF2-40B4-BE49-F238E27FC236}">
-                <a16:creationId xmlns:a16="http://schemas.microsoft.com/office/drawing/2014/main" id="{DB55F9DA-297F-4FCE-BCF4-55984B5B2E8F}"/>
-              </a:ext>
-            </a:extLst>
-          </p:cNvPr>
-          <p:cNvPicPr>
-            <a:picLocks noChangeAspect="1"/>
-          </p:cNvPicPr>
-          <p:nvPr/>
-        </p:nvPicPr>
-        <p:blipFill>
-          <a:blip r:embed="rId5"/>
-          <a:stretch>
-            <a:fillRect/>
-          </a:stretch>
-        </p:blipFill>
-        <p:spPr>
-          <a:xfrm>
-            <a:off x="5999025" y="130144"/>
-            <a:ext cx="1151890" cy="606542"/>
-          </a:xfrm>
-          <a:prstGeom prst="rect">
-            <a:avLst/>
-          </a:prstGeom>
-          <a:effectLst>
-            <a:softEdge rad="0"/>
-          </a:effectLst>
-        </p:spPr>
-      </p:pic>
-    </p:spTree>
-    <p:extLst>
-      <p:ext uri="{BB962C8B-B14F-4D97-AF65-F5344CB8AC3E}">
-        <p14:creationId xmlns:p14="http://schemas.microsoft.com/office/powerpoint/2010/main" val="3991112180"/>
-      </p:ext>
-    </p:extLst>
-  </p:cSld>
-  <p:clrMapOvr>
-    <a:masterClrMapping/>
-  </p:clrMapOvr>
-</p:sld>
-</file>
-
-<file path=ppt/slides/slide16.xml><?xml version="1.0" encoding="utf-8"?>
-<p:sld xmlns:a="http://schemas.openxmlformats.org/drawingml/2006/main" xmlns:r="http://schemas.openxmlformats.org/officeDocument/2006/relationships" xmlns:p="http://schemas.openxmlformats.org/presentationml/2006/main">
-  <p:cSld>
-    <p:spTree>
-      <p:nvGrpSpPr>
-        <p:cNvPr id="1" name="Shape 93"/>
-        <p:cNvGrpSpPr/>
-        <p:nvPr/>
-      </p:nvGrpSpPr>
-      <p:grpSpPr>
-        <a:xfrm>
-          <a:off x="0" y="0"/>
-          <a:ext cx="0" cy="0"/>
-          <a:chOff x="0" y="0"/>
-          <a:chExt cx="0" cy="0"/>
-        </a:xfrm>
-      </p:grpSpPr>
-      <p:pic>
-        <p:nvPicPr>
-          <p:cNvPr id="94" name="Google Shape;94;p16"/>
-          <p:cNvPicPr preferRelativeResize="0"/>
-          <p:nvPr/>
-        </p:nvPicPr>
-        <p:blipFill>
-          <a:blip r:embed="rId3">
-            <a:alphaModFix amt="10000"/>
-          </a:blip>
-          <a:stretch>
-            <a:fillRect/>
-          </a:stretch>
-        </p:blipFill>
-        <p:spPr>
-          <a:xfrm>
-            <a:off x="0" y="0"/>
-            <a:ext cx="9144001" cy="5143501"/>
-          </a:xfrm>
-          <a:prstGeom prst="rect">
-            <a:avLst/>
-          </a:prstGeom>
-          <a:noFill/>
-          <a:ln>
-            <a:noFill/>
-          </a:ln>
-        </p:spPr>
-      </p:pic>
-      <p:sp>
-        <p:nvSpPr>
-          <p:cNvPr id="95" name="Google Shape;95;p16"/>
-          <p:cNvSpPr txBox="1"/>
-          <p:nvPr/>
-        </p:nvSpPr>
-        <p:spPr>
-          <a:xfrm>
-            <a:off x="546240" y="425795"/>
-            <a:ext cx="5145900" cy="738633"/>
-          </a:xfrm>
-          <a:prstGeom prst="rect">
-            <a:avLst/>
-          </a:prstGeom>
-          <a:noFill/>
-          <a:ln>
-            <a:noFill/>
-          </a:ln>
-          <a:effectLst>
-            <a:outerShdw blurRad="57150" dist="19050" dir="2820000" algn="bl" rotWithShape="0">
-              <a:srgbClr val="B7B7B7">
-                <a:alpha val="86000"/>
-              </a:srgbClr>
-            </a:outerShdw>
-          </a:effectLst>
-        </p:spPr>
-        <p:txBody>
-          <a:bodyPr spcFirstLastPara="1" wrap="square" lIns="91425" tIns="91425" rIns="91425" bIns="91425" anchor="t" anchorCtr="0">
-            <a:spAutoFit/>
-          </a:bodyPr>
-          <a:lstStyle/>
-          <a:p>
-            <a:pPr marL="0" lvl="0" indent="0" rtl="0">
-              <a:spcBef>
-                <a:spcPts val="0"/>
-              </a:spcBef>
-              <a:spcAft>
-                <a:spcPts val="0"/>
-              </a:spcAft>
-              <a:buNone/>
-            </a:pPr>
-            <a:r>
-              <a:rPr lang="en" sz="3600" b="1" dirty="0">
-                <a:latin typeface="Rubik"/>
-                <a:ea typeface="Rubik"/>
-                <a:cs typeface="Rubik"/>
-                <a:sym typeface="Rubik"/>
-              </a:rPr>
-              <a:t>Customer Segmentation</a:t>
-            </a:r>
-            <a:endParaRPr sz="3600" b="1" dirty="0">
-              <a:latin typeface="Rubik"/>
-              <a:ea typeface="Rubik"/>
-              <a:cs typeface="Rubik"/>
-              <a:sym typeface="Rubik"/>
-            </a:endParaRPr>
-          </a:p>
-        </p:txBody>
-      </p:sp>
-      <p:pic>
-        <p:nvPicPr>
-          <p:cNvPr id="96" name="Google Shape;96;p16"/>
-          <p:cNvPicPr preferRelativeResize="0"/>
-          <p:nvPr/>
-        </p:nvPicPr>
-        <p:blipFill rotWithShape="1">
-          <a:blip r:embed="rId4">
-            <a:alphaModFix/>
-          </a:blip>
-          <a:srcRect t="5658" b="5649"/>
-          <a:stretch/>
-        </p:blipFill>
-        <p:spPr>
-          <a:xfrm>
-            <a:off x="7317600" y="185625"/>
-            <a:ext cx="1399902" cy="541300"/>
-          </a:xfrm>
-          <a:prstGeom prst="rect">
-            <a:avLst/>
-          </a:prstGeom>
-          <a:noFill/>
-          <a:ln>
-            <a:noFill/>
-          </a:ln>
-        </p:spPr>
-      </p:pic>
-      <p:sp>
-        <p:nvSpPr>
-          <p:cNvPr id="2" name="Google Shape;97;p16">
-            <a:extLst>
-              <a:ext uri="{FF2B5EF4-FFF2-40B4-BE49-F238E27FC236}">
-                <a16:creationId xmlns:a16="http://schemas.microsoft.com/office/drawing/2014/main" id="{A780E287-A1A6-8A44-26B3-01656C6762FB}"/>
-              </a:ext>
-            </a:extLst>
-          </p:cNvPr>
-          <p:cNvSpPr txBox="1"/>
-          <p:nvPr/>
-        </p:nvSpPr>
-        <p:spPr>
-          <a:xfrm>
-            <a:off x="546240" y="1336185"/>
-            <a:ext cx="7744320" cy="3139291"/>
-          </a:xfrm>
-          <a:prstGeom prst="rect">
-            <a:avLst/>
-          </a:prstGeom>
-          <a:noFill/>
-          <a:ln>
-            <a:noFill/>
-          </a:ln>
-        </p:spPr>
-        <p:txBody>
-          <a:bodyPr spcFirstLastPara="1" wrap="square" lIns="91425" tIns="91425" rIns="91425" bIns="91425" anchor="t" anchorCtr="0">
-            <a:spAutoFit/>
-          </a:bodyPr>
-          <a:lstStyle/>
-          <a:p>
-            <a:pPr lvl="0" algn="just" rtl="0">
-              <a:spcBef>
-                <a:spcPts val="0"/>
-              </a:spcBef>
-              <a:spcAft>
-                <a:spcPts val="0"/>
-              </a:spcAft>
-            </a:pPr>
-            <a:r>
-              <a:rPr lang="en-US" sz="1600" b="1" dirty="0">
-                <a:solidFill>
-                  <a:schemeClr val="tx1"/>
-                </a:solidFill>
-                <a:latin typeface="Rubik"/>
-                <a:ea typeface="Rubik"/>
-                <a:cs typeface="Rubik"/>
-                <a:sym typeface="Rubik"/>
-              </a:rPr>
-              <a:t>Cluster 1 (High-Value Health Enthusiasts)</a:t>
-            </a:r>
-          </a:p>
-          <a:p>
-            <a:pPr lvl="0" algn="just"/>
-            <a:r>
-              <a:rPr lang="en-US" sz="1600" dirty="0">
-                <a:solidFill>
-                  <a:schemeClr val="tx1"/>
-                </a:solidFill>
-                <a:latin typeface="Rubik"/>
-                <a:ea typeface="Rubik"/>
-                <a:cs typeface="Rubik"/>
-                <a:sym typeface="Rubik"/>
-              </a:rPr>
-              <a:t>This group has the highest frequency and number of purchases. This group is a health conscious customer and does not think too much about price for purchasing the best quality products. This group is also a brand loyal customer. </a:t>
-            </a:r>
-          </a:p>
-          <a:p>
-            <a:pPr lvl="0" algn="just"/>
-            <a:endParaRPr lang="en-US" sz="1600" dirty="0">
-              <a:solidFill>
-                <a:schemeClr val="tx1"/>
-              </a:solidFill>
-              <a:latin typeface="Rubik"/>
-              <a:ea typeface="Rubik"/>
-              <a:cs typeface="Rubik"/>
-              <a:sym typeface="Rubik"/>
-            </a:endParaRPr>
-          </a:p>
-          <a:p>
-            <a:pPr marL="285750" lvl="0" indent="-285750" algn="just">
-              <a:buFont typeface="Arial" panose="020B0604020202020204" pitchFamily="34" charset="0"/>
-              <a:buChar char="•"/>
-            </a:pPr>
-            <a:r>
-              <a:rPr lang="en-US" sz="1600" dirty="0">
-                <a:solidFill>
-                  <a:schemeClr val="tx1"/>
-                </a:solidFill>
-                <a:latin typeface="Rubik"/>
-                <a:ea typeface="Rubik"/>
-                <a:cs typeface="Rubik"/>
-                <a:sym typeface="Rubik"/>
-              </a:rPr>
-              <a:t>This group is the biggest contributor to sales so they can be given exclusive promotions and benefits as well as a reward system to maintain loyalty. </a:t>
-            </a:r>
-          </a:p>
-          <a:p>
-            <a:pPr marL="285750" lvl="0" indent="-285750" algn="just">
-              <a:buFont typeface="Arial" panose="020B0604020202020204" pitchFamily="34" charset="0"/>
-              <a:buChar char="•"/>
-            </a:pPr>
-            <a:r>
-              <a:rPr lang="en-US" sz="1600" dirty="0">
-                <a:solidFill>
-                  <a:schemeClr val="tx1"/>
-                </a:solidFill>
-                <a:latin typeface="Rubik"/>
-                <a:ea typeface="Rubik"/>
-                <a:cs typeface="Rubik"/>
-                <a:sym typeface="Rubik"/>
-              </a:rPr>
-              <a:t>Campaigns can also be carried out by informing the best products or the latest products owned by the brand for their every need.</a:t>
-            </a:r>
-          </a:p>
-          <a:p>
-            <a:pPr marL="285750" lvl="0" indent="-285750" algn="just">
-              <a:buFont typeface="Arial" panose="020B0604020202020204" pitchFamily="34" charset="0"/>
-              <a:buChar char="•"/>
-            </a:pPr>
-            <a:r>
-              <a:rPr lang="en-US" sz="1600" dirty="0">
-                <a:solidFill>
-                  <a:schemeClr val="tx1"/>
-                </a:solidFill>
-                <a:latin typeface="Rubik"/>
-                <a:ea typeface="Rubik"/>
-                <a:cs typeface="Rubik"/>
-                <a:sym typeface="Rubik"/>
-              </a:rPr>
-              <a:t>Provide personalized recommendations for customers in this segment.</a:t>
-            </a:r>
-          </a:p>
-          <a:p>
-            <a:pPr marL="285750" lvl="0" indent="-285750" algn="just">
-              <a:buFont typeface="Arial" panose="020B0604020202020204" pitchFamily="34" charset="0"/>
-              <a:buChar char="•"/>
-            </a:pPr>
-            <a:r>
-              <a:rPr lang="en-US" sz="1600" dirty="0">
-                <a:solidFill>
-                  <a:schemeClr val="tx1"/>
-                </a:solidFill>
-                <a:latin typeface="Rubik"/>
-                <a:ea typeface="Rubik"/>
-                <a:cs typeface="Rubik"/>
-                <a:sym typeface="Rubik"/>
-              </a:rPr>
-              <a:t>Ask for feedback from them regarding a product to be used as one of the references for the future.</a:t>
-            </a:r>
-          </a:p>
-        </p:txBody>
-      </p:sp>
-      <p:pic>
-        <p:nvPicPr>
-          <p:cNvPr id="6" name="Picture 5">
-            <a:extLst>
-              <a:ext uri="{FF2B5EF4-FFF2-40B4-BE49-F238E27FC236}">
-                <a16:creationId xmlns:a16="http://schemas.microsoft.com/office/drawing/2014/main" id="{70FC7BE6-8245-4203-B854-CD975EAEE882}"/>
-              </a:ext>
-            </a:extLst>
-          </p:cNvPr>
-          <p:cNvPicPr>
-            <a:picLocks noChangeAspect="1"/>
-          </p:cNvPicPr>
-          <p:nvPr/>
-        </p:nvPicPr>
-        <p:blipFill>
-          <a:blip r:embed="rId5"/>
-          <a:stretch>
-            <a:fillRect/>
-          </a:stretch>
-        </p:blipFill>
-        <p:spPr>
-          <a:xfrm>
-            <a:off x="5999025" y="130144"/>
-            <a:ext cx="1151890" cy="606542"/>
-          </a:xfrm>
-          <a:prstGeom prst="rect">
-            <a:avLst/>
-          </a:prstGeom>
-          <a:effectLst>
-            <a:softEdge rad="0"/>
-          </a:effectLst>
-        </p:spPr>
-      </p:pic>
-    </p:spTree>
-    <p:extLst>
-      <p:ext uri="{BB962C8B-B14F-4D97-AF65-F5344CB8AC3E}">
-        <p14:creationId xmlns:p14="http://schemas.microsoft.com/office/powerpoint/2010/main" val="1289024148"/>
-      </p:ext>
-    </p:extLst>
-  </p:cSld>
-  <p:clrMapOvr>
-    <a:masterClrMapping/>
-  </p:clrMapOvr>
-</p:sld>
-</file>
-
 <file path=ppt/slides/slide17.xml><?xml version="1.0" encoding="utf-8"?>
 <p:sld xmlns:a="http://schemas.openxmlformats.org/drawingml/2006/main" xmlns:r="http://schemas.openxmlformats.org/officeDocument/2006/relationships" xmlns:p="http://schemas.openxmlformats.org/presentationml/2006/main">
   <p:cSld>
@@ -10299,8 +10550,13 @@
         <p:blipFill rotWithShape="1">
           <a:blip r:embed="rId4">
             <a:alphaModFix/>
+            <a:extLst>
+              <a:ext uri="{28A0092B-C50C-407E-A947-70E740481C1C}">
+                <a14:useLocalDpi xmlns:a14="http://schemas.microsoft.com/office/drawing/2010/main"/>
+              </a:ext>
+            </a:extLst>
           </a:blip>
-          <a:srcRect t="5658" b="5649"/>
+          <a:srcRect/>
           <a:stretch/>
         </p:blipFill>
         <p:spPr>
@@ -10331,8 +10587,8 @@
         </p:nvSpPr>
         <p:spPr>
           <a:xfrm>
-            <a:off x="546240" y="1534483"/>
-            <a:ext cx="7744320" cy="2646848"/>
+            <a:off x="546240" y="1733777"/>
+            <a:ext cx="7744320" cy="2154406"/>
           </a:xfrm>
           <a:prstGeom prst="rect">
             <a:avLst/>
@@ -10348,29 +10604,20 @@
           </a:bodyPr>
           <a:lstStyle/>
           <a:p>
-            <a:pPr lvl="0" algn="just" rtl="0">
-              <a:spcBef>
-                <a:spcPts val="0"/>
-              </a:spcBef>
-              <a:spcAft>
-                <a:spcPts val="0"/>
-              </a:spcAft>
-            </a:pPr>
-            <a:r>
-              <a:rPr lang="en-US" sz="1600" b="1" dirty="0">
+            <a:pPr algn="just"/>
+            <a:r>
+              <a:rPr lang="en-US" sz="1600" b="1" i="0" dirty="0">
                 <a:solidFill>
                   <a:schemeClr val="tx1"/>
                 </a:solidFill>
-                <a:latin typeface="Rubik"/>
-                <a:ea typeface="Rubik"/>
-                <a:cs typeface="Rubik"/>
-                <a:sym typeface="Rubik"/>
-              </a:rPr>
-              <a:t>Cluster 2 (Occasional Health Shoppers)</a:t>
-            </a:r>
-          </a:p>
-          <a:p>
-            <a:pPr lvl="0" algn="just"/>
+                <a:effectLst/>
+                <a:latin typeface="Rubik"/>
+              </a:rPr>
+              <a:t>Cluster 0 (Moderate Health Shoppers)</a:t>
+            </a:r>
+          </a:p>
+          <a:p>
+            <a:pPr algn="just"/>
             <a:r>
               <a:rPr lang="en-US" sz="1600" dirty="0">
                 <a:solidFill>
@@ -10381,11 +10628,11 @@
                 <a:cs typeface="Rubik"/>
                 <a:sym typeface="Rubik"/>
               </a:rPr>
-              <a:t>This group is a customer who has the least frequency and amount of purchases. This group has an emphasis on choosing products that can meet their needs at the most affordable price. They also tend to buy products only when needed and do not pay much attention to brands. </a:t>
-            </a:r>
-          </a:p>
-          <a:p>
-            <a:pPr lvl="0" algn="just"/>
+              <a:t>This group has a moderate frequency and amount of purchases. They prioritize effectiveness and efficiency in purchasing. They balance quality with affordable prices. </a:t>
+            </a:r>
+          </a:p>
+          <a:p>
+            <a:pPr algn="just"/>
             <a:endParaRPr lang="en-US" sz="1600" dirty="0">
               <a:solidFill>
                 <a:schemeClr val="tx1"/>
@@ -10397,7 +10644,7 @@
             </a:endParaRPr>
           </a:p>
           <a:p>
-            <a:pPr marL="285750" lvl="0" indent="-285750" algn="just">
+            <a:pPr marL="285750" indent="-285750" algn="just">
               <a:buFont typeface="Arial" panose="020B0604020202020204" pitchFamily="34" charset="0"/>
               <a:buChar char="•"/>
             </a:pPr>
@@ -10411,11 +10658,11 @@
                 <a:cs typeface="Rubik"/>
                 <a:sym typeface="Rubik"/>
               </a:rPr>
-              <a:t>As a step to increase sales and loyalty, provide discounts to encourage purchases. </a:t>
-            </a:r>
-          </a:p>
-          <a:p>
-            <a:pPr marL="285750" lvl="0" indent="-285750" algn="just">
+              <a:t>To increase sales, promotion of quality products at affordable prices can be done.</a:t>
+            </a:r>
+          </a:p>
+          <a:p>
+            <a:pPr marL="285750" indent="-285750" algn="just">
               <a:buFont typeface="Arial" panose="020B0604020202020204" pitchFamily="34" charset="0"/>
               <a:buChar char="•"/>
             </a:pPr>
@@ -10429,11 +10676,11 @@
                 <a:cs typeface="Rubik"/>
                 <a:sym typeface="Rubik"/>
               </a:rPr>
-              <a:t>Conduct campaigns to realize the importance of health at vital times. </a:t>
-            </a:r>
-          </a:p>
-          <a:p>
-            <a:pPr marL="285750" lvl="0" indent="-285750" algn="just">
+              <a:t>Discounts/promotions can be given to increase purchases and customer loyalty.</a:t>
+            </a:r>
+          </a:p>
+          <a:p>
+            <a:pPr marL="285750" indent="-285750" algn="just">
               <a:buFont typeface="Arial" panose="020B0604020202020204" pitchFamily="34" charset="0"/>
               <a:buChar char="•"/>
             </a:pPr>
@@ -10447,7 +10694,7 @@
                 <a:cs typeface="Rubik"/>
                 <a:sym typeface="Rubik"/>
               </a:rPr>
-              <a:t>Provide product samples to introduce the brand and get them interested in buying the product. </a:t>
+              <a:t>Organize campaigns to raise awareness of products that can help their lives become better and healthier. </a:t>
             </a:r>
           </a:p>
         </p:txBody>
@@ -10457,7 +10704,7 @@
           <p:cNvPr id="6" name="Picture 5">
             <a:extLst>
               <a:ext uri="{FF2B5EF4-FFF2-40B4-BE49-F238E27FC236}">
-                <a16:creationId xmlns:a16="http://schemas.microsoft.com/office/drawing/2014/main" id="{F778A995-967A-427A-8137-60FB880DCC1D}"/>
+                <a16:creationId xmlns:a16="http://schemas.microsoft.com/office/drawing/2014/main" id="{DB55F9DA-297F-4FCE-BCF4-55984B5B2E8F}"/>
               </a:ext>
             </a:extLst>
           </p:cNvPr>
@@ -10488,7 +10735,7 @@
     </p:spTree>
     <p:extLst>
       <p:ext uri="{BB962C8B-B14F-4D97-AF65-F5344CB8AC3E}">
-        <p14:creationId xmlns:p14="http://schemas.microsoft.com/office/powerpoint/2010/main" val="3157385679"/>
+        <p14:creationId xmlns:p14="http://schemas.microsoft.com/office/powerpoint/2010/main" val="3991112180"/>
       </p:ext>
     </p:extLst>
   </p:cSld>
@@ -10611,8 +10858,13 @@
         <p:blipFill rotWithShape="1">
           <a:blip r:embed="rId4">
             <a:alphaModFix/>
+            <a:extLst>
+              <a:ext uri="{28A0092B-C50C-407E-A947-70E740481C1C}">
+                <a14:useLocalDpi xmlns:a14="http://schemas.microsoft.com/office/drawing/2010/main"/>
+              </a:ext>
+            </a:extLst>
           </a:blip>
-          <a:srcRect t="5658" b="5649"/>
+          <a:srcRect/>
           <a:stretch/>
         </p:blipFill>
         <p:spPr>
@@ -10643,8 +10895,8 @@
         </p:nvSpPr>
         <p:spPr>
           <a:xfrm>
-            <a:off x="546240" y="1510382"/>
-            <a:ext cx="7744320" cy="2646848"/>
+            <a:off x="546240" y="1336185"/>
+            <a:ext cx="7744320" cy="3139291"/>
           </a:xfrm>
           <a:prstGeom prst="rect">
             <a:avLst/>
@@ -10678,7 +10930,7 @@
                 <a:cs typeface="Rubik"/>
                 <a:sym typeface="Rubik"/>
               </a:rPr>
-              <a:t>Cluster 3 (Health Enthusiasts)</a:t>
+              <a:t>Cluster 1 (High-Value Health Enthusiasts)</a:t>
             </a:r>
           </a:p>
           <a:p>
@@ -10693,7 +10945,7 @@
                 <a:cs typeface="Rubik"/>
                 <a:sym typeface="Rubik"/>
               </a:rPr>
-              <a:t>This group has a considerable frequency and number of purchases, just less than the top group. This group contains customers who are willing to spend money on high-quality health products and are willing to spend more money to get them as long as they are worth it. </a:t>
+              <a:t>This group has the highest frequency and number of purchases. This group is a health conscious customer and does not think too much about price for purchasing the best quality products. This group is also a brand loyal customer. </a:t>
             </a:r>
           </a:p>
           <a:p>
@@ -10723,7 +10975,7 @@
                 <a:cs typeface="Rubik"/>
                 <a:sym typeface="Rubik"/>
               </a:rPr>
-              <a:t>Do upselling to increase interest in buying premium products.</a:t>
+              <a:t>This group is the biggest contributor to sales so they can be given exclusive promotions and benefits as well as a reward system to maintain loyalty. </a:t>
             </a:r>
           </a:p>
           <a:p>
@@ -10741,7 +10993,7 @@
                 <a:cs typeface="Rubik"/>
                 <a:sym typeface="Rubik"/>
               </a:rPr>
-              <a:t>In the campaign, emphasize the quality and efficacy of the product in everyday life. In addition, introduction to relevant premium products can be done.</a:t>
+              <a:t>Campaigns can also be carried out by informing the best products or the latest products owned by the brand for their every need.</a:t>
             </a:r>
           </a:p>
           <a:p>
@@ -10759,7 +11011,25 @@
                 <a:cs typeface="Rubik"/>
                 <a:sym typeface="Rubik"/>
               </a:rPr>
-              <a:t>Promote bundling with premium products to generate interest in buying. </a:t>
+              <a:t>Provide personalized recommendations for customers in this segment.</a:t>
+            </a:r>
+          </a:p>
+          <a:p>
+            <a:pPr marL="285750" lvl="0" indent="-285750" algn="just">
+              <a:buFont typeface="Arial" panose="020B0604020202020204" pitchFamily="34" charset="0"/>
+              <a:buChar char="•"/>
+            </a:pPr>
+            <a:r>
+              <a:rPr lang="en-US" sz="1600" dirty="0">
+                <a:solidFill>
+                  <a:schemeClr val="tx1"/>
+                </a:solidFill>
+                <a:latin typeface="Rubik"/>
+                <a:ea typeface="Rubik"/>
+                <a:cs typeface="Rubik"/>
+                <a:sym typeface="Rubik"/>
+              </a:rPr>
+              <a:t>Ask for feedback from them regarding a product to be used as one of the references for the future.</a:t>
             </a:r>
           </a:p>
         </p:txBody>
@@ -10769,7 +11039,7 @@
           <p:cNvPr id="6" name="Picture 5">
             <a:extLst>
               <a:ext uri="{FF2B5EF4-FFF2-40B4-BE49-F238E27FC236}">
-                <a16:creationId xmlns:a16="http://schemas.microsoft.com/office/drawing/2014/main" id="{04469677-7770-43DE-B086-60B7E3031404}"/>
+                <a16:creationId xmlns:a16="http://schemas.microsoft.com/office/drawing/2014/main" id="{70FC7BE6-8245-4203-B854-CD975EAEE882}"/>
               </a:ext>
             </a:extLst>
           </p:cNvPr>
@@ -10800,7 +11070,7 @@
     </p:spTree>
     <p:extLst>
       <p:ext uri="{BB962C8B-B14F-4D97-AF65-F5344CB8AC3E}">
-        <p14:creationId xmlns:p14="http://schemas.microsoft.com/office/powerpoint/2010/main" val="1304134798"/>
+        <p14:creationId xmlns:p14="http://schemas.microsoft.com/office/powerpoint/2010/main" val="1289024148"/>
       </p:ext>
     </p:extLst>
   </p:cSld>
@@ -10864,7 +11134,7 @@
         <p:spPr>
           <a:xfrm>
             <a:off x="546240" y="425795"/>
-            <a:ext cx="5891774" cy="738633"/>
+            <a:ext cx="5145900" cy="738633"/>
           </a:xfrm>
           <a:prstGeom prst="rect">
             <a:avLst/>
@@ -10897,14 +11167,20 @@
               <a:buNone/>
             </a:pPr>
             <a:r>
-              <a:rPr lang="en-US" sz="3600" b="1" dirty="0">
+              <a:rPr lang="en" sz="3600" b="1" dirty="0">
                 <a:latin typeface="Rubik"/>
                 <a:ea typeface="Rubik"/>
                 <a:cs typeface="Rubik"/>
                 <a:sym typeface="Rubik"/>
               </a:rPr>
-              <a:t>Regression (ARIMA)</a:t>
-            </a:r>
+              <a:t>Customer Segmentation</a:t>
+            </a:r>
+            <a:endParaRPr sz="3600" b="1" dirty="0">
+              <a:latin typeface="Rubik"/>
+              <a:ea typeface="Rubik"/>
+              <a:cs typeface="Rubik"/>
+              <a:sym typeface="Rubik"/>
+            </a:endParaRPr>
           </a:p>
         </p:txBody>
       </p:sp>
@@ -10917,8 +11193,13 @@
         <p:blipFill rotWithShape="1">
           <a:blip r:embed="rId4">
             <a:alphaModFix/>
+            <a:extLst>
+              <a:ext uri="{28A0092B-C50C-407E-A947-70E740481C1C}">
+                <a14:useLocalDpi xmlns:a14="http://schemas.microsoft.com/office/drawing/2010/main"/>
+              </a:ext>
+            </a:extLst>
           </a:blip>
-          <a:srcRect t="5658" b="5649"/>
+          <a:srcRect/>
           <a:stretch/>
         </p:blipFill>
         <p:spPr>
@@ -10935,12 +11216,147 @@
           </a:ln>
         </p:spPr>
       </p:pic>
+      <p:sp>
+        <p:nvSpPr>
+          <p:cNvPr id="2" name="Google Shape;97;p16">
+            <a:extLst>
+              <a:ext uri="{FF2B5EF4-FFF2-40B4-BE49-F238E27FC236}">
+                <a16:creationId xmlns:a16="http://schemas.microsoft.com/office/drawing/2014/main" id="{A780E287-A1A6-8A44-26B3-01656C6762FB}"/>
+              </a:ext>
+            </a:extLst>
+          </p:cNvPr>
+          <p:cNvSpPr txBox="1"/>
+          <p:nvPr/>
+        </p:nvSpPr>
+        <p:spPr>
+          <a:xfrm>
+            <a:off x="546240" y="1534483"/>
+            <a:ext cx="7744320" cy="2646848"/>
+          </a:xfrm>
+          <a:prstGeom prst="rect">
+            <a:avLst/>
+          </a:prstGeom>
+          <a:noFill/>
+          <a:ln>
+            <a:noFill/>
+          </a:ln>
+        </p:spPr>
+        <p:txBody>
+          <a:bodyPr spcFirstLastPara="1" wrap="square" lIns="91425" tIns="91425" rIns="91425" bIns="91425" anchor="t" anchorCtr="0">
+            <a:spAutoFit/>
+          </a:bodyPr>
+          <a:lstStyle/>
+          <a:p>
+            <a:pPr lvl="0" algn="just" rtl="0">
+              <a:spcBef>
+                <a:spcPts val="0"/>
+              </a:spcBef>
+              <a:spcAft>
+                <a:spcPts val="0"/>
+              </a:spcAft>
+            </a:pPr>
+            <a:r>
+              <a:rPr lang="en-US" sz="1600" b="1" dirty="0">
+                <a:solidFill>
+                  <a:schemeClr val="tx1"/>
+                </a:solidFill>
+                <a:latin typeface="Rubik"/>
+                <a:ea typeface="Rubik"/>
+                <a:cs typeface="Rubik"/>
+                <a:sym typeface="Rubik"/>
+              </a:rPr>
+              <a:t>Cluster 2 (Occasional Health Shoppers)</a:t>
+            </a:r>
+          </a:p>
+          <a:p>
+            <a:pPr lvl="0" algn="just"/>
+            <a:r>
+              <a:rPr lang="en-US" sz="1600" dirty="0">
+                <a:solidFill>
+                  <a:schemeClr val="tx1"/>
+                </a:solidFill>
+                <a:latin typeface="Rubik"/>
+                <a:ea typeface="Rubik"/>
+                <a:cs typeface="Rubik"/>
+                <a:sym typeface="Rubik"/>
+              </a:rPr>
+              <a:t>This group is a customer who has the least frequency and amount of purchases. This group has an emphasis on choosing products that can meet their needs at the most affordable price. They also tend to buy products only when needed and do not pay much attention to brands. </a:t>
+            </a:r>
+          </a:p>
+          <a:p>
+            <a:pPr lvl="0" algn="just"/>
+            <a:endParaRPr lang="en-US" sz="1600" dirty="0">
+              <a:solidFill>
+                <a:schemeClr val="tx1"/>
+              </a:solidFill>
+              <a:latin typeface="Rubik"/>
+              <a:ea typeface="Rubik"/>
+              <a:cs typeface="Rubik"/>
+              <a:sym typeface="Rubik"/>
+            </a:endParaRPr>
+          </a:p>
+          <a:p>
+            <a:pPr marL="285750" lvl="0" indent="-285750" algn="just">
+              <a:buFont typeface="Arial" panose="020B0604020202020204" pitchFamily="34" charset="0"/>
+              <a:buChar char="•"/>
+            </a:pPr>
+            <a:r>
+              <a:rPr lang="en-US" sz="1600" dirty="0">
+                <a:solidFill>
+                  <a:schemeClr val="tx1"/>
+                </a:solidFill>
+                <a:latin typeface="Rubik"/>
+                <a:ea typeface="Rubik"/>
+                <a:cs typeface="Rubik"/>
+                <a:sym typeface="Rubik"/>
+              </a:rPr>
+              <a:t>As a step to increase sales and loyalty, provide discounts to encourage purchases. </a:t>
+            </a:r>
+          </a:p>
+          <a:p>
+            <a:pPr marL="285750" lvl="0" indent="-285750" algn="just">
+              <a:buFont typeface="Arial" panose="020B0604020202020204" pitchFamily="34" charset="0"/>
+              <a:buChar char="•"/>
+            </a:pPr>
+            <a:r>
+              <a:rPr lang="en-US" sz="1600" dirty="0">
+                <a:solidFill>
+                  <a:schemeClr val="tx1"/>
+                </a:solidFill>
+                <a:latin typeface="Rubik"/>
+                <a:ea typeface="Rubik"/>
+                <a:cs typeface="Rubik"/>
+                <a:sym typeface="Rubik"/>
+              </a:rPr>
+              <a:t>Conduct campaigns to realize the importance of health at vital times. </a:t>
+            </a:r>
+          </a:p>
+          <a:p>
+            <a:pPr marL="285750" lvl="0" indent="-285750" algn="just">
+              <a:buFont typeface="Arial" panose="020B0604020202020204" pitchFamily="34" charset="0"/>
+              <a:buChar char="•"/>
+            </a:pPr>
+            <a:r>
+              <a:rPr lang="en-US" sz="1600" dirty="0">
+                <a:solidFill>
+                  <a:schemeClr val="tx1"/>
+                </a:solidFill>
+                <a:latin typeface="Rubik"/>
+                <a:ea typeface="Rubik"/>
+                <a:cs typeface="Rubik"/>
+                <a:sym typeface="Rubik"/>
+              </a:rPr>
+              <a:t>Provide product samples to introduce the brand and get them interested in buying the product. </a:t>
+            </a:r>
+          </a:p>
+        </p:txBody>
+      </p:sp>
       <p:pic>
         <p:nvPicPr>
-          <p:cNvPr id="7" name="Picture 6">
+          <p:cNvPr id="6" name="Picture 5">
             <a:extLst>
               <a:ext uri="{FF2B5EF4-FFF2-40B4-BE49-F238E27FC236}">
-                <a16:creationId xmlns:a16="http://schemas.microsoft.com/office/drawing/2014/main" id="{DA4954AF-E8D0-E61B-1070-21D52DE5659B}"/>
+                <a16:creationId xmlns:a16="http://schemas.microsoft.com/office/drawing/2014/main" id="{F778A995-967A-427A-8137-60FB880DCC1D}"/>
               </a:ext>
             </a:extLst>
           </p:cNvPr>
@@ -10951,76 +11367,6 @@
         </p:nvPicPr>
         <p:blipFill>
           <a:blip r:embed="rId5"/>
-          <a:srcRect/>
-          <a:stretch/>
-        </p:blipFill>
-        <p:spPr>
-          <a:xfrm>
-            <a:off x="558755" y="1511023"/>
-            <a:ext cx="8026489" cy="2321508"/>
-          </a:xfrm>
-          <a:prstGeom prst="rect">
-            <a:avLst/>
-          </a:prstGeom>
-        </p:spPr>
-      </p:pic>
-      <p:sp>
-        <p:nvSpPr>
-          <p:cNvPr id="9" name="TextBox 8">
-            <a:extLst>
-              <a:ext uri="{FF2B5EF4-FFF2-40B4-BE49-F238E27FC236}">
-                <a16:creationId xmlns:a16="http://schemas.microsoft.com/office/drawing/2014/main" id="{AF6E16E3-7A15-19C3-E917-8228C7ED243C}"/>
-              </a:ext>
-            </a:extLst>
-          </p:cNvPr>
-          <p:cNvSpPr txBox="1"/>
-          <p:nvPr/>
-        </p:nvSpPr>
-        <p:spPr>
-          <a:xfrm>
-            <a:off x="558754" y="4104698"/>
-            <a:ext cx="8026490" cy="584775"/>
-          </a:xfrm>
-          <a:prstGeom prst="rect">
-            <a:avLst/>
-          </a:prstGeom>
-          <a:noFill/>
-        </p:spPr>
-        <p:txBody>
-          <a:bodyPr wrap="square">
-            <a:spAutoFit/>
-          </a:bodyPr>
-          <a:lstStyle/>
-          <a:p>
-            <a:r>
-              <a:rPr lang="en-US" sz="1600" dirty="0">
-                <a:latin typeface="Rubik"/>
-                <a:ea typeface="Rubik"/>
-                <a:cs typeface="Rubik"/>
-                <a:sym typeface="Rubik"/>
-              </a:rPr>
-              <a:t>Using the ARIMA (40,2,1) model to create a regression machine learning model that can predict the number of products sold so that inventory management can be optimized.</a:t>
-            </a:r>
-            <a:endParaRPr lang="en-US" sz="1600" dirty="0"/>
-          </a:p>
-        </p:txBody>
-      </p:sp>
-      <p:pic>
-        <p:nvPicPr>
-          <p:cNvPr id="8" name="Picture 7">
-            <a:extLst>
-              <a:ext uri="{FF2B5EF4-FFF2-40B4-BE49-F238E27FC236}">
-                <a16:creationId xmlns:a16="http://schemas.microsoft.com/office/drawing/2014/main" id="{00A99F69-41D5-480F-AA64-112AE0C9B66C}"/>
-              </a:ext>
-            </a:extLst>
-          </p:cNvPr>
-          <p:cNvPicPr>
-            <a:picLocks noChangeAspect="1"/>
-          </p:cNvPicPr>
-          <p:nvPr/>
-        </p:nvPicPr>
-        <p:blipFill>
-          <a:blip r:embed="rId6"/>
           <a:stretch>
             <a:fillRect/>
           </a:stretch>
@@ -11041,7 +11387,7 @@
     </p:spTree>
     <p:extLst>
       <p:ext uri="{BB962C8B-B14F-4D97-AF65-F5344CB8AC3E}">
-        <p14:creationId xmlns:p14="http://schemas.microsoft.com/office/powerpoint/2010/main" val="3085203408"/>
+        <p14:creationId xmlns:p14="http://schemas.microsoft.com/office/powerpoint/2010/main" val="3157385679"/>
       </p:ext>
     </p:extLst>
   </p:cSld>
@@ -11164,8 +11510,13 @@
         <p:blipFill rotWithShape="1">
           <a:blip r:embed="rId4">
             <a:alphaModFix/>
+            <a:extLst>
+              <a:ext uri="{28A0092B-C50C-407E-A947-70E740481C1C}">
+                <a14:useLocalDpi xmlns:a14="http://schemas.microsoft.com/office/drawing/2010/main"/>
+              </a:ext>
+            </a:extLst>
           </a:blip>
-          <a:srcRect t="5658" b="5649"/>
+          <a:srcRect/>
           <a:stretch/>
         </p:blipFill>
         <p:spPr>
@@ -11256,7 +11607,7 @@
         </p:blipFill>
         <p:spPr>
           <a:xfrm>
-            <a:off x="0" y="-5316"/>
+            <a:off x="0" y="0"/>
             <a:ext cx="9144001" cy="5143501"/>
           </a:xfrm>
           <a:prstGeom prst="rect">
@@ -11277,7 +11628,7 @@
         <p:spPr>
           <a:xfrm>
             <a:off x="546240" y="425795"/>
-            <a:ext cx="5891774" cy="738633"/>
+            <a:ext cx="5145900" cy="738633"/>
           </a:xfrm>
           <a:prstGeom prst="rect">
             <a:avLst/>
@@ -11310,14 +11661,20 @@
               <a:buNone/>
             </a:pPr>
             <a:r>
-              <a:rPr lang="en-US" sz="3600" b="1" dirty="0">
+              <a:rPr lang="en" sz="3600" b="1" dirty="0">
                 <a:latin typeface="Rubik"/>
                 <a:ea typeface="Rubik"/>
                 <a:cs typeface="Rubik"/>
                 <a:sym typeface="Rubik"/>
               </a:rPr>
-              <a:t>Regression (ARIMA)</a:t>
-            </a:r>
+              <a:t>Customer Segmentation</a:t>
+            </a:r>
+            <a:endParaRPr sz="3600" b="1" dirty="0">
+              <a:latin typeface="Rubik"/>
+              <a:ea typeface="Rubik"/>
+              <a:cs typeface="Rubik"/>
+              <a:sym typeface="Rubik"/>
+            </a:endParaRPr>
           </a:p>
         </p:txBody>
       </p:sp>
@@ -11330,8 +11687,13 @@
         <p:blipFill rotWithShape="1">
           <a:blip r:embed="rId4">
             <a:alphaModFix/>
+            <a:extLst>
+              <a:ext uri="{28A0092B-C50C-407E-A947-70E740481C1C}">
+                <a14:useLocalDpi xmlns:a14="http://schemas.microsoft.com/office/drawing/2010/main"/>
+              </a:ext>
+            </a:extLst>
           </a:blip>
-          <a:srcRect t="5658" b="5649"/>
+          <a:srcRect/>
           <a:stretch/>
         </p:blipFill>
         <p:spPr>
@@ -11346,6 +11708,346 @@
           <a:ln>
             <a:noFill/>
           </a:ln>
+        </p:spPr>
+      </p:pic>
+      <p:sp>
+        <p:nvSpPr>
+          <p:cNvPr id="2" name="Google Shape;97;p16">
+            <a:extLst>
+              <a:ext uri="{FF2B5EF4-FFF2-40B4-BE49-F238E27FC236}">
+                <a16:creationId xmlns:a16="http://schemas.microsoft.com/office/drawing/2014/main" id="{A780E287-A1A6-8A44-26B3-01656C6762FB}"/>
+              </a:ext>
+            </a:extLst>
+          </p:cNvPr>
+          <p:cNvSpPr txBox="1"/>
+          <p:nvPr/>
+        </p:nvSpPr>
+        <p:spPr>
+          <a:xfrm>
+            <a:off x="546240" y="1510382"/>
+            <a:ext cx="7744320" cy="2646848"/>
+          </a:xfrm>
+          <a:prstGeom prst="rect">
+            <a:avLst/>
+          </a:prstGeom>
+          <a:noFill/>
+          <a:ln>
+            <a:noFill/>
+          </a:ln>
+        </p:spPr>
+        <p:txBody>
+          <a:bodyPr spcFirstLastPara="1" wrap="square" lIns="91425" tIns="91425" rIns="91425" bIns="91425" anchor="t" anchorCtr="0">
+            <a:spAutoFit/>
+          </a:bodyPr>
+          <a:lstStyle/>
+          <a:p>
+            <a:pPr lvl="0" algn="just" rtl="0">
+              <a:spcBef>
+                <a:spcPts val="0"/>
+              </a:spcBef>
+              <a:spcAft>
+                <a:spcPts val="0"/>
+              </a:spcAft>
+            </a:pPr>
+            <a:r>
+              <a:rPr lang="en-US" sz="1600" b="1" dirty="0">
+                <a:solidFill>
+                  <a:schemeClr val="tx1"/>
+                </a:solidFill>
+                <a:latin typeface="Rubik"/>
+                <a:ea typeface="Rubik"/>
+                <a:cs typeface="Rubik"/>
+                <a:sym typeface="Rubik"/>
+              </a:rPr>
+              <a:t>Cluster 3 (Health Enthusiasts)</a:t>
+            </a:r>
+          </a:p>
+          <a:p>
+            <a:pPr lvl="0" algn="just"/>
+            <a:r>
+              <a:rPr lang="en-US" sz="1600" dirty="0">
+                <a:solidFill>
+                  <a:schemeClr val="tx1"/>
+                </a:solidFill>
+                <a:latin typeface="Rubik"/>
+                <a:ea typeface="Rubik"/>
+                <a:cs typeface="Rubik"/>
+                <a:sym typeface="Rubik"/>
+              </a:rPr>
+              <a:t>This group has a considerable frequency and number of purchases, just less than the top group. This group contains customers who are willing to spend money on high-quality health products and are willing to spend more money to get them as long as they are worth it. </a:t>
+            </a:r>
+          </a:p>
+          <a:p>
+            <a:pPr lvl="0" algn="just"/>
+            <a:endParaRPr lang="en-US" sz="1600" dirty="0">
+              <a:solidFill>
+                <a:schemeClr val="tx1"/>
+              </a:solidFill>
+              <a:latin typeface="Rubik"/>
+              <a:ea typeface="Rubik"/>
+              <a:cs typeface="Rubik"/>
+              <a:sym typeface="Rubik"/>
+            </a:endParaRPr>
+          </a:p>
+          <a:p>
+            <a:pPr marL="285750" lvl="0" indent="-285750" algn="just">
+              <a:buFont typeface="Arial" panose="020B0604020202020204" pitchFamily="34" charset="0"/>
+              <a:buChar char="•"/>
+            </a:pPr>
+            <a:r>
+              <a:rPr lang="en-US" sz="1600" dirty="0">
+                <a:solidFill>
+                  <a:schemeClr val="tx1"/>
+                </a:solidFill>
+                <a:latin typeface="Rubik"/>
+                <a:ea typeface="Rubik"/>
+                <a:cs typeface="Rubik"/>
+                <a:sym typeface="Rubik"/>
+              </a:rPr>
+              <a:t>Do upselling to increase interest in buying premium products.</a:t>
+            </a:r>
+          </a:p>
+          <a:p>
+            <a:pPr marL="285750" lvl="0" indent="-285750" algn="just">
+              <a:buFont typeface="Arial" panose="020B0604020202020204" pitchFamily="34" charset="0"/>
+              <a:buChar char="•"/>
+            </a:pPr>
+            <a:r>
+              <a:rPr lang="en-US" sz="1600" dirty="0">
+                <a:solidFill>
+                  <a:schemeClr val="tx1"/>
+                </a:solidFill>
+                <a:latin typeface="Rubik"/>
+                <a:ea typeface="Rubik"/>
+                <a:cs typeface="Rubik"/>
+                <a:sym typeface="Rubik"/>
+              </a:rPr>
+              <a:t>In the campaign, emphasize the quality and efficacy of the product in everyday life. In addition, introduction to relevant premium products can be done.</a:t>
+            </a:r>
+          </a:p>
+          <a:p>
+            <a:pPr marL="285750" lvl="0" indent="-285750" algn="just">
+              <a:buFont typeface="Arial" panose="020B0604020202020204" pitchFamily="34" charset="0"/>
+              <a:buChar char="•"/>
+            </a:pPr>
+            <a:r>
+              <a:rPr lang="en-US" sz="1600" dirty="0">
+                <a:solidFill>
+                  <a:schemeClr val="tx1"/>
+                </a:solidFill>
+                <a:latin typeface="Rubik"/>
+                <a:ea typeface="Rubik"/>
+                <a:cs typeface="Rubik"/>
+                <a:sym typeface="Rubik"/>
+              </a:rPr>
+              <a:t>Promote bundling with premium products to generate interest in buying. </a:t>
+            </a:r>
+          </a:p>
+        </p:txBody>
+      </p:sp>
+      <p:pic>
+        <p:nvPicPr>
+          <p:cNvPr id="6" name="Picture 5">
+            <a:extLst>
+              <a:ext uri="{FF2B5EF4-FFF2-40B4-BE49-F238E27FC236}">
+                <a16:creationId xmlns:a16="http://schemas.microsoft.com/office/drawing/2014/main" id="{04469677-7770-43DE-B086-60B7E3031404}"/>
+              </a:ext>
+            </a:extLst>
+          </p:cNvPr>
+          <p:cNvPicPr>
+            <a:picLocks noChangeAspect="1"/>
+          </p:cNvPicPr>
+          <p:nvPr/>
+        </p:nvPicPr>
+        <p:blipFill>
+          <a:blip r:embed="rId5"/>
+          <a:stretch>
+            <a:fillRect/>
+          </a:stretch>
+        </p:blipFill>
+        <p:spPr>
+          <a:xfrm>
+            <a:off x="5999025" y="130144"/>
+            <a:ext cx="1151890" cy="606542"/>
+          </a:xfrm>
+          <a:prstGeom prst="rect">
+            <a:avLst/>
+          </a:prstGeom>
+          <a:effectLst>
+            <a:softEdge rad="0"/>
+          </a:effectLst>
+        </p:spPr>
+      </p:pic>
+    </p:spTree>
+    <p:extLst>
+      <p:ext uri="{BB962C8B-B14F-4D97-AF65-F5344CB8AC3E}">
+        <p14:creationId xmlns:p14="http://schemas.microsoft.com/office/powerpoint/2010/main" val="1304134798"/>
+      </p:ext>
+    </p:extLst>
+  </p:cSld>
+  <p:clrMapOvr>
+    <a:masterClrMapping/>
+  </p:clrMapOvr>
+</p:sld>
+</file>
+
+<file path=ppt/slides/slide21.xml><?xml version="1.0" encoding="utf-8"?>
+<p:sld xmlns:a="http://schemas.openxmlformats.org/drawingml/2006/main" xmlns:r="http://schemas.openxmlformats.org/officeDocument/2006/relationships" xmlns:p="http://schemas.openxmlformats.org/presentationml/2006/main">
+  <p:cSld>
+    <p:spTree>
+      <p:nvGrpSpPr>
+        <p:cNvPr id="1" name="Shape 93"/>
+        <p:cNvGrpSpPr/>
+        <p:nvPr/>
+      </p:nvGrpSpPr>
+      <p:grpSpPr>
+        <a:xfrm>
+          <a:off x="0" y="0"/>
+          <a:ext cx="0" cy="0"/>
+          <a:chOff x="0" y="0"/>
+          <a:chExt cx="0" cy="0"/>
+        </a:xfrm>
+      </p:grpSpPr>
+      <p:pic>
+        <p:nvPicPr>
+          <p:cNvPr id="94" name="Google Shape;94;p16"/>
+          <p:cNvPicPr preferRelativeResize="0"/>
+          <p:nvPr/>
+        </p:nvPicPr>
+        <p:blipFill>
+          <a:blip r:embed="rId3">
+            <a:alphaModFix amt="10000"/>
+          </a:blip>
+          <a:stretch>
+            <a:fillRect/>
+          </a:stretch>
+        </p:blipFill>
+        <p:spPr>
+          <a:xfrm>
+            <a:off x="0" y="0"/>
+            <a:ext cx="9144001" cy="5143501"/>
+          </a:xfrm>
+          <a:prstGeom prst="rect">
+            <a:avLst/>
+          </a:prstGeom>
+          <a:noFill/>
+          <a:ln>
+            <a:noFill/>
+          </a:ln>
+        </p:spPr>
+      </p:pic>
+      <p:sp>
+        <p:nvSpPr>
+          <p:cNvPr id="95" name="Google Shape;95;p16"/>
+          <p:cNvSpPr txBox="1"/>
+          <p:nvPr/>
+        </p:nvSpPr>
+        <p:spPr>
+          <a:xfrm>
+            <a:off x="546240" y="425795"/>
+            <a:ext cx="5891774" cy="738633"/>
+          </a:xfrm>
+          <a:prstGeom prst="rect">
+            <a:avLst/>
+          </a:prstGeom>
+          <a:noFill/>
+          <a:ln>
+            <a:noFill/>
+          </a:ln>
+          <a:effectLst>
+            <a:outerShdw blurRad="57150" dist="19050" dir="2820000" algn="bl" rotWithShape="0">
+              <a:srgbClr val="B7B7B7">
+                <a:alpha val="86000"/>
+              </a:srgbClr>
+            </a:outerShdw>
+          </a:effectLst>
+        </p:spPr>
+        <p:txBody>
+          <a:bodyPr spcFirstLastPara="1" wrap="square" lIns="91425" tIns="91425" rIns="91425" bIns="91425" anchor="t" anchorCtr="0">
+            <a:spAutoFit/>
+          </a:bodyPr>
+          <a:lstStyle/>
+          <a:p>
+            <a:pPr marL="0" lvl="0" indent="0" rtl="0">
+              <a:spcBef>
+                <a:spcPts val="0"/>
+              </a:spcBef>
+              <a:spcAft>
+                <a:spcPts val="0"/>
+              </a:spcAft>
+              <a:buNone/>
+            </a:pPr>
+            <a:r>
+              <a:rPr lang="en-US" sz="3600" b="1" dirty="0">
+                <a:latin typeface="Rubik"/>
+                <a:ea typeface="Rubik"/>
+                <a:cs typeface="Rubik"/>
+                <a:sym typeface="Rubik"/>
+              </a:rPr>
+              <a:t>Regression (ARIMA)</a:t>
+            </a:r>
+          </a:p>
+        </p:txBody>
+      </p:sp>
+      <p:pic>
+        <p:nvPicPr>
+          <p:cNvPr id="96" name="Google Shape;96;p16"/>
+          <p:cNvPicPr preferRelativeResize="0"/>
+          <p:nvPr/>
+        </p:nvPicPr>
+        <p:blipFill rotWithShape="1">
+          <a:blip r:embed="rId4">
+            <a:alphaModFix/>
+            <a:extLst>
+              <a:ext uri="{28A0092B-C50C-407E-A947-70E740481C1C}">
+                <a14:useLocalDpi xmlns:a14="http://schemas.microsoft.com/office/drawing/2010/main"/>
+              </a:ext>
+            </a:extLst>
+          </a:blip>
+          <a:srcRect/>
+          <a:stretch/>
+        </p:blipFill>
+        <p:spPr>
+          <a:xfrm>
+            <a:off x="7317600" y="185625"/>
+            <a:ext cx="1399902" cy="541300"/>
+          </a:xfrm>
+          <a:prstGeom prst="rect">
+            <a:avLst/>
+          </a:prstGeom>
+          <a:noFill/>
+          <a:ln>
+            <a:noFill/>
+          </a:ln>
+        </p:spPr>
+      </p:pic>
+      <p:pic>
+        <p:nvPicPr>
+          <p:cNvPr id="7" name="Picture 6">
+            <a:extLst>
+              <a:ext uri="{FF2B5EF4-FFF2-40B4-BE49-F238E27FC236}">
+                <a16:creationId xmlns:a16="http://schemas.microsoft.com/office/drawing/2014/main" id="{DA4954AF-E8D0-E61B-1070-21D52DE5659B}"/>
+              </a:ext>
+            </a:extLst>
+          </p:cNvPr>
+          <p:cNvPicPr>
+            <a:picLocks noChangeAspect="1"/>
+          </p:cNvPicPr>
+          <p:nvPr/>
+        </p:nvPicPr>
+        <p:blipFill>
+          <a:blip r:embed="rId5"/>
+          <a:srcRect/>
+          <a:stretch/>
+        </p:blipFill>
+        <p:spPr>
+          <a:xfrm>
+            <a:off x="558755" y="1511023"/>
+            <a:ext cx="8026489" cy="2321508"/>
+          </a:xfrm>
+          <a:prstGeom prst="rect">
+            <a:avLst/>
+          </a:prstGeom>
         </p:spPr>
       </p:pic>
       <p:sp>
@@ -11362,8 +12064,8 @@
         </p:nvSpPr>
         <p:spPr>
           <a:xfrm>
-            <a:off x="546240" y="1540982"/>
-            <a:ext cx="8026490" cy="2800767"/>
+            <a:off x="558754" y="4104698"/>
+            <a:ext cx="8026490" cy="584775"/>
           </a:xfrm>
           <a:prstGeom prst="rect">
             <a:avLst/>
@@ -11376,7 +12078,6 @@
           </a:bodyPr>
           <a:lstStyle/>
           <a:p>
-            <a:pPr algn="just"/>
             <a:r>
               <a:rPr lang="en-US" sz="1600" dirty="0">
                 <a:latin typeface="Rubik"/>
@@ -11384,7 +12085,225 @@
                 <a:cs typeface="Rubik"/>
                 <a:sym typeface="Rubik"/>
               </a:rPr>
-              <a:t>The metric measurement results show that the ARIMA model created has not been able to predict well. This can also be seen from the visualization of the prediction results on the previous page, which shows that the ARIMA prediction is still far from the actual value.</a:t>
+              <a:t>Using the ARIMA (40,2,1) model to create a regression machine learning model that can predict the number of products sold so that inventory management can be optimized.</a:t>
+            </a:r>
+            <a:endParaRPr lang="en-US" sz="1600" dirty="0"/>
+          </a:p>
+        </p:txBody>
+      </p:sp>
+      <p:pic>
+        <p:nvPicPr>
+          <p:cNvPr id="8" name="Picture 7">
+            <a:extLst>
+              <a:ext uri="{FF2B5EF4-FFF2-40B4-BE49-F238E27FC236}">
+                <a16:creationId xmlns:a16="http://schemas.microsoft.com/office/drawing/2014/main" id="{00A99F69-41D5-480F-AA64-112AE0C9B66C}"/>
+              </a:ext>
+            </a:extLst>
+          </p:cNvPr>
+          <p:cNvPicPr>
+            <a:picLocks noChangeAspect="1"/>
+          </p:cNvPicPr>
+          <p:nvPr/>
+        </p:nvPicPr>
+        <p:blipFill>
+          <a:blip r:embed="rId6"/>
+          <a:stretch>
+            <a:fillRect/>
+          </a:stretch>
+        </p:blipFill>
+        <p:spPr>
+          <a:xfrm>
+            <a:off x="5999025" y="130144"/>
+            <a:ext cx="1151890" cy="606542"/>
+          </a:xfrm>
+          <a:prstGeom prst="rect">
+            <a:avLst/>
+          </a:prstGeom>
+          <a:effectLst>
+            <a:softEdge rad="0"/>
+          </a:effectLst>
+        </p:spPr>
+      </p:pic>
+    </p:spTree>
+    <p:extLst>
+      <p:ext uri="{BB962C8B-B14F-4D97-AF65-F5344CB8AC3E}">
+        <p14:creationId xmlns:p14="http://schemas.microsoft.com/office/powerpoint/2010/main" val="3085203408"/>
+      </p:ext>
+    </p:extLst>
+  </p:cSld>
+  <p:clrMapOvr>
+    <a:masterClrMapping/>
+  </p:clrMapOvr>
+</p:sld>
+</file>
+
+<file path=ppt/slides/slide22.xml><?xml version="1.0" encoding="utf-8"?>
+<p:sld xmlns:a="http://schemas.openxmlformats.org/drawingml/2006/main" xmlns:r="http://schemas.openxmlformats.org/officeDocument/2006/relationships" xmlns:p="http://schemas.openxmlformats.org/presentationml/2006/main">
+  <p:cSld>
+    <p:spTree>
+      <p:nvGrpSpPr>
+        <p:cNvPr id="1" name="Shape 93"/>
+        <p:cNvGrpSpPr/>
+        <p:nvPr/>
+      </p:nvGrpSpPr>
+      <p:grpSpPr>
+        <a:xfrm>
+          <a:off x="0" y="0"/>
+          <a:ext cx="0" cy="0"/>
+          <a:chOff x="0" y="0"/>
+          <a:chExt cx="0" cy="0"/>
+        </a:xfrm>
+      </p:grpSpPr>
+      <p:pic>
+        <p:nvPicPr>
+          <p:cNvPr id="94" name="Google Shape;94;p16"/>
+          <p:cNvPicPr preferRelativeResize="0"/>
+          <p:nvPr/>
+        </p:nvPicPr>
+        <p:blipFill>
+          <a:blip r:embed="rId3">
+            <a:alphaModFix amt="10000"/>
+          </a:blip>
+          <a:stretch>
+            <a:fillRect/>
+          </a:stretch>
+        </p:blipFill>
+        <p:spPr>
+          <a:xfrm>
+            <a:off x="0" y="-5316"/>
+            <a:ext cx="9144001" cy="5143501"/>
+          </a:xfrm>
+          <a:prstGeom prst="rect">
+            <a:avLst/>
+          </a:prstGeom>
+          <a:noFill/>
+          <a:ln>
+            <a:noFill/>
+          </a:ln>
+        </p:spPr>
+      </p:pic>
+      <p:sp>
+        <p:nvSpPr>
+          <p:cNvPr id="95" name="Google Shape;95;p16"/>
+          <p:cNvSpPr txBox="1"/>
+          <p:nvPr/>
+        </p:nvSpPr>
+        <p:spPr>
+          <a:xfrm>
+            <a:off x="546240" y="425795"/>
+            <a:ext cx="5891774" cy="738633"/>
+          </a:xfrm>
+          <a:prstGeom prst="rect">
+            <a:avLst/>
+          </a:prstGeom>
+          <a:noFill/>
+          <a:ln>
+            <a:noFill/>
+          </a:ln>
+          <a:effectLst>
+            <a:outerShdw blurRad="57150" dist="19050" dir="2820000" algn="bl" rotWithShape="0">
+              <a:srgbClr val="B7B7B7">
+                <a:alpha val="86000"/>
+              </a:srgbClr>
+            </a:outerShdw>
+          </a:effectLst>
+        </p:spPr>
+        <p:txBody>
+          <a:bodyPr spcFirstLastPara="1" wrap="square" lIns="91425" tIns="91425" rIns="91425" bIns="91425" anchor="t" anchorCtr="0">
+            <a:spAutoFit/>
+          </a:bodyPr>
+          <a:lstStyle/>
+          <a:p>
+            <a:pPr marL="0" lvl="0" indent="0" rtl="0">
+              <a:spcBef>
+                <a:spcPts val="0"/>
+              </a:spcBef>
+              <a:spcAft>
+                <a:spcPts val="0"/>
+              </a:spcAft>
+              <a:buNone/>
+            </a:pPr>
+            <a:r>
+              <a:rPr lang="en-US" sz="3600" b="1" dirty="0">
+                <a:latin typeface="Rubik"/>
+                <a:ea typeface="Rubik"/>
+                <a:cs typeface="Rubik"/>
+                <a:sym typeface="Rubik"/>
+              </a:rPr>
+              <a:t>Regression (ARIMA)</a:t>
+            </a:r>
+          </a:p>
+        </p:txBody>
+      </p:sp>
+      <p:pic>
+        <p:nvPicPr>
+          <p:cNvPr id="96" name="Google Shape;96;p16"/>
+          <p:cNvPicPr preferRelativeResize="0"/>
+          <p:nvPr/>
+        </p:nvPicPr>
+        <p:blipFill rotWithShape="1">
+          <a:blip r:embed="rId4">
+            <a:alphaModFix/>
+            <a:extLst>
+              <a:ext uri="{28A0092B-C50C-407E-A947-70E740481C1C}">
+                <a14:useLocalDpi xmlns:a14="http://schemas.microsoft.com/office/drawing/2010/main"/>
+              </a:ext>
+            </a:extLst>
+          </a:blip>
+          <a:srcRect/>
+          <a:stretch/>
+        </p:blipFill>
+        <p:spPr>
+          <a:xfrm>
+            <a:off x="7317600" y="185625"/>
+            <a:ext cx="1399902" cy="541300"/>
+          </a:xfrm>
+          <a:prstGeom prst="rect">
+            <a:avLst/>
+          </a:prstGeom>
+          <a:noFill/>
+          <a:ln>
+            <a:noFill/>
+          </a:ln>
+        </p:spPr>
+      </p:pic>
+      <p:sp>
+        <p:nvSpPr>
+          <p:cNvPr id="9" name="TextBox 8">
+            <a:extLst>
+              <a:ext uri="{FF2B5EF4-FFF2-40B4-BE49-F238E27FC236}">
+                <a16:creationId xmlns:a16="http://schemas.microsoft.com/office/drawing/2014/main" id="{AF6E16E3-7A15-19C3-E917-8228C7ED243C}"/>
+              </a:ext>
+            </a:extLst>
+          </p:cNvPr>
+          <p:cNvSpPr txBox="1"/>
+          <p:nvPr/>
+        </p:nvSpPr>
+        <p:spPr>
+          <a:xfrm>
+            <a:off x="546240" y="1540982"/>
+            <a:ext cx="8026490" cy="2800767"/>
+          </a:xfrm>
+          <a:prstGeom prst="rect">
+            <a:avLst/>
+          </a:prstGeom>
+          <a:noFill/>
+        </p:spPr>
+        <p:txBody>
+          <a:bodyPr wrap="square">
+            <a:spAutoFit/>
+          </a:bodyPr>
+          <a:lstStyle/>
+          <a:p>
+            <a:pPr algn="just"/>
+            <a:r>
+              <a:rPr lang="en-US" sz="1600" dirty="0">
+                <a:latin typeface="Rubik"/>
+                <a:ea typeface="Rubik"/>
+                <a:cs typeface="Rubik"/>
+                <a:sym typeface="Rubik"/>
+              </a:rPr>
+              <a:t>The metric measurement results show that the ARIMA model created has not been able to predict well enough. This can also be seen from the visualization of the prediction results on the previous page, which shows that the ARIMA prediction is still far from the actual value.</a:t>
             </a:r>
           </a:p>
           <a:p>
@@ -11519,7 +12438,7 @@
 </p:sld>
 </file>
 
-<file path=ppt/slides/slide21.xml><?xml version="1.0" encoding="utf-8"?>
+<file path=ppt/slides/slide23.xml><?xml version="1.0" encoding="utf-8"?>
 <p:sld xmlns:a="http://schemas.openxmlformats.org/drawingml/2006/main" xmlns:r="http://schemas.openxmlformats.org/officeDocument/2006/relationships" xmlns:p="http://schemas.openxmlformats.org/presentationml/2006/main">
   <p:cSld>
     <p:bg>
@@ -11873,8 +12792,13 @@
         <p:blipFill rotWithShape="1">
           <a:blip r:embed="rId4">
             <a:alphaModFix/>
+            <a:extLst>
+              <a:ext uri="{28A0092B-C50C-407E-A947-70E740481C1C}">
+                <a14:useLocalDpi xmlns:a14="http://schemas.microsoft.com/office/drawing/2010/main"/>
+              </a:ext>
+            </a:extLst>
           </a:blip>
-          <a:srcRect t="5658" b="5649"/>
+          <a:srcRect/>
           <a:stretch/>
         </p:blipFill>
         <p:spPr>
@@ -12115,8 +13039,13 @@
         <p:blipFill rotWithShape="1">
           <a:blip r:embed="rId4">
             <a:alphaModFix/>
+            <a:extLst>
+              <a:ext uri="{28A0092B-C50C-407E-A947-70E740481C1C}">
+                <a14:useLocalDpi xmlns:a14="http://schemas.microsoft.com/office/drawing/2010/main"/>
+              </a:ext>
+            </a:extLst>
           </a:blip>
-          <a:srcRect t="5658" b="5649"/>
+          <a:srcRect/>
           <a:stretch/>
         </p:blipFill>
         <p:spPr>
@@ -12406,8 +13335,13 @@
         <p:blipFill rotWithShape="1">
           <a:blip r:embed="rId4">
             <a:alphaModFix/>
+            <a:extLst>
+              <a:ext uri="{28A0092B-C50C-407E-A947-70E740481C1C}">
+                <a14:useLocalDpi xmlns:a14="http://schemas.microsoft.com/office/drawing/2010/main"/>
+              </a:ext>
+            </a:extLst>
           </a:blip>
-          <a:srcRect t="5658" b="5649"/>
+          <a:srcRect/>
           <a:stretch/>
         </p:blipFill>
         <p:spPr>
@@ -12750,8 +13684,13 @@
         <p:blipFill rotWithShape="1">
           <a:blip r:embed="rId4">
             <a:alphaModFix/>
+            <a:extLst>
+              <a:ext uri="{28A0092B-C50C-407E-A947-70E740481C1C}">
+                <a14:useLocalDpi xmlns:a14="http://schemas.microsoft.com/office/drawing/2010/main"/>
+              </a:ext>
+            </a:extLst>
           </a:blip>
-          <a:srcRect t="5658" b="5649"/>
+          <a:srcRect/>
           <a:stretch/>
         </p:blipFill>
         <p:spPr>
@@ -12797,6 +13736,9 @@
           <a:lstStyle/>
           <a:p>
             <a:pPr marL="139700" indent="0" algn="just">
+              <a:lnSpc>
+                <a:spcPct val="100000"/>
+              </a:lnSpc>
               <a:buNone/>
             </a:pPr>
             <a:r>
@@ -13834,8 +14776,13 @@
         <p:blipFill rotWithShape="1">
           <a:blip r:embed="rId4">
             <a:alphaModFix/>
+            <a:extLst>
+              <a:ext uri="{28A0092B-C50C-407E-A947-70E740481C1C}">
+                <a14:useLocalDpi xmlns:a14="http://schemas.microsoft.com/office/drawing/2010/main"/>
+              </a:ext>
+            </a:extLst>
           </a:blip>
-          <a:srcRect t="5658" b="5649"/>
+          <a:srcRect/>
           <a:stretch/>
         </p:blipFill>
         <p:spPr>
@@ -14011,8 +14958,13 @@
         <p:blipFill rotWithShape="1">
           <a:blip r:embed="rId4">
             <a:alphaModFix/>
+            <a:extLst>
+              <a:ext uri="{28A0092B-C50C-407E-A947-70E740481C1C}">
+                <a14:useLocalDpi xmlns:a14="http://schemas.microsoft.com/office/drawing/2010/main"/>
+              </a:ext>
+            </a:extLst>
           </a:blip>
-          <a:srcRect t="5658" b="5649"/>
+          <a:srcRect/>
           <a:stretch/>
         </p:blipFill>
         <p:spPr>
@@ -14492,8 +15444,8 @@
         </p:nvSpPr>
         <p:spPr>
           <a:xfrm>
-            <a:off x="546239" y="425795"/>
-            <a:ext cx="4461189" cy="738633"/>
+            <a:off x="546240" y="456275"/>
+            <a:ext cx="4620120" cy="738633"/>
           </a:xfrm>
           <a:prstGeom prst="rect">
             <a:avLst/>
@@ -14532,7 +15484,7 @@
                 <a:cs typeface="Rubik"/>
                 <a:sym typeface="Rubik"/>
               </a:rPr>
-              <a:t>Dashboard </a:t>
+              <a:t>SQL Query </a:t>
             </a:r>
             <a:r>
               <a:rPr lang="en-US" sz="3600" b="1" dirty="0">
@@ -14541,7 +15493,7 @@
                 <a:cs typeface="Rubik"/>
                 <a:sym typeface="Rubik"/>
               </a:rPr>
-              <a:t>Tableau</a:t>
+              <a:t>Insight</a:t>
             </a:r>
             <a:endParaRPr sz="3600" b="1" dirty="0">
               <a:latin typeface="Rubik"/>
@@ -14561,8 +15513,13 @@
         <p:blipFill rotWithShape="1">
           <a:blip r:embed="rId4">
             <a:alphaModFix/>
+            <a:extLst>
+              <a:ext uri="{28A0092B-C50C-407E-A947-70E740481C1C}">
+                <a14:useLocalDpi xmlns:a14="http://schemas.microsoft.com/office/drawing/2010/main"/>
+              </a:ext>
+            </a:extLst>
           </a:blip>
-          <a:srcRect t="5658" b="5649"/>
+          <a:srcRect/>
           <a:stretch/>
         </p:blipFill>
         <p:spPr>
@@ -14579,12 +15536,93 @@
           </a:ln>
         </p:spPr>
       </p:pic>
+      <p:sp>
+        <p:nvSpPr>
+          <p:cNvPr id="97" name="Google Shape;97;p16"/>
+          <p:cNvSpPr txBox="1"/>
+          <p:nvPr/>
+        </p:nvSpPr>
+        <p:spPr>
+          <a:xfrm>
+            <a:off x="546239" y="1743712"/>
+            <a:ext cx="8031703" cy="2123628"/>
+          </a:xfrm>
+          <a:prstGeom prst="rect">
+            <a:avLst/>
+          </a:prstGeom>
+          <a:noFill/>
+          <a:ln>
+            <a:noFill/>
+          </a:ln>
+        </p:spPr>
+        <p:txBody>
+          <a:bodyPr spcFirstLastPara="1" wrap="square" lIns="91425" tIns="91425" rIns="91425" bIns="91425" anchor="t" anchorCtr="0">
+            <a:spAutoFit/>
+          </a:bodyPr>
+          <a:lstStyle/>
+          <a:p>
+            <a:pPr marL="285750" lvl="0" indent="-285750" algn="just">
+              <a:buFont typeface="Arial" panose="020B0604020202020204" pitchFamily="34" charset="0"/>
+              <a:buChar char="•"/>
+            </a:pPr>
+            <a:r>
+              <a:rPr lang="en-US" sz="1800" dirty="0">
+                <a:latin typeface="Rubik"/>
+                <a:ea typeface="Rubik"/>
+                <a:cs typeface="Rubik"/>
+                <a:sym typeface="Rubik"/>
+              </a:rPr>
+              <a:t>Tailor promotions and product recommendations based on marital status. Married couples might be interested in family-oriented bundles, while singles might prefer individual-sized products.</a:t>
+            </a:r>
+          </a:p>
+          <a:p>
+            <a:pPr lvl="0" algn="just"/>
+            <a:endParaRPr lang="en-US" sz="1800" dirty="0">
+              <a:latin typeface="Rubik"/>
+              <a:ea typeface="Rubik"/>
+              <a:cs typeface="Rubik"/>
+              <a:sym typeface="Rubik"/>
+            </a:endParaRPr>
+          </a:p>
+          <a:p>
+            <a:pPr marL="285750" lvl="0" indent="-285750" algn="just">
+              <a:buFont typeface="Arial" panose="020B0604020202020204" pitchFamily="34" charset="0"/>
+              <a:buChar char="•"/>
+            </a:pPr>
+            <a:r>
+              <a:rPr lang="en-US" sz="1800" dirty="0">
+                <a:latin typeface="Rubik"/>
+                <a:ea typeface="Rubik"/>
+                <a:cs typeface="Rubik"/>
+                <a:sym typeface="Rubik"/>
+              </a:rPr>
+              <a:t>Leverage the age average difference between married and single customers.  For example, promote age-appropriate health products to each segment.</a:t>
+            </a:r>
+          </a:p>
+          <a:p>
+            <a:pPr lvl="0" algn="just" rtl="0">
+              <a:spcBef>
+                <a:spcPts val="0"/>
+              </a:spcBef>
+              <a:spcAft>
+                <a:spcPts val="0"/>
+              </a:spcAft>
+            </a:pPr>
+            <a:endParaRPr lang="en-US" sz="1800" dirty="0">
+              <a:latin typeface="Rubik"/>
+              <a:ea typeface="Rubik"/>
+              <a:cs typeface="Rubik"/>
+              <a:sym typeface="Rubik"/>
+            </a:endParaRPr>
+          </a:p>
+        </p:txBody>
+      </p:sp>
       <p:pic>
         <p:nvPicPr>
-          <p:cNvPr id="3" name="Picture 2">
+          <p:cNvPr id="12" name="Picture 11">
             <a:extLst>
               <a:ext uri="{FF2B5EF4-FFF2-40B4-BE49-F238E27FC236}">
-                <a16:creationId xmlns:a16="http://schemas.microsoft.com/office/drawing/2014/main" id="{E2381C2E-567B-84AA-1DC6-03BE60154D8C}"/>
+                <a16:creationId xmlns:a16="http://schemas.microsoft.com/office/drawing/2014/main" id="{71415FBE-6093-4449-A9D5-F47FC9CF40C3}"/>
               </a:ext>
             </a:extLst>
           </p:cNvPr>
@@ -14601,74 +15639,6 @@
         </p:blipFill>
         <p:spPr>
           <a:xfrm>
-            <a:off x="1325880" y="1152720"/>
-            <a:ext cx="6637020" cy="3730083"/>
-          </a:xfrm>
-          <a:prstGeom prst="rect">
-            <a:avLst/>
-          </a:prstGeom>
-        </p:spPr>
-      </p:pic>
-      <p:sp>
-        <p:nvSpPr>
-          <p:cNvPr id="4" name="TextBox 3">
-            <a:extLst>
-              <a:ext uri="{FF2B5EF4-FFF2-40B4-BE49-F238E27FC236}">
-                <a16:creationId xmlns:a16="http://schemas.microsoft.com/office/drawing/2014/main" id="{B5687C10-507B-4EDC-0B63-295ED4542971}"/>
-              </a:ext>
-            </a:extLst>
-          </p:cNvPr>
-          <p:cNvSpPr txBox="1"/>
-          <p:nvPr/>
-        </p:nvSpPr>
-        <p:spPr>
-          <a:xfrm>
-            <a:off x="6522720" y="856651"/>
-            <a:ext cx="4648200" cy="307777"/>
-          </a:xfrm>
-          <a:prstGeom prst="rect">
-            <a:avLst/>
-          </a:prstGeom>
-          <a:noFill/>
-        </p:spPr>
-        <p:txBody>
-          <a:bodyPr wrap="square">
-            <a:spAutoFit/>
-          </a:bodyPr>
-          <a:lstStyle/>
-          <a:p>
-            <a:r>
-              <a:rPr lang="en-US" b="1" dirty="0">
-                <a:hlinkClick r:id="rId6"/>
-              </a:rPr>
-              <a:t>Link Dashboard</a:t>
-            </a:r>
-            <a:endParaRPr lang="en-US" b="1" dirty="0"/>
-          </a:p>
-        </p:txBody>
-      </p:sp>
-      <p:pic>
-        <p:nvPicPr>
-          <p:cNvPr id="7" name="Picture 6">
-            <a:extLst>
-              <a:ext uri="{FF2B5EF4-FFF2-40B4-BE49-F238E27FC236}">
-                <a16:creationId xmlns:a16="http://schemas.microsoft.com/office/drawing/2014/main" id="{F94FD82F-A516-486A-92E9-5BE18F17E913}"/>
-              </a:ext>
-            </a:extLst>
-          </p:cNvPr>
-          <p:cNvPicPr>
-            <a:picLocks noChangeAspect="1"/>
-          </p:cNvPicPr>
-          <p:nvPr/>
-        </p:nvPicPr>
-        <p:blipFill>
-          <a:blip r:embed="rId7"/>
-          <a:stretch>
-            <a:fillRect/>
-          </a:stretch>
-        </p:blipFill>
-        <p:spPr>
-          <a:xfrm>
             <a:off x="5999025" y="130144"/>
             <a:ext cx="1151890" cy="606542"/>
           </a:xfrm>
@@ -14683,7 +15653,7 @@
     </p:spTree>
     <p:extLst>
       <p:ext uri="{BB962C8B-B14F-4D97-AF65-F5344CB8AC3E}">
-        <p14:creationId xmlns:p14="http://schemas.microsoft.com/office/powerpoint/2010/main" val="1760420866"/>
+        <p14:creationId xmlns:p14="http://schemas.microsoft.com/office/powerpoint/2010/main" val="3494692457"/>
       </p:ext>
     </p:extLst>
   </p:cSld>
